--- a/lecture/11.pptx
+++ b/lecture/11.pptx
@@ -5,11 +5,12 @@
     <p:sldMasterId id="2147483649" r:id="rId1"/>
   </p:sldMasterIdLst>
   <p:notesMasterIdLst>
-    <p:notesMasterId r:id="rId4"/>
+    <p:notesMasterId r:id="rId5"/>
   </p:notesMasterIdLst>
   <p:sldIdLst>
     <p:sldId id="311" r:id="rId2"/>
     <p:sldId id="352" r:id="rId3"/>
+    <p:sldId id="353" r:id="rId4"/>
   </p:sldIdLst>
   <p:sldSz cx="9144000" cy="6858000" type="screen4x3"/>
   <p:notesSz cx="6858000" cy="9144000"/>
@@ -5200,17 +5201,12 @@
             </a:pPr>
             <a:r>
               <a:rPr kumimoji="0" lang="ru-RU" altLang="ru-RU" b="1" kern="0" dirty="0" smtClean="0"/>
-              <a:t>Базовые протоколы</a:t>
-            </a:r>
-            <a:r>
-              <a:rPr kumimoji="0" lang="ru-RU" altLang="ru-RU" b="1" kern="0" dirty="0" smtClean="0"/>
-              <a:t> </a:t>
+              <a:t>Базовые протоколы </a:t>
             </a:r>
             <a:r>
               <a:rPr kumimoji="0" lang="en-US" altLang="ru-RU" b="1" kern="0" dirty="0" smtClean="0"/>
               <a:t>TCP/IP</a:t>
             </a:r>
-            <a:endParaRPr kumimoji="0" lang="en-US" altLang="ru-RU" b="1" kern="0" dirty="0" smtClean="0"/>
           </a:p>
         </p:txBody>
       </p:sp>
@@ -5477,7 +5473,7 @@
           <a:graphicData uri="http://schemas.openxmlformats.org/presentationml/2006/ole">
             <mc:AlternateContent xmlns:mc="http://schemas.openxmlformats.org/markup-compatibility/2006">
               <mc:Choice xmlns:v="urn:schemas-microsoft-com:vml" Requires="v">
-                <p:oleObj spid="_x0000_s211978" name="CorelDRAW" r:id="rId3" imgW="3329026" imgH="1716634" progId="CorelDRAW.Graphic.11">
+                <p:oleObj spid="_x0000_s211980" name="CorelDRAW" r:id="rId3" imgW="3329026" imgH="1716634" progId="CorelDRAW.Graphic.11">
                   <p:embed/>
                 </p:oleObj>
               </mc:Choice>
@@ -6085,6 +6081,5693 @@
     <p:extLst>
       <p:ext uri="{BB962C8B-B14F-4D97-AF65-F5344CB8AC3E}">
         <p14:creationId xmlns:p14="http://schemas.microsoft.com/office/powerpoint/2010/main" val="2477147451"/>
+      </p:ext>
+    </p:extLst>
+  </p:cSld>
+  <p:clrMapOvr>
+    <a:masterClrMapping/>
+  </p:clrMapOvr>
+  <p:timing>
+    <p:tnLst>
+      <p:par>
+        <p:cTn id="1" dur="indefinite" restart="never" nodeType="tmRoot"/>
+      </p:par>
+    </p:tnLst>
+  </p:timing>
+</p:sld>
+</file>
+
+<file path=ppt/slides/slide3.xml><?xml version="1.0" encoding="utf-8"?>
+<p:sld xmlns:a="http://schemas.openxmlformats.org/drawingml/2006/main" xmlns:r="http://schemas.openxmlformats.org/officeDocument/2006/relationships" xmlns:p="http://schemas.openxmlformats.org/presentationml/2006/main">
+  <p:cSld>
+    <p:spTree>
+      <p:nvGrpSpPr>
+        <p:cNvPr id="1" name=""/>
+        <p:cNvGrpSpPr/>
+        <p:nvPr/>
+      </p:nvGrpSpPr>
+      <p:grpSpPr>
+        <a:xfrm>
+          <a:off x="0" y="0"/>
+          <a:ext cx="0" cy="0"/>
+          <a:chOff x="0" y="0"/>
+          <a:chExt cx="0" cy="0"/>
+        </a:xfrm>
+      </p:grpSpPr>
+      <p:sp>
+        <p:nvSpPr>
+          <p:cNvPr id="15" name="Заголовок 1"/>
+          <p:cNvSpPr txBox="1">
+            <a:spLocks/>
+          </p:cNvSpPr>
+          <p:nvPr/>
+        </p:nvSpPr>
+        <p:spPr>
+          <a:xfrm>
+            <a:off x="107504" y="260648"/>
+            <a:ext cx="8892480" cy="1008112"/>
+          </a:xfrm>
+          <a:prstGeom prst="rect">
+            <a:avLst/>
+          </a:prstGeom>
+        </p:spPr>
+        <p:txBody>
+          <a:bodyPr/>
+          <a:lstStyle>
+            <a:lvl1pPr algn="l" rtl="0" fontAlgn="base">
+              <a:spcBef>
+                <a:spcPct val="0"/>
+              </a:spcBef>
+              <a:spcAft>
+                <a:spcPct val="0"/>
+              </a:spcAft>
+              <a:defRPr sz="4400">
+                <a:solidFill>
+                  <a:schemeClr val="tx2"/>
+                </a:solidFill>
+                <a:latin typeface="+mj-lt"/>
+                <a:ea typeface="+mj-ea"/>
+                <a:cs typeface="+mj-cs"/>
+              </a:defRPr>
+            </a:lvl1pPr>
+            <a:lvl2pPr algn="l" rtl="0" fontAlgn="base">
+              <a:spcBef>
+                <a:spcPct val="0"/>
+              </a:spcBef>
+              <a:spcAft>
+                <a:spcPct val="0"/>
+              </a:spcAft>
+              <a:defRPr sz="4400">
+                <a:solidFill>
+                  <a:schemeClr val="tx2"/>
+                </a:solidFill>
+                <a:latin typeface="Times New Roman" pitchFamily="18" charset="0"/>
+              </a:defRPr>
+            </a:lvl2pPr>
+            <a:lvl3pPr algn="l" rtl="0" fontAlgn="base">
+              <a:spcBef>
+                <a:spcPct val="0"/>
+              </a:spcBef>
+              <a:spcAft>
+                <a:spcPct val="0"/>
+              </a:spcAft>
+              <a:defRPr sz="4400">
+                <a:solidFill>
+                  <a:schemeClr val="tx2"/>
+                </a:solidFill>
+                <a:latin typeface="Times New Roman" pitchFamily="18" charset="0"/>
+              </a:defRPr>
+            </a:lvl3pPr>
+            <a:lvl4pPr algn="l" rtl="0" fontAlgn="base">
+              <a:spcBef>
+                <a:spcPct val="0"/>
+              </a:spcBef>
+              <a:spcAft>
+                <a:spcPct val="0"/>
+              </a:spcAft>
+              <a:defRPr sz="4400">
+                <a:solidFill>
+                  <a:schemeClr val="tx2"/>
+                </a:solidFill>
+                <a:latin typeface="Times New Roman" pitchFamily="18" charset="0"/>
+              </a:defRPr>
+            </a:lvl4pPr>
+            <a:lvl5pPr algn="l" rtl="0" fontAlgn="base">
+              <a:spcBef>
+                <a:spcPct val="0"/>
+              </a:spcBef>
+              <a:spcAft>
+                <a:spcPct val="0"/>
+              </a:spcAft>
+              <a:defRPr sz="4400">
+                <a:solidFill>
+                  <a:schemeClr val="tx2"/>
+                </a:solidFill>
+                <a:latin typeface="Times New Roman" pitchFamily="18" charset="0"/>
+              </a:defRPr>
+            </a:lvl5pPr>
+            <a:lvl6pPr marL="457200" algn="l" rtl="0" fontAlgn="base">
+              <a:spcBef>
+                <a:spcPct val="0"/>
+              </a:spcBef>
+              <a:spcAft>
+                <a:spcPct val="0"/>
+              </a:spcAft>
+              <a:defRPr sz="4400">
+                <a:solidFill>
+                  <a:schemeClr val="tx2"/>
+                </a:solidFill>
+                <a:latin typeface="Times New Roman" pitchFamily="18" charset="0"/>
+              </a:defRPr>
+            </a:lvl6pPr>
+            <a:lvl7pPr marL="914400" algn="l" rtl="0" fontAlgn="base">
+              <a:spcBef>
+                <a:spcPct val="0"/>
+              </a:spcBef>
+              <a:spcAft>
+                <a:spcPct val="0"/>
+              </a:spcAft>
+              <a:defRPr sz="4400">
+                <a:solidFill>
+                  <a:schemeClr val="tx2"/>
+                </a:solidFill>
+                <a:latin typeface="Times New Roman" pitchFamily="18" charset="0"/>
+              </a:defRPr>
+            </a:lvl7pPr>
+            <a:lvl8pPr marL="1371600" algn="l" rtl="0" fontAlgn="base">
+              <a:spcBef>
+                <a:spcPct val="0"/>
+              </a:spcBef>
+              <a:spcAft>
+                <a:spcPct val="0"/>
+              </a:spcAft>
+              <a:defRPr sz="4400">
+                <a:solidFill>
+                  <a:schemeClr val="tx2"/>
+                </a:solidFill>
+                <a:latin typeface="Times New Roman" pitchFamily="18" charset="0"/>
+              </a:defRPr>
+            </a:lvl8pPr>
+            <a:lvl9pPr marL="1828800" algn="l" rtl="0" fontAlgn="base">
+              <a:spcBef>
+                <a:spcPct val="0"/>
+              </a:spcBef>
+              <a:spcAft>
+                <a:spcPct val="0"/>
+              </a:spcAft>
+              <a:defRPr sz="4400">
+                <a:solidFill>
+                  <a:schemeClr val="tx2"/>
+                </a:solidFill>
+                <a:latin typeface="Times New Roman" pitchFamily="18" charset="0"/>
+              </a:defRPr>
+            </a:lvl9pPr>
+          </a:lstStyle>
+          <a:p>
+            <a:pPr algn="ctr">
+              <a:buClrTx/>
+              <a:buSzTx/>
+              <a:buFontTx/>
+              <a:buNone/>
+            </a:pPr>
+            <a:r>
+              <a:rPr kumimoji="0" lang="ru-RU" altLang="ru-RU" b="1" kern="0" dirty="0" smtClean="0"/>
+              <a:t>Протоколы семейства </a:t>
+            </a:r>
+            <a:r>
+              <a:rPr kumimoji="0" lang="en-US" altLang="ru-RU" b="1" kern="0" dirty="0" smtClean="0"/>
+              <a:t>TCP/IP</a:t>
+            </a:r>
+            <a:endParaRPr kumimoji="0" lang="ru-RU" altLang="ru-RU" b="1" kern="0" dirty="0" smtClean="0"/>
+          </a:p>
+        </p:txBody>
+      </p:sp>
+      <p:sp>
+        <p:nvSpPr>
+          <p:cNvPr id="4" name="Rectangle 4"/>
+          <p:cNvSpPr>
+            <a:spLocks noChangeArrowheads="1"/>
+          </p:cNvSpPr>
+          <p:nvPr/>
+        </p:nvSpPr>
+        <p:spPr bwMode="auto">
+          <a:xfrm>
+            <a:off x="0" y="0"/>
+            <a:ext cx="9144000" cy="0"/>
+          </a:xfrm>
+          <a:prstGeom prst="rect">
+            <a:avLst/>
+          </a:prstGeom>
+          <a:noFill/>
+          <a:ln>
+            <a:noFill/>
+          </a:ln>
+          <a:effectLst/>
+          <a:extLst>
+            <a:ext uri="{909E8E84-426E-40DD-AFC4-6F175D3DCCD1}">
+              <a14:hiddenFill xmlns:a14="http://schemas.microsoft.com/office/drawing/2010/main">
+                <a:solidFill>
+                  <a:schemeClr val="accent1"/>
+                </a:solidFill>
+              </a14:hiddenFill>
+            </a:ext>
+            <a:ext uri="{91240B29-F687-4F45-9708-019B960494DF}">
+              <a14:hiddenLine xmlns:a14="http://schemas.microsoft.com/office/drawing/2010/main" w="9525">
+                <a:solidFill>
+                  <a:schemeClr val="tx1"/>
+                </a:solidFill>
+                <a:miter lim="800000"/>
+                <a:headEnd/>
+                <a:tailEnd/>
+              </a14:hiddenLine>
+            </a:ext>
+            <a:ext uri="{AF507438-7753-43E0-B8FC-AC1667EBCBE1}">
+              <a14:hiddenEffects xmlns:a14="http://schemas.microsoft.com/office/drawing/2010/main">
+                <a:effectLst>
+                  <a:outerShdw dist="35921" dir="2700000" algn="ctr" rotWithShape="0">
+                    <a:schemeClr val="bg2"/>
+                  </a:outerShdw>
+                </a:effectLst>
+              </a14:hiddenEffects>
+            </a:ext>
+          </a:extLst>
+        </p:spPr>
+        <p:txBody>
+          <a:bodyPr vert="horz" wrap="none" lIns="91440" tIns="45720" rIns="91440" bIns="45720" numCol="1" anchor="ctr" anchorCtr="0" compatLnSpc="1">
+            <a:prstTxWarp prst="textNoShape">
+              <a:avLst/>
+            </a:prstTxWarp>
+            <a:spAutoFit/>
+          </a:bodyPr>
+          <a:lstStyle/>
+          <a:p>
+            <a:endParaRPr lang="ru-RU"/>
+          </a:p>
+        </p:txBody>
+      </p:sp>
+      <p:sp>
+        <p:nvSpPr>
+          <p:cNvPr id="9" name="Rectangle 7"/>
+          <p:cNvSpPr>
+            <a:spLocks noChangeArrowheads="1"/>
+          </p:cNvSpPr>
+          <p:nvPr/>
+        </p:nvSpPr>
+        <p:spPr bwMode="auto">
+          <a:xfrm>
+            <a:off x="828356" y="5800935"/>
+            <a:ext cx="875907" cy="285622"/>
+          </a:xfrm>
+          <a:prstGeom prst="rect">
+            <a:avLst/>
+          </a:prstGeom>
+          <a:noFill/>
+          <a:ln>
+            <a:noFill/>
+          </a:ln>
+          <a:extLst>
+            <a:ext uri="{909E8E84-426E-40DD-AFC4-6F175D3DCCD1}">
+              <a14:hiddenFill xmlns:a14="http://schemas.microsoft.com/office/drawing/2010/main">
+                <a:solidFill>
+                  <a:srgbClr val="FFFFFF"/>
+                </a:solidFill>
+              </a14:hiddenFill>
+            </a:ext>
+            <a:ext uri="{91240B29-F687-4F45-9708-019B960494DF}">
+              <a14:hiddenLine xmlns:a14="http://schemas.microsoft.com/office/drawing/2010/main" w="0">
+                <a:solidFill>
+                  <a:srgbClr val="000000"/>
+                </a:solidFill>
+                <a:miter lim="800000"/>
+                <a:headEnd/>
+                <a:tailEnd/>
+              </a14:hiddenLine>
+            </a:ext>
+          </a:extLst>
+        </p:spPr>
+        <p:txBody>
+          <a:bodyPr vert="horz" wrap="square" lIns="0" tIns="0" rIns="0" bIns="0" numCol="1" anchor="t" anchorCtr="0" compatLnSpc="1">
+            <a:prstTxWarp prst="textNoShape">
+              <a:avLst/>
+            </a:prstTxWarp>
+          </a:bodyPr>
+          <a:lstStyle/>
+          <a:p>
+            <a:pPr lvl="0">
+              <a:spcBef>
+                <a:spcPct val="0"/>
+              </a:spcBef>
+              <a:buClrTx/>
+              <a:buSzTx/>
+              <a:buNone/>
+            </a:pPr>
+            <a:r>
+              <a:rPr kumimoji="0" lang="en-US" altLang="ru-RU" sz="1200" b="0" i="1" u="none" strike="noStrike" cap="none" normalizeH="0" baseline="0" dirty="0" err="1" smtClean="0">
+                <a:ln>
+                  <a:noFill/>
+                </a:ln>
+                <a:solidFill>
+                  <a:srgbClr val="000000"/>
+                </a:solidFill>
+                <a:effectLst/>
+                <a:latin typeface="Times New Roman CYR"/>
+                <a:ea typeface="Times New Roman" pitchFamily="18" charset="0"/>
+              </a:rPr>
+              <a:t>Уровни</a:t>
+            </a:r>
+            <a:r>
+              <a:rPr kumimoji="0" lang="en-US" altLang="ru-RU" sz="1200" b="0" i="1" u="none" strike="noStrike" cap="none" normalizeH="0" baseline="0" dirty="0" smtClean="0">
+                <a:ln>
+                  <a:noFill/>
+                </a:ln>
+                <a:solidFill>
+                  <a:srgbClr val="000000"/>
+                </a:solidFill>
+                <a:effectLst/>
+                <a:latin typeface="Times New Roman CYR"/>
+                <a:ea typeface="Times New Roman" pitchFamily="18" charset="0"/>
+              </a:rPr>
+              <a:t> </a:t>
+            </a:r>
+            <a:r>
+              <a:rPr kumimoji="0" lang="en-US" altLang="ru-RU" sz="1200" i="1" dirty="0" err="1" smtClean="0">
+                <a:solidFill>
+                  <a:srgbClr val="000000"/>
+                </a:solidFill>
+                <a:latin typeface="Times New Roman CYR"/>
+                <a:ea typeface="Times New Roman" pitchFamily="18" charset="0"/>
+              </a:rPr>
+              <a:t>модели</a:t>
+            </a:r>
+            <a:r>
+              <a:rPr kumimoji="0" lang="en-US" altLang="ru-RU" sz="1200" i="1" dirty="0" smtClean="0">
+                <a:solidFill>
+                  <a:srgbClr val="000000"/>
+                </a:solidFill>
+                <a:latin typeface="Times New Roman CYR"/>
+                <a:ea typeface="Times New Roman" pitchFamily="18" charset="0"/>
+              </a:rPr>
+              <a:t> </a:t>
+            </a:r>
+            <a:r>
+              <a:rPr kumimoji="0" lang="en-US" altLang="ru-RU" sz="1200" i="1" dirty="0">
+                <a:solidFill>
+                  <a:srgbClr val="000000"/>
+                </a:solidFill>
+                <a:latin typeface="Times New Roman CYR"/>
+                <a:ea typeface="Times New Roman" pitchFamily="18" charset="0"/>
+              </a:rPr>
+              <a:t>OSI</a:t>
+            </a:r>
+            <a:endParaRPr kumimoji="0" lang="en-US" altLang="ru-RU" sz="1200" b="0" i="0" u="none" strike="noStrike" cap="none" normalizeH="0" baseline="0" dirty="0" smtClean="0">
+              <a:ln>
+                <a:noFill/>
+              </a:ln>
+              <a:solidFill>
+                <a:schemeClr val="tx1"/>
+              </a:solidFill>
+              <a:effectLst/>
+              <a:latin typeface="Arial" pitchFamily="34" charset="0"/>
+              <a:cs typeface="Arial" pitchFamily="34" charset="0"/>
+            </a:endParaRPr>
+          </a:p>
+        </p:txBody>
+      </p:sp>
+      <p:sp>
+        <p:nvSpPr>
+          <p:cNvPr id="18" name="Rectangle 6"/>
+          <p:cNvSpPr>
+            <a:spLocks noChangeArrowheads="1"/>
+          </p:cNvSpPr>
+          <p:nvPr/>
+        </p:nvSpPr>
+        <p:spPr bwMode="auto">
+          <a:xfrm>
+            <a:off x="847398" y="6016738"/>
+            <a:ext cx="1063149" cy="412565"/>
+          </a:xfrm>
+          <a:prstGeom prst="rect">
+            <a:avLst/>
+          </a:prstGeom>
+          <a:noFill/>
+          <a:ln>
+            <a:noFill/>
+          </a:ln>
+          <a:extLst>
+            <a:ext uri="{909E8E84-426E-40DD-AFC4-6F175D3DCCD1}">
+              <a14:hiddenFill xmlns:a14="http://schemas.microsoft.com/office/drawing/2010/main">
+                <a:solidFill>
+                  <a:srgbClr val="FFFFFF"/>
+                </a:solidFill>
+              </a14:hiddenFill>
+            </a:ext>
+            <a:ext uri="{91240B29-F687-4F45-9708-019B960494DF}">
+              <a14:hiddenLine xmlns:a14="http://schemas.microsoft.com/office/drawing/2010/main" w="0">
+                <a:solidFill>
+                  <a:srgbClr val="000000"/>
+                </a:solidFill>
+                <a:miter lim="800000"/>
+                <a:headEnd/>
+                <a:tailEnd/>
+              </a14:hiddenLine>
+            </a:ext>
+          </a:extLst>
+        </p:spPr>
+        <p:txBody>
+          <a:bodyPr vert="horz" wrap="square" lIns="0" tIns="0" rIns="0" bIns="0" numCol="1" anchor="t" anchorCtr="0" compatLnSpc="1">
+            <a:prstTxWarp prst="textNoShape">
+              <a:avLst/>
+            </a:prstTxWarp>
+          </a:bodyPr>
+          <a:lstStyle/>
+          <a:p>
+            <a:pPr marL="0" marR="0" lvl="0" indent="0" algn="l" defTabSz="914400" rtl="0" eaLnBrk="1" fontAlgn="base" latinLnBrk="0" hangingPunct="1">
+              <a:lnSpc>
+                <a:spcPct val="100000"/>
+              </a:lnSpc>
+              <a:spcBef>
+                <a:spcPct val="0"/>
+              </a:spcBef>
+              <a:spcAft>
+                <a:spcPct val="0"/>
+              </a:spcAft>
+              <a:buClrTx/>
+              <a:buSzTx/>
+              <a:buFontTx/>
+              <a:buNone/>
+              <a:tabLst/>
+            </a:pPr>
+            <a:endParaRPr kumimoji="0" lang="en-US" altLang="ru-RU" sz="1800" b="0" i="0" u="none" strike="noStrike" cap="none" normalizeH="0" baseline="0" dirty="0" smtClean="0">
+              <a:ln>
+                <a:noFill/>
+              </a:ln>
+              <a:solidFill>
+                <a:schemeClr val="tx1"/>
+              </a:solidFill>
+              <a:effectLst/>
+              <a:latin typeface="Arial" pitchFamily="34" charset="0"/>
+              <a:cs typeface="Arial" pitchFamily="34" charset="0"/>
+            </a:endParaRPr>
+          </a:p>
+        </p:txBody>
+      </p:sp>
+      <p:grpSp>
+        <p:nvGrpSpPr>
+          <p:cNvPr id="21" name="Group 57"/>
+          <p:cNvGrpSpPr>
+            <a:grpSpLocks/>
+          </p:cNvGrpSpPr>
+          <p:nvPr/>
+        </p:nvGrpSpPr>
+        <p:grpSpPr bwMode="auto">
+          <a:xfrm>
+            <a:off x="787101" y="1046919"/>
+            <a:ext cx="7784780" cy="1183745"/>
+            <a:chOff x="0" y="0"/>
+            <a:chExt cx="19997" cy="19957"/>
+          </a:xfrm>
+        </p:grpSpPr>
+        <p:sp>
+          <p:nvSpPr>
+            <p:cNvPr id="22" name="Rectangle 83"/>
+            <p:cNvSpPr>
+              <a:spLocks noChangeArrowheads="1"/>
+            </p:cNvSpPr>
+            <p:nvPr/>
+          </p:nvSpPr>
+          <p:spPr bwMode="auto">
+            <a:xfrm>
+              <a:off x="0" y="0"/>
+              <a:ext cx="19997" cy="19743"/>
+            </a:xfrm>
+            <a:prstGeom prst="rect">
+              <a:avLst/>
+            </a:prstGeom>
+            <a:solidFill>
+              <a:srgbClr val="D9D9D9"/>
+            </a:solidFill>
+            <a:ln w="8255">
+              <a:solidFill>
+                <a:srgbClr val="000000"/>
+              </a:solidFill>
+              <a:miter lim="800000"/>
+              <a:headEnd/>
+              <a:tailEnd/>
+            </a:ln>
+          </p:spPr>
+          <p:txBody>
+            <a:bodyPr vert="horz" wrap="square" lIns="91440" tIns="45720" rIns="91440" bIns="45720" numCol="1" anchor="t" anchorCtr="0" compatLnSpc="1">
+              <a:prstTxWarp prst="textNoShape">
+                <a:avLst/>
+              </a:prstTxWarp>
+            </a:bodyPr>
+            <a:lstStyle/>
+            <a:p>
+              <a:endParaRPr lang="ru-RU"/>
+            </a:p>
+          </p:txBody>
+        </p:sp>
+        <p:grpSp>
+          <p:nvGrpSpPr>
+            <p:cNvPr id="23" name="Group 76"/>
+            <p:cNvGrpSpPr>
+              <a:grpSpLocks/>
+            </p:cNvGrpSpPr>
+            <p:nvPr/>
+          </p:nvGrpSpPr>
+          <p:grpSpPr bwMode="auto">
+            <a:xfrm>
+              <a:off x="121" y="513"/>
+              <a:ext cx="1555" cy="19444"/>
+              <a:chOff x="0" y="0"/>
+              <a:chExt cx="19961" cy="19979"/>
+            </a:xfrm>
+          </p:grpSpPr>
+          <p:sp>
+            <p:nvSpPr>
+              <p:cNvPr id="106" name="Rectangle 82"/>
+              <p:cNvSpPr>
+                <a:spLocks noChangeArrowheads="1"/>
+              </p:cNvSpPr>
+              <p:nvPr/>
+            </p:nvSpPr>
+            <p:spPr bwMode="auto">
+              <a:xfrm>
+                <a:off x="2041" y="725"/>
+                <a:ext cx="17920" cy="9056"/>
+              </a:xfrm>
+              <a:prstGeom prst="rect">
+                <a:avLst/>
+              </a:prstGeom>
+              <a:solidFill>
+                <a:srgbClr val="000000"/>
+              </a:solidFill>
+              <a:ln>
+                <a:noFill/>
+              </a:ln>
+              <a:extLst>
+                <a:ext uri="{91240B29-F687-4F45-9708-019B960494DF}">
+                  <a14:hiddenLine xmlns:a14="http://schemas.microsoft.com/office/drawing/2010/main" w="0">
+                    <a:solidFill>
+                      <a:srgbClr val="000000"/>
+                    </a:solidFill>
+                    <a:miter lim="800000"/>
+                    <a:headEnd/>
+                    <a:tailEnd/>
+                  </a14:hiddenLine>
+                </a:ext>
+              </a:extLst>
+            </p:spPr>
+            <p:txBody>
+              <a:bodyPr vert="horz" wrap="square" lIns="91440" tIns="45720" rIns="91440" bIns="45720" numCol="1" anchor="t" anchorCtr="0" compatLnSpc="1">
+                <a:prstTxWarp prst="textNoShape">
+                  <a:avLst/>
+                </a:prstTxWarp>
+              </a:bodyPr>
+              <a:lstStyle/>
+              <a:p>
+                <a:endParaRPr lang="ru-RU"/>
+              </a:p>
+            </p:txBody>
+          </p:sp>
+          <p:sp>
+            <p:nvSpPr>
+              <p:cNvPr id="107" name="Rectangle 81"/>
+              <p:cNvSpPr>
+                <a:spLocks noChangeArrowheads="1"/>
+              </p:cNvSpPr>
+              <p:nvPr/>
+            </p:nvSpPr>
+            <p:spPr bwMode="auto">
+              <a:xfrm>
+                <a:off x="0" y="0"/>
+                <a:ext cx="17907" cy="9056"/>
+              </a:xfrm>
+              <a:prstGeom prst="rect">
+                <a:avLst/>
+              </a:prstGeom>
+              <a:solidFill>
+                <a:srgbClr val="F2F2F2"/>
+              </a:solidFill>
+              <a:ln>
+                <a:noFill/>
+              </a:ln>
+              <a:extLst>
+                <a:ext uri="{91240B29-F687-4F45-9708-019B960494DF}">
+                  <a14:hiddenLine xmlns:a14="http://schemas.microsoft.com/office/drawing/2010/main" w="0">
+                    <a:solidFill>
+                      <a:srgbClr val="000000"/>
+                    </a:solidFill>
+                    <a:miter lim="800000"/>
+                    <a:headEnd/>
+                    <a:tailEnd/>
+                  </a14:hiddenLine>
+                </a:ext>
+              </a:extLst>
+            </p:spPr>
+            <p:txBody>
+              <a:bodyPr vert="horz" wrap="square" lIns="91440" tIns="45720" rIns="91440" bIns="45720" numCol="1" anchor="t" anchorCtr="0" compatLnSpc="1">
+                <a:prstTxWarp prst="textNoShape">
+                  <a:avLst/>
+                </a:prstTxWarp>
+              </a:bodyPr>
+              <a:lstStyle/>
+              <a:p>
+                <a:endParaRPr lang="ru-RU"/>
+              </a:p>
+            </p:txBody>
+          </p:sp>
+          <p:sp>
+            <p:nvSpPr>
+              <p:cNvPr id="108" name="Rectangle 80"/>
+              <p:cNvSpPr>
+                <a:spLocks noChangeArrowheads="1"/>
+              </p:cNvSpPr>
+              <p:nvPr/>
+            </p:nvSpPr>
+            <p:spPr bwMode="auto">
+              <a:xfrm>
+                <a:off x="6405" y="286"/>
+                <a:ext cx="12593" cy="6286"/>
+              </a:xfrm>
+              <a:prstGeom prst="rect">
+                <a:avLst/>
+              </a:prstGeom>
+              <a:noFill/>
+              <a:ln>
+                <a:noFill/>
+              </a:ln>
+              <a:extLst>
+                <a:ext uri="{909E8E84-426E-40DD-AFC4-6F175D3DCCD1}">
+                  <a14:hiddenFill xmlns:a14="http://schemas.microsoft.com/office/drawing/2010/main">
+                    <a:solidFill>
+                      <a:srgbClr val="FFFFFF"/>
+                    </a:solidFill>
+                  </a14:hiddenFill>
+                </a:ext>
+                <a:ext uri="{91240B29-F687-4F45-9708-019B960494DF}">
+                  <a14:hiddenLine xmlns:a14="http://schemas.microsoft.com/office/drawing/2010/main" w="0">
+                    <a:solidFill>
+                      <a:srgbClr val="000000"/>
+                    </a:solidFill>
+                    <a:miter lim="800000"/>
+                    <a:headEnd/>
+                    <a:tailEnd/>
+                  </a14:hiddenLine>
+                </a:ext>
+              </a:extLst>
+            </p:spPr>
+            <p:txBody>
+              <a:bodyPr vert="horz" wrap="square" lIns="0" tIns="0" rIns="0" bIns="0" numCol="1" anchor="t" anchorCtr="0" compatLnSpc="1">
+                <a:prstTxWarp prst="textNoShape">
+                  <a:avLst/>
+                </a:prstTxWarp>
+              </a:bodyPr>
+              <a:lstStyle/>
+              <a:p>
+                <a:pPr marL="0" marR="0" lvl="0" indent="0" algn="l" defTabSz="914400" rtl="0" eaLnBrk="1" fontAlgn="base" latinLnBrk="0" hangingPunct="1">
+                  <a:lnSpc>
+                    <a:spcPct val="100000"/>
+                  </a:lnSpc>
+                  <a:spcBef>
+                    <a:spcPct val="0"/>
+                  </a:spcBef>
+                  <a:spcAft>
+                    <a:spcPct val="0"/>
+                  </a:spcAft>
+                  <a:buClrTx/>
+                  <a:buSzTx/>
+                  <a:buFontTx/>
+                  <a:buNone/>
+                  <a:tabLst/>
+                </a:pPr>
+                <a:r>
+                  <a:rPr kumimoji="0" lang="en-US" altLang="ru-RU" sz="1200" b="1" i="0" u="none" strike="noStrike" cap="none" normalizeH="0" baseline="0" dirty="0" smtClean="0">
+                    <a:ln>
+                      <a:noFill/>
+                    </a:ln>
+                    <a:solidFill>
+                      <a:srgbClr val="808080"/>
+                    </a:solidFill>
+                    <a:effectLst/>
+                    <a:latin typeface="Times New Roman CYR"/>
+                    <a:ea typeface="Times New Roman" pitchFamily="18" charset="0"/>
+                    <a:cs typeface="Times New Roman" pitchFamily="18" charset="0"/>
+                  </a:rPr>
+                  <a:t>7</a:t>
+                </a:r>
+                <a:endParaRPr kumimoji="0" lang="en-US" altLang="ru-RU" sz="1800" b="0" i="0" u="none" strike="noStrike" cap="none" normalizeH="0" baseline="0" dirty="0" smtClean="0">
+                  <a:ln>
+                    <a:noFill/>
+                  </a:ln>
+                  <a:solidFill>
+                    <a:schemeClr val="tx1"/>
+                  </a:solidFill>
+                  <a:effectLst/>
+                  <a:latin typeface="Arial" pitchFamily="34" charset="0"/>
+                  <a:cs typeface="Arial" pitchFamily="34" charset="0"/>
+                </a:endParaRPr>
+              </a:p>
+            </p:txBody>
+          </p:sp>
+          <p:sp>
+            <p:nvSpPr>
+              <p:cNvPr id="109" name="Rectangle 79"/>
+              <p:cNvSpPr>
+                <a:spLocks noChangeArrowheads="1"/>
+              </p:cNvSpPr>
+              <p:nvPr/>
+            </p:nvSpPr>
+            <p:spPr bwMode="auto">
+              <a:xfrm>
+                <a:off x="2041" y="10924"/>
+                <a:ext cx="17920" cy="9055"/>
+              </a:xfrm>
+              <a:prstGeom prst="rect">
+                <a:avLst/>
+              </a:prstGeom>
+              <a:solidFill>
+                <a:srgbClr val="000000"/>
+              </a:solidFill>
+              <a:ln>
+                <a:noFill/>
+              </a:ln>
+              <a:extLst>
+                <a:ext uri="{91240B29-F687-4F45-9708-019B960494DF}">
+                  <a14:hiddenLine xmlns:a14="http://schemas.microsoft.com/office/drawing/2010/main" w="0">
+                    <a:solidFill>
+                      <a:srgbClr val="000000"/>
+                    </a:solidFill>
+                    <a:miter lim="800000"/>
+                    <a:headEnd/>
+                    <a:tailEnd/>
+                  </a14:hiddenLine>
+                </a:ext>
+              </a:extLst>
+            </p:spPr>
+            <p:txBody>
+              <a:bodyPr vert="horz" wrap="square" lIns="91440" tIns="45720" rIns="91440" bIns="45720" numCol="1" anchor="t" anchorCtr="0" compatLnSpc="1">
+                <a:prstTxWarp prst="textNoShape">
+                  <a:avLst/>
+                </a:prstTxWarp>
+              </a:bodyPr>
+              <a:lstStyle/>
+              <a:p>
+                <a:endParaRPr lang="ru-RU"/>
+              </a:p>
+            </p:txBody>
+          </p:sp>
+          <p:sp>
+            <p:nvSpPr>
+              <p:cNvPr id="110" name="Rectangle 78"/>
+              <p:cNvSpPr>
+                <a:spLocks noChangeArrowheads="1"/>
+              </p:cNvSpPr>
+              <p:nvPr/>
+            </p:nvSpPr>
+            <p:spPr bwMode="auto">
+              <a:xfrm>
+                <a:off x="0" y="10177"/>
+                <a:ext cx="17907" cy="9077"/>
+              </a:xfrm>
+              <a:prstGeom prst="rect">
+                <a:avLst/>
+              </a:prstGeom>
+              <a:solidFill>
+                <a:srgbClr val="F2F2F2"/>
+              </a:solidFill>
+              <a:ln>
+                <a:noFill/>
+              </a:ln>
+              <a:extLst>
+                <a:ext uri="{91240B29-F687-4F45-9708-019B960494DF}">
+                  <a14:hiddenLine xmlns:a14="http://schemas.microsoft.com/office/drawing/2010/main" w="0">
+                    <a:solidFill>
+                      <a:srgbClr val="000000"/>
+                    </a:solidFill>
+                    <a:miter lim="800000"/>
+                    <a:headEnd/>
+                    <a:tailEnd/>
+                  </a14:hiddenLine>
+                </a:ext>
+              </a:extLst>
+            </p:spPr>
+            <p:txBody>
+              <a:bodyPr vert="horz" wrap="square" lIns="91440" tIns="45720" rIns="91440" bIns="45720" numCol="1" anchor="t" anchorCtr="0" compatLnSpc="1">
+                <a:prstTxWarp prst="textNoShape">
+                  <a:avLst/>
+                </a:prstTxWarp>
+              </a:bodyPr>
+              <a:lstStyle/>
+              <a:p>
+                <a:endParaRPr lang="ru-RU"/>
+              </a:p>
+            </p:txBody>
+          </p:sp>
+          <p:sp>
+            <p:nvSpPr>
+              <p:cNvPr id="111" name="Rectangle 77"/>
+              <p:cNvSpPr>
+                <a:spLocks noChangeArrowheads="1"/>
+              </p:cNvSpPr>
+              <p:nvPr/>
+            </p:nvSpPr>
+            <p:spPr bwMode="auto">
+              <a:xfrm>
+                <a:off x="6405" y="10462"/>
+                <a:ext cx="12593" cy="6286"/>
+              </a:xfrm>
+              <a:prstGeom prst="rect">
+                <a:avLst/>
+              </a:prstGeom>
+              <a:noFill/>
+              <a:ln>
+                <a:noFill/>
+              </a:ln>
+              <a:extLst>
+                <a:ext uri="{909E8E84-426E-40DD-AFC4-6F175D3DCCD1}">
+                  <a14:hiddenFill xmlns:a14="http://schemas.microsoft.com/office/drawing/2010/main">
+                    <a:solidFill>
+                      <a:srgbClr val="FFFFFF"/>
+                    </a:solidFill>
+                  </a14:hiddenFill>
+                </a:ext>
+                <a:ext uri="{91240B29-F687-4F45-9708-019B960494DF}">
+                  <a14:hiddenLine xmlns:a14="http://schemas.microsoft.com/office/drawing/2010/main" w="0">
+                    <a:solidFill>
+                      <a:srgbClr val="000000"/>
+                    </a:solidFill>
+                    <a:miter lim="800000"/>
+                    <a:headEnd/>
+                    <a:tailEnd/>
+                  </a14:hiddenLine>
+                </a:ext>
+              </a:extLst>
+            </p:spPr>
+            <p:txBody>
+              <a:bodyPr vert="horz" wrap="square" lIns="0" tIns="0" rIns="0" bIns="0" numCol="1" anchor="t" anchorCtr="0" compatLnSpc="1">
+                <a:prstTxWarp prst="textNoShape">
+                  <a:avLst/>
+                </a:prstTxWarp>
+              </a:bodyPr>
+              <a:lstStyle/>
+              <a:p>
+                <a:pPr marL="0" marR="0" lvl="0" indent="0" algn="l" defTabSz="914400" rtl="0" eaLnBrk="1" fontAlgn="base" latinLnBrk="0" hangingPunct="1">
+                  <a:lnSpc>
+                    <a:spcPct val="100000"/>
+                  </a:lnSpc>
+                  <a:spcBef>
+                    <a:spcPct val="0"/>
+                  </a:spcBef>
+                  <a:spcAft>
+                    <a:spcPct val="0"/>
+                  </a:spcAft>
+                  <a:buClrTx/>
+                  <a:buSzTx/>
+                  <a:buFontTx/>
+                  <a:buNone/>
+                  <a:tabLst/>
+                </a:pPr>
+                <a:r>
+                  <a:rPr kumimoji="0" lang="en-US" altLang="ru-RU" sz="1200" b="1" i="0" u="none" strike="noStrike" cap="none" normalizeH="0" baseline="0" smtClean="0">
+                    <a:ln>
+                      <a:noFill/>
+                    </a:ln>
+                    <a:solidFill>
+                      <a:srgbClr val="808080"/>
+                    </a:solidFill>
+                    <a:effectLst/>
+                    <a:latin typeface="Times New Roman CYR"/>
+                    <a:ea typeface="Times New Roman" pitchFamily="18" charset="0"/>
+                    <a:cs typeface="Times New Roman" pitchFamily="18" charset="0"/>
+                  </a:rPr>
+                  <a:t>6</a:t>
+                </a:r>
+                <a:endParaRPr kumimoji="0" lang="en-US" altLang="ru-RU" sz="1800" b="0" i="0" u="none" strike="noStrike" cap="none" normalizeH="0" baseline="0" smtClean="0">
+                  <a:ln>
+                    <a:noFill/>
+                  </a:ln>
+                  <a:solidFill>
+                    <a:schemeClr val="tx1"/>
+                  </a:solidFill>
+                  <a:effectLst/>
+                  <a:latin typeface="Arial" pitchFamily="34" charset="0"/>
+                  <a:cs typeface="Arial" pitchFamily="34" charset="0"/>
+                </a:endParaRPr>
+              </a:p>
+            </p:txBody>
+          </p:sp>
+        </p:grpSp>
+        <p:sp>
+          <p:nvSpPr>
+            <p:cNvPr id="24" name="Rectangle 75"/>
+            <p:cNvSpPr>
+              <a:spLocks noChangeArrowheads="1"/>
+            </p:cNvSpPr>
+            <p:nvPr/>
+          </p:nvSpPr>
+          <p:spPr bwMode="auto">
+            <a:xfrm>
+              <a:off x="18435" y="1219"/>
+              <a:ext cx="1396" cy="18738"/>
+            </a:xfrm>
+            <a:prstGeom prst="rect">
+              <a:avLst/>
+            </a:prstGeom>
+            <a:solidFill>
+              <a:srgbClr val="000000"/>
+            </a:solidFill>
+            <a:ln>
+              <a:noFill/>
+            </a:ln>
+            <a:extLst>
+              <a:ext uri="{91240B29-F687-4F45-9708-019B960494DF}">
+                <a14:hiddenLine xmlns:a14="http://schemas.microsoft.com/office/drawing/2010/main" w="0">
+                  <a:solidFill>
+                    <a:srgbClr val="000000"/>
+                  </a:solidFill>
+                  <a:miter lim="800000"/>
+                  <a:headEnd/>
+                  <a:tailEnd/>
+                </a14:hiddenLine>
+              </a:ext>
+            </a:extLst>
+          </p:spPr>
+          <p:txBody>
+            <a:bodyPr vert="horz" wrap="square" lIns="91440" tIns="45720" rIns="91440" bIns="45720" numCol="1" anchor="t" anchorCtr="0" compatLnSpc="1">
+              <a:prstTxWarp prst="textNoShape">
+                <a:avLst/>
+              </a:prstTxWarp>
+            </a:bodyPr>
+            <a:lstStyle/>
+            <a:p>
+              <a:endParaRPr lang="ru-RU"/>
+            </a:p>
+          </p:txBody>
+        </p:sp>
+        <p:sp>
+          <p:nvSpPr>
+            <p:cNvPr id="25" name="Rectangle 74"/>
+            <p:cNvSpPr>
+              <a:spLocks noChangeArrowheads="1"/>
+            </p:cNvSpPr>
+            <p:nvPr/>
+          </p:nvSpPr>
+          <p:spPr bwMode="auto">
+            <a:xfrm>
+              <a:off x="18275" y="513"/>
+              <a:ext cx="1396" cy="18738"/>
+            </a:xfrm>
+            <a:prstGeom prst="rect">
+              <a:avLst/>
+            </a:prstGeom>
+            <a:solidFill>
+              <a:srgbClr val="F2F2F2"/>
+            </a:solidFill>
+            <a:ln>
+              <a:noFill/>
+            </a:ln>
+            <a:extLst>
+              <a:ext uri="{91240B29-F687-4F45-9708-019B960494DF}">
+                <a14:hiddenLine xmlns:a14="http://schemas.microsoft.com/office/drawing/2010/main" w="0">
+                  <a:solidFill>
+                    <a:srgbClr val="000000"/>
+                  </a:solidFill>
+                  <a:miter lim="800000"/>
+                  <a:headEnd/>
+                  <a:tailEnd/>
+                </a14:hiddenLine>
+              </a:ext>
+            </a:extLst>
+          </p:spPr>
+          <p:txBody>
+            <a:bodyPr vert="horz" wrap="square" lIns="91440" tIns="45720" rIns="91440" bIns="45720" numCol="1" anchor="t" anchorCtr="0" compatLnSpc="1">
+              <a:prstTxWarp prst="textNoShape">
+                <a:avLst/>
+              </a:prstTxWarp>
+            </a:bodyPr>
+            <a:lstStyle/>
+            <a:p>
+              <a:endParaRPr lang="ru-RU"/>
+            </a:p>
+          </p:txBody>
+        </p:sp>
+        <p:sp>
+          <p:nvSpPr>
+            <p:cNvPr id="26" name="Rectangle 73"/>
+            <p:cNvSpPr>
+              <a:spLocks noChangeArrowheads="1"/>
+            </p:cNvSpPr>
+            <p:nvPr/>
+          </p:nvSpPr>
+          <p:spPr bwMode="auto">
+            <a:xfrm>
+              <a:off x="18823" y="791"/>
+              <a:ext cx="884" cy="6118"/>
+            </a:xfrm>
+            <a:prstGeom prst="rect">
+              <a:avLst/>
+            </a:prstGeom>
+            <a:noFill/>
+            <a:ln>
+              <a:noFill/>
+            </a:ln>
+            <a:extLst>
+              <a:ext uri="{909E8E84-426E-40DD-AFC4-6F175D3DCCD1}">
+                <a14:hiddenFill xmlns:a14="http://schemas.microsoft.com/office/drawing/2010/main">
+                  <a:solidFill>
+                    <a:srgbClr val="FFFFFF"/>
+                  </a:solidFill>
+                </a14:hiddenFill>
+              </a:ext>
+              <a:ext uri="{91240B29-F687-4F45-9708-019B960494DF}">
+                <a14:hiddenLine xmlns:a14="http://schemas.microsoft.com/office/drawing/2010/main" w="0">
+                  <a:solidFill>
+                    <a:srgbClr val="000000"/>
+                  </a:solidFill>
+                  <a:miter lim="800000"/>
+                  <a:headEnd/>
+                  <a:tailEnd/>
+                </a14:hiddenLine>
+              </a:ext>
+            </a:extLst>
+          </p:spPr>
+          <p:txBody>
+            <a:bodyPr vert="horz" wrap="square" lIns="0" tIns="0" rIns="0" bIns="0" numCol="1" anchor="t" anchorCtr="0" compatLnSpc="1">
+              <a:prstTxWarp prst="textNoShape">
+                <a:avLst/>
+              </a:prstTxWarp>
+            </a:bodyPr>
+            <a:lstStyle/>
+            <a:p>
+              <a:pPr marL="0" marR="0" lvl="0" indent="0" algn="l" defTabSz="914400" rtl="0" eaLnBrk="1" fontAlgn="base" latinLnBrk="0" hangingPunct="1">
+                <a:lnSpc>
+                  <a:spcPct val="100000"/>
+                </a:lnSpc>
+                <a:spcBef>
+                  <a:spcPct val="0"/>
+                </a:spcBef>
+                <a:spcAft>
+                  <a:spcPct val="0"/>
+                </a:spcAft>
+                <a:buClrTx/>
+                <a:buSzTx/>
+                <a:buFontTx/>
+                <a:buNone/>
+                <a:tabLst/>
+              </a:pPr>
+              <a:r>
+                <a:rPr kumimoji="0" lang="en-US" altLang="ru-RU" sz="1200" b="1" i="0" u="none" strike="noStrike" cap="none" normalizeH="0" baseline="0" smtClean="0">
+                  <a:ln>
+                    <a:noFill/>
+                  </a:ln>
+                  <a:solidFill>
+                    <a:srgbClr val="808080"/>
+                  </a:solidFill>
+                  <a:effectLst/>
+                  <a:latin typeface="Times New Roman CYR"/>
+                  <a:ea typeface="Times New Roman" pitchFamily="18" charset="0"/>
+                  <a:cs typeface="Times New Roman" pitchFamily="18" charset="0"/>
+                </a:rPr>
+                <a:t>I</a:t>
+              </a:r>
+              <a:endParaRPr kumimoji="0" lang="en-US" altLang="ru-RU" sz="1800" b="0" i="0" u="none" strike="noStrike" cap="none" normalizeH="0" baseline="0" smtClean="0">
+                <a:ln>
+                  <a:noFill/>
+                </a:ln>
+                <a:solidFill>
+                  <a:schemeClr val="tx1"/>
+                </a:solidFill>
+                <a:effectLst/>
+                <a:latin typeface="Arial" pitchFamily="34" charset="0"/>
+                <a:cs typeface="Arial" pitchFamily="34" charset="0"/>
+              </a:endParaRPr>
+            </a:p>
+          </p:txBody>
+        </p:sp>
+        <p:grpSp>
+          <p:nvGrpSpPr>
+            <p:cNvPr id="27" name="Group 58"/>
+            <p:cNvGrpSpPr>
+              <a:grpSpLocks/>
+            </p:cNvGrpSpPr>
+            <p:nvPr/>
+          </p:nvGrpSpPr>
+          <p:grpSpPr bwMode="auto">
+            <a:xfrm>
+              <a:off x="2048" y="1775"/>
+              <a:ext cx="15872" cy="17968"/>
+              <a:chOff x="4" y="0"/>
+              <a:chExt cx="19992" cy="19977"/>
+            </a:xfrm>
+          </p:grpSpPr>
+          <p:sp>
+            <p:nvSpPr>
+              <p:cNvPr id="28" name="Rectangle 72"/>
+              <p:cNvSpPr>
+                <a:spLocks noChangeArrowheads="1"/>
+              </p:cNvSpPr>
+              <p:nvPr/>
+            </p:nvSpPr>
+            <p:spPr bwMode="auto">
+              <a:xfrm>
+                <a:off x="16664" y="0"/>
+                <a:ext cx="3332" cy="19977"/>
+              </a:xfrm>
+              <a:prstGeom prst="rect">
+                <a:avLst/>
+              </a:prstGeom>
+              <a:solidFill>
+                <a:srgbClr val="FFFFFF"/>
+              </a:solidFill>
+              <a:ln w="10795">
+                <a:solidFill>
+                  <a:srgbClr val="595959"/>
+                </a:solidFill>
+                <a:miter lim="800000"/>
+                <a:headEnd/>
+                <a:tailEnd/>
+              </a:ln>
+            </p:spPr>
+            <p:txBody>
+              <a:bodyPr vert="horz" wrap="square" lIns="91440" tIns="45720" rIns="91440" bIns="45720" numCol="1" anchor="t" anchorCtr="0" compatLnSpc="1">
+                <a:prstTxWarp prst="textNoShape">
+                  <a:avLst/>
+                </a:prstTxWarp>
+              </a:bodyPr>
+              <a:lstStyle/>
+              <a:p>
+                <a:endParaRPr lang="ru-RU"/>
+              </a:p>
+            </p:txBody>
+          </p:sp>
+          <p:sp>
+            <p:nvSpPr>
+              <p:cNvPr id="29" name="Rectangle 71"/>
+              <p:cNvSpPr>
+                <a:spLocks noChangeArrowheads="1"/>
+              </p:cNvSpPr>
+              <p:nvPr/>
+            </p:nvSpPr>
+            <p:spPr bwMode="auto">
+              <a:xfrm>
+                <a:off x="17473" y="7919"/>
+                <a:ext cx="2223" cy="4662"/>
+              </a:xfrm>
+              <a:prstGeom prst="rect">
+                <a:avLst/>
+              </a:prstGeom>
+              <a:noFill/>
+              <a:ln>
+                <a:noFill/>
+              </a:ln>
+              <a:extLst>
+                <a:ext uri="{909E8E84-426E-40DD-AFC4-6F175D3DCCD1}">
+                  <a14:hiddenFill xmlns:a14="http://schemas.microsoft.com/office/drawing/2010/main">
+                    <a:solidFill>
+                      <a:srgbClr val="FFFFFF"/>
+                    </a:solidFill>
+                  </a14:hiddenFill>
+                </a:ext>
+                <a:ext uri="{91240B29-F687-4F45-9708-019B960494DF}">
+                  <a14:hiddenLine xmlns:a14="http://schemas.microsoft.com/office/drawing/2010/main" w="0">
+                    <a:solidFill>
+                      <a:srgbClr val="000000"/>
+                    </a:solidFill>
+                    <a:miter lim="800000"/>
+                    <a:headEnd/>
+                    <a:tailEnd/>
+                  </a14:hiddenLine>
+                </a:ext>
+              </a:extLst>
+            </p:spPr>
+            <p:txBody>
+              <a:bodyPr vert="horz" wrap="square" lIns="0" tIns="0" rIns="0" bIns="0" numCol="1" anchor="t" anchorCtr="0" compatLnSpc="1">
+                <a:prstTxWarp prst="textNoShape">
+                  <a:avLst/>
+                </a:prstTxWarp>
+              </a:bodyPr>
+              <a:lstStyle/>
+              <a:p>
+                <a:pPr marL="0" marR="0" lvl="0" indent="0" algn="ctr" defTabSz="914400" rtl="0" eaLnBrk="1" fontAlgn="base" latinLnBrk="0" hangingPunct="1">
+                  <a:lnSpc>
+                    <a:spcPct val="100000"/>
+                  </a:lnSpc>
+                  <a:spcBef>
+                    <a:spcPct val="0"/>
+                  </a:spcBef>
+                  <a:spcAft>
+                    <a:spcPct val="0"/>
+                  </a:spcAft>
+                  <a:buClrTx/>
+                  <a:buSzTx/>
+                  <a:buFontTx/>
+                  <a:buNone/>
+                  <a:tabLst/>
+                </a:pPr>
+                <a:r>
+                  <a:rPr kumimoji="0" lang="en-US" altLang="ru-RU" sz="1400" b="0" i="0" u="none" strike="noStrike" cap="none" normalizeH="0" baseline="0" dirty="0" smtClean="0">
+                    <a:ln>
+                      <a:noFill/>
+                    </a:ln>
+                    <a:solidFill>
+                      <a:srgbClr val="000000"/>
+                    </a:solidFill>
+                    <a:effectLst/>
+                    <a:latin typeface="Times New Roman CYR"/>
+                    <a:ea typeface="Times New Roman" pitchFamily="18" charset="0"/>
+                  </a:rPr>
+                  <a:t>DNS</a:t>
+                </a:r>
+                <a:endParaRPr kumimoji="0" lang="en-US" altLang="ru-RU" sz="1400" b="0" i="0" u="none" strike="noStrike" cap="none" normalizeH="0" baseline="0" dirty="0" smtClean="0">
+                  <a:ln>
+                    <a:noFill/>
+                  </a:ln>
+                  <a:solidFill>
+                    <a:schemeClr val="tx1"/>
+                  </a:solidFill>
+                  <a:effectLst/>
+                  <a:latin typeface="Arial" pitchFamily="34" charset="0"/>
+                  <a:cs typeface="Arial" pitchFamily="34" charset="0"/>
+                </a:endParaRPr>
+              </a:p>
+            </p:txBody>
+          </p:sp>
+          <p:sp>
+            <p:nvSpPr>
+              <p:cNvPr id="30" name="Rectangle 70"/>
+              <p:cNvSpPr>
+                <a:spLocks noChangeArrowheads="1"/>
+              </p:cNvSpPr>
+              <p:nvPr/>
+            </p:nvSpPr>
+            <p:spPr bwMode="auto">
+              <a:xfrm>
+                <a:off x="13345" y="0"/>
+                <a:ext cx="3327" cy="19977"/>
+              </a:xfrm>
+              <a:prstGeom prst="rect">
+                <a:avLst/>
+              </a:prstGeom>
+              <a:solidFill>
+                <a:srgbClr val="FFFFFF"/>
+              </a:solidFill>
+              <a:ln w="10795">
+                <a:solidFill>
+                  <a:srgbClr val="595959"/>
+                </a:solidFill>
+                <a:miter lim="800000"/>
+                <a:headEnd/>
+                <a:tailEnd/>
+              </a:ln>
+            </p:spPr>
+            <p:txBody>
+              <a:bodyPr vert="horz" wrap="square" lIns="91440" tIns="45720" rIns="91440" bIns="45720" numCol="1" anchor="t" anchorCtr="0" compatLnSpc="1">
+                <a:prstTxWarp prst="textNoShape">
+                  <a:avLst/>
+                </a:prstTxWarp>
+              </a:bodyPr>
+              <a:lstStyle/>
+              <a:p>
+                <a:endParaRPr lang="ru-RU"/>
+              </a:p>
+            </p:txBody>
+          </p:sp>
+          <p:sp>
+            <p:nvSpPr>
+              <p:cNvPr id="31" name="Rectangle 69"/>
+              <p:cNvSpPr>
+                <a:spLocks noChangeArrowheads="1"/>
+              </p:cNvSpPr>
+              <p:nvPr/>
+            </p:nvSpPr>
+            <p:spPr bwMode="auto">
+              <a:xfrm>
+                <a:off x="14097" y="7919"/>
+                <a:ext cx="2407" cy="4662"/>
+              </a:xfrm>
+              <a:prstGeom prst="rect">
+                <a:avLst/>
+              </a:prstGeom>
+              <a:noFill/>
+              <a:ln>
+                <a:noFill/>
+              </a:ln>
+              <a:extLst>
+                <a:ext uri="{909E8E84-426E-40DD-AFC4-6F175D3DCCD1}">
+                  <a14:hiddenFill xmlns:a14="http://schemas.microsoft.com/office/drawing/2010/main">
+                    <a:solidFill>
+                      <a:srgbClr val="FFFFFF"/>
+                    </a:solidFill>
+                  </a14:hiddenFill>
+                </a:ext>
+                <a:ext uri="{91240B29-F687-4F45-9708-019B960494DF}">
+                  <a14:hiddenLine xmlns:a14="http://schemas.microsoft.com/office/drawing/2010/main" w="0">
+                    <a:solidFill>
+                      <a:srgbClr val="000000"/>
+                    </a:solidFill>
+                    <a:miter lim="800000"/>
+                    <a:headEnd/>
+                    <a:tailEnd/>
+                  </a14:hiddenLine>
+                </a:ext>
+              </a:extLst>
+            </p:spPr>
+            <p:txBody>
+              <a:bodyPr vert="horz" wrap="square" lIns="0" tIns="0" rIns="0" bIns="0" numCol="1" anchor="t" anchorCtr="0" compatLnSpc="1">
+                <a:prstTxWarp prst="textNoShape">
+                  <a:avLst/>
+                </a:prstTxWarp>
+              </a:bodyPr>
+              <a:lstStyle/>
+              <a:p>
+                <a:pPr marL="0" marR="0" lvl="0" indent="0" algn="ctr" defTabSz="914400" rtl="0" eaLnBrk="1" fontAlgn="base" latinLnBrk="0" hangingPunct="1">
+                  <a:lnSpc>
+                    <a:spcPct val="100000"/>
+                  </a:lnSpc>
+                  <a:spcBef>
+                    <a:spcPct val="0"/>
+                  </a:spcBef>
+                  <a:spcAft>
+                    <a:spcPct val="0"/>
+                  </a:spcAft>
+                  <a:buClrTx/>
+                  <a:buSzTx/>
+                  <a:buFontTx/>
+                  <a:buNone/>
+                  <a:tabLst/>
+                </a:pPr>
+                <a:r>
+                  <a:rPr kumimoji="0" lang="en-US" altLang="ru-RU" sz="1400" b="0" i="0" u="none" strike="noStrike" cap="none" normalizeH="0" baseline="0" dirty="0" smtClean="0">
+                    <a:ln>
+                      <a:noFill/>
+                    </a:ln>
+                    <a:solidFill>
+                      <a:srgbClr val="000000"/>
+                    </a:solidFill>
+                    <a:effectLst/>
+                    <a:latin typeface="Times New Roman CYR"/>
+                    <a:ea typeface="Times New Roman" pitchFamily="18" charset="0"/>
+                  </a:rPr>
+                  <a:t>SMTP</a:t>
+                </a:r>
+                <a:endParaRPr kumimoji="0" lang="en-US" altLang="ru-RU" sz="1400" b="0" i="0" u="none" strike="noStrike" cap="none" normalizeH="0" baseline="0" dirty="0" smtClean="0">
+                  <a:ln>
+                    <a:noFill/>
+                  </a:ln>
+                  <a:solidFill>
+                    <a:schemeClr val="tx1"/>
+                  </a:solidFill>
+                  <a:effectLst/>
+                  <a:latin typeface="Arial" pitchFamily="34" charset="0"/>
+                  <a:cs typeface="Arial" pitchFamily="34" charset="0"/>
+                </a:endParaRPr>
+              </a:p>
+            </p:txBody>
+          </p:sp>
+          <p:sp>
+            <p:nvSpPr>
+              <p:cNvPr id="96" name="Rectangle 68"/>
+              <p:cNvSpPr>
+                <a:spLocks noChangeArrowheads="1"/>
+              </p:cNvSpPr>
+              <p:nvPr/>
+            </p:nvSpPr>
+            <p:spPr bwMode="auto">
+              <a:xfrm>
+                <a:off x="10030" y="0"/>
+                <a:ext cx="3324" cy="19977"/>
+              </a:xfrm>
+              <a:prstGeom prst="rect">
+                <a:avLst/>
+              </a:prstGeom>
+              <a:solidFill>
+                <a:srgbClr val="FFFFFF"/>
+              </a:solidFill>
+              <a:ln w="10795">
+                <a:solidFill>
+                  <a:srgbClr val="595959"/>
+                </a:solidFill>
+                <a:miter lim="800000"/>
+                <a:headEnd/>
+                <a:tailEnd/>
+              </a:ln>
+            </p:spPr>
+            <p:txBody>
+              <a:bodyPr vert="horz" wrap="square" lIns="91440" tIns="45720" rIns="91440" bIns="45720" numCol="1" anchor="t" anchorCtr="0" compatLnSpc="1">
+                <a:prstTxWarp prst="textNoShape">
+                  <a:avLst/>
+                </a:prstTxWarp>
+              </a:bodyPr>
+              <a:lstStyle/>
+              <a:p>
+                <a:endParaRPr lang="ru-RU"/>
+              </a:p>
+            </p:txBody>
+          </p:sp>
+          <p:sp>
+            <p:nvSpPr>
+              <p:cNvPr id="97" name="Rectangle 67"/>
+              <p:cNvSpPr>
+                <a:spLocks noChangeArrowheads="1"/>
+              </p:cNvSpPr>
+              <p:nvPr/>
+            </p:nvSpPr>
+            <p:spPr bwMode="auto">
+              <a:xfrm>
+                <a:off x="10922" y="7919"/>
+                <a:ext cx="2160" cy="4662"/>
+              </a:xfrm>
+              <a:prstGeom prst="rect">
+                <a:avLst/>
+              </a:prstGeom>
+              <a:noFill/>
+              <a:ln>
+                <a:noFill/>
+              </a:ln>
+              <a:extLst>
+                <a:ext uri="{909E8E84-426E-40DD-AFC4-6F175D3DCCD1}">
+                  <a14:hiddenFill xmlns:a14="http://schemas.microsoft.com/office/drawing/2010/main">
+                    <a:solidFill>
+                      <a:srgbClr val="FFFFFF"/>
+                    </a:solidFill>
+                  </a14:hiddenFill>
+                </a:ext>
+                <a:ext uri="{91240B29-F687-4F45-9708-019B960494DF}">
+                  <a14:hiddenLine xmlns:a14="http://schemas.microsoft.com/office/drawing/2010/main" w="0">
+                    <a:solidFill>
+                      <a:srgbClr val="000000"/>
+                    </a:solidFill>
+                    <a:miter lim="800000"/>
+                    <a:headEnd/>
+                    <a:tailEnd/>
+                  </a14:hiddenLine>
+                </a:ext>
+              </a:extLst>
+            </p:spPr>
+            <p:txBody>
+              <a:bodyPr vert="horz" wrap="square" lIns="0" tIns="0" rIns="0" bIns="0" numCol="1" anchor="t" anchorCtr="0" compatLnSpc="1">
+                <a:prstTxWarp prst="textNoShape">
+                  <a:avLst/>
+                </a:prstTxWarp>
+              </a:bodyPr>
+              <a:lstStyle/>
+              <a:p>
+                <a:pPr marL="0" marR="0" lvl="0" indent="0" algn="ctr" defTabSz="914400" rtl="0" eaLnBrk="1" fontAlgn="base" latinLnBrk="0" hangingPunct="1">
+                  <a:lnSpc>
+                    <a:spcPct val="100000"/>
+                  </a:lnSpc>
+                  <a:spcBef>
+                    <a:spcPct val="0"/>
+                  </a:spcBef>
+                  <a:spcAft>
+                    <a:spcPct val="0"/>
+                  </a:spcAft>
+                  <a:buClrTx/>
+                  <a:buSzTx/>
+                  <a:buFontTx/>
+                  <a:buNone/>
+                  <a:tabLst/>
+                </a:pPr>
+                <a:r>
+                  <a:rPr kumimoji="0" lang="en-US" altLang="ru-RU" sz="1400" b="0" i="0" u="none" strike="noStrike" cap="none" normalizeH="0" baseline="0" dirty="0" smtClean="0">
+                    <a:ln>
+                      <a:noFill/>
+                    </a:ln>
+                    <a:solidFill>
+                      <a:srgbClr val="000000"/>
+                    </a:solidFill>
+                    <a:effectLst/>
+                    <a:latin typeface="Times New Roman CYR"/>
+                    <a:ea typeface="Times New Roman" pitchFamily="18" charset="0"/>
+                  </a:rPr>
+                  <a:t>SSH</a:t>
+                </a:r>
+                <a:endParaRPr kumimoji="0" lang="en-US" altLang="ru-RU" sz="1400" b="0" i="0" u="none" strike="noStrike" cap="none" normalizeH="0" baseline="0" dirty="0" smtClean="0">
+                  <a:ln>
+                    <a:noFill/>
+                  </a:ln>
+                  <a:solidFill>
+                    <a:schemeClr val="tx1"/>
+                  </a:solidFill>
+                  <a:effectLst/>
+                  <a:latin typeface="Arial" pitchFamily="34" charset="0"/>
+                  <a:cs typeface="Arial" pitchFamily="34" charset="0"/>
+                </a:endParaRPr>
+              </a:p>
+            </p:txBody>
+          </p:sp>
+          <p:sp>
+            <p:nvSpPr>
+              <p:cNvPr id="98" name="Rectangle 66"/>
+              <p:cNvSpPr>
+                <a:spLocks noChangeArrowheads="1"/>
+              </p:cNvSpPr>
+              <p:nvPr/>
+            </p:nvSpPr>
+            <p:spPr bwMode="auto">
+              <a:xfrm>
+                <a:off x="6671" y="0"/>
+                <a:ext cx="3330" cy="19977"/>
+              </a:xfrm>
+              <a:prstGeom prst="rect">
+                <a:avLst/>
+              </a:prstGeom>
+              <a:solidFill>
+                <a:srgbClr val="FFFFFF"/>
+              </a:solidFill>
+              <a:ln w="10795">
+                <a:solidFill>
+                  <a:srgbClr val="595959"/>
+                </a:solidFill>
+                <a:miter lim="800000"/>
+                <a:headEnd/>
+                <a:tailEnd/>
+              </a:ln>
+            </p:spPr>
+            <p:txBody>
+              <a:bodyPr vert="horz" wrap="square" lIns="91440" tIns="45720" rIns="91440" bIns="45720" numCol="1" anchor="t" anchorCtr="0" compatLnSpc="1">
+                <a:prstTxWarp prst="textNoShape">
+                  <a:avLst/>
+                </a:prstTxWarp>
+              </a:bodyPr>
+              <a:lstStyle/>
+              <a:p>
+                <a:endParaRPr lang="ru-RU"/>
+              </a:p>
+            </p:txBody>
+          </p:sp>
+          <p:sp>
+            <p:nvSpPr>
+              <p:cNvPr id="99" name="Rectangle 65"/>
+              <p:cNvSpPr>
+                <a:spLocks noChangeArrowheads="1"/>
+              </p:cNvSpPr>
+              <p:nvPr/>
+            </p:nvSpPr>
+            <p:spPr bwMode="auto">
+              <a:xfrm>
+                <a:off x="7698" y="7919"/>
+                <a:ext cx="1791" cy="4662"/>
+              </a:xfrm>
+              <a:prstGeom prst="rect">
+                <a:avLst/>
+              </a:prstGeom>
+              <a:noFill/>
+              <a:ln>
+                <a:noFill/>
+              </a:ln>
+              <a:extLst>
+                <a:ext uri="{909E8E84-426E-40DD-AFC4-6F175D3DCCD1}">
+                  <a14:hiddenFill xmlns:a14="http://schemas.microsoft.com/office/drawing/2010/main">
+                    <a:solidFill>
+                      <a:srgbClr val="FFFFFF"/>
+                    </a:solidFill>
+                  </a14:hiddenFill>
+                </a:ext>
+                <a:ext uri="{91240B29-F687-4F45-9708-019B960494DF}">
+                  <a14:hiddenLine xmlns:a14="http://schemas.microsoft.com/office/drawing/2010/main" w="0">
+                    <a:solidFill>
+                      <a:srgbClr val="000000"/>
+                    </a:solidFill>
+                    <a:miter lim="800000"/>
+                    <a:headEnd/>
+                    <a:tailEnd/>
+                  </a14:hiddenLine>
+                </a:ext>
+              </a:extLst>
+            </p:spPr>
+            <p:txBody>
+              <a:bodyPr vert="horz" wrap="square" lIns="0" tIns="0" rIns="0" bIns="0" numCol="1" anchor="t" anchorCtr="0" compatLnSpc="1">
+                <a:prstTxWarp prst="textNoShape">
+                  <a:avLst/>
+                </a:prstTxWarp>
+              </a:bodyPr>
+              <a:lstStyle/>
+              <a:p>
+                <a:pPr marL="0" marR="0" lvl="0" indent="0" algn="ctr" defTabSz="914400" rtl="0" eaLnBrk="1" fontAlgn="base" latinLnBrk="0" hangingPunct="1">
+                  <a:lnSpc>
+                    <a:spcPct val="100000"/>
+                  </a:lnSpc>
+                  <a:spcBef>
+                    <a:spcPct val="0"/>
+                  </a:spcBef>
+                  <a:spcAft>
+                    <a:spcPct val="0"/>
+                  </a:spcAft>
+                  <a:buClrTx/>
+                  <a:buSzTx/>
+                  <a:buFontTx/>
+                  <a:buNone/>
+                  <a:tabLst/>
+                </a:pPr>
+                <a:r>
+                  <a:rPr kumimoji="0" lang="en-US" altLang="ru-RU" sz="1400" b="0" i="0" u="none" strike="noStrike" cap="none" normalizeH="0" baseline="0" dirty="0" smtClean="0">
+                    <a:ln>
+                      <a:noFill/>
+                    </a:ln>
+                    <a:solidFill>
+                      <a:srgbClr val="000000"/>
+                    </a:solidFill>
+                    <a:effectLst/>
+                    <a:latin typeface="Times New Roman CYR"/>
+                    <a:ea typeface="Times New Roman" pitchFamily="18" charset="0"/>
+                  </a:rPr>
+                  <a:t>Telnet</a:t>
+                </a:r>
+                <a:endParaRPr kumimoji="0" lang="en-US" altLang="ru-RU" sz="1400" b="0" i="0" u="none" strike="noStrike" cap="none" normalizeH="0" baseline="0" dirty="0" smtClean="0">
+                  <a:ln>
+                    <a:noFill/>
+                  </a:ln>
+                  <a:solidFill>
+                    <a:schemeClr val="tx1"/>
+                  </a:solidFill>
+                  <a:effectLst/>
+                  <a:latin typeface="Arial" pitchFamily="34" charset="0"/>
+                  <a:cs typeface="Arial" pitchFamily="34" charset="0"/>
+                </a:endParaRPr>
+              </a:p>
+            </p:txBody>
+          </p:sp>
+          <p:sp>
+            <p:nvSpPr>
+              <p:cNvPr id="100" name="Rectangle 64"/>
+              <p:cNvSpPr>
+                <a:spLocks noChangeArrowheads="1"/>
+              </p:cNvSpPr>
+              <p:nvPr/>
+            </p:nvSpPr>
+            <p:spPr bwMode="auto">
+              <a:xfrm>
+                <a:off x="3339" y="0"/>
+                <a:ext cx="3323" cy="19977"/>
+              </a:xfrm>
+              <a:prstGeom prst="rect">
+                <a:avLst/>
+              </a:prstGeom>
+              <a:solidFill>
+                <a:srgbClr val="FFFFFF"/>
+              </a:solidFill>
+              <a:ln w="10795">
+                <a:solidFill>
+                  <a:srgbClr val="595959"/>
+                </a:solidFill>
+                <a:miter lim="800000"/>
+                <a:headEnd/>
+                <a:tailEnd/>
+              </a:ln>
+            </p:spPr>
+            <p:txBody>
+              <a:bodyPr vert="horz" wrap="square" lIns="91440" tIns="45720" rIns="91440" bIns="45720" numCol="1" anchor="t" anchorCtr="0" compatLnSpc="1">
+                <a:prstTxWarp prst="textNoShape">
+                  <a:avLst/>
+                </a:prstTxWarp>
+              </a:bodyPr>
+              <a:lstStyle/>
+              <a:p>
+                <a:endParaRPr lang="ru-RU"/>
+              </a:p>
+            </p:txBody>
+          </p:sp>
+          <p:sp>
+            <p:nvSpPr>
+              <p:cNvPr id="101" name="Rectangle 63"/>
+              <p:cNvSpPr>
+                <a:spLocks noChangeArrowheads="1"/>
+              </p:cNvSpPr>
+              <p:nvPr/>
+            </p:nvSpPr>
+            <p:spPr bwMode="auto">
+              <a:xfrm>
+                <a:off x="4033" y="7919"/>
+                <a:ext cx="2531" cy="4662"/>
+              </a:xfrm>
+              <a:prstGeom prst="rect">
+                <a:avLst/>
+              </a:prstGeom>
+              <a:noFill/>
+              <a:ln>
+                <a:noFill/>
+              </a:ln>
+              <a:extLst>
+                <a:ext uri="{909E8E84-426E-40DD-AFC4-6F175D3DCCD1}">
+                  <a14:hiddenFill xmlns:a14="http://schemas.microsoft.com/office/drawing/2010/main">
+                    <a:solidFill>
+                      <a:srgbClr val="FFFFFF"/>
+                    </a:solidFill>
+                  </a14:hiddenFill>
+                </a:ext>
+                <a:ext uri="{91240B29-F687-4F45-9708-019B960494DF}">
+                  <a14:hiddenLine xmlns:a14="http://schemas.microsoft.com/office/drawing/2010/main" w="0">
+                    <a:solidFill>
+                      <a:srgbClr val="000000"/>
+                    </a:solidFill>
+                    <a:miter lim="800000"/>
+                    <a:headEnd/>
+                    <a:tailEnd/>
+                  </a14:hiddenLine>
+                </a:ext>
+              </a:extLst>
+            </p:spPr>
+            <p:txBody>
+              <a:bodyPr vert="horz" wrap="square" lIns="0" tIns="0" rIns="0" bIns="0" numCol="1" anchor="t" anchorCtr="0" compatLnSpc="1">
+                <a:prstTxWarp prst="textNoShape">
+                  <a:avLst/>
+                </a:prstTxWarp>
+              </a:bodyPr>
+              <a:lstStyle/>
+              <a:p>
+                <a:pPr marL="0" marR="0" lvl="0" indent="0" algn="ctr" defTabSz="914400" rtl="0" eaLnBrk="1" fontAlgn="base" latinLnBrk="0" hangingPunct="1">
+                  <a:lnSpc>
+                    <a:spcPct val="100000"/>
+                  </a:lnSpc>
+                  <a:spcBef>
+                    <a:spcPct val="0"/>
+                  </a:spcBef>
+                  <a:spcAft>
+                    <a:spcPct val="0"/>
+                  </a:spcAft>
+                  <a:buClrTx/>
+                  <a:buSzTx/>
+                  <a:buFontTx/>
+                  <a:buNone/>
+                  <a:tabLst/>
+                </a:pPr>
+                <a:r>
+                  <a:rPr kumimoji="0" lang="en-US" altLang="ru-RU" sz="1400" b="0" i="0" u="none" strike="noStrike" cap="none" normalizeH="0" baseline="0" dirty="0" smtClean="0">
+                    <a:ln>
+                      <a:noFill/>
+                    </a:ln>
+                    <a:solidFill>
+                      <a:srgbClr val="000000"/>
+                    </a:solidFill>
+                    <a:effectLst/>
+                    <a:latin typeface="Times New Roman CYR"/>
+                    <a:ea typeface="Times New Roman" pitchFamily="18" charset="0"/>
+                  </a:rPr>
+                  <a:t>SNMP</a:t>
+                </a:r>
+                <a:endParaRPr kumimoji="0" lang="en-US" altLang="ru-RU" sz="1400" b="0" i="0" u="none" strike="noStrike" cap="none" normalizeH="0" baseline="0" dirty="0" smtClean="0">
+                  <a:ln>
+                    <a:noFill/>
+                  </a:ln>
+                  <a:solidFill>
+                    <a:schemeClr val="tx1"/>
+                  </a:solidFill>
+                  <a:effectLst/>
+                  <a:latin typeface="Arial" pitchFamily="34" charset="0"/>
+                  <a:cs typeface="Arial" pitchFamily="34" charset="0"/>
+                </a:endParaRPr>
+              </a:p>
+            </p:txBody>
+          </p:sp>
+          <p:sp>
+            <p:nvSpPr>
+              <p:cNvPr id="102" name="Rectangle 62"/>
+              <p:cNvSpPr>
+                <a:spLocks noChangeArrowheads="1"/>
+              </p:cNvSpPr>
+              <p:nvPr/>
+            </p:nvSpPr>
+            <p:spPr bwMode="auto">
+              <a:xfrm>
+                <a:off x="4" y="0"/>
+                <a:ext cx="3322" cy="19977"/>
+              </a:xfrm>
+              <a:prstGeom prst="rect">
+                <a:avLst/>
+              </a:prstGeom>
+              <a:solidFill>
+                <a:srgbClr val="FFFFFF"/>
+              </a:solidFill>
+              <a:ln w="10795">
+                <a:solidFill>
+                  <a:srgbClr val="595959"/>
+                </a:solidFill>
+                <a:miter lim="800000"/>
+                <a:headEnd/>
+                <a:tailEnd/>
+              </a:ln>
+            </p:spPr>
+            <p:txBody>
+              <a:bodyPr vert="horz" wrap="square" lIns="91440" tIns="45720" rIns="91440" bIns="45720" numCol="1" anchor="t" anchorCtr="0" compatLnSpc="1">
+                <a:prstTxWarp prst="textNoShape">
+                  <a:avLst/>
+                </a:prstTxWarp>
+              </a:bodyPr>
+              <a:lstStyle/>
+              <a:p>
+                <a:endParaRPr lang="ru-RU"/>
+              </a:p>
+            </p:txBody>
+          </p:sp>
+          <p:sp>
+            <p:nvSpPr>
+              <p:cNvPr id="103" name="Rectangle 61"/>
+              <p:cNvSpPr>
+                <a:spLocks noChangeArrowheads="1"/>
+              </p:cNvSpPr>
+              <p:nvPr/>
+            </p:nvSpPr>
+            <p:spPr bwMode="auto">
+              <a:xfrm>
+                <a:off x="392" y="7279"/>
+                <a:ext cx="2716" cy="4660"/>
+              </a:xfrm>
+              <a:prstGeom prst="rect">
+                <a:avLst/>
+              </a:prstGeom>
+              <a:noFill/>
+              <a:ln>
+                <a:noFill/>
+              </a:ln>
+              <a:extLst>
+                <a:ext uri="{909E8E84-426E-40DD-AFC4-6F175D3DCCD1}">
+                  <a14:hiddenFill xmlns:a14="http://schemas.microsoft.com/office/drawing/2010/main">
+                    <a:solidFill>
+                      <a:srgbClr val="FFFFFF"/>
+                    </a:solidFill>
+                  </a14:hiddenFill>
+                </a:ext>
+                <a:ext uri="{91240B29-F687-4F45-9708-019B960494DF}">
+                  <a14:hiddenLine xmlns:a14="http://schemas.microsoft.com/office/drawing/2010/main" w="0">
+                    <a:solidFill>
+                      <a:srgbClr val="000000"/>
+                    </a:solidFill>
+                    <a:miter lim="800000"/>
+                    <a:headEnd/>
+                    <a:tailEnd/>
+                  </a14:hiddenLine>
+                </a:ext>
+              </a:extLst>
+            </p:spPr>
+            <p:txBody>
+              <a:bodyPr vert="horz" wrap="square" lIns="0" tIns="0" rIns="0" bIns="0" numCol="1" anchor="t" anchorCtr="0" compatLnSpc="1">
+                <a:prstTxWarp prst="textNoShape">
+                  <a:avLst/>
+                </a:prstTxWarp>
+              </a:bodyPr>
+              <a:lstStyle/>
+              <a:p>
+                <a:pPr marL="0" marR="0" lvl="0" indent="0" algn="ctr" defTabSz="914400" rtl="0" eaLnBrk="1" fontAlgn="base" latinLnBrk="0" hangingPunct="1">
+                  <a:lnSpc>
+                    <a:spcPct val="100000"/>
+                  </a:lnSpc>
+                  <a:spcBef>
+                    <a:spcPct val="0"/>
+                  </a:spcBef>
+                  <a:spcAft>
+                    <a:spcPct val="0"/>
+                  </a:spcAft>
+                  <a:buClrTx/>
+                  <a:buSzTx/>
+                  <a:buFontTx/>
+                  <a:buNone/>
+                  <a:tabLst/>
+                </a:pPr>
+                <a:r>
+                  <a:rPr kumimoji="0" lang="en-US" altLang="ru-RU" sz="1400" b="0" i="0" u="none" strike="noStrike" cap="none" normalizeH="0" baseline="0" dirty="0" smtClean="0">
+                    <a:ln>
+                      <a:noFill/>
+                    </a:ln>
+                    <a:solidFill>
+                      <a:srgbClr val="000000"/>
+                    </a:solidFill>
+                    <a:effectLst/>
+                    <a:latin typeface="Times New Roman CYR"/>
+                    <a:ea typeface="Times New Roman" pitchFamily="18" charset="0"/>
+                  </a:rPr>
+                  <a:t>HTTP</a:t>
+                </a:r>
+                <a:endParaRPr kumimoji="0" lang="en-US" altLang="ru-RU" sz="1400" b="0" i="0" u="none" strike="noStrike" cap="none" normalizeH="0" baseline="0" dirty="0" smtClean="0">
+                  <a:ln>
+                    <a:noFill/>
+                  </a:ln>
+                  <a:solidFill>
+                    <a:schemeClr val="tx1"/>
+                  </a:solidFill>
+                  <a:effectLst/>
+                  <a:latin typeface="Arial" pitchFamily="34" charset="0"/>
+                  <a:cs typeface="Arial" pitchFamily="34" charset="0"/>
+                </a:endParaRPr>
+              </a:p>
+            </p:txBody>
+          </p:sp>
+        </p:grpSp>
+      </p:grpSp>
+      <p:grpSp>
+        <p:nvGrpSpPr>
+          <p:cNvPr id="112" name="Group 8"/>
+          <p:cNvGrpSpPr>
+            <a:grpSpLocks/>
+          </p:cNvGrpSpPr>
+          <p:nvPr/>
+        </p:nvGrpSpPr>
+        <p:grpSpPr bwMode="auto">
+          <a:xfrm>
+            <a:off x="783926" y="4541027"/>
+            <a:ext cx="7800649" cy="1212306"/>
+            <a:chOff x="0" y="0"/>
+            <a:chExt cx="19997" cy="19979"/>
+          </a:xfrm>
+        </p:grpSpPr>
+        <p:sp>
+          <p:nvSpPr>
+            <p:cNvPr id="113" name="Rectangle 22"/>
+            <p:cNvSpPr>
+              <a:spLocks noChangeArrowheads="1"/>
+            </p:cNvSpPr>
+            <p:nvPr/>
+          </p:nvSpPr>
+          <p:spPr bwMode="auto">
+            <a:xfrm>
+              <a:off x="0" y="0"/>
+              <a:ext cx="19984" cy="18537"/>
+            </a:xfrm>
+            <a:prstGeom prst="rect">
+              <a:avLst/>
+            </a:prstGeom>
+            <a:solidFill>
+              <a:srgbClr val="D9D9D9"/>
+            </a:solidFill>
+            <a:ln w="8255">
+              <a:solidFill>
+                <a:srgbClr val="000000"/>
+              </a:solidFill>
+              <a:miter lim="800000"/>
+              <a:headEnd/>
+              <a:tailEnd/>
+            </a:ln>
+          </p:spPr>
+          <p:txBody>
+            <a:bodyPr vert="horz" wrap="square" lIns="91440" tIns="45720" rIns="91440" bIns="45720" numCol="1" anchor="t" anchorCtr="0" compatLnSpc="1">
+              <a:prstTxWarp prst="textNoShape">
+                <a:avLst/>
+              </a:prstTxWarp>
+            </a:bodyPr>
+            <a:lstStyle/>
+            <a:p>
+              <a:endParaRPr lang="ru-RU"/>
+            </a:p>
+          </p:txBody>
+        </p:sp>
+        <p:grpSp>
+          <p:nvGrpSpPr>
+            <p:cNvPr id="114" name="Group 15"/>
+            <p:cNvGrpSpPr>
+              <a:grpSpLocks/>
+            </p:cNvGrpSpPr>
+            <p:nvPr/>
+          </p:nvGrpSpPr>
+          <p:grpSpPr bwMode="auto">
+            <a:xfrm>
+              <a:off x="146" y="564"/>
+              <a:ext cx="1552" cy="18663"/>
+              <a:chOff x="0" y="0"/>
+              <a:chExt cx="19949" cy="19978"/>
+            </a:xfrm>
+          </p:grpSpPr>
+          <p:sp>
+            <p:nvSpPr>
+              <p:cNvPr id="121" name="Rectangle 21"/>
+              <p:cNvSpPr>
+                <a:spLocks noChangeArrowheads="1"/>
+              </p:cNvSpPr>
+              <p:nvPr/>
+            </p:nvSpPr>
+            <p:spPr bwMode="auto">
+              <a:xfrm>
+                <a:off x="2057" y="739"/>
+                <a:ext cx="17892" cy="9261"/>
+              </a:xfrm>
+              <a:prstGeom prst="rect">
+                <a:avLst/>
+              </a:prstGeom>
+              <a:solidFill>
+                <a:srgbClr val="000000"/>
+              </a:solidFill>
+              <a:ln>
+                <a:noFill/>
+              </a:ln>
+              <a:extLst>
+                <a:ext uri="{91240B29-F687-4F45-9708-019B960494DF}">
+                  <a14:hiddenLine xmlns:a14="http://schemas.microsoft.com/office/drawing/2010/main" w="0">
+                    <a:solidFill>
+                      <a:srgbClr val="000000"/>
+                    </a:solidFill>
+                    <a:miter lim="800000"/>
+                    <a:headEnd/>
+                    <a:tailEnd/>
+                  </a14:hiddenLine>
+                </a:ext>
+              </a:extLst>
+            </p:spPr>
+            <p:txBody>
+              <a:bodyPr vert="horz" wrap="square" lIns="91440" tIns="45720" rIns="91440" bIns="45720" numCol="1" anchor="t" anchorCtr="0" compatLnSpc="1">
+                <a:prstTxWarp prst="textNoShape">
+                  <a:avLst/>
+                </a:prstTxWarp>
+              </a:bodyPr>
+              <a:lstStyle/>
+              <a:p>
+                <a:endParaRPr lang="ru-RU"/>
+              </a:p>
+            </p:txBody>
+          </p:sp>
+          <p:sp>
+            <p:nvSpPr>
+              <p:cNvPr id="122" name="Rectangle 20"/>
+              <p:cNvSpPr>
+                <a:spLocks noChangeArrowheads="1"/>
+              </p:cNvSpPr>
+              <p:nvPr/>
+            </p:nvSpPr>
+            <p:spPr bwMode="auto">
+              <a:xfrm>
+                <a:off x="0" y="0"/>
+                <a:ext cx="17905" cy="9261"/>
+              </a:xfrm>
+              <a:prstGeom prst="rect">
+                <a:avLst/>
+              </a:prstGeom>
+              <a:solidFill>
+                <a:srgbClr val="F2F2F2"/>
+              </a:solidFill>
+              <a:ln>
+                <a:noFill/>
+              </a:ln>
+              <a:extLst>
+                <a:ext uri="{91240B29-F687-4F45-9708-019B960494DF}">
+                  <a14:hiddenLine xmlns:a14="http://schemas.microsoft.com/office/drawing/2010/main" w="0">
+                    <a:solidFill>
+                      <a:srgbClr val="000000"/>
+                    </a:solidFill>
+                    <a:miter lim="800000"/>
+                    <a:headEnd/>
+                    <a:tailEnd/>
+                  </a14:hiddenLine>
+                </a:ext>
+              </a:extLst>
+            </p:spPr>
+            <p:txBody>
+              <a:bodyPr vert="horz" wrap="square" lIns="91440" tIns="45720" rIns="91440" bIns="45720" numCol="1" anchor="t" anchorCtr="0" compatLnSpc="1">
+                <a:prstTxWarp prst="textNoShape">
+                  <a:avLst/>
+                </a:prstTxWarp>
+              </a:bodyPr>
+              <a:lstStyle/>
+              <a:p>
+                <a:endParaRPr lang="ru-RU"/>
+              </a:p>
+            </p:txBody>
+          </p:sp>
+          <p:sp>
+            <p:nvSpPr>
+              <p:cNvPr id="124" name="Rectangle 19"/>
+              <p:cNvSpPr>
+                <a:spLocks noChangeArrowheads="1"/>
+              </p:cNvSpPr>
+              <p:nvPr/>
+            </p:nvSpPr>
+            <p:spPr bwMode="auto">
+              <a:xfrm>
+                <a:off x="6440" y="291"/>
+                <a:ext cx="12596" cy="6398"/>
+              </a:xfrm>
+              <a:prstGeom prst="rect">
+                <a:avLst/>
+              </a:prstGeom>
+              <a:noFill/>
+              <a:ln>
+                <a:noFill/>
+              </a:ln>
+              <a:extLst>
+                <a:ext uri="{909E8E84-426E-40DD-AFC4-6F175D3DCCD1}">
+                  <a14:hiddenFill xmlns:a14="http://schemas.microsoft.com/office/drawing/2010/main">
+                    <a:solidFill>
+                      <a:srgbClr val="FFFFFF"/>
+                    </a:solidFill>
+                  </a14:hiddenFill>
+                </a:ext>
+                <a:ext uri="{91240B29-F687-4F45-9708-019B960494DF}">
+                  <a14:hiddenLine xmlns:a14="http://schemas.microsoft.com/office/drawing/2010/main" w="0">
+                    <a:solidFill>
+                      <a:srgbClr val="000000"/>
+                    </a:solidFill>
+                    <a:miter lim="800000"/>
+                    <a:headEnd/>
+                    <a:tailEnd/>
+                  </a14:hiddenLine>
+                </a:ext>
+              </a:extLst>
+            </p:spPr>
+            <p:txBody>
+              <a:bodyPr vert="horz" wrap="square" lIns="0" tIns="0" rIns="0" bIns="0" numCol="1" anchor="t" anchorCtr="0" compatLnSpc="1">
+                <a:prstTxWarp prst="textNoShape">
+                  <a:avLst/>
+                </a:prstTxWarp>
+              </a:bodyPr>
+              <a:lstStyle/>
+              <a:p>
+                <a:pPr marL="0" marR="0" lvl="0" indent="0" algn="l" defTabSz="914400" rtl="0" eaLnBrk="1" fontAlgn="base" latinLnBrk="0" hangingPunct="1">
+                  <a:lnSpc>
+                    <a:spcPct val="100000"/>
+                  </a:lnSpc>
+                  <a:spcBef>
+                    <a:spcPct val="0"/>
+                  </a:spcBef>
+                  <a:spcAft>
+                    <a:spcPct val="0"/>
+                  </a:spcAft>
+                  <a:buClrTx/>
+                  <a:buSzTx/>
+                  <a:buFontTx/>
+                  <a:buNone/>
+                  <a:tabLst/>
+                </a:pPr>
+                <a:r>
+                  <a:rPr kumimoji="0" lang="en-US" altLang="ru-RU" sz="1200" b="1" i="0" u="none" strike="noStrike" cap="none" normalizeH="0" baseline="0" smtClean="0">
+                    <a:ln>
+                      <a:noFill/>
+                    </a:ln>
+                    <a:solidFill>
+                      <a:srgbClr val="808080"/>
+                    </a:solidFill>
+                    <a:effectLst/>
+                    <a:latin typeface="Times New Roman CYR"/>
+                    <a:ea typeface="Times New Roman" pitchFamily="18" charset="0"/>
+                    <a:cs typeface="Times New Roman" pitchFamily="18" charset="0"/>
+                  </a:rPr>
+                  <a:t>2</a:t>
+                </a:r>
+                <a:endParaRPr kumimoji="0" lang="en-US" altLang="ru-RU" sz="1800" b="0" i="0" u="none" strike="noStrike" cap="none" normalizeH="0" baseline="0" smtClean="0">
+                  <a:ln>
+                    <a:noFill/>
+                  </a:ln>
+                  <a:solidFill>
+                    <a:schemeClr val="tx1"/>
+                  </a:solidFill>
+                  <a:effectLst/>
+                  <a:latin typeface="Arial" pitchFamily="34" charset="0"/>
+                  <a:cs typeface="Arial" pitchFamily="34" charset="0"/>
+                </a:endParaRPr>
+              </a:p>
+            </p:txBody>
+          </p:sp>
+          <p:sp>
+            <p:nvSpPr>
+              <p:cNvPr id="125" name="Rectangle 18"/>
+              <p:cNvSpPr>
+                <a:spLocks noChangeArrowheads="1"/>
+              </p:cNvSpPr>
+              <p:nvPr/>
+            </p:nvSpPr>
+            <p:spPr bwMode="auto">
+              <a:xfrm>
+                <a:off x="2057" y="10760"/>
+                <a:ext cx="17892" cy="9218"/>
+              </a:xfrm>
+              <a:prstGeom prst="rect">
+                <a:avLst/>
+              </a:prstGeom>
+              <a:solidFill>
+                <a:srgbClr val="000000"/>
+              </a:solidFill>
+              <a:ln>
+                <a:noFill/>
+              </a:ln>
+              <a:extLst>
+                <a:ext uri="{91240B29-F687-4F45-9708-019B960494DF}">
+                  <a14:hiddenLine xmlns:a14="http://schemas.microsoft.com/office/drawing/2010/main" w="0">
+                    <a:solidFill>
+                      <a:srgbClr val="000000"/>
+                    </a:solidFill>
+                    <a:miter lim="800000"/>
+                    <a:headEnd/>
+                    <a:tailEnd/>
+                  </a14:hiddenLine>
+                </a:ext>
+              </a:extLst>
+            </p:spPr>
+            <p:txBody>
+              <a:bodyPr vert="horz" wrap="square" lIns="91440" tIns="45720" rIns="91440" bIns="45720" numCol="1" anchor="t" anchorCtr="0" compatLnSpc="1">
+                <a:prstTxWarp prst="textNoShape">
+                  <a:avLst/>
+                </a:prstTxWarp>
+              </a:bodyPr>
+              <a:lstStyle/>
+              <a:p>
+                <a:endParaRPr lang="ru-RU"/>
+              </a:p>
+            </p:txBody>
+          </p:sp>
+          <p:sp>
+            <p:nvSpPr>
+              <p:cNvPr id="126" name="Rectangle 17"/>
+              <p:cNvSpPr>
+                <a:spLocks noChangeArrowheads="1"/>
+              </p:cNvSpPr>
+              <p:nvPr/>
+            </p:nvSpPr>
+            <p:spPr bwMode="auto">
+              <a:xfrm>
+                <a:off x="0" y="10023"/>
+                <a:ext cx="17905" cy="9216"/>
+              </a:xfrm>
+              <a:prstGeom prst="rect">
+                <a:avLst/>
+              </a:prstGeom>
+              <a:solidFill>
+                <a:srgbClr val="F2F2F2"/>
+              </a:solidFill>
+              <a:ln>
+                <a:noFill/>
+              </a:ln>
+              <a:extLst>
+                <a:ext uri="{91240B29-F687-4F45-9708-019B960494DF}">
+                  <a14:hiddenLine xmlns:a14="http://schemas.microsoft.com/office/drawing/2010/main" w="0">
+                    <a:solidFill>
+                      <a:srgbClr val="000000"/>
+                    </a:solidFill>
+                    <a:miter lim="800000"/>
+                    <a:headEnd/>
+                    <a:tailEnd/>
+                  </a14:hiddenLine>
+                </a:ext>
+              </a:extLst>
+            </p:spPr>
+            <p:txBody>
+              <a:bodyPr vert="horz" wrap="square" lIns="91440" tIns="45720" rIns="91440" bIns="45720" numCol="1" anchor="t" anchorCtr="0" compatLnSpc="1">
+                <a:prstTxWarp prst="textNoShape">
+                  <a:avLst/>
+                </a:prstTxWarp>
+              </a:bodyPr>
+              <a:lstStyle/>
+              <a:p>
+                <a:endParaRPr lang="ru-RU"/>
+              </a:p>
+            </p:txBody>
+          </p:sp>
+          <p:sp>
+            <p:nvSpPr>
+              <p:cNvPr id="127" name="Rectangle 16"/>
+              <p:cNvSpPr>
+                <a:spLocks noChangeArrowheads="1"/>
+              </p:cNvSpPr>
+              <p:nvPr/>
+            </p:nvSpPr>
+            <p:spPr bwMode="auto">
+              <a:xfrm>
+                <a:off x="6440" y="10291"/>
+                <a:ext cx="12596" cy="6399"/>
+              </a:xfrm>
+              <a:prstGeom prst="rect">
+                <a:avLst/>
+              </a:prstGeom>
+              <a:noFill/>
+              <a:ln>
+                <a:noFill/>
+              </a:ln>
+              <a:extLst>
+                <a:ext uri="{909E8E84-426E-40DD-AFC4-6F175D3DCCD1}">
+                  <a14:hiddenFill xmlns:a14="http://schemas.microsoft.com/office/drawing/2010/main">
+                    <a:solidFill>
+                      <a:srgbClr val="FFFFFF"/>
+                    </a:solidFill>
+                  </a14:hiddenFill>
+                </a:ext>
+                <a:ext uri="{91240B29-F687-4F45-9708-019B960494DF}">
+                  <a14:hiddenLine xmlns:a14="http://schemas.microsoft.com/office/drawing/2010/main" w="0">
+                    <a:solidFill>
+                      <a:srgbClr val="000000"/>
+                    </a:solidFill>
+                    <a:miter lim="800000"/>
+                    <a:headEnd/>
+                    <a:tailEnd/>
+                  </a14:hiddenLine>
+                </a:ext>
+              </a:extLst>
+            </p:spPr>
+            <p:txBody>
+              <a:bodyPr vert="horz" wrap="square" lIns="0" tIns="0" rIns="0" bIns="0" numCol="1" anchor="t" anchorCtr="0" compatLnSpc="1">
+                <a:prstTxWarp prst="textNoShape">
+                  <a:avLst/>
+                </a:prstTxWarp>
+              </a:bodyPr>
+              <a:lstStyle/>
+              <a:p>
+                <a:pPr marL="0" marR="0" lvl="0" indent="0" algn="l" defTabSz="914400" rtl="0" eaLnBrk="1" fontAlgn="base" latinLnBrk="0" hangingPunct="1">
+                  <a:lnSpc>
+                    <a:spcPct val="100000"/>
+                  </a:lnSpc>
+                  <a:spcBef>
+                    <a:spcPct val="0"/>
+                  </a:spcBef>
+                  <a:spcAft>
+                    <a:spcPct val="0"/>
+                  </a:spcAft>
+                  <a:buClrTx/>
+                  <a:buSzTx/>
+                  <a:buFontTx/>
+                  <a:buNone/>
+                  <a:tabLst/>
+                </a:pPr>
+                <a:r>
+                  <a:rPr kumimoji="0" lang="en-US" altLang="ru-RU" sz="1200" b="1" i="0" u="none" strike="noStrike" cap="none" normalizeH="0" baseline="0" smtClean="0">
+                    <a:ln>
+                      <a:noFill/>
+                    </a:ln>
+                    <a:solidFill>
+                      <a:srgbClr val="808080"/>
+                    </a:solidFill>
+                    <a:effectLst/>
+                    <a:latin typeface="Times New Roman CYR"/>
+                    <a:ea typeface="Times New Roman" pitchFamily="18" charset="0"/>
+                    <a:cs typeface="Times New Roman" pitchFamily="18" charset="0"/>
+                  </a:rPr>
+                  <a:t>1</a:t>
+                </a:r>
+                <a:endParaRPr kumimoji="0" lang="en-US" altLang="ru-RU" sz="1800" b="0" i="0" u="none" strike="noStrike" cap="none" normalizeH="0" baseline="0" smtClean="0">
+                  <a:ln>
+                    <a:noFill/>
+                  </a:ln>
+                  <a:solidFill>
+                    <a:schemeClr val="tx1"/>
+                  </a:solidFill>
+                  <a:effectLst/>
+                  <a:latin typeface="Arial" pitchFamily="34" charset="0"/>
+                  <a:cs typeface="Arial" pitchFamily="34" charset="0"/>
+                </a:endParaRPr>
+              </a:p>
+            </p:txBody>
+          </p:sp>
+        </p:grpSp>
+        <p:sp>
+          <p:nvSpPr>
+            <p:cNvPr id="115" name="Rectangle 14"/>
+            <p:cNvSpPr>
+              <a:spLocks noChangeArrowheads="1"/>
+            </p:cNvSpPr>
+            <p:nvPr/>
+          </p:nvSpPr>
+          <p:spPr bwMode="auto">
+            <a:xfrm>
+              <a:off x="18422" y="1651"/>
+              <a:ext cx="1393" cy="18328"/>
+            </a:xfrm>
+            <a:prstGeom prst="rect">
+              <a:avLst/>
+            </a:prstGeom>
+            <a:solidFill>
+              <a:srgbClr val="000000"/>
+            </a:solidFill>
+            <a:ln>
+              <a:noFill/>
+            </a:ln>
+            <a:extLst>
+              <a:ext uri="{91240B29-F687-4F45-9708-019B960494DF}">
+                <a14:hiddenLine xmlns:a14="http://schemas.microsoft.com/office/drawing/2010/main" w="0">
+                  <a:solidFill>
+                    <a:srgbClr val="000000"/>
+                  </a:solidFill>
+                  <a:miter lim="800000"/>
+                  <a:headEnd/>
+                  <a:tailEnd/>
+                </a14:hiddenLine>
+              </a:ext>
+            </a:extLst>
+          </p:spPr>
+          <p:txBody>
+            <a:bodyPr vert="horz" wrap="square" lIns="91440" tIns="45720" rIns="91440" bIns="45720" numCol="1" anchor="t" anchorCtr="0" compatLnSpc="1">
+              <a:prstTxWarp prst="textNoShape">
+                <a:avLst/>
+              </a:prstTxWarp>
+            </a:bodyPr>
+            <a:lstStyle/>
+            <a:p>
+              <a:endParaRPr lang="ru-RU"/>
+            </a:p>
+          </p:txBody>
+        </p:sp>
+        <p:sp>
+          <p:nvSpPr>
+            <p:cNvPr id="116" name="Rectangle 13"/>
+            <p:cNvSpPr>
+              <a:spLocks noChangeArrowheads="1"/>
+            </p:cNvSpPr>
+            <p:nvPr/>
+          </p:nvSpPr>
+          <p:spPr bwMode="auto">
+            <a:xfrm>
+              <a:off x="18263" y="961"/>
+              <a:ext cx="1392" cy="18328"/>
+            </a:xfrm>
+            <a:prstGeom prst="rect">
+              <a:avLst/>
+            </a:prstGeom>
+            <a:solidFill>
+              <a:srgbClr val="F2F2F2"/>
+            </a:solidFill>
+            <a:ln>
+              <a:noFill/>
+            </a:ln>
+            <a:extLst>
+              <a:ext uri="{91240B29-F687-4F45-9708-019B960494DF}">
+                <a14:hiddenLine xmlns:a14="http://schemas.microsoft.com/office/drawing/2010/main" w="0">
+                  <a:solidFill>
+                    <a:srgbClr val="000000"/>
+                  </a:solidFill>
+                  <a:miter lim="800000"/>
+                  <a:headEnd/>
+                  <a:tailEnd/>
+                </a14:hiddenLine>
+              </a:ext>
+            </a:extLst>
+          </p:spPr>
+          <p:txBody>
+            <a:bodyPr vert="horz" wrap="square" lIns="91440" tIns="45720" rIns="91440" bIns="45720" numCol="1" anchor="t" anchorCtr="0" compatLnSpc="1">
+              <a:prstTxWarp prst="textNoShape">
+                <a:avLst/>
+              </a:prstTxWarp>
+            </a:bodyPr>
+            <a:lstStyle/>
+            <a:p>
+              <a:endParaRPr lang="ru-RU"/>
+            </a:p>
+          </p:txBody>
+        </p:sp>
+        <p:sp>
+          <p:nvSpPr>
+            <p:cNvPr id="117" name="Rectangle 12"/>
+            <p:cNvSpPr>
+              <a:spLocks noChangeArrowheads="1"/>
+            </p:cNvSpPr>
+            <p:nvPr/>
+          </p:nvSpPr>
+          <p:spPr bwMode="auto">
+            <a:xfrm>
+              <a:off x="18530" y="1254"/>
+              <a:ext cx="1467" cy="5977"/>
+            </a:xfrm>
+            <a:prstGeom prst="rect">
+              <a:avLst/>
+            </a:prstGeom>
+            <a:noFill/>
+            <a:ln>
+              <a:noFill/>
+            </a:ln>
+            <a:extLst>
+              <a:ext uri="{909E8E84-426E-40DD-AFC4-6F175D3DCCD1}">
+                <a14:hiddenFill xmlns:a14="http://schemas.microsoft.com/office/drawing/2010/main">
+                  <a:solidFill>
+                    <a:srgbClr val="FFFFFF"/>
+                  </a:solidFill>
+                </a14:hiddenFill>
+              </a:ext>
+              <a:ext uri="{91240B29-F687-4F45-9708-019B960494DF}">
+                <a14:hiddenLine xmlns:a14="http://schemas.microsoft.com/office/drawing/2010/main" w="0">
+                  <a:solidFill>
+                    <a:srgbClr val="000000"/>
+                  </a:solidFill>
+                  <a:miter lim="800000"/>
+                  <a:headEnd/>
+                  <a:tailEnd/>
+                </a14:hiddenLine>
+              </a:ext>
+            </a:extLst>
+          </p:spPr>
+          <p:txBody>
+            <a:bodyPr vert="horz" wrap="square" lIns="0" tIns="0" rIns="0" bIns="0" numCol="1" anchor="t" anchorCtr="0" compatLnSpc="1">
+              <a:prstTxWarp prst="textNoShape">
+                <a:avLst/>
+              </a:prstTxWarp>
+            </a:bodyPr>
+            <a:lstStyle/>
+            <a:p>
+              <a:pPr marL="0" marR="0" lvl="0" indent="0" algn="l" defTabSz="914400" rtl="0" eaLnBrk="1" fontAlgn="base" latinLnBrk="0" hangingPunct="1">
+                <a:lnSpc>
+                  <a:spcPct val="100000"/>
+                </a:lnSpc>
+                <a:spcBef>
+                  <a:spcPct val="0"/>
+                </a:spcBef>
+                <a:spcAft>
+                  <a:spcPct val="0"/>
+                </a:spcAft>
+                <a:buClrTx/>
+                <a:buSzTx/>
+                <a:buFontTx/>
+                <a:buNone/>
+                <a:tabLst/>
+              </a:pPr>
+              <a:r>
+                <a:rPr kumimoji="0" lang="en-US" altLang="ru-RU" sz="1200" b="1" i="0" u="none" strike="noStrike" cap="none" normalizeH="0" baseline="0" smtClean="0">
+                  <a:ln>
+                    <a:noFill/>
+                  </a:ln>
+                  <a:solidFill>
+                    <a:srgbClr val="808080"/>
+                  </a:solidFill>
+                  <a:effectLst/>
+                  <a:latin typeface="Times New Roman CYR"/>
+                  <a:ea typeface="Times New Roman" pitchFamily="18" charset="0"/>
+                  <a:cs typeface="Times New Roman" pitchFamily="18" charset="0"/>
+                </a:rPr>
+                <a:t>IV</a:t>
+              </a:r>
+              <a:endParaRPr kumimoji="0" lang="en-US" altLang="ru-RU" sz="1800" b="0" i="0" u="none" strike="noStrike" cap="none" normalizeH="0" baseline="0" smtClean="0">
+                <a:ln>
+                  <a:noFill/>
+                </a:ln>
+                <a:solidFill>
+                  <a:schemeClr val="tx1"/>
+                </a:solidFill>
+                <a:effectLst/>
+                <a:latin typeface="Arial" pitchFamily="34" charset="0"/>
+                <a:cs typeface="Arial" pitchFamily="34" charset="0"/>
+              </a:endParaRPr>
+            </a:p>
+          </p:txBody>
+        </p:sp>
+        <p:sp>
+          <p:nvSpPr>
+            <p:cNvPr id="118" name="Rectangle 11"/>
+            <p:cNvSpPr>
+              <a:spLocks noChangeArrowheads="1"/>
+            </p:cNvSpPr>
+            <p:nvPr/>
+          </p:nvSpPr>
+          <p:spPr bwMode="auto">
+            <a:xfrm>
+              <a:off x="2073" y="1714"/>
+              <a:ext cx="15858" cy="16823"/>
+            </a:xfrm>
+            <a:prstGeom prst="rect">
+              <a:avLst/>
+            </a:prstGeom>
+            <a:solidFill>
+              <a:srgbClr val="FFFFFF"/>
+            </a:solidFill>
+            <a:ln w="10795">
+              <a:solidFill>
+                <a:srgbClr val="595959"/>
+              </a:solidFill>
+              <a:miter lim="800000"/>
+              <a:headEnd/>
+              <a:tailEnd/>
+            </a:ln>
+          </p:spPr>
+          <p:txBody>
+            <a:bodyPr vert="horz" wrap="square" lIns="91440" tIns="45720" rIns="91440" bIns="45720" numCol="1" anchor="t" anchorCtr="0" compatLnSpc="1">
+              <a:prstTxWarp prst="textNoShape">
+                <a:avLst/>
+              </a:prstTxWarp>
+            </a:bodyPr>
+            <a:lstStyle/>
+            <a:p>
+              <a:endParaRPr lang="ru-RU"/>
+            </a:p>
+          </p:txBody>
+        </p:sp>
+        <p:sp>
+          <p:nvSpPr>
+            <p:cNvPr id="119" name="Rectangle 10"/>
+            <p:cNvSpPr>
+              <a:spLocks noChangeArrowheads="1"/>
+            </p:cNvSpPr>
+            <p:nvPr/>
+          </p:nvSpPr>
+          <p:spPr bwMode="auto">
+            <a:xfrm>
+              <a:off x="7347" y="3532"/>
+              <a:ext cx="6055" cy="4723"/>
+            </a:xfrm>
+            <a:prstGeom prst="rect">
+              <a:avLst/>
+            </a:prstGeom>
+            <a:noFill/>
+            <a:ln>
+              <a:noFill/>
+            </a:ln>
+            <a:extLst>
+              <a:ext uri="{909E8E84-426E-40DD-AFC4-6F175D3DCCD1}">
+                <a14:hiddenFill xmlns:a14="http://schemas.microsoft.com/office/drawing/2010/main">
+                  <a:solidFill>
+                    <a:srgbClr val="FFFFFF"/>
+                  </a:solidFill>
+                </a14:hiddenFill>
+              </a:ext>
+              <a:ext uri="{91240B29-F687-4F45-9708-019B960494DF}">
+                <a14:hiddenLine xmlns:a14="http://schemas.microsoft.com/office/drawing/2010/main" w="0">
+                  <a:solidFill>
+                    <a:srgbClr val="000000"/>
+                  </a:solidFill>
+                  <a:miter lim="800000"/>
+                  <a:headEnd/>
+                  <a:tailEnd/>
+                </a14:hiddenLine>
+              </a:ext>
+            </a:extLst>
+          </p:spPr>
+          <p:txBody>
+            <a:bodyPr vert="horz" wrap="square" lIns="0" tIns="0" rIns="0" bIns="0" numCol="1" anchor="t" anchorCtr="0" compatLnSpc="1">
+              <a:prstTxWarp prst="textNoShape">
+                <a:avLst/>
+              </a:prstTxWarp>
+            </a:bodyPr>
+            <a:lstStyle/>
+            <a:p>
+              <a:pPr marL="0" marR="0" lvl="0" indent="0" algn="ctr" defTabSz="914400" rtl="0" eaLnBrk="1" fontAlgn="base" latinLnBrk="0" hangingPunct="1">
+                <a:lnSpc>
+                  <a:spcPct val="100000"/>
+                </a:lnSpc>
+                <a:spcBef>
+                  <a:spcPct val="0"/>
+                </a:spcBef>
+                <a:spcAft>
+                  <a:spcPct val="0"/>
+                </a:spcAft>
+                <a:buClrTx/>
+                <a:buSzTx/>
+                <a:buFontTx/>
+                <a:buNone/>
+                <a:tabLst/>
+              </a:pPr>
+              <a:r>
+                <a:rPr kumimoji="0" lang="en-US" altLang="ru-RU" sz="1400" b="0" i="0" u="none" strike="noStrike" cap="none" normalizeH="0" baseline="0" dirty="0" err="1" smtClean="0">
+                  <a:ln>
+                    <a:noFill/>
+                  </a:ln>
+                  <a:solidFill>
+                    <a:srgbClr val="000000"/>
+                  </a:solidFill>
+                  <a:effectLst/>
+                  <a:latin typeface="Times New Roman CYR"/>
+                  <a:ea typeface="Times New Roman" pitchFamily="18" charset="0"/>
+                </a:rPr>
+                <a:t>Не</a:t>
+              </a:r>
+              <a:r>
+                <a:rPr kumimoji="0" lang="en-US" altLang="ru-RU" sz="1400" b="0" i="0" u="none" strike="noStrike" cap="none" normalizeH="0" baseline="0" dirty="0" smtClean="0">
+                  <a:ln>
+                    <a:noFill/>
+                  </a:ln>
+                  <a:solidFill>
+                    <a:srgbClr val="000000"/>
+                  </a:solidFill>
+                  <a:effectLst/>
+                  <a:latin typeface="Times New Roman CYR"/>
+                  <a:ea typeface="Times New Roman" pitchFamily="18" charset="0"/>
+                </a:rPr>
+                <a:t> </a:t>
+              </a:r>
+              <a:r>
+                <a:rPr kumimoji="0" lang="en-US" altLang="ru-RU" sz="1400" b="0" i="0" u="none" strike="noStrike" cap="none" normalizeH="0" baseline="0" dirty="0" err="1" smtClean="0">
+                  <a:ln>
+                    <a:noFill/>
+                  </a:ln>
+                  <a:solidFill>
+                    <a:srgbClr val="000000"/>
+                  </a:solidFill>
+                  <a:effectLst/>
+                  <a:latin typeface="Times New Roman CYR"/>
+                  <a:ea typeface="Times New Roman" pitchFamily="18" charset="0"/>
+                </a:rPr>
+                <a:t>регламентируется</a:t>
+              </a:r>
+              <a:endParaRPr kumimoji="0" lang="en-US" altLang="ru-RU" sz="1400" b="0" i="0" u="none" strike="noStrike" cap="none" normalizeH="0" baseline="0" dirty="0" smtClean="0">
+                <a:ln>
+                  <a:noFill/>
+                </a:ln>
+                <a:solidFill>
+                  <a:schemeClr val="tx1"/>
+                </a:solidFill>
+                <a:effectLst/>
+                <a:latin typeface="Arial" pitchFamily="34" charset="0"/>
+                <a:cs typeface="Arial" pitchFamily="34" charset="0"/>
+              </a:endParaRPr>
+            </a:p>
+          </p:txBody>
+        </p:sp>
+        <p:sp>
+          <p:nvSpPr>
+            <p:cNvPr id="120" name="Rectangle 9"/>
+            <p:cNvSpPr>
+              <a:spLocks noChangeArrowheads="1"/>
+            </p:cNvSpPr>
+            <p:nvPr/>
+          </p:nvSpPr>
+          <p:spPr bwMode="auto">
+            <a:xfrm>
+              <a:off x="4415" y="8756"/>
+              <a:ext cx="12205" cy="4724"/>
+            </a:xfrm>
+            <a:prstGeom prst="rect">
+              <a:avLst/>
+            </a:prstGeom>
+            <a:noFill/>
+            <a:ln>
+              <a:noFill/>
+            </a:ln>
+            <a:extLst>
+              <a:ext uri="{909E8E84-426E-40DD-AFC4-6F175D3DCCD1}">
+                <a14:hiddenFill xmlns:a14="http://schemas.microsoft.com/office/drawing/2010/main">
+                  <a:solidFill>
+                    <a:srgbClr val="FFFFFF"/>
+                  </a:solidFill>
+                </a14:hiddenFill>
+              </a:ext>
+              <a:ext uri="{91240B29-F687-4F45-9708-019B960494DF}">
+                <a14:hiddenLine xmlns:a14="http://schemas.microsoft.com/office/drawing/2010/main" w="0">
+                  <a:solidFill>
+                    <a:srgbClr val="000000"/>
+                  </a:solidFill>
+                  <a:miter lim="800000"/>
+                  <a:headEnd/>
+                  <a:tailEnd/>
+                </a14:hiddenLine>
+              </a:ext>
+            </a:extLst>
+          </p:spPr>
+          <p:txBody>
+            <a:bodyPr vert="horz" wrap="square" lIns="0" tIns="0" rIns="0" bIns="0" numCol="1" anchor="t" anchorCtr="0" compatLnSpc="1">
+              <a:prstTxWarp prst="textNoShape">
+                <a:avLst/>
+              </a:prstTxWarp>
+            </a:bodyPr>
+            <a:lstStyle/>
+            <a:p>
+              <a:pPr marL="0" marR="0" lvl="0" indent="0" algn="ctr" defTabSz="914400" rtl="0" eaLnBrk="1" fontAlgn="base" latinLnBrk="0" hangingPunct="1">
+                <a:lnSpc>
+                  <a:spcPct val="100000"/>
+                </a:lnSpc>
+                <a:spcBef>
+                  <a:spcPct val="0"/>
+                </a:spcBef>
+                <a:spcAft>
+                  <a:spcPct val="0"/>
+                </a:spcAft>
+                <a:buClrTx/>
+                <a:buSzTx/>
+                <a:buFontTx/>
+                <a:buNone/>
+                <a:tabLst/>
+              </a:pPr>
+              <a:r>
+                <a:rPr kumimoji="0" lang="en-US" altLang="ru-RU" sz="1400" b="0" i="0" u="none" strike="noStrike" cap="none" normalizeH="0" baseline="0" dirty="0" smtClean="0">
+                  <a:ln>
+                    <a:noFill/>
+                  </a:ln>
+                  <a:solidFill>
+                    <a:srgbClr val="000000"/>
+                  </a:solidFill>
+                  <a:effectLst/>
+                  <a:latin typeface="Times New Roman CYR"/>
+                  <a:ea typeface="Times New Roman" pitchFamily="18" charset="0"/>
+                </a:rPr>
+                <a:t>Ethernet, Token Ring, FDDI, X.25, SLIP, PPP</a:t>
+              </a:r>
+              <a:endParaRPr kumimoji="0" lang="en-US" altLang="ru-RU" sz="1400" b="0" i="0" u="none" strike="noStrike" cap="none" normalizeH="0" baseline="0" dirty="0" smtClean="0">
+                <a:ln>
+                  <a:noFill/>
+                </a:ln>
+                <a:solidFill>
+                  <a:schemeClr val="tx1"/>
+                </a:solidFill>
+                <a:effectLst/>
+                <a:latin typeface="Arial" pitchFamily="34" charset="0"/>
+                <a:cs typeface="Arial" pitchFamily="34" charset="0"/>
+              </a:endParaRPr>
+            </a:p>
+          </p:txBody>
+        </p:sp>
+      </p:grpSp>
+      <p:sp>
+        <p:nvSpPr>
+          <p:cNvPr id="128" name="Rectangle 40"/>
+          <p:cNvSpPr>
+            <a:spLocks noChangeArrowheads="1"/>
+          </p:cNvSpPr>
+          <p:nvPr/>
+        </p:nvSpPr>
+        <p:spPr bwMode="auto">
+          <a:xfrm>
+            <a:off x="787101" y="3750805"/>
+            <a:ext cx="7784780" cy="637890"/>
+          </a:xfrm>
+          <a:prstGeom prst="rect">
+            <a:avLst/>
+          </a:prstGeom>
+          <a:solidFill>
+            <a:srgbClr val="D9D9D9"/>
+          </a:solidFill>
+          <a:ln w="8255">
+            <a:solidFill>
+              <a:srgbClr val="000000"/>
+            </a:solidFill>
+            <a:miter lim="800000"/>
+            <a:headEnd/>
+            <a:tailEnd/>
+          </a:ln>
+        </p:spPr>
+        <p:txBody>
+          <a:bodyPr vert="horz" wrap="square" lIns="91440" tIns="45720" rIns="91440" bIns="45720" numCol="1" anchor="t" anchorCtr="0" compatLnSpc="1">
+            <a:prstTxWarp prst="textNoShape">
+              <a:avLst/>
+            </a:prstTxWarp>
+          </a:bodyPr>
+          <a:lstStyle/>
+          <a:p>
+            <a:endParaRPr lang="ru-RU"/>
+          </a:p>
+        </p:txBody>
+      </p:sp>
+      <p:sp>
+        <p:nvSpPr>
+          <p:cNvPr id="129" name="Rectangle 39"/>
+          <p:cNvSpPr>
+            <a:spLocks noChangeArrowheads="1"/>
+          </p:cNvSpPr>
+          <p:nvPr/>
+        </p:nvSpPr>
+        <p:spPr bwMode="auto">
+          <a:xfrm>
+            <a:off x="895002" y="3887270"/>
+            <a:ext cx="542680" cy="536333"/>
+          </a:xfrm>
+          <a:prstGeom prst="rect">
+            <a:avLst/>
+          </a:prstGeom>
+          <a:solidFill>
+            <a:srgbClr val="000000"/>
+          </a:solidFill>
+          <a:ln>
+            <a:noFill/>
+          </a:ln>
+          <a:extLst>
+            <a:ext uri="{91240B29-F687-4F45-9708-019B960494DF}">
+              <a14:hiddenLine xmlns:a14="http://schemas.microsoft.com/office/drawing/2010/main" w="0">
+                <a:solidFill>
+                  <a:srgbClr val="000000"/>
+                </a:solidFill>
+                <a:miter lim="800000"/>
+                <a:headEnd/>
+                <a:tailEnd/>
+              </a14:hiddenLine>
+            </a:ext>
+          </a:extLst>
+        </p:spPr>
+        <p:txBody>
+          <a:bodyPr vert="horz" wrap="square" lIns="91440" tIns="45720" rIns="91440" bIns="45720" numCol="1" anchor="t" anchorCtr="0" compatLnSpc="1">
+            <a:prstTxWarp prst="textNoShape">
+              <a:avLst/>
+            </a:prstTxWarp>
+          </a:bodyPr>
+          <a:lstStyle/>
+          <a:p>
+            <a:endParaRPr lang="ru-RU"/>
+          </a:p>
+        </p:txBody>
+      </p:sp>
+      <p:sp>
+        <p:nvSpPr>
+          <p:cNvPr id="130" name="Rectangle 38"/>
+          <p:cNvSpPr>
+            <a:spLocks noChangeArrowheads="1"/>
+          </p:cNvSpPr>
+          <p:nvPr/>
+        </p:nvSpPr>
+        <p:spPr bwMode="auto">
+          <a:xfrm>
+            <a:off x="831531" y="3846013"/>
+            <a:ext cx="542680" cy="536335"/>
+          </a:xfrm>
+          <a:prstGeom prst="rect">
+            <a:avLst/>
+          </a:prstGeom>
+          <a:solidFill>
+            <a:srgbClr val="F2F2F2"/>
+          </a:solidFill>
+          <a:ln>
+            <a:noFill/>
+          </a:ln>
+          <a:extLst>
+            <a:ext uri="{91240B29-F687-4F45-9708-019B960494DF}">
+              <a14:hiddenLine xmlns:a14="http://schemas.microsoft.com/office/drawing/2010/main" w="0">
+                <a:solidFill>
+                  <a:srgbClr val="000000"/>
+                </a:solidFill>
+                <a:miter lim="800000"/>
+                <a:headEnd/>
+                <a:tailEnd/>
+              </a14:hiddenLine>
+            </a:ext>
+          </a:extLst>
+        </p:spPr>
+        <p:txBody>
+          <a:bodyPr vert="horz" wrap="square" lIns="91440" tIns="45720" rIns="91440" bIns="45720" numCol="1" anchor="t" anchorCtr="0" compatLnSpc="1">
+            <a:prstTxWarp prst="textNoShape">
+              <a:avLst/>
+            </a:prstTxWarp>
+          </a:bodyPr>
+          <a:lstStyle/>
+          <a:p>
+            <a:endParaRPr lang="ru-RU"/>
+          </a:p>
+        </p:txBody>
+      </p:sp>
+      <p:sp>
+        <p:nvSpPr>
+          <p:cNvPr id="131" name="Rectangle 37"/>
+          <p:cNvSpPr>
+            <a:spLocks noChangeArrowheads="1"/>
+          </p:cNvSpPr>
+          <p:nvPr/>
+        </p:nvSpPr>
+        <p:spPr bwMode="auto">
+          <a:xfrm>
+            <a:off x="1025118" y="3861882"/>
+            <a:ext cx="380829" cy="361788"/>
+          </a:xfrm>
+          <a:prstGeom prst="rect">
+            <a:avLst/>
+          </a:prstGeom>
+          <a:noFill/>
+          <a:ln>
+            <a:noFill/>
+          </a:ln>
+          <a:extLst>
+            <a:ext uri="{909E8E84-426E-40DD-AFC4-6F175D3DCCD1}">
+              <a14:hiddenFill xmlns:a14="http://schemas.microsoft.com/office/drawing/2010/main">
+                <a:solidFill>
+                  <a:srgbClr val="FFFFFF"/>
+                </a:solidFill>
+              </a14:hiddenFill>
+            </a:ext>
+            <a:ext uri="{91240B29-F687-4F45-9708-019B960494DF}">
+              <a14:hiddenLine xmlns:a14="http://schemas.microsoft.com/office/drawing/2010/main" w="0">
+                <a:solidFill>
+                  <a:srgbClr val="000000"/>
+                </a:solidFill>
+                <a:miter lim="800000"/>
+                <a:headEnd/>
+                <a:tailEnd/>
+              </a14:hiddenLine>
+            </a:ext>
+          </a:extLst>
+        </p:spPr>
+        <p:txBody>
+          <a:bodyPr vert="horz" wrap="square" lIns="0" tIns="0" rIns="0" bIns="0" numCol="1" anchor="t" anchorCtr="0" compatLnSpc="1">
+            <a:prstTxWarp prst="textNoShape">
+              <a:avLst/>
+            </a:prstTxWarp>
+          </a:bodyPr>
+          <a:lstStyle/>
+          <a:p>
+            <a:pPr marL="0" marR="0" lvl="0" indent="0" algn="l" defTabSz="914400" rtl="0" eaLnBrk="1" fontAlgn="base" latinLnBrk="0" hangingPunct="1">
+              <a:lnSpc>
+                <a:spcPct val="100000"/>
+              </a:lnSpc>
+              <a:spcBef>
+                <a:spcPct val="0"/>
+              </a:spcBef>
+              <a:spcAft>
+                <a:spcPct val="0"/>
+              </a:spcAft>
+              <a:buClrTx/>
+              <a:buSzTx/>
+              <a:buFontTx/>
+              <a:buNone/>
+              <a:tabLst/>
+            </a:pPr>
+            <a:r>
+              <a:rPr kumimoji="0" lang="en-US" altLang="ru-RU" sz="1200" b="1" i="0" u="none" strike="noStrike" cap="none" normalizeH="0" baseline="0" smtClean="0">
+                <a:ln>
+                  <a:noFill/>
+                </a:ln>
+                <a:solidFill>
+                  <a:srgbClr val="808080"/>
+                </a:solidFill>
+                <a:effectLst/>
+                <a:latin typeface="Times New Roman CYR"/>
+                <a:ea typeface="Times New Roman" pitchFamily="18" charset="0"/>
+                <a:cs typeface="Times New Roman" pitchFamily="18" charset="0"/>
+              </a:rPr>
+              <a:t>3</a:t>
+            </a:r>
+            <a:endParaRPr kumimoji="0" lang="en-US" altLang="ru-RU" sz="1800" b="0" i="0" u="none" strike="noStrike" cap="none" normalizeH="0" baseline="0" smtClean="0">
+              <a:ln>
+                <a:noFill/>
+              </a:ln>
+              <a:solidFill>
+                <a:schemeClr val="tx1"/>
+              </a:solidFill>
+              <a:effectLst/>
+              <a:latin typeface="Arial" pitchFamily="34" charset="0"/>
+              <a:cs typeface="Arial" pitchFamily="34" charset="0"/>
+            </a:endParaRPr>
+          </a:p>
+        </p:txBody>
+      </p:sp>
+      <p:sp>
+        <p:nvSpPr>
+          <p:cNvPr id="132" name="Rectangle 36"/>
+          <p:cNvSpPr>
+            <a:spLocks noChangeArrowheads="1"/>
+          </p:cNvSpPr>
+          <p:nvPr/>
+        </p:nvSpPr>
+        <p:spPr bwMode="auto">
+          <a:xfrm>
+            <a:off x="7962554" y="3890443"/>
+            <a:ext cx="542682" cy="539508"/>
+          </a:xfrm>
+          <a:prstGeom prst="rect">
+            <a:avLst/>
+          </a:prstGeom>
+          <a:solidFill>
+            <a:srgbClr val="000000"/>
+          </a:solidFill>
+          <a:ln>
+            <a:noFill/>
+          </a:ln>
+          <a:extLst>
+            <a:ext uri="{91240B29-F687-4F45-9708-019B960494DF}">
+              <a14:hiddenLine xmlns:a14="http://schemas.microsoft.com/office/drawing/2010/main" w="0">
+                <a:solidFill>
+                  <a:srgbClr val="000000"/>
+                </a:solidFill>
+                <a:miter lim="800000"/>
+                <a:headEnd/>
+                <a:tailEnd/>
+              </a14:hiddenLine>
+            </a:ext>
+          </a:extLst>
+        </p:spPr>
+        <p:txBody>
+          <a:bodyPr vert="horz" wrap="square" lIns="91440" tIns="45720" rIns="91440" bIns="45720" numCol="1" anchor="t" anchorCtr="0" compatLnSpc="1">
+            <a:prstTxWarp prst="textNoShape">
+              <a:avLst/>
+            </a:prstTxWarp>
+          </a:bodyPr>
+          <a:lstStyle/>
+          <a:p>
+            <a:endParaRPr lang="ru-RU"/>
+          </a:p>
+        </p:txBody>
+      </p:sp>
+      <p:sp>
+        <p:nvSpPr>
+          <p:cNvPr id="133" name="Rectangle 35"/>
+          <p:cNvSpPr>
+            <a:spLocks noChangeArrowheads="1"/>
+          </p:cNvSpPr>
+          <p:nvPr/>
+        </p:nvSpPr>
+        <p:spPr bwMode="auto">
+          <a:xfrm>
+            <a:off x="7899082" y="3849187"/>
+            <a:ext cx="542682" cy="539508"/>
+          </a:xfrm>
+          <a:prstGeom prst="rect">
+            <a:avLst/>
+          </a:prstGeom>
+          <a:solidFill>
+            <a:srgbClr val="F2F2F2"/>
+          </a:solidFill>
+          <a:ln>
+            <a:noFill/>
+          </a:ln>
+          <a:extLst>
+            <a:ext uri="{91240B29-F687-4F45-9708-019B960494DF}">
+              <a14:hiddenLine xmlns:a14="http://schemas.microsoft.com/office/drawing/2010/main" w="0">
+                <a:solidFill>
+                  <a:srgbClr val="000000"/>
+                </a:solidFill>
+                <a:miter lim="800000"/>
+                <a:headEnd/>
+                <a:tailEnd/>
+              </a14:hiddenLine>
+            </a:ext>
+          </a:extLst>
+        </p:spPr>
+        <p:txBody>
+          <a:bodyPr vert="horz" wrap="square" lIns="91440" tIns="45720" rIns="91440" bIns="45720" numCol="1" anchor="t" anchorCtr="0" compatLnSpc="1">
+            <a:prstTxWarp prst="textNoShape">
+              <a:avLst/>
+            </a:prstTxWarp>
+          </a:bodyPr>
+          <a:lstStyle/>
+          <a:p>
+            <a:endParaRPr lang="ru-RU"/>
+          </a:p>
+        </p:txBody>
+      </p:sp>
+      <p:sp>
+        <p:nvSpPr>
+          <p:cNvPr id="134" name="Rectangle 34"/>
+          <p:cNvSpPr>
+            <a:spLocks noChangeArrowheads="1"/>
+          </p:cNvSpPr>
+          <p:nvPr/>
+        </p:nvSpPr>
+        <p:spPr bwMode="auto">
+          <a:xfrm>
+            <a:off x="7997464" y="3865054"/>
+            <a:ext cx="571244" cy="361788"/>
+          </a:xfrm>
+          <a:prstGeom prst="rect">
+            <a:avLst/>
+          </a:prstGeom>
+          <a:noFill/>
+          <a:ln>
+            <a:noFill/>
+          </a:ln>
+          <a:extLst>
+            <a:ext uri="{909E8E84-426E-40DD-AFC4-6F175D3DCCD1}">
+              <a14:hiddenFill xmlns:a14="http://schemas.microsoft.com/office/drawing/2010/main">
+                <a:solidFill>
+                  <a:srgbClr val="FFFFFF"/>
+                </a:solidFill>
+              </a14:hiddenFill>
+            </a:ext>
+            <a:ext uri="{91240B29-F687-4F45-9708-019B960494DF}">
+              <a14:hiddenLine xmlns:a14="http://schemas.microsoft.com/office/drawing/2010/main" w="0">
+                <a:solidFill>
+                  <a:srgbClr val="000000"/>
+                </a:solidFill>
+                <a:miter lim="800000"/>
+                <a:headEnd/>
+                <a:tailEnd/>
+              </a14:hiddenLine>
+            </a:ext>
+          </a:extLst>
+        </p:spPr>
+        <p:txBody>
+          <a:bodyPr vert="horz" wrap="square" lIns="0" tIns="0" rIns="0" bIns="0" numCol="1" anchor="t" anchorCtr="0" compatLnSpc="1">
+            <a:prstTxWarp prst="textNoShape">
+              <a:avLst/>
+            </a:prstTxWarp>
+          </a:bodyPr>
+          <a:lstStyle/>
+          <a:p>
+            <a:pPr marL="0" marR="0" lvl="0" indent="0" algn="l" defTabSz="914400" rtl="0" eaLnBrk="1" fontAlgn="base" latinLnBrk="0" hangingPunct="1">
+              <a:lnSpc>
+                <a:spcPct val="100000"/>
+              </a:lnSpc>
+              <a:spcBef>
+                <a:spcPct val="0"/>
+              </a:spcBef>
+              <a:spcAft>
+                <a:spcPct val="0"/>
+              </a:spcAft>
+              <a:buClrTx/>
+              <a:buSzTx/>
+              <a:buFontTx/>
+              <a:buNone/>
+              <a:tabLst/>
+            </a:pPr>
+            <a:r>
+              <a:rPr kumimoji="0" lang="en-US" altLang="ru-RU" sz="1200" b="1" i="0" u="none" strike="noStrike" cap="none" normalizeH="0" baseline="0" smtClean="0">
+                <a:ln>
+                  <a:noFill/>
+                </a:ln>
+                <a:solidFill>
+                  <a:srgbClr val="808080"/>
+                </a:solidFill>
+                <a:effectLst/>
+                <a:latin typeface="Times New Roman CYR"/>
+                <a:ea typeface="Times New Roman" pitchFamily="18" charset="0"/>
+                <a:cs typeface="Times New Roman" pitchFamily="18" charset="0"/>
+              </a:rPr>
+              <a:t>III</a:t>
+            </a:r>
+            <a:endParaRPr kumimoji="0" lang="en-US" altLang="ru-RU" sz="1800" b="0" i="0" u="none" strike="noStrike" cap="none" normalizeH="0" baseline="0" smtClean="0">
+              <a:ln>
+                <a:noFill/>
+              </a:ln>
+              <a:solidFill>
+                <a:schemeClr val="tx1"/>
+              </a:solidFill>
+              <a:effectLst/>
+              <a:latin typeface="Arial" pitchFamily="34" charset="0"/>
+              <a:cs typeface="Arial" pitchFamily="34" charset="0"/>
+            </a:endParaRPr>
+          </a:p>
+        </p:txBody>
+      </p:sp>
+      <p:sp>
+        <p:nvSpPr>
+          <p:cNvPr id="135" name="Rectangle 33"/>
+          <p:cNvSpPr>
+            <a:spLocks noChangeArrowheads="1"/>
+          </p:cNvSpPr>
+          <p:nvPr/>
+        </p:nvSpPr>
+        <p:spPr bwMode="auto">
+          <a:xfrm>
+            <a:off x="1583667" y="3842840"/>
+            <a:ext cx="1174223" cy="545855"/>
+          </a:xfrm>
+          <a:prstGeom prst="rect">
+            <a:avLst/>
+          </a:prstGeom>
+          <a:solidFill>
+            <a:srgbClr val="FFFFFF"/>
+          </a:solidFill>
+          <a:ln w="10795">
+            <a:solidFill>
+              <a:srgbClr val="595959"/>
+            </a:solidFill>
+            <a:miter lim="800000"/>
+            <a:headEnd/>
+            <a:tailEnd/>
+          </a:ln>
+        </p:spPr>
+        <p:txBody>
+          <a:bodyPr vert="horz" wrap="square" lIns="91440" tIns="45720" rIns="91440" bIns="45720" numCol="1" anchor="t" anchorCtr="0" compatLnSpc="1">
+            <a:prstTxWarp prst="textNoShape">
+              <a:avLst/>
+            </a:prstTxWarp>
+          </a:bodyPr>
+          <a:lstStyle/>
+          <a:p>
+            <a:pPr algn="ctr"/>
+            <a:endParaRPr lang="ru-RU" sz="1600"/>
+          </a:p>
+        </p:txBody>
+      </p:sp>
+      <p:sp>
+        <p:nvSpPr>
+          <p:cNvPr id="136" name="Rectangle 32"/>
+          <p:cNvSpPr>
+            <a:spLocks noChangeArrowheads="1"/>
+          </p:cNvSpPr>
+          <p:nvPr/>
+        </p:nvSpPr>
+        <p:spPr bwMode="auto">
+          <a:xfrm>
+            <a:off x="2002579" y="3953914"/>
+            <a:ext cx="399871" cy="285622"/>
+          </a:xfrm>
+          <a:prstGeom prst="rect">
+            <a:avLst/>
+          </a:prstGeom>
+          <a:noFill/>
+          <a:ln>
+            <a:noFill/>
+          </a:ln>
+          <a:extLst>
+            <a:ext uri="{909E8E84-426E-40DD-AFC4-6F175D3DCCD1}">
+              <a14:hiddenFill xmlns:a14="http://schemas.microsoft.com/office/drawing/2010/main">
+                <a:solidFill>
+                  <a:srgbClr val="FFFFFF"/>
+                </a:solidFill>
+              </a14:hiddenFill>
+            </a:ext>
+            <a:ext uri="{91240B29-F687-4F45-9708-019B960494DF}">
+              <a14:hiddenLine xmlns:a14="http://schemas.microsoft.com/office/drawing/2010/main" w="0">
+                <a:solidFill>
+                  <a:srgbClr val="000000"/>
+                </a:solidFill>
+                <a:miter lim="800000"/>
+                <a:headEnd/>
+                <a:tailEnd/>
+              </a14:hiddenLine>
+            </a:ext>
+          </a:extLst>
+        </p:spPr>
+        <p:txBody>
+          <a:bodyPr vert="horz" wrap="square" lIns="0" tIns="0" rIns="0" bIns="0" numCol="1" anchor="t" anchorCtr="0" compatLnSpc="1">
+            <a:prstTxWarp prst="textNoShape">
+              <a:avLst/>
+            </a:prstTxWarp>
+          </a:bodyPr>
+          <a:lstStyle/>
+          <a:p>
+            <a:pPr marL="0" marR="0" lvl="0" indent="0" algn="ctr" defTabSz="914400" rtl="0" eaLnBrk="1" fontAlgn="base" latinLnBrk="0" hangingPunct="1">
+              <a:lnSpc>
+                <a:spcPct val="100000"/>
+              </a:lnSpc>
+              <a:spcBef>
+                <a:spcPct val="0"/>
+              </a:spcBef>
+              <a:spcAft>
+                <a:spcPct val="0"/>
+              </a:spcAft>
+              <a:buClrTx/>
+              <a:buSzTx/>
+              <a:buFontTx/>
+              <a:buNone/>
+              <a:tabLst/>
+            </a:pPr>
+            <a:r>
+              <a:rPr kumimoji="0" lang="en-US" altLang="ru-RU" sz="1600" b="0" i="0" u="none" strike="noStrike" cap="none" normalizeH="0" baseline="0" smtClean="0">
+                <a:ln>
+                  <a:noFill/>
+                </a:ln>
+                <a:solidFill>
+                  <a:srgbClr val="000000"/>
+                </a:solidFill>
+                <a:effectLst/>
+                <a:latin typeface="Times New Roman CYR"/>
+                <a:ea typeface="Times New Roman" pitchFamily="18" charset="0"/>
+              </a:rPr>
+              <a:t>IP</a:t>
+            </a:r>
+            <a:endParaRPr kumimoji="0" lang="en-US" altLang="ru-RU" sz="1600" b="0" i="0" u="none" strike="noStrike" cap="none" normalizeH="0" baseline="0" smtClean="0">
+              <a:ln>
+                <a:noFill/>
+              </a:ln>
+              <a:solidFill>
+                <a:schemeClr val="tx1"/>
+              </a:solidFill>
+              <a:effectLst/>
+              <a:latin typeface="Arial" pitchFamily="34" charset="0"/>
+              <a:cs typeface="Arial" pitchFamily="34" charset="0"/>
+            </a:endParaRPr>
+          </a:p>
+        </p:txBody>
+      </p:sp>
+      <p:sp>
+        <p:nvSpPr>
+          <p:cNvPr id="137" name="Rectangle 31"/>
+          <p:cNvSpPr>
+            <a:spLocks noChangeArrowheads="1"/>
+          </p:cNvSpPr>
+          <p:nvPr/>
+        </p:nvSpPr>
+        <p:spPr bwMode="auto">
+          <a:xfrm>
+            <a:off x="2751543" y="3842840"/>
+            <a:ext cx="1094885" cy="545855"/>
+          </a:xfrm>
+          <a:prstGeom prst="rect">
+            <a:avLst/>
+          </a:prstGeom>
+          <a:solidFill>
+            <a:srgbClr val="FFFFFF"/>
+          </a:solidFill>
+          <a:ln w="10795">
+            <a:solidFill>
+              <a:srgbClr val="595959"/>
+            </a:solidFill>
+            <a:miter lim="800000"/>
+            <a:headEnd/>
+            <a:tailEnd/>
+          </a:ln>
+        </p:spPr>
+        <p:txBody>
+          <a:bodyPr vert="horz" wrap="square" lIns="91440" tIns="45720" rIns="91440" bIns="45720" numCol="1" anchor="t" anchorCtr="0" compatLnSpc="1">
+            <a:prstTxWarp prst="textNoShape">
+              <a:avLst/>
+            </a:prstTxWarp>
+          </a:bodyPr>
+          <a:lstStyle/>
+          <a:p>
+            <a:pPr algn="ctr"/>
+            <a:endParaRPr lang="ru-RU" sz="1600"/>
+          </a:p>
+        </p:txBody>
+      </p:sp>
+      <p:sp>
+        <p:nvSpPr>
+          <p:cNvPr id="139" name="Rectangle 29"/>
+          <p:cNvSpPr>
+            <a:spLocks noChangeArrowheads="1"/>
+          </p:cNvSpPr>
+          <p:nvPr/>
+        </p:nvSpPr>
+        <p:spPr bwMode="auto">
+          <a:xfrm>
+            <a:off x="3840080" y="3842840"/>
+            <a:ext cx="1244042" cy="545855"/>
+          </a:xfrm>
+          <a:prstGeom prst="rect">
+            <a:avLst/>
+          </a:prstGeom>
+          <a:solidFill>
+            <a:srgbClr val="FFFFFF"/>
+          </a:solidFill>
+          <a:ln w="10795">
+            <a:solidFill>
+              <a:srgbClr val="595959"/>
+            </a:solidFill>
+            <a:miter lim="800000"/>
+            <a:headEnd/>
+            <a:tailEnd/>
+          </a:ln>
+        </p:spPr>
+        <p:txBody>
+          <a:bodyPr vert="horz" wrap="square" lIns="91440" tIns="45720" rIns="91440" bIns="45720" numCol="1" anchor="t" anchorCtr="0" compatLnSpc="1">
+            <a:prstTxWarp prst="textNoShape">
+              <a:avLst/>
+            </a:prstTxWarp>
+          </a:bodyPr>
+          <a:lstStyle/>
+          <a:p>
+            <a:pPr algn="ctr"/>
+            <a:endParaRPr lang="ru-RU" sz="1600"/>
+          </a:p>
+        </p:txBody>
+      </p:sp>
+      <p:sp>
+        <p:nvSpPr>
+          <p:cNvPr id="140" name="Rectangle 28"/>
+          <p:cNvSpPr>
+            <a:spLocks noChangeArrowheads="1"/>
+          </p:cNvSpPr>
+          <p:nvPr/>
+        </p:nvSpPr>
+        <p:spPr bwMode="auto">
+          <a:xfrm>
+            <a:off x="3013363" y="3953914"/>
+            <a:ext cx="571244" cy="285622"/>
+          </a:xfrm>
+          <a:prstGeom prst="rect">
+            <a:avLst/>
+          </a:prstGeom>
+          <a:noFill/>
+          <a:ln>
+            <a:noFill/>
+          </a:ln>
+          <a:extLst>
+            <a:ext uri="{909E8E84-426E-40DD-AFC4-6F175D3DCCD1}">
+              <a14:hiddenFill xmlns:a14="http://schemas.microsoft.com/office/drawing/2010/main">
+                <a:solidFill>
+                  <a:srgbClr val="FFFFFF"/>
+                </a:solidFill>
+              </a14:hiddenFill>
+            </a:ext>
+            <a:ext uri="{91240B29-F687-4F45-9708-019B960494DF}">
+              <a14:hiddenLine xmlns:a14="http://schemas.microsoft.com/office/drawing/2010/main" w="0">
+                <a:solidFill>
+                  <a:srgbClr val="000000"/>
+                </a:solidFill>
+                <a:miter lim="800000"/>
+                <a:headEnd/>
+                <a:tailEnd/>
+              </a14:hiddenLine>
+            </a:ext>
+          </a:extLst>
+        </p:spPr>
+        <p:txBody>
+          <a:bodyPr vert="horz" wrap="square" lIns="0" tIns="0" rIns="0" bIns="0" numCol="1" anchor="t" anchorCtr="0" compatLnSpc="1">
+            <a:prstTxWarp prst="textNoShape">
+              <a:avLst/>
+            </a:prstTxWarp>
+          </a:bodyPr>
+          <a:lstStyle/>
+          <a:p>
+            <a:pPr marL="0" marR="0" lvl="0" indent="0" algn="ctr" defTabSz="914400" rtl="0" eaLnBrk="1" fontAlgn="base" latinLnBrk="0" hangingPunct="1">
+              <a:lnSpc>
+                <a:spcPct val="100000"/>
+              </a:lnSpc>
+              <a:spcBef>
+                <a:spcPct val="0"/>
+              </a:spcBef>
+              <a:spcAft>
+                <a:spcPct val="0"/>
+              </a:spcAft>
+              <a:buClrTx/>
+              <a:buSzTx/>
+              <a:buFontTx/>
+              <a:buNone/>
+              <a:tabLst/>
+            </a:pPr>
+            <a:r>
+              <a:rPr kumimoji="0" lang="en-US" altLang="ru-RU" sz="1600" b="0" i="0" u="none" strike="noStrike" cap="none" normalizeH="0" baseline="0" dirty="0" smtClean="0">
+                <a:ln>
+                  <a:noFill/>
+                </a:ln>
+                <a:solidFill>
+                  <a:srgbClr val="000000"/>
+                </a:solidFill>
+                <a:effectLst/>
+                <a:latin typeface="Times New Roman CYR"/>
+                <a:ea typeface="Times New Roman" pitchFamily="18" charset="0"/>
+              </a:rPr>
+              <a:t>DHCP</a:t>
+            </a:r>
+            <a:endParaRPr kumimoji="0" lang="en-US" altLang="ru-RU" sz="1600" b="0" i="0" u="none" strike="noStrike" cap="none" normalizeH="0" baseline="0" dirty="0" smtClean="0">
+              <a:ln>
+                <a:noFill/>
+              </a:ln>
+              <a:solidFill>
+                <a:schemeClr val="tx1"/>
+              </a:solidFill>
+              <a:effectLst/>
+              <a:latin typeface="Arial" pitchFamily="34" charset="0"/>
+              <a:cs typeface="Arial" pitchFamily="34" charset="0"/>
+            </a:endParaRPr>
+          </a:p>
+        </p:txBody>
+      </p:sp>
+      <p:sp>
+        <p:nvSpPr>
+          <p:cNvPr id="141" name="Rectangle 27"/>
+          <p:cNvSpPr>
+            <a:spLocks noChangeArrowheads="1"/>
+          </p:cNvSpPr>
+          <p:nvPr/>
+        </p:nvSpPr>
+        <p:spPr bwMode="auto">
+          <a:xfrm>
+            <a:off x="6451932" y="3842840"/>
+            <a:ext cx="1320207" cy="545855"/>
+          </a:xfrm>
+          <a:prstGeom prst="rect">
+            <a:avLst/>
+          </a:prstGeom>
+          <a:solidFill>
+            <a:srgbClr val="FFFFFF"/>
+          </a:solidFill>
+          <a:ln w="10795">
+            <a:solidFill>
+              <a:srgbClr val="595959"/>
+            </a:solidFill>
+            <a:miter lim="800000"/>
+            <a:headEnd/>
+            <a:tailEnd/>
+          </a:ln>
+        </p:spPr>
+        <p:txBody>
+          <a:bodyPr vert="horz" wrap="square" lIns="91440" tIns="45720" rIns="91440" bIns="45720" numCol="1" anchor="t" anchorCtr="0" compatLnSpc="1">
+            <a:prstTxWarp prst="textNoShape">
+              <a:avLst/>
+            </a:prstTxWarp>
+          </a:bodyPr>
+          <a:lstStyle/>
+          <a:p>
+            <a:pPr algn="ctr"/>
+            <a:endParaRPr lang="ru-RU" sz="1600"/>
+          </a:p>
+        </p:txBody>
+      </p:sp>
+      <p:sp>
+        <p:nvSpPr>
+          <p:cNvPr id="142" name="Rectangle 26"/>
+          <p:cNvSpPr>
+            <a:spLocks noChangeArrowheads="1"/>
+          </p:cNvSpPr>
+          <p:nvPr/>
+        </p:nvSpPr>
+        <p:spPr bwMode="auto">
+          <a:xfrm>
+            <a:off x="5325314" y="3953914"/>
+            <a:ext cx="761658" cy="285622"/>
+          </a:xfrm>
+          <a:prstGeom prst="rect">
+            <a:avLst/>
+          </a:prstGeom>
+          <a:noFill/>
+          <a:ln>
+            <a:noFill/>
+          </a:ln>
+          <a:extLst>
+            <a:ext uri="{909E8E84-426E-40DD-AFC4-6F175D3DCCD1}">
+              <a14:hiddenFill xmlns:a14="http://schemas.microsoft.com/office/drawing/2010/main">
+                <a:solidFill>
+                  <a:srgbClr val="FFFFFF"/>
+                </a:solidFill>
+              </a14:hiddenFill>
+            </a:ext>
+            <a:ext uri="{91240B29-F687-4F45-9708-019B960494DF}">
+              <a14:hiddenLine xmlns:a14="http://schemas.microsoft.com/office/drawing/2010/main" w="0">
+                <a:solidFill>
+                  <a:srgbClr val="000000"/>
+                </a:solidFill>
+                <a:miter lim="800000"/>
+                <a:headEnd/>
+                <a:tailEnd/>
+              </a14:hiddenLine>
+            </a:ext>
+          </a:extLst>
+        </p:spPr>
+        <p:txBody>
+          <a:bodyPr vert="horz" wrap="square" lIns="0" tIns="0" rIns="0" bIns="0" numCol="1" anchor="t" anchorCtr="0" compatLnSpc="1">
+            <a:prstTxWarp prst="textNoShape">
+              <a:avLst/>
+            </a:prstTxWarp>
+          </a:bodyPr>
+          <a:lstStyle/>
+          <a:p>
+            <a:pPr marL="0" marR="0" lvl="0" indent="0" algn="ctr" defTabSz="914400" rtl="0" eaLnBrk="1" fontAlgn="base" latinLnBrk="0" hangingPunct="1">
+              <a:lnSpc>
+                <a:spcPct val="100000"/>
+              </a:lnSpc>
+              <a:spcBef>
+                <a:spcPct val="0"/>
+              </a:spcBef>
+              <a:spcAft>
+                <a:spcPct val="0"/>
+              </a:spcAft>
+              <a:buClrTx/>
+              <a:buSzTx/>
+              <a:buFontTx/>
+              <a:buNone/>
+              <a:tabLst/>
+            </a:pPr>
+            <a:r>
+              <a:rPr kumimoji="0" lang="en-US" altLang="ru-RU" sz="1600" b="0" i="0" u="none" strike="noStrike" cap="none" normalizeH="0" baseline="0" smtClean="0">
+                <a:ln>
+                  <a:noFill/>
+                </a:ln>
+                <a:solidFill>
+                  <a:srgbClr val="000000"/>
+                </a:solidFill>
+                <a:effectLst/>
+                <a:latin typeface="Times New Roman CYR"/>
+                <a:ea typeface="Times New Roman" pitchFamily="18" charset="0"/>
+              </a:rPr>
+              <a:t>OSPF</a:t>
+            </a:r>
+            <a:endParaRPr kumimoji="0" lang="en-US" altLang="ru-RU" sz="1600" b="0" i="0" u="none" strike="noStrike" cap="none" normalizeH="0" baseline="0" smtClean="0">
+              <a:ln>
+                <a:noFill/>
+              </a:ln>
+              <a:solidFill>
+                <a:schemeClr val="tx1"/>
+              </a:solidFill>
+              <a:effectLst/>
+              <a:latin typeface="Arial" pitchFamily="34" charset="0"/>
+              <a:cs typeface="Arial" pitchFamily="34" charset="0"/>
+            </a:endParaRPr>
+          </a:p>
+        </p:txBody>
+      </p:sp>
+      <p:grpSp>
+        <p:nvGrpSpPr>
+          <p:cNvPr id="143" name="Group 41"/>
+          <p:cNvGrpSpPr>
+            <a:grpSpLocks/>
+          </p:cNvGrpSpPr>
+          <p:nvPr/>
+        </p:nvGrpSpPr>
+        <p:grpSpPr bwMode="auto">
+          <a:xfrm>
+            <a:off x="787101" y="2405209"/>
+            <a:ext cx="7784780" cy="1231347"/>
+            <a:chOff x="0" y="0"/>
+            <a:chExt cx="19997" cy="19979"/>
+          </a:xfrm>
+        </p:grpSpPr>
+        <p:sp>
+          <p:nvSpPr>
+            <p:cNvPr id="144" name="Rectangle 56"/>
+            <p:cNvSpPr>
+              <a:spLocks noChangeArrowheads="1"/>
+            </p:cNvSpPr>
+            <p:nvPr/>
+          </p:nvSpPr>
+          <p:spPr bwMode="auto">
+            <a:xfrm>
+              <a:off x="0" y="0"/>
+              <a:ext cx="19997" cy="19134"/>
+            </a:xfrm>
+            <a:prstGeom prst="rect">
+              <a:avLst/>
+            </a:prstGeom>
+            <a:solidFill>
+              <a:srgbClr val="D9D9D9"/>
+            </a:solidFill>
+            <a:ln w="8255">
+              <a:solidFill>
+                <a:srgbClr val="000000"/>
+              </a:solidFill>
+              <a:miter lim="800000"/>
+              <a:headEnd/>
+              <a:tailEnd/>
+            </a:ln>
+          </p:spPr>
+          <p:txBody>
+            <a:bodyPr vert="horz" wrap="square" lIns="91440" tIns="45720" rIns="91440" bIns="45720" numCol="1" anchor="t" anchorCtr="0" compatLnSpc="1">
+              <a:prstTxWarp prst="textNoShape">
+                <a:avLst/>
+              </a:prstTxWarp>
+            </a:bodyPr>
+            <a:lstStyle/>
+            <a:p>
+              <a:endParaRPr lang="ru-RU"/>
+            </a:p>
+          </p:txBody>
+        </p:sp>
+        <p:grpSp>
+          <p:nvGrpSpPr>
+            <p:cNvPr id="145" name="Group 49"/>
+            <p:cNvGrpSpPr>
+              <a:grpSpLocks/>
+            </p:cNvGrpSpPr>
+            <p:nvPr/>
+          </p:nvGrpSpPr>
+          <p:grpSpPr bwMode="auto">
+            <a:xfrm>
+              <a:off x="114" y="1402"/>
+              <a:ext cx="1556" cy="18412"/>
+              <a:chOff x="0" y="0"/>
+              <a:chExt cx="19962" cy="19978"/>
+            </a:xfrm>
+          </p:grpSpPr>
+          <p:sp>
+            <p:nvSpPr>
+              <p:cNvPr id="153" name="Rectangle 55"/>
+              <p:cNvSpPr>
+                <a:spLocks noChangeArrowheads="1"/>
+              </p:cNvSpPr>
+              <p:nvPr/>
+            </p:nvSpPr>
+            <p:spPr bwMode="auto">
+              <a:xfrm>
+                <a:off x="2053" y="761"/>
+                <a:ext cx="17909" cy="9240"/>
+              </a:xfrm>
+              <a:prstGeom prst="rect">
+                <a:avLst/>
+              </a:prstGeom>
+              <a:solidFill>
+                <a:srgbClr val="000000"/>
+              </a:solidFill>
+              <a:ln>
+                <a:noFill/>
+              </a:ln>
+              <a:extLst>
+                <a:ext uri="{91240B29-F687-4F45-9708-019B960494DF}">
+                  <a14:hiddenLine xmlns:a14="http://schemas.microsoft.com/office/drawing/2010/main" w="0">
+                    <a:solidFill>
+                      <a:srgbClr val="000000"/>
+                    </a:solidFill>
+                    <a:miter lim="800000"/>
+                    <a:headEnd/>
+                    <a:tailEnd/>
+                  </a14:hiddenLine>
+                </a:ext>
+              </a:extLst>
+            </p:spPr>
+            <p:txBody>
+              <a:bodyPr vert="horz" wrap="square" lIns="91440" tIns="45720" rIns="91440" bIns="45720" numCol="1" anchor="t" anchorCtr="0" compatLnSpc="1">
+                <a:prstTxWarp prst="textNoShape">
+                  <a:avLst/>
+                </a:prstTxWarp>
+              </a:bodyPr>
+              <a:lstStyle/>
+              <a:p>
+                <a:endParaRPr lang="ru-RU"/>
+              </a:p>
+            </p:txBody>
+          </p:sp>
+          <p:sp>
+            <p:nvSpPr>
+              <p:cNvPr id="154" name="Rectangle 54"/>
+              <p:cNvSpPr>
+                <a:spLocks noChangeArrowheads="1"/>
+              </p:cNvSpPr>
+              <p:nvPr/>
+            </p:nvSpPr>
+            <p:spPr bwMode="auto">
+              <a:xfrm>
+                <a:off x="0" y="0"/>
+                <a:ext cx="17909" cy="9262"/>
+              </a:xfrm>
+              <a:prstGeom prst="rect">
+                <a:avLst/>
+              </a:prstGeom>
+              <a:solidFill>
+                <a:srgbClr val="F2F2F2"/>
+              </a:solidFill>
+              <a:ln>
+                <a:noFill/>
+              </a:ln>
+              <a:extLst>
+                <a:ext uri="{91240B29-F687-4F45-9708-019B960494DF}">
+                  <a14:hiddenLine xmlns:a14="http://schemas.microsoft.com/office/drawing/2010/main" w="0">
+                    <a:solidFill>
+                      <a:srgbClr val="000000"/>
+                    </a:solidFill>
+                    <a:miter lim="800000"/>
+                    <a:headEnd/>
+                    <a:tailEnd/>
+                  </a14:hiddenLine>
+                </a:ext>
+              </a:extLst>
+            </p:spPr>
+            <p:txBody>
+              <a:bodyPr vert="horz" wrap="square" lIns="91440" tIns="45720" rIns="91440" bIns="45720" numCol="1" anchor="t" anchorCtr="0" compatLnSpc="1">
+                <a:prstTxWarp prst="textNoShape">
+                  <a:avLst/>
+                </a:prstTxWarp>
+              </a:bodyPr>
+              <a:lstStyle/>
+              <a:p>
+                <a:endParaRPr lang="ru-RU"/>
+              </a:p>
+            </p:txBody>
+          </p:sp>
+          <p:sp>
+            <p:nvSpPr>
+              <p:cNvPr id="155" name="Rectangle 53"/>
+              <p:cNvSpPr>
+                <a:spLocks noChangeArrowheads="1"/>
+              </p:cNvSpPr>
+              <p:nvPr/>
+            </p:nvSpPr>
+            <p:spPr bwMode="auto">
+              <a:xfrm>
+                <a:off x="6402" y="291"/>
+                <a:ext cx="12598" cy="6398"/>
+              </a:xfrm>
+              <a:prstGeom prst="rect">
+                <a:avLst/>
+              </a:prstGeom>
+              <a:noFill/>
+              <a:ln>
+                <a:noFill/>
+              </a:ln>
+              <a:extLst>
+                <a:ext uri="{909E8E84-426E-40DD-AFC4-6F175D3DCCD1}">
+                  <a14:hiddenFill xmlns:a14="http://schemas.microsoft.com/office/drawing/2010/main">
+                    <a:solidFill>
+                      <a:srgbClr val="FFFFFF"/>
+                    </a:solidFill>
+                  </a14:hiddenFill>
+                </a:ext>
+                <a:ext uri="{91240B29-F687-4F45-9708-019B960494DF}">
+                  <a14:hiddenLine xmlns:a14="http://schemas.microsoft.com/office/drawing/2010/main" w="0">
+                    <a:solidFill>
+                      <a:srgbClr val="000000"/>
+                    </a:solidFill>
+                    <a:miter lim="800000"/>
+                    <a:headEnd/>
+                    <a:tailEnd/>
+                  </a14:hiddenLine>
+                </a:ext>
+              </a:extLst>
+            </p:spPr>
+            <p:txBody>
+              <a:bodyPr vert="horz" wrap="square" lIns="0" tIns="0" rIns="0" bIns="0" numCol="1" anchor="t" anchorCtr="0" compatLnSpc="1">
+                <a:prstTxWarp prst="textNoShape">
+                  <a:avLst/>
+                </a:prstTxWarp>
+              </a:bodyPr>
+              <a:lstStyle/>
+              <a:p>
+                <a:pPr marL="0" marR="0" lvl="0" indent="0" algn="l" defTabSz="914400" rtl="0" eaLnBrk="1" fontAlgn="base" latinLnBrk="0" hangingPunct="1">
+                  <a:lnSpc>
+                    <a:spcPct val="100000"/>
+                  </a:lnSpc>
+                  <a:spcBef>
+                    <a:spcPct val="0"/>
+                  </a:spcBef>
+                  <a:spcAft>
+                    <a:spcPct val="0"/>
+                  </a:spcAft>
+                  <a:buClrTx/>
+                  <a:buSzTx/>
+                  <a:buFontTx/>
+                  <a:buNone/>
+                  <a:tabLst/>
+                </a:pPr>
+                <a:r>
+                  <a:rPr kumimoji="0" lang="en-US" altLang="ru-RU" sz="1200" b="1" i="0" u="none" strike="noStrike" cap="none" normalizeH="0" baseline="0" smtClean="0">
+                    <a:ln>
+                      <a:noFill/>
+                    </a:ln>
+                    <a:solidFill>
+                      <a:srgbClr val="808080"/>
+                    </a:solidFill>
+                    <a:effectLst/>
+                    <a:latin typeface="Times New Roman CYR"/>
+                    <a:ea typeface="Times New Roman" pitchFamily="18" charset="0"/>
+                    <a:cs typeface="Times New Roman" pitchFamily="18" charset="0"/>
+                  </a:rPr>
+                  <a:t>5</a:t>
+                </a:r>
+                <a:endParaRPr kumimoji="0" lang="en-US" altLang="ru-RU" sz="1800" b="0" i="0" u="none" strike="noStrike" cap="none" normalizeH="0" baseline="0" smtClean="0">
+                  <a:ln>
+                    <a:noFill/>
+                  </a:ln>
+                  <a:solidFill>
+                    <a:schemeClr val="tx1"/>
+                  </a:solidFill>
+                  <a:effectLst/>
+                  <a:latin typeface="Arial" pitchFamily="34" charset="0"/>
+                  <a:cs typeface="Arial" pitchFamily="34" charset="0"/>
+                </a:endParaRPr>
+              </a:p>
+            </p:txBody>
+          </p:sp>
+          <p:sp>
+            <p:nvSpPr>
+              <p:cNvPr id="156" name="Rectangle 52"/>
+              <p:cNvSpPr>
+                <a:spLocks noChangeArrowheads="1"/>
+              </p:cNvSpPr>
+              <p:nvPr/>
+            </p:nvSpPr>
+            <p:spPr bwMode="auto">
+              <a:xfrm>
+                <a:off x="2053" y="10739"/>
+                <a:ext cx="17909" cy="9239"/>
+              </a:xfrm>
+              <a:prstGeom prst="rect">
+                <a:avLst/>
+              </a:prstGeom>
+              <a:solidFill>
+                <a:srgbClr val="000000"/>
+              </a:solidFill>
+              <a:ln>
+                <a:noFill/>
+              </a:ln>
+              <a:extLst>
+                <a:ext uri="{91240B29-F687-4F45-9708-019B960494DF}">
+                  <a14:hiddenLine xmlns:a14="http://schemas.microsoft.com/office/drawing/2010/main" w="0">
+                    <a:solidFill>
+                      <a:srgbClr val="000000"/>
+                    </a:solidFill>
+                    <a:miter lim="800000"/>
+                    <a:headEnd/>
+                    <a:tailEnd/>
+                  </a14:hiddenLine>
+                </a:ext>
+              </a:extLst>
+            </p:spPr>
+            <p:txBody>
+              <a:bodyPr vert="horz" wrap="square" lIns="91440" tIns="45720" rIns="91440" bIns="45720" numCol="1" anchor="t" anchorCtr="0" compatLnSpc="1">
+                <a:prstTxWarp prst="textNoShape">
+                  <a:avLst/>
+                </a:prstTxWarp>
+              </a:bodyPr>
+              <a:lstStyle/>
+              <a:p>
+                <a:endParaRPr lang="ru-RU"/>
+              </a:p>
+            </p:txBody>
+          </p:sp>
+          <p:sp>
+            <p:nvSpPr>
+              <p:cNvPr id="157" name="Rectangle 51"/>
+              <p:cNvSpPr>
+                <a:spLocks noChangeArrowheads="1"/>
+              </p:cNvSpPr>
+              <p:nvPr/>
+            </p:nvSpPr>
+            <p:spPr bwMode="auto">
+              <a:xfrm>
+                <a:off x="0" y="9978"/>
+                <a:ext cx="17909" cy="9262"/>
+              </a:xfrm>
+              <a:prstGeom prst="rect">
+                <a:avLst/>
+              </a:prstGeom>
+              <a:solidFill>
+                <a:srgbClr val="F2F2F2"/>
+              </a:solidFill>
+              <a:ln>
+                <a:noFill/>
+              </a:ln>
+              <a:extLst>
+                <a:ext uri="{91240B29-F687-4F45-9708-019B960494DF}">
+                  <a14:hiddenLine xmlns:a14="http://schemas.microsoft.com/office/drawing/2010/main" w="0">
+                    <a:solidFill>
+                      <a:srgbClr val="000000"/>
+                    </a:solidFill>
+                    <a:miter lim="800000"/>
+                    <a:headEnd/>
+                    <a:tailEnd/>
+                  </a14:hiddenLine>
+                </a:ext>
+              </a:extLst>
+            </p:spPr>
+            <p:txBody>
+              <a:bodyPr vert="horz" wrap="square" lIns="91440" tIns="45720" rIns="91440" bIns="45720" numCol="1" anchor="t" anchorCtr="0" compatLnSpc="1">
+                <a:prstTxWarp prst="textNoShape">
+                  <a:avLst/>
+                </a:prstTxWarp>
+              </a:bodyPr>
+              <a:lstStyle/>
+              <a:p>
+                <a:endParaRPr lang="ru-RU"/>
+              </a:p>
+            </p:txBody>
+          </p:sp>
+          <p:sp>
+            <p:nvSpPr>
+              <p:cNvPr id="158" name="Rectangle 50"/>
+              <p:cNvSpPr>
+                <a:spLocks noChangeArrowheads="1"/>
+              </p:cNvSpPr>
+              <p:nvPr/>
+            </p:nvSpPr>
+            <p:spPr bwMode="auto">
+              <a:xfrm>
+                <a:off x="6402" y="10313"/>
+                <a:ext cx="12598" cy="6399"/>
+              </a:xfrm>
+              <a:prstGeom prst="rect">
+                <a:avLst/>
+              </a:prstGeom>
+              <a:noFill/>
+              <a:ln>
+                <a:noFill/>
+              </a:ln>
+              <a:extLst>
+                <a:ext uri="{909E8E84-426E-40DD-AFC4-6F175D3DCCD1}">
+                  <a14:hiddenFill xmlns:a14="http://schemas.microsoft.com/office/drawing/2010/main">
+                    <a:solidFill>
+                      <a:srgbClr val="FFFFFF"/>
+                    </a:solidFill>
+                  </a14:hiddenFill>
+                </a:ext>
+                <a:ext uri="{91240B29-F687-4F45-9708-019B960494DF}">
+                  <a14:hiddenLine xmlns:a14="http://schemas.microsoft.com/office/drawing/2010/main" w="0">
+                    <a:solidFill>
+                      <a:srgbClr val="000000"/>
+                    </a:solidFill>
+                    <a:miter lim="800000"/>
+                    <a:headEnd/>
+                    <a:tailEnd/>
+                  </a14:hiddenLine>
+                </a:ext>
+              </a:extLst>
+            </p:spPr>
+            <p:txBody>
+              <a:bodyPr vert="horz" wrap="square" lIns="0" tIns="0" rIns="0" bIns="0" numCol="1" anchor="t" anchorCtr="0" compatLnSpc="1">
+                <a:prstTxWarp prst="textNoShape">
+                  <a:avLst/>
+                </a:prstTxWarp>
+              </a:bodyPr>
+              <a:lstStyle/>
+              <a:p>
+                <a:pPr marL="0" marR="0" lvl="0" indent="0" algn="l" defTabSz="914400" rtl="0" eaLnBrk="1" fontAlgn="base" latinLnBrk="0" hangingPunct="1">
+                  <a:lnSpc>
+                    <a:spcPct val="100000"/>
+                  </a:lnSpc>
+                  <a:spcBef>
+                    <a:spcPct val="0"/>
+                  </a:spcBef>
+                  <a:spcAft>
+                    <a:spcPct val="0"/>
+                  </a:spcAft>
+                  <a:buClrTx/>
+                  <a:buSzTx/>
+                  <a:buFontTx/>
+                  <a:buNone/>
+                  <a:tabLst/>
+                </a:pPr>
+                <a:r>
+                  <a:rPr kumimoji="0" lang="en-US" altLang="ru-RU" sz="1200" b="1" i="0" u="none" strike="noStrike" cap="none" normalizeH="0" baseline="0" smtClean="0">
+                    <a:ln>
+                      <a:noFill/>
+                    </a:ln>
+                    <a:solidFill>
+                      <a:srgbClr val="808080"/>
+                    </a:solidFill>
+                    <a:effectLst/>
+                    <a:latin typeface="Times New Roman CYR"/>
+                    <a:ea typeface="Times New Roman" pitchFamily="18" charset="0"/>
+                    <a:cs typeface="Times New Roman" pitchFamily="18" charset="0"/>
+                  </a:rPr>
+                  <a:t>4</a:t>
+                </a:r>
+                <a:endParaRPr kumimoji="0" lang="en-US" altLang="ru-RU" sz="1800" b="0" i="0" u="none" strike="noStrike" cap="none" normalizeH="0" baseline="0" smtClean="0">
+                  <a:ln>
+                    <a:noFill/>
+                  </a:ln>
+                  <a:solidFill>
+                    <a:schemeClr val="tx1"/>
+                  </a:solidFill>
+                  <a:effectLst/>
+                  <a:latin typeface="Arial" pitchFamily="34" charset="0"/>
+                  <a:cs typeface="Arial" pitchFamily="34" charset="0"/>
+                </a:endParaRPr>
+              </a:p>
+            </p:txBody>
+          </p:sp>
+        </p:grpSp>
+        <p:sp>
+          <p:nvSpPr>
+            <p:cNvPr id="146" name="Rectangle 48"/>
+            <p:cNvSpPr>
+              <a:spLocks noChangeArrowheads="1"/>
+            </p:cNvSpPr>
+            <p:nvPr/>
+          </p:nvSpPr>
+          <p:spPr bwMode="auto">
+            <a:xfrm>
+              <a:off x="18432" y="1938"/>
+              <a:ext cx="1395" cy="18041"/>
+            </a:xfrm>
+            <a:prstGeom prst="rect">
+              <a:avLst/>
+            </a:prstGeom>
+            <a:solidFill>
+              <a:srgbClr val="000000"/>
+            </a:solidFill>
+            <a:ln>
+              <a:noFill/>
+            </a:ln>
+            <a:extLst>
+              <a:ext uri="{91240B29-F687-4F45-9708-019B960494DF}">
+                <a14:hiddenLine xmlns:a14="http://schemas.microsoft.com/office/drawing/2010/main" w="0">
+                  <a:solidFill>
+                    <a:srgbClr val="000000"/>
+                  </a:solidFill>
+                  <a:miter lim="800000"/>
+                  <a:headEnd/>
+                  <a:tailEnd/>
+                </a14:hiddenLine>
+              </a:ext>
+            </a:extLst>
+          </p:spPr>
+          <p:txBody>
+            <a:bodyPr vert="horz" wrap="square" lIns="91440" tIns="45720" rIns="91440" bIns="45720" numCol="1" anchor="t" anchorCtr="0" compatLnSpc="1">
+              <a:prstTxWarp prst="textNoShape">
+                <a:avLst/>
+              </a:prstTxWarp>
+            </a:bodyPr>
+            <a:lstStyle/>
+            <a:p>
+              <a:endParaRPr lang="ru-RU"/>
+            </a:p>
+          </p:txBody>
+        </p:sp>
+        <p:sp>
+          <p:nvSpPr>
+            <p:cNvPr id="147" name="Rectangle 47"/>
+            <p:cNvSpPr>
+              <a:spLocks noChangeArrowheads="1"/>
+            </p:cNvSpPr>
+            <p:nvPr/>
+          </p:nvSpPr>
+          <p:spPr bwMode="auto">
+            <a:xfrm>
+              <a:off x="18272" y="1258"/>
+              <a:ext cx="1396" cy="18041"/>
+            </a:xfrm>
+            <a:prstGeom prst="rect">
+              <a:avLst/>
+            </a:prstGeom>
+            <a:solidFill>
+              <a:srgbClr val="F2F2F2"/>
+            </a:solidFill>
+            <a:ln>
+              <a:noFill/>
+            </a:ln>
+            <a:extLst>
+              <a:ext uri="{91240B29-F687-4F45-9708-019B960494DF}">
+                <a14:hiddenLine xmlns:a14="http://schemas.microsoft.com/office/drawing/2010/main" w="0">
+                  <a:solidFill>
+                    <a:srgbClr val="000000"/>
+                  </a:solidFill>
+                  <a:miter lim="800000"/>
+                  <a:headEnd/>
+                  <a:tailEnd/>
+                </a14:hiddenLine>
+              </a:ext>
+            </a:extLst>
+          </p:spPr>
+          <p:txBody>
+            <a:bodyPr vert="horz" wrap="square" lIns="91440" tIns="45720" rIns="91440" bIns="45720" numCol="1" anchor="t" anchorCtr="0" compatLnSpc="1">
+              <a:prstTxWarp prst="textNoShape">
+                <a:avLst/>
+              </a:prstTxWarp>
+            </a:bodyPr>
+            <a:lstStyle/>
+            <a:p>
+              <a:endParaRPr lang="ru-RU"/>
+            </a:p>
+          </p:txBody>
+        </p:sp>
+        <p:sp>
+          <p:nvSpPr>
+            <p:cNvPr id="148" name="Rectangle 46"/>
+            <p:cNvSpPr>
+              <a:spLocks noChangeArrowheads="1"/>
+            </p:cNvSpPr>
+            <p:nvPr/>
+          </p:nvSpPr>
+          <p:spPr bwMode="auto">
+            <a:xfrm>
+              <a:off x="18670" y="1505"/>
+              <a:ext cx="1177" cy="5897"/>
+            </a:xfrm>
+            <a:prstGeom prst="rect">
+              <a:avLst/>
+            </a:prstGeom>
+            <a:noFill/>
+            <a:ln>
+              <a:noFill/>
+            </a:ln>
+            <a:extLst>
+              <a:ext uri="{909E8E84-426E-40DD-AFC4-6F175D3DCCD1}">
+                <a14:hiddenFill xmlns:a14="http://schemas.microsoft.com/office/drawing/2010/main">
+                  <a:solidFill>
+                    <a:srgbClr val="FFFFFF"/>
+                  </a:solidFill>
+                </a14:hiddenFill>
+              </a:ext>
+              <a:ext uri="{91240B29-F687-4F45-9708-019B960494DF}">
+                <a14:hiddenLine xmlns:a14="http://schemas.microsoft.com/office/drawing/2010/main" w="0">
+                  <a:solidFill>
+                    <a:srgbClr val="000000"/>
+                  </a:solidFill>
+                  <a:miter lim="800000"/>
+                  <a:headEnd/>
+                  <a:tailEnd/>
+                </a14:hiddenLine>
+              </a:ext>
+            </a:extLst>
+          </p:spPr>
+          <p:txBody>
+            <a:bodyPr vert="horz" wrap="square" lIns="0" tIns="0" rIns="0" bIns="0" numCol="1" anchor="t" anchorCtr="0" compatLnSpc="1">
+              <a:prstTxWarp prst="textNoShape">
+                <a:avLst/>
+              </a:prstTxWarp>
+            </a:bodyPr>
+            <a:lstStyle/>
+            <a:p>
+              <a:pPr marL="0" marR="0" lvl="0" indent="0" algn="l" defTabSz="914400" rtl="0" eaLnBrk="1" fontAlgn="base" latinLnBrk="0" hangingPunct="1">
+                <a:lnSpc>
+                  <a:spcPct val="100000"/>
+                </a:lnSpc>
+                <a:spcBef>
+                  <a:spcPct val="0"/>
+                </a:spcBef>
+                <a:spcAft>
+                  <a:spcPct val="0"/>
+                </a:spcAft>
+                <a:buClrTx/>
+                <a:buSzTx/>
+                <a:buFontTx/>
+                <a:buNone/>
+                <a:tabLst/>
+              </a:pPr>
+              <a:r>
+                <a:rPr kumimoji="0" lang="en-US" altLang="ru-RU" sz="1200" b="1" i="0" u="none" strike="noStrike" cap="none" normalizeH="0" baseline="0" smtClean="0">
+                  <a:ln>
+                    <a:noFill/>
+                  </a:ln>
+                  <a:solidFill>
+                    <a:srgbClr val="808080"/>
+                  </a:solidFill>
+                  <a:effectLst/>
+                  <a:latin typeface="Times New Roman CYR"/>
+                  <a:ea typeface="Times New Roman" pitchFamily="18" charset="0"/>
+                  <a:cs typeface="Times New Roman" pitchFamily="18" charset="0"/>
+                </a:rPr>
+                <a:t>II</a:t>
+              </a:r>
+              <a:endParaRPr kumimoji="0" lang="en-US" altLang="ru-RU" sz="1800" b="0" i="0" u="none" strike="noStrike" cap="none" normalizeH="0" baseline="0" smtClean="0">
+                <a:ln>
+                  <a:noFill/>
+                </a:ln>
+                <a:solidFill>
+                  <a:schemeClr val="tx1"/>
+                </a:solidFill>
+                <a:effectLst/>
+                <a:latin typeface="Arial" pitchFamily="34" charset="0"/>
+                <a:cs typeface="Arial" pitchFamily="34" charset="0"/>
+              </a:endParaRPr>
+            </a:p>
+          </p:txBody>
+        </p:sp>
+        <p:sp>
+          <p:nvSpPr>
+            <p:cNvPr id="149" name="Rectangle 45"/>
+            <p:cNvSpPr>
+              <a:spLocks noChangeArrowheads="1"/>
+            </p:cNvSpPr>
+            <p:nvPr/>
+          </p:nvSpPr>
+          <p:spPr bwMode="auto">
+            <a:xfrm>
+              <a:off x="15301" y="1485"/>
+              <a:ext cx="2622" cy="17484"/>
+            </a:xfrm>
+            <a:prstGeom prst="rect">
+              <a:avLst/>
+            </a:prstGeom>
+            <a:solidFill>
+              <a:srgbClr val="FFFFFF"/>
+            </a:solidFill>
+            <a:ln w="10795">
+              <a:solidFill>
+                <a:srgbClr val="595959"/>
+              </a:solidFill>
+              <a:miter lim="800000"/>
+              <a:headEnd/>
+              <a:tailEnd/>
+            </a:ln>
+          </p:spPr>
+          <p:txBody>
+            <a:bodyPr vert="horz" wrap="square" lIns="91440" tIns="45720" rIns="91440" bIns="45720" numCol="1" anchor="t" anchorCtr="0" compatLnSpc="1">
+              <a:prstTxWarp prst="textNoShape">
+                <a:avLst/>
+              </a:prstTxWarp>
+            </a:bodyPr>
+            <a:lstStyle/>
+            <a:p>
+              <a:endParaRPr lang="ru-RU"/>
+            </a:p>
+          </p:txBody>
+        </p:sp>
+        <p:sp>
+          <p:nvSpPr>
+            <p:cNvPr id="150" name="Rectangle 44"/>
+            <p:cNvSpPr>
+              <a:spLocks noChangeArrowheads="1"/>
+            </p:cNvSpPr>
+            <p:nvPr/>
+          </p:nvSpPr>
+          <p:spPr bwMode="auto">
+            <a:xfrm>
+              <a:off x="15979" y="8185"/>
+              <a:ext cx="1716" cy="4660"/>
+            </a:xfrm>
+            <a:prstGeom prst="rect">
+              <a:avLst/>
+            </a:prstGeom>
+            <a:noFill/>
+            <a:ln>
+              <a:noFill/>
+            </a:ln>
+            <a:extLst>
+              <a:ext uri="{909E8E84-426E-40DD-AFC4-6F175D3DCCD1}">
+                <a14:hiddenFill xmlns:a14="http://schemas.microsoft.com/office/drawing/2010/main">
+                  <a:solidFill>
+                    <a:srgbClr val="FFFFFF"/>
+                  </a:solidFill>
+                </a14:hiddenFill>
+              </a:ext>
+              <a:ext uri="{91240B29-F687-4F45-9708-019B960494DF}">
+                <a14:hiddenLine xmlns:a14="http://schemas.microsoft.com/office/drawing/2010/main" w="0">
+                  <a:solidFill>
+                    <a:srgbClr val="000000"/>
+                  </a:solidFill>
+                  <a:miter lim="800000"/>
+                  <a:headEnd/>
+                  <a:tailEnd/>
+                </a14:hiddenLine>
+              </a:ext>
+            </a:extLst>
+          </p:spPr>
+          <p:txBody>
+            <a:bodyPr vert="horz" wrap="square" lIns="0" tIns="0" rIns="0" bIns="0" numCol="1" anchor="t" anchorCtr="0" compatLnSpc="1">
+              <a:prstTxWarp prst="textNoShape">
+                <a:avLst/>
+              </a:prstTxWarp>
+            </a:bodyPr>
+            <a:lstStyle/>
+            <a:p>
+              <a:pPr marL="0" marR="0" lvl="0" indent="0" algn="l" defTabSz="914400" rtl="0" eaLnBrk="1" fontAlgn="base" latinLnBrk="0" hangingPunct="1">
+                <a:lnSpc>
+                  <a:spcPct val="100000"/>
+                </a:lnSpc>
+                <a:spcBef>
+                  <a:spcPct val="0"/>
+                </a:spcBef>
+                <a:spcAft>
+                  <a:spcPct val="0"/>
+                </a:spcAft>
+                <a:buClrTx/>
+                <a:buSzTx/>
+                <a:buFontTx/>
+                <a:buNone/>
+                <a:tabLst/>
+              </a:pPr>
+              <a:r>
+                <a:rPr kumimoji="0" lang="en-US" altLang="ru-RU" sz="1400" b="0" i="0" u="none" strike="noStrike" cap="none" normalizeH="0" baseline="0" dirty="0" smtClean="0">
+                  <a:ln>
+                    <a:noFill/>
+                  </a:ln>
+                  <a:solidFill>
+                    <a:srgbClr val="000000"/>
+                  </a:solidFill>
+                  <a:effectLst/>
+                  <a:latin typeface="Times New Roman CYR"/>
+                  <a:ea typeface="Times New Roman" pitchFamily="18" charset="0"/>
+                </a:rPr>
+                <a:t>UDP</a:t>
+              </a:r>
+              <a:endParaRPr kumimoji="0" lang="en-US" altLang="ru-RU" sz="1400" b="0" i="0" u="none" strike="noStrike" cap="none" normalizeH="0" baseline="0" dirty="0" smtClean="0">
+                <a:ln>
+                  <a:noFill/>
+                </a:ln>
+                <a:solidFill>
+                  <a:schemeClr val="tx1"/>
+                </a:solidFill>
+                <a:effectLst/>
+                <a:latin typeface="Arial" pitchFamily="34" charset="0"/>
+                <a:cs typeface="Arial" pitchFamily="34" charset="0"/>
+              </a:endParaRPr>
+            </a:p>
+          </p:txBody>
+        </p:sp>
+        <p:sp>
+          <p:nvSpPr>
+            <p:cNvPr id="151" name="Rectangle 43"/>
+            <p:cNvSpPr>
+              <a:spLocks noChangeArrowheads="1"/>
+            </p:cNvSpPr>
+            <p:nvPr/>
+          </p:nvSpPr>
+          <p:spPr bwMode="auto">
+            <a:xfrm>
+              <a:off x="2048" y="1485"/>
+              <a:ext cx="13250" cy="17484"/>
+            </a:xfrm>
+            <a:prstGeom prst="rect">
+              <a:avLst/>
+            </a:prstGeom>
+            <a:solidFill>
+              <a:srgbClr val="FFFFFF"/>
+            </a:solidFill>
+            <a:ln w="10795">
+              <a:solidFill>
+                <a:srgbClr val="595959"/>
+              </a:solidFill>
+              <a:miter lim="800000"/>
+              <a:headEnd/>
+              <a:tailEnd/>
+            </a:ln>
+          </p:spPr>
+          <p:txBody>
+            <a:bodyPr vert="horz" wrap="square" lIns="91440" tIns="45720" rIns="91440" bIns="45720" numCol="1" anchor="t" anchorCtr="0" compatLnSpc="1">
+              <a:prstTxWarp prst="textNoShape">
+                <a:avLst/>
+              </a:prstTxWarp>
+            </a:bodyPr>
+            <a:lstStyle/>
+            <a:p>
+              <a:endParaRPr lang="ru-RU"/>
+            </a:p>
+          </p:txBody>
+        </p:sp>
+        <p:sp>
+          <p:nvSpPr>
+            <p:cNvPr id="152" name="Rectangle 42"/>
+            <p:cNvSpPr>
+              <a:spLocks noChangeArrowheads="1"/>
+            </p:cNvSpPr>
+            <p:nvPr/>
+          </p:nvSpPr>
+          <p:spPr bwMode="auto">
+            <a:xfrm>
+              <a:off x="8156" y="8392"/>
+              <a:ext cx="1471" cy="4041"/>
+            </a:xfrm>
+            <a:prstGeom prst="rect">
+              <a:avLst/>
+            </a:prstGeom>
+            <a:noFill/>
+            <a:ln>
+              <a:noFill/>
+            </a:ln>
+            <a:extLst>
+              <a:ext uri="{909E8E84-426E-40DD-AFC4-6F175D3DCCD1}">
+                <a14:hiddenFill xmlns:a14="http://schemas.microsoft.com/office/drawing/2010/main">
+                  <a:solidFill>
+                    <a:srgbClr val="FFFFFF"/>
+                  </a:solidFill>
+                </a14:hiddenFill>
+              </a:ext>
+              <a:ext uri="{91240B29-F687-4F45-9708-019B960494DF}">
+                <a14:hiddenLine xmlns:a14="http://schemas.microsoft.com/office/drawing/2010/main" w="0">
+                  <a:solidFill>
+                    <a:srgbClr val="000000"/>
+                  </a:solidFill>
+                  <a:miter lim="800000"/>
+                  <a:headEnd/>
+                  <a:tailEnd/>
+                </a14:hiddenLine>
+              </a:ext>
+            </a:extLst>
+          </p:spPr>
+          <p:txBody>
+            <a:bodyPr vert="horz" wrap="square" lIns="0" tIns="0" rIns="0" bIns="0" numCol="1" anchor="t" anchorCtr="0" compatLnSpc="1">
+              <a:prstTxWarp prst="textNoShape">
+                <a:avLst/>
+              </a:prstTxWarp>
+            </a:bodyPr>
+            <a:lstStyle/>
+            <a:p>
+              <a:pPr marL="0" marR="0" lvl="0" indent="0" algn="l" defTabSz="914400" rtl="0" eaLnBrk="1" fontAlgn="base" latinLnBrk="0" hangingPunct="1">
+                <a:lnSpc>
+                  <a:spcPct val="100000"/>
+                </a:lnSpc>
+                <a:spcBef>
+                  <a:spcPct val="0"/>
+                </a:spcBef>
+                <a:spcAft>
+                  <a:spcPct val="0"/>
+                </a:spcAft>
+                <a:buClrTx/>
+                <a:buSzTx/>
+                <a:buFontTx/>
+                <a:buNone/>
+                <a:tabLst/>
+              </a:pPr>
+              <a:r>
+                <a:rPr kumimoji="0" lang="en-US" altLang="ru-RU" sz="1400" b="0" i="0" u="none" strike="noStrike" cap="none" normalizeH="0" baseline="0" dirty="0" smtClean="0">
+                  <a:ln>
+                    <a:noFill/>
+                  </a:ln>
+                  <a:solidFill>
+                    <a:srgbClr val="000000"/>
+                  </a:solidFill>
+                  <a:effectLst/>
+                  <a:latin typeface="Times New Roman CYR"/>
+                  <a:ea typeface="Times New Roman" pitchFamily="18" charset="0"/>
+                </a:rPr>
+                <a:t>TCP</a:t>
+              </a:r>
+              <a:endParaRPr kumimoji="0" lang="en-US" altLang="ru-RU" sz="1400" b="0" i="0" u="none" strike="noStrike" cap="none" normalizeH="0" baseline="0" dirty="0" smtClean="0">
+                <a:ln>
+                  <a:noFill/>
+                </a:ln>
+                <a:solidFill>
+                  <a:schemeClr val="tx1"/>
+                </a:solidFill>
+                <a:effectLst/>
+                <a:latin typeface="Arial" pitchFamily="34" charset="0"/>
+                <a:cs typeface="Arial" pitchFamily="34" charset="0"/>
+              </a:endParaRPr>
+            </a:p>
+          </p:txBody>
+        </p:sp>
+      </p:grpSp>
+      <p:sp>
+        <p:nvSpPr>
+          <p:cNvPr id="159" name="Rectangle 25"/>
+          <p:cNvSpPr>
+            <a:spLocks noChangeArrowheads="1"/>
+          </p:cNvSpPr>
+          <p:nvPr/>
+        </p:nvSpPr>
+        <p:spPr bwMode="auto">
+          <a:xfrm>
+            <a:off x="5080947" y="3842840"/>
+            <a:ext cx="1370985" cy="545855"/>
+          </a:xfrm>
+          <a:prstGeom prst="rect">
+            <a:avLst/>
+          </a:prstGeom>
+          <a:solidFill>
+            <a:srgbClr val="FFFFFF"/>
+          </a:solidFill>
+          <a:ln w="10795">
+            <a:solidFill>
+              <a:srgbClr val="595959"/>
+            </a:solidFill>
+            <a:miter lim="800000"/>
+            <a:headEnd/>
+            <a:tailEnd/>
+          </a:ln>
+        </p:spPr>
+        <p:txBody>
+          <a:bodyPr vert="horz" wrap="square" lIns="91440" tIns="45720" rIns="91440" bIns="45720" numCol="1" anchor="t" anchorCtr="0" compatLnSpc="1">
+            <a:prstTxWarp prst="textNoShape">
+              <a:avLst/>
+            </a:prstTxWarp>
+          </a:bodyPr>
+          <a:lstStyle/>
+          <a:p>
+            <a:pPr algn="ctr"/>
+            <a:endParaRPr lang="ru-RU" sz="1600"/>
+          </a:p>
+        </p:txBody>
+      </p:sp>
+      <p:sp>
+        <p:nvSpPr>
+          <p:cNvPr id="160" name="Rectangle 24"/>
+          <p:cNvSpPr>
+            <a:spLocks noChangeArrowheads="1"/>
+          </p:cNvSpPr>
+          <p:nvPr/>
+        </p:nvSpPr>
+        <p:spPr bwMode="auto">
+          <a:xfrm>
+            <a:off x="4069266" y="3972956"/>
+            <a:ext cx="761658" cy="285622"/>
+          </a:xfrm>
+          <a:prstGeom prst="rect">
+            <a:avLst/>
+          </a:prstGeom>
+          <a:noFill/>
+          <a:ln>
+            <a:noFill/>
+          </a:ln>
+          <a:extLst>
+            <a:ext uri="{909E8E84-426E-40DD-AFC4-6F175D3DCCD1}">
+              <a14:hiddenFill xmlns:a14="http://schemas.microsoft.com/office/drawing/2010/main">
+                <a:solidFill>
+                  <a:srgbClr val="FFFFFF"/>
+                </a:solidFill>
+              </a14:hiddenFill>
+            </a:ext>
+            <a:ext uri="{91240B29-F687-4F45-9708-019B960494DF}">
+              <a14:hiddenLine xmlns:a14="http://schemas.microsoft.com/office/drawing/2010/main" w="0">
+                <a:solidFill>
+                  <a:srgbClr val="000000"/>
+                </a:solidFill>
+                <a:miter lim="800000"/>
+                <a:headEnd/>
+                <a:tailEnd/>
+              </a14:hiddenLine>
+            </a:ext>
+          </a:extLst>
+        </p:spPr>
+        <p:txBody>
+          <a:bodyPr vert="horz" wrap="square" lIns="0" tIns="0" rIns="0" bIns="0" numCol="1" anchor="t" anchorCtr="0" compatLnSpc="1">
+            <a:prstTxWarp prst="textNoShape">
+              <a:avLst/>
+            </a:prstTxWarp>
+          </a:bodyPr>
+          <a:lstStyle/>
+          <a:p>
+            <a:pPr marL="0" marR="0" lvl="0" indent="0" algn="ctr" defTabSz="914400" rtl="0" eaLnBrk="1" fontAlgn="base" latinLnBrk="0" hangingPunct="1">
+              <a:lnSpc>
+                <a:spcPct val="100000"/>
+              </a:lnSpc>
+              <a:spcBef>
+                <a:spcPct val="0"/>
+              </a:spcBef>
+              <a:spcAft>
+                <a:spcPct val="0"/>
+              </a:spcAft>
+              <a:buClrTx/>
+              <a:buSzTx/>
+              <a:buFontTx/>
+              <a:buNone/>
+              <a:tabLst/>
+            </a:pPr>
+            <a:r>
+              <a:rPr kumimoji="0" lang="en-US" altLang="ru-RU" sz="1600" b="0" i="0" u="none" strike="noStrike" cap="none" normalizeH="0" baseline="0" dirty="0" smtClean="0">
+                <a:ln>
+                  <a:noFill/>
+                </a:ln>
+                <a:solidFill>
+                  <a:srgbClr val="000000"/>
+                </a:solidFill>
+                <a:effectLst/>
+                <a:latin typeface="Times New Roman CYR"/>
+                <a:ea typeface="Times New Roman" pitchFamily="18" charset="0"/>
+              </a:rPr>
+              <a:t>ARP</a:t>
+            </a:r>
+            <a:endParaRPr kumimoji="0" lang="en-US" altLang="ru-RU" sz="1600" b="0" i="0" u="none" strike="noStrike" cap="none" normalizeH="0" baseline="0" dirty="0" smtClean="0">
+              <a:ln>
+                <a:noFill/>
+              </a:ln>
+              <a:solidFill>
+                <a:schemeClr val="tx1"/>
+              </a:solidFill>
+              <a:effectLst/>
+              <a:latin typeface="Arial" pitchFamily="34" charset="0"/>
+              <a:cs typeface="Arial" pitchFamily="34" charset="0"/>
+            </a:endParaRPr>
+          </a:p>
+        </p:txBody>
+      </p:sp>
+      <p:sp>
+        <p:nvSpPr>
+          <p:cNvPr id="161" name="Rectangle 23"/>
+          <p:cNvSpPr>
+            <a:spLocks noChangeArrowheads="1"/>
+          </p:cNvSpPr>
+          <p:nvPr/>
+        </p:nvSpPr>
+        <p:spPr bwMode="auto">
+          <a:xfrm>
+            <a:off x="6428130" y="3939005"/>
+            <a:ext cx="1367810" cy="374482"/>
+          </a:xfrm>
+          <a:prstGeom prst="rect">
+            <a:avLst/>
+          </a:prstGeom>
+          <a:noFill/>
+          <a:ln>
+            <a:noFill/>
+          </a:ln>
+          <a:extLst>
+            <a:ext uri="{909E8E84-426E-40DD-AFC4-6F175D3DCCD1}">
+              <a14:hiddenFill xmlns:a14="http://schemas.microsoft.com/office/drawing/2010/main">
+                <a:solidFill>
+                  <a:srgbClr val="FFFFFF"/>
+                </a:solidFill>
+              </a14:hiddenFill>
+            </a:ext>
+            <a:ext uri="{91240B29-F687-4F45-9708-019B960494DF}">
+              <a14:hiddenLine xmlns:a14="http://schemas.microsoft.com/office/drawing/2010/main" w="0">
+                <a:solidFill>
+                  <a:srgbClr val="000000"/>
+                </a:solidFill>
+                <a:miter lim="800000"/>
+                <a:headEnd/>
+                <a:tailEnd/>
+              </a14:hiddenLine>
+            </a:ext>
+          </a:extLst>
+        </p:spPr>
+        <p:txBody>
+          <a:bodyPr vert="horz" wrap="square" lIns="0" tIns="0" rIns="0" bIns="0" numCol="1" anchor="t" anchorCtr="0" compatLnSpc="1">
+            <a:prstTxWarp prst="textNoShape">
+              <a:avLst/>
+            </a:prstTxWarp>
+          </a:bodyPr>
+          <a:lstStyle/>
+          <a:p>
+            <a:pPr marL="0" marR="0" lvl="0" indent="0" algn="ctr" defTabSz="914400" rtl="0" eaLnBrk="1" fontAlgn="base" latinLnBrk="0" hangingPunct="1">
+              <a:lnSpc>
+                <a:spcPct val="100000"/>
+              </a:lnSpc>
+              <a:spcBef>
+                <a:spcPct val="0"/>
+              </a:spcBef>
+              <a:spcAft>
+                <a:spcPct val="0"/>
+              </a:spcAft>
+              <a:buClrTx/>
+              <a:buSzTx/>
+              <a:buFontTx/>
+              <a:buNone/>
+              <a:tabLst/>
+            </a:pPr>
+            <a:r>
+              <a:rPr kumimoji="0" lang="en-US" altLang="ru-RU" sz="1300" b="0" i="0" u="none" strike="noStrike" cap="none" normalizeH="0" baseline="0" dirty="0" smtClean="0">
+                <a:ln>
+                  <a:noFill/>
+                </a:ln>
+                <a:solidFill>
+                  <a:srgbClr val="000000"/>
+                </a:solidFill>
+                <a:effectLst/>
+                <a:latin typeface="Times New Roman CYR"/>
+                <a:ea typeface="Times New Roman" pitchFamily="18" charset="0"/>
+              </a:rPr>
+              <a:t>Routing:</a:t>
+            </a:r>
+          </a:p>
+          <a:p>
+            <a:pPr marL="0" marR="0" lvl="0" indent="0" algn="ctr" defTabSz="914400" rtl="0" eaLnBrk="1" fontAlgn="base" latinLnBrk="0" hangingPunct="1">
+              <a:lnSpc>
+                <a:spcPct val="100000"/>
+              </a:lnSpc>
+              <a:spcBef>
+                <a:spcPct val="0"/>
+              </a:spcBef>
+              <a:spcAft>
+                <a:spcPct val="0"/>
+              </a:spcAft>
+              <a:buClrTx/>
+              <a:buSzTx/>
+              <a:buFontTx/>
+              <a:buNone/>
+              <a:tabLst/>
+            </a:pPr>
+            <a:r>
+              <a:rPr kumimoji="0" lang="en-US" altLang="ru-RU" sz="1300" b="0" i="0" u="none" strike="noStrike" cap="none" normalizeH="0" baseline="0" dirty="0" smtClean="0">
+                <a:ln>
+                  <a:noFill/>
+                </a:ln>
+                <a:solidFill>
+                  <a:srgbClr val="000000"/>
+                </a:solidFill>
+                <a:effectLst/>
+                <a:latin typeface="Times New Roman CYR"/>
+                <a:ea typeface="Times New Roman" pitchFamily="18" charset="0"/>
+              </a:rPr>
+              <a:t>OSPF, RIP, EIGRP</a:t>
+            </a:r>
+            <a:endParaRPr kumimoji="0" lang="en-US" altLang="ru-RU" sz="1300" b="0" i="0" u="none" strike="noStrike" cap="none" normalizeH="0" baseline="0" dirty="0" smtClean="0">
+              <a:ln>
+                <a:noFill/>
+              </a:ln>
+              <a:solidFill>
+                <a:schemeClr val="tx1"/>
+              </a:solidFill>
+              <a:effectLst/>
+              <a:latin typeface="Arial" pitchFamily="34" charset="0"/>
+              <a:cs typeface="Arial" pitchFamily="34" charset="0"/>
+            </a:endParaRPr>
+          </a:p>
+        </p:txBody>
+      </p:sp>
+      <p:sp>
+        <p:nvSpPr>
+          <p:cNvPr id="162" name="Rectangle 87"/>
+          <p:cNvSpPr>
+            <a:spLocks noChangeArrowheads="1"/>
+          </p:cNvSpPr>
+          <p:nvPr/>
+        </p:nvSpPr>
+        <p:spPr bwMode="auto">
+          <a:xfrm>
+            <a:off x="0" y="0"/>
+            <a:ext cx="9144000" cy="457200"/>
+          </a:xfrm>
+          <a:prstGeom prst="rect">
+            <a:avLst/>
+          </a:prstGeom>
+          <a:noFill/>
+          <a:ln>
+            <a:noFill/>
+          </a:ln>
+          <a:effectLst/>
+          <a:extLst>
+            <a:ext uri="{909E8E84-426E-40DD-AFC4-6F175D3DCCD1}">
+              <a14:hiddenFill xmlns:a14="http://schemas.microsoft.com/office/drawing/2010/main">
+                <a:solidFill>
+                  <a:schemeClr val="accent1"/>
+                </a:solidFill>
+              </a14:hiddenFill>
+            </a:ext>
+            <a:ext uri="{91240B29-F687-4F45-9708-019B960494DF}">
+              <a14:hiddenLine xmlns:a14="http://schemas.microsoft.com/office/drawing/2010/main" w="9525">
+                <a:solidFill>
+                  <a:schemeClr val="tx1"/>
+                </a:solidFill>
+                <a:miter lim="800000"/>
+                <a:headEnd/>
+                <a:tailEnd/>
+              </a14:hiddenLine>
+            </a:ext>
+            <a:ext uri="{AF507438-7753-43E0-B8FC-AC1667EBCBE1}">
+              <a14:hiddenEffects xmlns:a14="http://schemas.microsoft.com/office/drawing/2010/main">
+                <a:effectLst>
+                  <a:outerShdw dist="35921" dir="2700000" algn="ctr" rotWithShape="0">
+                    <a:schemeClr val="bg2"/>
+                  </a:outerShdw>
+                </a:effectLst>
+              </a14:hiddenEffects>
+            </a:ext>
+          </a:extLst>
+        </p:spPr>
+        <p:txBody>
+          <a:bodyPr vert="horz" wrap="none" lIns="91440" tIns="45720" rIns="91440" bIns="45720" numCol="1" anchor="ctr" anchorCtr="0" compatLnSpc="1">
+            <a:prstTxWarp prst="textNoShape">
+              <a:avLst/>
+            </a:prstTxWarp>
+            <a:spAutoFit/>
+          </a:bodyPr>
+          <a:lstStyle/>
+          <a:p>
+            <a:endParaRPr lang="ru-RU"/>
+          </a:p>
+        </p:txBody>
+      </p:sp>
+      <p:sp>
+        <p:nvSpPr>
+          <p:cNvPr id="163" name="Rectangle 123"/>
+          <p:cNvSpPr>
+            <a:spLocks noChangeArrowheads="1"/>
+          </p:cNvSpPr>
+          <p:nvPr/>
+        </p:nvSpPr>
+        <p:spPr bwMode="auto">
+          <a:xfrm>
+            <a:off x="0" y="457200"/>
+            <a:ext cx="9144000" cy="0"/>
+          </a:xfrm>
+          <a:prstGeom prst="rect">
+            <a:avLst/>
+          </a:prstGeom>
+          <a:noFill/>
+          <a:ln>
+            <a:noFill/>
+          </a:ln>
+          <a:effectLst/>
+          <a:extLst>
+            <a:ext uri="{909E8E84-426E-40DD-AFC4-6F175D3DCCD1}">
+              <a14:hiddenFill xmlns:a14="http://schemas.microsoft.com/office/drawing/2010/main">
+                <a:solidFill>
+                  <a:schemeClr val="accent1"/>
+                </a:solidFill>
+              </a14:hiddenFill>
+            </a:ext>
+            <a:ext uri="{91240B29-F687-4F45-9708-019B960494DF}">
+              <a14:hiddenLine xmlns:a14="http://schemas.microsoft.com/office/drawing/2010/main" w="9525">
+                <a:solidFill>
+                  <a:schemeClr val="tx1"/>
+                </a:solidFill>
+                <a:miter lim="800000"/>
+                <a:headEnd/>
+                <a:tailEnd/>
+              </a14:hiddenLine>
+            </a:ext>
+            <a:ext uri="{AF507438-7753-43E0-B8FC-AC1667EBCBE1}">
+              <a14:hiddenEffects xmlns:a14="http://schemas.microsoft.com/office/drawing/2010/main">
+                <a:effectLst>
+                  <a:outerShdw dist="35921" dir="2700000" algn="ctr" rotWithShape="0">
+                    <a:schemeClr val="bg2"/>
+                  </a:outerShdw>
+                </a:effectLst>
+              </a14:hiddenEffects>
+            </a:ext>
+          </a:extLst>
+        </p:spPr>
+        <p:txBody>
+          <a:bodyPr vert="horz" wrap="none" lIns="91440" tIns="45720" rIns="91440" bIns="45720" numCol="1" anchor="ctr" anchorCtr="0" compatLnSpc="1">
+            <a:prstTxWarp prst="textNoShape">
+              <a:avLst/>
+            </a:prstTxWarp>
+            <a:spAutoFit/>
+          </a:bodyPr>
+          <a:lstStyle/>
+          <a:p>
+            <a:pPr marL="0" marR="0" lvl="0" indent="0" algn="l" defTabSz="914400" rtl="0" eaLnBrk="1" fontAlgn="base" latinLnBrk="0" hangingPunct="1">
+              <a:lnSpc>
+                <a:spcPct val="100000"/>
+              </a:lnSpc>
+              <a:spcBef>
+                <a:spcPct val="0"/>
+              </a:spcBef>
+              <a:spcAft>
+                <a:spcPct val="0"/>
+              </a:spcAft>
+              <a:buClrTx/>
+              <a:buSzTx/>
+              <a:buFontTx/>
+              <a:buNone/>
+              <a:tabLst/>
+            </a:pPr>
+            <a:endParaRPr kumimoji="0" lang="ru-RU" altLang="ru-RU" sz="1800" b="0" i="0" u="none" strike="noStrike" cap="none" normalizeH="0" baseline="0" smtClean="0">
+              <a:ln>
+                <a:noFill/>
+              </a:ln>
+              <a:solidFill>
+                <a:schemeClr val="tx1"/>
+              </a:solidFill>
+              <a:effectLst/>
+              <a:latin typeface="Arial" pitchFamily="34" charset="0"/>
+              <a:cs typeface="Arial" pitchFamily="34" charset="0"/>
+            </a:endParaRPr>
+          </a:p>
+        </p:txBody>
+      </p:sp>
+      <p:sp>
+        <p:nvSpPr>
+          <p:cNvPr id="165" name="Rectangle 7"/>
+          <p:cNvSpPr>
+            <a:spLocks noChangeArrowheads="1"/>
+          </p:cNvSpPr>
+          <p:nvPr/>
+        </p:nvSpPr>
+        <p:spPr bwMode="auto">
+          <a:xfrm>
+            <a:off x="7496039" y="5782095"/>
+            <a:ext cx="1048605" cy="285622"/>
+          </a:xfrm>
+          <a:prstGeom prst="rect">
+            <a:avLst/>
+          </a:prstGeom>
+          <a:noFill/>
+          <a:ln>
+            <a:noFill/>
+          </a:ln>
+          <a:extLst>
+            <a:ext uri="{909E8E84-426E-40DD-AFC4-6F175D3DCCD1}">
+              <a14:hiddenFill xmlns:a14="http://schemas.microsoft.com/office/drawing/2010/main">
+                <a:solidFill>
+                  <a:srgbClr val="FFFFFF"/>
+                </a:solidFill>
+              </a14:hiddenFill>
+            </a:ext>
+            <a:ext uri="{91240B29-F687-4F45-9708-019B960494DF}">
+              <a14:hiddenLine xmlns:a14="http://schemas.microsoft.com/office/drawing/2010/main" w="0">
+                <a:solidFill>
+                  <a:srgbClr val="000000"/>
+                </a:solidFill>
+                <a:miter lim="800000"/>
+                <a:headEnd/>
+                <a:tailEnd/>
+              </a14:hiddenLine>
+            </a:ext>
+          </a:extLst>
+        </p:spPr>
+        <p:txBody>
+          <a:bodyPr vert="horz" wrap="square" lIns="0" tIns="0" rIns="0" bIns="0" numCol="1" anchor="t" anchorCtr="0" compatLnSpc="1">
+            <a:prstTxWarp prst="textNoShape">
+              <a:avLst/>
+            </a:prstTxWarp>
+          </a:bodyPr>
+          <a:lstStyle/>
+          <a:p>
+            <a:pPr lvl="0" algn="r">
+              <a:spcBef>
+                <a:spcPct val="0"/>
+              </a:spcBef>
+              <a:buClrTx/>
+              <a:buSzTx/>
+              <a:buNone/>
+            </a:pPr>
+            <a:r>
+              <a:rPr kumimoji="0" lang="en-US" altLang="ru-RU" sz="1200" b="0" i="1" u="none" strike="noStrike" cap="none" normalizeH="0" baseline="0" dirty="0" err="1" smtClean="0">
+                <a:ln>
+                  <a:noFill/>
+                </a:ln>
+                <a:solidFill>
+                  <a:srgbClr val="000000"/>
+                </a:solidFill>
+                <a:effectLst/>
+                <a:latin typeface="Times New Roman CYR"/>
+                <a:ea typeface="Times New Roman" pitchFamily="18" charset="0"/>
+              </a:rPr>
+              <a:t>Уровни</a:t>
+            </a:r>
+            <a:r>
+              <a:rPr kumimoji="0" lang="en-US" altLang="ru-RU" sz="1200" b="0" i="1" u="none" strike="noStrike" cap="none" normalizeH="0" baseline="0" dirty="0" smtClean="0">
+                <a:ln>
+                  <a:noFill/>
+                </a:ln>
+                <a:solidFill>
+                  <a:srgbClr val="000000"/>
+                </a:solidFill>
+                <a:effectLst/>
+                <a:latin typeface="Times New Roman CYR"/>
+                <a:ea typeface="Times New Roman" pitchFamily="18" charset="0"/>
+              </a:rPr>
+              <a:t> </a:t>
+            </a:r>
+            <a:r>
+              <a:rPr kumimoji="0" lang="ru-RU" altLang="ru-RU" sz="1200" i="1" dirty="0" smtClean="0">
+                <a:solidFill>
+                  <a:srgbClr val="000000"/>
+                </a:solidFill>
+                <a:latin typeface="Times New Roman CYR"/>
+                <a:ea typeface="Times New Roman" pitchFamily="18" charset="0"/>
+              </a:rPr>
+              <a:t>стека </a:t>
+            </a:r>
+            <a:r>
+              <a:rPr kumimoji="0" lang="en-US" altLang="ru-RU" sz="1200" i="1" dirty="0" smtClean="0">
+                <a:solidFill>
+                  <a:srgbClr val="000000"/>
+                </a:solidFill>
+                <a:latin typeface="Times New Roman CYR"/>
+                <a:ea typeface="Times New Roman" pitchFamily="18" charset="0"/>
+              </a:rPr>
+              <a:t>TCP/IP</a:t>
+            </a:r>
+            <a:endParaRPr kumimoji="0" lang="en-US" altLang="ru-RU" sz="1200" b="0" i="0" u="none" strike="noStrike" cap="none" normalizeH="0" baseline="0" dirty="0" smtClean="0">
+              <a:ln>
+                <a:noFill/>
+              </a:ln>
+              <a:solidFill>
+                <a:schemeClr val="tx1"/>
+              </a:solidFill>
+              <a:effectLst/>
+              <a:latin typeface="Arial" pitchFamily="34" charset="0"/>
+              <a:cs typeface="Arial" pitchFamily="34" charset="0"/>
+            </a:endParaRPr>
+          </a:p>
+        </p:txBody>
+      </p:sp>
+      <p:sp>
+        <p:nvSpPr>
+          <p:cNvPr id="138" name="Rectangle 30"/>
+          <p:cNvSpPr>
+            <a:spLocks noChangeArrowheads="1"/>
+          </p:cNvSpPr>
+          <p:nvPr/>
+        </p:nvSpPr>
+        <p:spPr bwMode="auto">
+          <a:xfrm>
+            <a:off x="5395130" y="3983435"/>
+            <a:ext cx="742617" cy="285622"/>
+          </a:xfrm>
+          <a:prstGeom prst="rect">
+            <a:avLst/>
+          </a:prstGeom>
+          <a:noFill/>
+          <a:ln>
+            <a:noFill/>
+          </a:ln>
+          <a:extLst>
+            <a:ext uri="{909E8E84-426E-40DD-AFC4-6F175D3DCCD1}">
+              <a14:hiddenFill xmlns:a14="http://schemas.microsoft.com/office/drawing/2010/main">
+                <a:solidFill>
+                  <a:srgbClr val="FFFFFF"/>
+                </a:solidFill>
+              </a14:hiddenFill>
+            </a:ext>
+            <a:ext uri="{91240B29-F687-4F45-9708-019B960494DF}">
+              <a14:hiddenLine xmlns:a14="http://schemas.microsoft.com/office/drawing/2010/main" w="0">
+                <a:solidFill>
+                  <a:srgbClr val="000000"/>
+                </a:solidFill>
+                <a:miter lim="800000"/>
+                <a:headEnd/>
+                <a:tailEnd/>
+              </a14:hiddenLine>
+            </a:ext>
+          </a:extLst>
+        </p:spPr>
+        <p:txBody>
+          <a:bodyPr vert="horz" wrap="square" lIns="0" tIns="0" rIns="0" bIns="0" numCol="1" anchor="t" anchorCtr="0" compatLnSpc="1">
+            <a:prstTxWarp prst="textNoShape">
+              <a:avLst/>
+            </a:prstTxWarp>
+          </a:bodyPr>
+          <a:lstStyle/>
+          <a:p>
+            <a:pPr marL="0" marR="0" lvl="0" indent="0" algn="ctr" defTabSz="914400" rtl="0" eaLnBrk="1" fontAlgn="base" latinLnBrk="0" hangingPunct="1">
+              <a:lnSpc>
+                <a:spcPct val="100000"/>
+              </a:lnSpc>
+              <a:spcBef>
+                <a:spcPct val="0"/>
+              </a:spcBef>
+              <a:spcAft>
+                <a:spcPct val="0"/>
+              </a:spcAft>
+              <a:buClrTx/>
+              <a:buSzTx/>
+              <a:buFontTx/>
+              <a:buNone/>
+              <a:tabLst/>
+            </a:pPr>
+            <a:r>
+              <a:rPr kumimoji="0" lang="en-US" altLang="ru-RU" sz="1600" b="0" i="0" u="none" strike="noStrike" cap="none" normalizeH="0" baseline="0" dirty="0" smtClean="0">
+                <a:ln>
+                  <a:noFill/>
+                </a:ln>
+                <a:solidFill>
+                  <a:srgbClr val="000000"/>
+                </a:solidFill>
+                <a:effectLst/>
+                <a:latin typeface="Times New Roman CYR"/>
+                <a:ea typeface="Times New Roman" pitchFamily="18" charset="0"/>
+              </a:rPr>
+              <a:t>ICMP</a:t>
+            </a:r>
+            <a:endParaRPr kumimoji="0" lang="en-US" altLang="ru-RU" sz="1600" b="0" i="0" u="none" strike="noStrike" cap="none" normalizeH="0" baseline="0" dirty="0" smtClean="0">
+              <a:ln>
+                <a:noFill/>
+              </a:ln>
+              <a:solidFill>
+                <a:schemeClr val="tx1"/>
+              </a:solidFill>
+              <a:effectLst/>
+              <a:latin typeface="Arial" pitchFamily="34" charset="0"/>
+              <a:cs typeface="Arial" pitchFamily="34" charset="0"/>
+            </a:endParaRPr>
+          </a:p>
+        </p:txBody>
+      </p:sp>
+      <p:sp>
+        <p:nvSpPr>
+          <p:cNvPr id="166" name="Овал 165"/>
+          <p:cNvSpPr/>
+          <p:nvPr/>
+        </p:nvSpPr>
+        <p:spPr bwMode="auto">
+          <a:xfrm>
+            <a:off x="1705404" y="3760327"/>
+            <a:ext cx="847343" cy="780700"/>
+          </a:xfrm>
+          <a:prstGeom prst="ellipse">
+            <a:avLst/>
+          </a:prstGeom>
+          <a:noFill/>
+          <a:ln w="38100" cap="flat" cmpd="dbl" algn="ctr">
+            <a:solidFill>
+              <a:srgbClr val="00B050"/>
+            </a:solidFill>
+            <a:prstDash val="solid"/>
+            <a:round/>
+            <a:headEnd type="none" w="med" len="med"/>
+            <a:tailEnd type="none" w="med" len="med"/>
+          </a:ln>
+          <a:effectLst/>
+          <a:extLst>
+            <a:ext uri="{909E8E84-426E-40DD-AFC4-6F175D3DCCD1}">
+              <a14:hiddenFill xmlns:a14="http://schemas.microsoft.com/office/drawing/2010/main">
+                <a:solidFill>
+                  <a:schemeClr val="accent1"/>
+                </a:solidFill>
+              </a14:hiddenFill>
+            </a:ext>
+            <a:ext uri="{AF507438-7753-43E0-B8FC-AC1667EBCBE1}">
+              <a14:hiddenEffects xmlns:a14="http://schemas.microsoft.com/office/drawing/2010/main">
+                <a:effectLst>
+                  <a:outerShdw dist="35921" dir="2700000" algn="ctr" rotWithShape="0">
+                    <a:schemeClr val="bg2"/>
+                  </a:outerShdw>
+                </a:effectLst>
+              </a14:hiddenEffects>
+            </a:ext>
+          </a:extLst>
+        </p:spPr>
+        <p:txBody>
+          <a:bodyPr vert="horz" wrap="square" lIns="91440" tIns="45720" rIns="91440" bIns="0" numCol="1" rtlCol="0" anchor="t" anchorCtr="0" compatLnSpc="1">
+            <a:prstTxWarp prst="textNoShape">
+              <a:avLst/>
+            </a:prstTxWarp>
+          </a:bodyPr>
+          <a:lstStyle/>
+          <a:p>
+            <a:pPr marL="457200" marR="0" indent="-457200" algn="l" defTabSz="914400" rtl="0" eaLnBrk="1" fontAlgn="base" latinLnBrk="0" hangingPunct="1">
+              <a:lnSpc>
+                <a:spcPct val="100000"/>
+              </a:lnSpc>
+              <a:spcBef>
+                <a:spcPct val="20000"/>
+              </a:spcBef>
+              <a:spcAft>
+                <a:spcPct val="0"/>
+              </a:spcAft>
+              <a:buClr>
+                <a:srgbClr val="A50021"/>
+              </a:buClr>
+              <a:buSzPct val="75000"/>
+              <a:buFont typeface="Wingdings" pitchFamily="2" charset="2"/>
+              <a:buChar char="n"/>
+              <a:tabLst/>
+            </a:pPr>
+            <a:endParaRPr kumimoji="1" lang="ru-RU" sz="2000" b="0" i="0" u="none" strike="noStrike" cap="none" normalizeH="0" baseline="0" smtClean="0">
+              <a:ln>
+                <a:noFill/>
+              </a:ln>
+              <a:solidFill>
+                <a:schemeClr val="tx1"/>
+              </a:solidFill>
+              <a:effectLst/>
+              <a:latin typeface="Times New Roman" pitchFamily="18" charset="0"/>
+              <a:cs typeface="Times New Roman" pitchFamily="18" charset="0"/>
+            </a:endParaRPr>
+          </a:p>
+        </p:txBody>
+      </p:sp>
+      <p:sp>
+        <p:nvSpPr>
+          <p:cNvPr id="167" name="Овал 166"/>
+          <p:cNvSpPr/>
+          <p:nvPr/>
+        </p:nvSpPr>
+        <p:spPr bwMode="auto">
+          <a:xfrm>
+            <a:off x="2829625" y="3728591"/>
+            <a:ext cx="893031" cy="812436"/>
+          </a:xfrm>
+          <a:prstGeom prst="ellipse">
+            <a:avLst/>
+          </a:prstGeom>
+          <a:noFill/>
+          <a:ln w="38100" cap="flat" cmpd="sng" algn="ctr">
+            <a:solidFill>
+              <a:schemeClr val="accent1">
+                <a:lumMod val="75000"/>
+              </a:schemeClr>
+            </a:solidFill>
+            <a:prstDash val="sysDash"/>
+            <a:round/>
+            <a:headEnd type="none" w="med" len="med"/>
+            <a:tailEnd type="none" w="med" len="med"/>
+          </a:ln>
+          <a:effectLst/>
+          <a:extLst>
+            <a:ext uri="{909E8E84-426E-40DD-AFC4-6F175D3DCCD1}">
+              <a14:hiddenFill xmlns:a14="http://schemas.microsoft.com/office/drawing/2010/main">
+                <a:solidFill>
+                  <a:schemeClr val="accent1"/>
+                </a:solidFill>
+              </a14:hiddenFill>
+            </a:ext>
+            <a:ext uri="{AF507438-7753-43E0-B8FC-AC1667EBCBE1}">
+              <a14:hiddenEffects xmlns:a14="http://schemas.microsoft.com/office/drawing/2010/main">
+                <a:effectLst>
+                  <a:outerShdw dist="35921" dir="2700000" algn="ctr" rotWithShape="0">
+                    <a:schemeClr val="bg2"/>
+                  </a:outerShdw>
+                </a:effectLst>
+              </a14:hiddenEffects>
+            </a:ext>
+          </a:extLst>
+        </p:spPr>
+        <p:txBody>
+          <a:bodyPr vert="horz" wrap="square" lIns="91440" tIns="45720" rIns="91440" bIns="0" numCol="1" rtlCol="0" anchor="t" anchorCtr="0" compatLnSpc="1">
+            <a:prstTxWarp prst="textNoShape">
+              <a:avLst/>
+            </a:prstTxWarp>
+          </a:bodyPr>
+          <a:lstStyle/>
+          <a:p>
+            <a:pPr marL="457200" marR="0" indent="-457200" algn="l" defTabSz="914400" rtl="0" eaLnBrk="1" fontAlgn="base" latinLnBrk="0" hangingPunct="1">
+              <a:lnSpc>
+                <a:spcPct val="100000"/>
+              </a:lnSpc>
+              <a:spcBef>
+                <a:spcPct val="20000"/>
+              </a:spcBef>
+              <a:spcAft>
+                <a:spcPct val="0"/>
+              </a:spcAft>
+              <a:buClr>
+                <a:srgbClr val="A50021"/>
+              </a:buClr>
+              <a:buSzPct val="75000"/>
+              <a:buFont typeface="Wingdings" pitchFamily="2" charset="2"/>
+              <a:buChar char="n"/>
+              <a:tabLst/>
+            </a:pPr>
+            <a:endParaRPr kumimoji="1" lang="ru-RU" sz="2000" b="0" i="0" u="none" strike="noStrike" cap="none" normalizeH="0" baseline="0" smtClean="0">
+              <a:ln>
+                <a:noFill/>
+              </a:ln>
+              <a:solidFill>
+                <a:schemeClr val="tx1"/>
+              </a:solidFill>
+              <a:effectLst/>
+              <a:latin typeface="Times New Roman" pitchFamily="18" charset="0"/>
+              <a:cs typeface="Times New Roman" pitchFamily="18" charset="0"/>
+            </a:endParaRPr>
+          </a:p>
+        </p:txBody>
+      </p:sp>
+      <p:sp>
+        <p:nvSpPr>
+          <p:cNvPr id="168" name="Овал 167"/>
+          <p:cNvSpPr/>
+          <p:nvPr/>
+        </p:nvSpPr>
+        <p:spPr bwMode="auto">
+          <a:xfrm>
+            <a:off x="4061590" y="3794550"/>
+            <a:ext cx="897219" cy="780700"/>
+          </a:xfrm>
+          <a:prstGeom prst="ellipse">
+            <a:avLst/>
+          </a:prstGeom>
+          <a:noFill/>
+          <a:ln w="38100" cap="flat" cmpd="sng" algn="ctr">
+            <a:solidFill>
+              <a:srgbClr val="7030A0"/>
+            </a:solidFill>
+            <a:prstDash val="sysDash"/>
+            <a:round/>
+            <a:headEnd type="none" w="med" len="med"/>
+            <a:tailEnd type="none" w="med" len="med"/>
+          </a:ln>
+          <a:effectLst/>
+          <a:extLst>
+            <a:ext uri="{909E8E84-426E-40DD-AFC4-6F175D3DCCD1}">
+              <a14:hiddenFill xmlns:a14="http://schemas.microsoft.com/office/drawing/2010/main">
+                <a:solidFill>
+                  <a:schemeClr val="accent1"/>
+                </a:solidFill>
+              </a14:hiddenFill>
+            </a:ext>
+            <a:ext uri="{AF507438-7753-43E0-B8FC-AC1667EBCBE1}">
+              <a14:hiddenEffects xmlns:a14="http://schemas.microsoft.com/office/drawing/2010/main">
+                <a:effectLst>
+                  <a:outerShdw dist="35921" dir="2700000" algn="ctr" rotWithShape="0">
+                    <a:schemeClr val="bg2"/>
+                  </a:outerShdw>
+                </a:effectLst>
+              </a14:hiddenEffects>
+            </a:ext>
+          </a:extLst>
+        </p:spPr>
+        <p:txBody>
+          <a:bodyPr vert="horz" wrap="square" lIns="91440" tIns="45720" rIns="91440" bIns="0" numCol="1" rtlCol="0" anchor="t" anchorCtr="0" compatLnSpc="1">
+            <a:prstTxWarp prst="textNoShape">
+              <a:avLst/>
+            </a:prstTxWarp>
+          </a:bodyPr>
+          <a:lstStyle/>
+          <a:p>
+            <a:pPr marL="457200" marR="0" indent="-457200" algn="l" defTabSz="914400" rtl="0" eaLnBrk="1" fontAlgn="base" latinLnBrk="0" hangingPunct="1">
+              <a:lnSpc>
+                <a:spcPct val="100000"/>
+              </a:lnSpc>
+              <a:spcBef>
+                <a:spcPct val="20000"/>
+              </a:spcBef>
+              <a:spcAft>
+                <a:spcPct val="0"/>
+              </a:spcAft>
+              <a:buClr>
+                <a:srgbClr val="A50021"/>
+              </a:buClr>
+              <a:buSzPct val="75000"/>
+              <a:buFont typeface="Wingdings" pitchFamily="2" charset="2"/>
+              <a:buChar char="n"/>
+              <a:tabLst/>
+            </a:pPr>
+            <a:endParaRPr kumimoji="1" lang="ru-RU" sz="2000" b="0" i="0" u="none" strike="noStrike" cap="none" normalizeH="0" baseline="0" smtClean="0">
+              <a:ln>
+                <a:noFill/>
+              </a:ln>
+              <a:solidFill>
+                <a:schemeClr val="tx1"/>
+              </a:solidFill>
+              <a:effectLst/>
+              <a:latin typeface="Times New Roman" pitchFamily="18" charset="0"/>
+              <a:cs typeface="Times New Roman" pitchFamily="18" charset="0"/>
+            </a:endParaRPr>
+          </a:p>
+        </p:txBody>
+      </p:sp>
+      <p:sp>
+        <p:nvSpPr>
+          <p:cNvPr id="169" name="Овал 168"/>
+          <p:cNvSpPr/>
+          <p:nvPr/>
+        </p:nvSpPr>
+        <p:spPr bwMode="auto">
+          <a:xfrm>
+            <a:off x="2124018" y="2645170"/>
+            <a:ext cx="6076947" cy="780700"/>
+          </a:xfrm>
+          <a:prstGeom prst="ellipse">
+            <a:avLst/>
+          </a:prstGeom>
+          <a:noFill/>
+          <a:ln w="38100" cap="flat" cmpd="sng" algn="ctr">
+            <a:solidFill>
+              <a:schemeClr val="tx2">
+                <a:lumMod val="75000"/>
+              </a:schemeClr>
+            </a:solidFill>
+            <a:prstDash val="solid"/>
+            <a:round/>
+            <a:headEnd type="none" w="med" len="med"/>
+            <a:tailEnd type="none" w="med" len="med"/>
+          </a:ln>
+          <a:effectLst/>
+          <a:extLst>
+            <a:ext uri="{909E8E84-426E-40DD-AFC4-6F175D3DCCD1}">
+              <a14:hiddenFill xmlns:a14="http://schemas.microsoft.com/office/drawing/2010/main">
+                <a:solidFill>
+                  <a:schemeClr val="accent1"/>
+                </a:solidFill>
+              </a14:hiddenFill>
+            </a:ext>
+            <a:ext uri="{AF507438-7753-43E0-B8FC-AC1667EBCBE1}">
+              <a14:hiddenEffects xmlns:a14="http://schemas.microsoft.com/office/drawing/2010/main">
+                <a:effectLst>
+                  <a:outerShdw dist="35921" dir="2700000" algn="ctr" rotWithShape="0">
+                    <a:schemeClr val="bg2"/>
+                  </a:outerShdw>
+                </a:effectLst>
+              </a14:hiddenEffects>
+            </a:ext>
+          </a:extLst>
+        </p:spPr>
+        <p:txBody>
+          <a:bodyPr vert="horz" wrap="square" lIns="91440" tIns="45720" rIns="91440" bIns="0" numCol="1" rtlCol="0" anchor="t" anchorCtr="0" compatLnSpc="1">
+            <a:prstTxWarp prst="textNoShape">
+              <a:avLst/>
+            </a:prstTxWarp>
+          </a:bodyPr>
+          <a:lstStyle/>
+          <a:p>
+            <a:pPr marL="457200" marR="0" indent="-457200" algn="l" defTabSz="914400" rtl="0" eaLnBrk="1" fontAlgn="base" latinLnBrk="0" hangingPunct="1">
+              <a:lnSpc>
+                <a:spcPct val="100000"/>
+              </a:lnSpc>
+              <a:spcBef>
+                <a:spcPct val="20000"/>
+              </a:spcBef>
+              <a:spcAft>
+                <a:spcPct val="0"/>
+              </a:spcAft>
+              <a:buClr>
+                <a:srgbClr val="A50021"/>
+              </a:buClr>
+              <a:buSzPct val="75000"/>
+              <a:buFont typeface="Wingdings" pitchFamily="2" charset="2"/>
+              <a:buChar char="n"/>
+              <a:tabLst/>
+            </a:pPr>
+            <a:endParaRPr kumimoji="1" lang="ru-RU" sz="2000" b="0" i="0" u="none" strike="noStrike" cap="none" normalizeH="0" baseline="0" smtClean="0">
+              <a:ln>
+                <a:noFill/>
+              </a:ln>
+              <a:solidFill>
+                <a:schemeClr val="tx1"/>
+              </a:solidFill>
+              <a:effectLst/>
+              <a:latin typeface="Times New Roman" pitchFamily="18" charset="0"/>
+              <a:cs typeface="Times New Roman" pitchFamily="18" charset="0"/>
+            </a:endParaRPr>
+          </a:p>
+        </p:txBody>
+      </p:sp>
+      <p:sp>
+        <p:nvSpPr>
+          <p:cNvPr id="170" name="Овал 169"/>
+          <p:cNvSpPr/>
+          <p:nvPr/>
+        </p:nvSpPr>
+        <p:spPr bwMode="auto">
+          <a:xfrm>
+            <a:off x="5325314" y="3752787"/>
+            <a:ext cx="897219" cy="780700"/>
+          </a:xfrm>
+          <a:prstGeom prst="ellipse">
+            <a:avLst/>
+          </a:prstGeom>
+          <a:noFill/>
+          <a:ln w="38100" cap="flat" cmpd="sng" algn="ctr">
+            <a:solidFill>
+              <a:srgbClr val="FF0000"/>
+            </a:solidFill>
+            <a:prstDash val="solid"/>
+            <a:round/>
+            <a:headEnd type="none" w="med" len="med"/>
+            <a:tailEnd type="none" w="med" len="med"/>
+          </a:ln>
+          <a:effectLst/>
+          <a:extLst>
+            <a:ext uri="{909E8E84-426E-40DD-AFC4-6F175D3DCCD1}">
+              <a14:hiddenFill xmlns:a14="http://schemas.microsoft.com/office/drawing/2010/main">
+                <a:solidFill>
+                  <a:schemeClr val="accent1"/>
+                </a:solidFill>
+              </a14:hiddenFill>
+            </a:ext>
+            <a:ext uri="{AF507438-7753-43E0-B8FC-AC1667EBCBE1}">
+              <a14:hiddenEffects xmlns:a14="http://schemas.microsoft.com/office/drawing/2010/main">
+                <a:effectLst>
+                  <a:outerShdw dist="35921" dir="2700000" algn="ctr" rotWithShape="0">
+                    <a:schemeClr val="bg2"/>
+                  </a:outerShdw>
+                </a:effectLst>
+              </a14:hiddenEffects>
+            </a:ext>
+          </a:extLst>
+        </p:spPr>
+        <p:txBody>
+          <a:bodyPr vert="horz" wrap="square" lIns="91440" tIns="45720" rIns="91440" bIns="0" numCol="1" rtlCol="0" anchor="t" anchorCtr="0" compatLnSpc="1">
+            <a:prstTxWarp prst="textNoShape">
+              <a:avLst/>
+            </a:prstTxWarp>
+          </a:bodyPr>
+          <a:lstStyle/>
+          <a:p>
+            <a:pPr marL="457200" marR="0" indent="-457200" algn="l" defTabSz="914400" rtl="0" eaLnBrk="1" fontAlgn="base" latinLnBrk="0" hangingPunct="1">
+              <a:lnSpc>
+                <a:spcPct val="100000"/>
+              </a:lnSpc>
+              <a:spcBef>
+                <a:spcPct val="20000"/>
+              </a:spcBef>
+              <a:spcAft>
+                <a:spcPct val="0"/>
+              </a:spcAft>
+              <a:buClr>
+                <a:srgbClr val="A50021"/>
+              </a:buClr>
+              <a:buSzPct val="75000"/>
+              <a:buFont typeface="Wingdings" pitchFamily="2" charset="2"/>
+              <a:buChar char="n"/>
+              <a:tabLst/>
+            </a:pPr>
+            <a:endParaRPr kumimoji="1" lang="ru-RU" sz="2000" b="0" i="0" u="none" strike="noStrike" cap="none" normalizeH="0" baseline="0" smtClean="0">
+              <a:ln>
+                <a:noFill/>
+              </a:ln>
+              <a:solidFill>
+                <a:schemeClr val="tx1"/>
+              </a:solidFill>
+              <a:effectLst/>
+              <a:latin typeface="Times New Roman" pitchFamily="18" charset="0"/>
+              <a:cs typeface="Times New Roman" pitchFamily="18" charset="0"/>
+            </a:endParaRPr>
+          </a:p>
+        </p:txBody>
+      </p:sp>
+      <p:sp>
+        <p:nvSpPr>
+          <p:cNvPr id="171" name="Овал 170"/>
+          <p:cNvSpPr/>
+          <p:nvPr/>
+        </p:nvSpPr>
+        <p:spPr bwMode="auto">
+          <a:xfrm>
+            <a:off x="6867259" y="1308688"/>
+            <a:ext cx="897219" cy="780700"/>
+          </a:xfrm>
+          <a:prstGeom prst="ellipse">
+            <a:avLst/>
+          </a:prstGeom>
+          <a:noFill/>
+          <a:ln w="38100" cap="flat" cmpd="sng" algn="ctr">
+            <a:solidFill>
+              <a:schemeClr val="accent6">
+                <a:lumMod val="75000"/>
+              </a:schemeClr>
+            </a:solidFill>
+            <a:prstDash val="solid"/>
+            <a:round/>
+            <a:headEnd type="none" w="med" len="med"/>
+            <a:tailEnd type="none" w="med" len="med"/>
+          </a:ln>
+          <a:effectLst/>
+          <a:extLst>
+            <a:ext uri="{909E8E84-426E-40DD-AFC4-6F175D3DCCD1}">
+              <a14:hiddenFill xmlns:a14="http://schemas.microsoft.com/office/drawing/2010/main">
+                <a:solidFill>
+                  <a:schemeClr val="accent1"/>
+                </a:solidFill>
+              </a14:hiddenFill>
+            </a:ext>
+            <a:ext uri="{AF507438-7753-43E0-B8FC-AC1667EBCBE1}">
+              <a14:hiddenEffects xmlns:a14="http://schemas.microsoft.com/office/drawing/2010/main">
+                <a:effectLst>
+                  <a:outerShdw dist="35921" dir="2700000" algn="ctr" rotWithShape="0">
+                    <a:schemeClr val="bg2"/>
+                  </a:outerShdw>
+                </a:effectLst>
+              </a14:hiddenEffects>
+            </a:ext>
+          </a:extLst>
+        </p:spPr>
+        <p:txBody>
+          <a:bodyPr vert="horz" wrap="square" lIns="91440" tIns="45720" rIns="91440" bIns="0" numCol="1" rtlCol="0" anchor="t" anchorCtr="0" compatLnSpc="1">
+            <a:prstTxWarp prst="textNoShape">
+              <a:avLst/>
+            </a:prstTxWarp>
+          </a:bodyPr>
+          <a:lstStyle/>
+          <a:p>
+            <a:pPr marL="457200" marR="0" indent="-457200" algn="l" defTabSz="914400" rtl="0" eaLnBrk="1" fontAlgn="base" latinLnBrk="0" hangingPunct="1">
+              <a:lnSpc>
+                <a:spcPct val="100000"/>
+              </a:lnSpc>
+              <a:spcBef>
+                <a:spcPct val="20000"/>
+              </a:spcBef>
+              <a:spcAft>
+                <a:spcPct val="0"/>
+              </a:spcAft>
+              <a:buClr>
+                <a:srgbClr val="A50021"/>
+              </a:buClr>
+              <a:buSzPct val="75000"/>
+              <a:buFont typeface="Wingdings" pitchFamily="2" charset="2"/>
+              <a:buChar char="n"/>
+              <a:tabLst/>
+            </a:pPr>
+            <a:endParaRPr kumimoji="1" lang="ru-RU" sz="2000" b="0" i="0" u="none" strike="noStrike" cap="none" normalizeH="0" baseline="0" smtClean="0">
+              <a:ln>
+                <a:noFill/>
+              </a:ln>
+              <a:solidFill>
+                <a:schemeClr val="tx1"/>
+              </a:solidFill>
+              <a:effectLst/>
+              <a:latin typeface="Times New Roman" pitchFamily="18" charset="0"/>
+              <a:cs typeface="Times New Roman" pitchFamily="18" charset="0"/>
+            </a:endParaRPr>
+          </a:p>
+        </p:txBody>
+      </p:sp>
+    </p:spTree>
+    <p:extLst>
+      <p:ext uri="{BB962C8B-B14F-4D97-AF65-F5344CB8AC3E}">
+        <p14:creationId xmlns:p14="http://schemas.microsoft.com/office/powerpoint/2010/main" val="3470940055"/>
       </p:ext>
     </p:extLst>
   </p:cSld>

--- a/lecture/11.pptx
+++ b/lecture/11.pptx
@@ -5,7 +5,7 @@
     <p:sldMasterId id="2147483649" r:id="rId1"/>
   </p:sldMasterIdLst>
   <p:notesMasterIdLst>
-    <p:notesMasterId r:id="rId12"/>
+    <p:notesMasterId r:id="rId17"/>
   </p:notesMasterIdLst>
   <p:sldIdLst>
     <p:sldId id="311" r:id="rId2"/>
@@ -18,6 +18,11 @@
     <p:sldId id="358" r:id="rId9"/>
     <p:sldId id="359" r:id="rId10"/>
     <p:sldId id="360" r:id="rId11"/>
+    <p:sldId id="361" r:id="rId12"/>
+    <p:sldId id="362" r:id="rId13"/>
+    <p:sldId id="363" r:id="rId14"/>
+    <p:sldId id="364" r:id="rId15"/>
+    <p:sldId id="365" r:id="rId16"/>
   </p:sldIdLst>
   <p:sldSz cx="9144000" cy="6858000" type="screen4x3"/>
   <p:notesSz cx="6858000" cy="9144000"/>
@@ -8060,7 +8065,7 @@
         </p:nvSpPr>
         <p:spPr>
           <a:xfrm>
-            <a:off x="1187624" y="2276872"/>
+            <a:off x="971600" y="2499122"/>
             <a:ext cx="2510856" cy="400110"/>
           </a:xfrm>
           <a:prstGeom prst="rect">
@@ -8079,10 +8084,10 @@
               <a:t>Socket = </a:t>
             </a:r>
             <a:r>
-              <a:rPr lang="en-US" smtClean="0"/>
+              <a:rPr lang="en-US" dirty="0" err="1" smtClean="0"/>
               <a:t>IP:Port</a:t>
             </a:r>
-            <a:endParaRPr lang="ru-RU"/>
+            <a:endParaRPr lang="ru-RU" dirty="0"/>
           </a:p>
         </p:txBody>
       </p:sp>
@@ -8090,6 +8095,7394 @@
     <p:extLst>
       <p:ext uri="{BB962C8B-B14F-4D97-AF65-F5344CB8AC3E}">
         <p14:creationId xmlns:p14="http://schemas.microsoft.com/office/powerpoint/2010/main" val="65766637"/>
+      </p:ext>
+    </p:extLst>
+  </p:cSld>
+  <p:clrMapOvr>
+    <a:masterClrMapping/>
+  </p:clrMapOvr>
+  <p:timing>
+    <p:tnLst>
+      <p:par>
+        <p:cTn id="1" dur="indefinite" restart="never" nodeType="tmRoot"/>
+      </p:par>
+    </p:tnLst>
+  </p:timing>
+</p:sld>
+</file>
+
+<file path=ppt/slides/slide11.xml><?xml version="1.0" encoding="utf-8"?>
+<p:sld xmlns:a="http://schemas.openxmlformats.org/drawingml/2006/main" xmlns:r="http://schemas.openxmlformats.org/officeDocument/2006/relationships" xmlns:p="http://schemas.openxmlformats.org/presentationml/2006/main">
+  <p:cSld>
+    <p:spTree>
+      <p:nvGrpSpPr>
+        <p:cNvPr id="1" name=""/>
+        <p:cNvGrpSpPr/>
+        <p:nvPr/>
+      </p:nvGrpSpPr>
+      <p:grpSpPr>
+        <a:xfrm>
+          <a:off x="0" y="0"/>
+          <a:ext cx="0" cy="0"/>
+          <a:chOff x="0" y="0"/>
+          <a:chExt cx="0" cy="0"/>
+        </a:xfrm>
+      </p:grpSpPr>
+      <p:sp>
+        <p:nvSpPr>
+          <p:cNvPr id="123" name="Заголовок 1"/>
+          <p:cNvSpPr txBox="1">
+            <a:spLocks/>
+          </p:cNvSpPr>
+          <p:nvPr/>
+        </p:nvSpPr>
+        <p:spPr>
+          <a:xfrm>
+            <a:off x="0" y="260648"/>
+            <a:ext cx="9144000" cy="1008112"/>
+          </a:xfrm>
+          <a:prstGeom prst="rect">
+            <a:avLst/>
+          </a:prstGeom>
+        </p:spPr>
+        <p:txBody>
+          <a:bodyPr/>
+          <a:lstStyle>
+            <a:lvl1pPr algn="l" rtl="0" fontAlgn="base">
+              <a:spcBef>
+                <a:spcPct val="0"/>
+              </a:spcBef>
+              <a:spcAft>
+                <a:spcPct val="0"/>
+              </a:spcAft>
+              <a:defRPr sz="4400">
+                <a:solidFill>
+                  <a:schemeClr val="tx2"/>
+                </a:solidFill>
+                <a:latin typeface="+mj-lt"/>
+                <a:ea typeface="+mj-ea"/>
+                <a:cs typeface="+mj-cs"/>
+              </a:defRPr>
+            </a:lvl1pPr>
+            <a:lvl2pPr algn="l" rtl="0" fontAlgn="base">
+              <a:spcBef>
+                <a:spcPct val="0"/>
+              </a:spcBef>
+              <a:spcAft>
+                <a:spcPct val="0"/>
+              </a:spcAft>
+              <a:defRPr sz="4400">
+                <a:solidFill>
+                  <a:schemeClr val="tx2"/>
+                </a:solidFill>
+                <a:latin typeface="Times New Roman" pitchFamily="18" charset="0"/>
+              </a:defRPr>
+            </a:lvl2pPr>
+            <a:lvl3pPr algn="l" rtl="0" fontAlgn="base">
+              <a:spcBef>
+                <a:spcPct val="0"/>
+              </a:spcBef>
+              <a:spcAft>
+                <a:spcPct val="0"/>
+              </a:spcAft>
+              <a:defRPr sz="4400">
+                <a:solidFill>
+                  <a:schemeClr val="tx2"/>
+                </a:solidFill>
+                <a:latin typeface="Times New Roman" pitchFamily="18" charset="0"/>
+              </a:defRPr>
+            </a:lvl3pPr>
+            <a:lvl4pPr algn="l" rtl="0" fontAlgn="base">
+              <a:spcBef>
+                <a:spcPct val="0"/>
+              </a:spcBef>
+              <a:spcAft>
+                <a:spcPct val="0"/>
+              </a:spcAft>
+              <a:defRPr sz="4400">
+                <a:solidFill>
+                  <a:schemeClr val="tx2"/>
+                </a:solidFill>
+                <a:latin typeface="Times New Roman" pitchFamily="18" charset="0"/>
+              </a:defRPr>
+            </a:lvl4pPr>
+            <a:lvl5pPr algn="l" rtl="0" fontAlgn="base">
+              <a:spcBef>
+                <a:spcPct val="0"/>
+              </a:spcBef>
+              <a:spcAft>
+                <a:spcPct val="0"/>
+              </a:spcAft>
+              <a:defRPr sz="4400">
+                <a:solidFill>
+                  <a:schemeClr val="tx2"/>
+                </a:solidFill>
+                <a:latin typeface="Times New Roman" pitchFamily="18" charset="0"/>
+              </a:defRPr>
+            </a:lvl5pPr>
+            <a:lvl6pPr marL="457200" algn="l" rtl="0" fontAlgn="base">
+              <a:spcBef>
+                <a:spcPct val="0"/>
+              </a:spcBef>
+              <a:spcAft>
+                <a:spcPct val="0"/>
+              </a:spcAft>
+              <a:defRPr sz="4400">
+                <a:solidFill>
+                  <a:schemeClr val="tx2"/>
+                </a:solidFill>
+                <a:latin typeface="Times New Roman" pitchFamily="18" charset="0"/>
+              </a:defRPr>
+            </a:lvl6pPr>
+            <a:lvl7pPr marL="914400" algn="l" rtl="0" fontAlgn="base">
+              <a:spcBef>
+                <a:spcPct val="0"/>
+              </a:spcBef>
+              <a:spcAft>
+                <a:spcPct val="0"/>
+              </a:spcAft>
+              <a:defRPr sz="4400">
+                <a:solidFill>
+                  <a:schemeClr val="tx2"/>
+                </a:solidFill>
+                <a:latin typeface="Times New Roman" pitchFamily="18" charset="0"/>
+              </a:defRPr>
+            </a:lvl7pPr>
+            <a:lvl8pPr marL="1371600" algn="l" rtl="0" fontAlgn="base">
+              <a:spcBef>
+                <a:spcPct val="0"/>
+              </a:spcBef>
+              <a:spcAft>
+                <a:spcPct val="0"/>
+              </a:spcAft>
+              <a:defRPr sz="4400">
+                <a:solidFill>
+                  <a:schemeClr val="tx2"/>
+                </a:solidFill>
+                <a:latin typeface="Times New Roman" pitchFamily="18" charset="0"/>
+              </a:defRPr>
+            </a:lvl8pPr>
+            <a:lvl9pPr marL="1828800" algn="l" rtl="0" fontAlgn="base">
+              <a:spcBef>
+                <a:spcPct val="0"/>
+              </a:spcBef>
+              <a:spcAft>
+                <a:spcPct val="0"/>
+              </a:spcAft>
+              <a:defRPr sz="4400">
+                <a:solidFill>
+                  <a:schemeClr val="tx2"/>
+                </a:solidFill>
+                <a:latin typeface="Times New Roman" pitchFamily="18" charset="0"/>
+              </a:defRPr>
+            </a:lvl9pPr>
+          </a:lstStyle>
+          <a:p>
+            <a:pPr algn="ctr">
+              <a:buClrTx/>
+              <a:buSzTx/>
+              <a:buNone/>
+            </a:pPr>
+            <a:r>
+              <a:rPr kumimoji="0" lang="ru-RU" altLang="ru-RU" b="1" kern="0" dirty="0" smtClean="0"/>
+              <a:t>Протокол надёжной передачи </a:t>
+            </a:r>
+            <a:r>
+              <a:rPr kumimoji="0" lang="en-US" altLang="ru-RU" b="1" kern="0" dirty="0" smtClean="0"/>
+              <a:t>TCP</a:t>
+            </a:r>
+            <a:endParaRPr kumimoji="0" lang="ru-RU" altLang="ru-RU" b="1" kern="0" dirty="0" smtClean="0"/>
+          </a:p>
+        </p:txBody>
+      </p:sp>
+      <p:sp>
+        <p:nvSpPr>
+          <p:cNvPr id="7" name="Прямоугольник 6"/>
+          <p:cNvSpPr/>
+          <p:nvPr/>
+        </p:nvSpPr>
+        <p:spPr>
+          <a:xfrm>
+            <a:off x="251520" y="1308795"/>
+            <a:ext cx="8280920" cy="3693319"/>
+          </a:xfrm>
+          <a:prstGeom prst="rect">
+            <a:avLst/>
+          </a:prstGeom>
+        </p:spPr>
+        <p:txBody>
+          <a:bodyPr wrap="square">
+            <a:spAutoFit/>
+          </a:bodyPr>
+          <a:lstStyle/>
+          <a:p>
+            <a:r>
+              <a:rPr lang="ru-RU" sz="1800" dirty="0" err="1" smtClean="0"/>
+              <a:t>Transmission</a:t>
+            </a:r>
+            <a:r>
+              <a:rPr lang="ru-RU" sz="1800" dirty="0" smtClean="0"/>
+              <a:t> </a:t>
+            </a:r>
+            <a:r>
+              <a:rPr lang="ru-RU" sz="1800" dirty="0" err="1"/>
+              <a:t>Control</a:t>
+            </a:r>
+            <a:r>
+              <a:rPr lang="ru-RU" sz="1800" dirty="0"/>
+              <a:t> </a:t>
+            </a:r>
+            <a:r>
+              <a:rPr lang="ru-RU" sz="1800" dirty="0" err="1" smtClean="0"/>
+              <a:t>Protocol</a:t>
+            </a:r>
+            <a:r>
+              <a:rPr lang="ru-RU" sz="1800" dirty="0" smtClean="0"/>
+              <a:t> </a:t>
+            </a:r>
+            <a:r>
+              <a:rPr lang="en-US" sz="1800" dirty="0" smtClean="0"/>
+              <a:t>– </a:t>
+            </a:r>
+            <a:r>
+              <a:rPr lang="ru-RU" sz="1800" dirty="0" smtClean="0"/>
+              <a:t>Протокол управления передачей</a:t>
+            </a:r>
+            <a:endParaRPr lang="ru-RU" sz="1800" dirty="0"/>
+          </a:p>
+          <a:p>
+            <a:r>
+              <a:rPr lang="ru-RU" sz="1800" dirty="0" smtClean="0"/>
+              <a:t>Транспортный </a:t>
+            </a:r>
+            <a:r>
+              <a:rPr lang="ru-RU" sz="1800" dirty="0"/>
+              <a:t>уровень стека </a:t>
+            </a:r>
+            <a:r>
+              <a:rPr lang="ru-RU" sz="1800" dirty="0" err="1" smtClean="0"/>
+              <a:t>Internet</a:t>
+            </a:r>
+            <a:endParaRPr lang="en-US" sz="1800" dirty="0" smtClean="0"/>
+          </a:p>
+          <a:p>
+            <a:pPr lvl="1"/>
+            <a:r>
+              <a:rPr lang="ru-RU" sz="1800" dirty="0" smtClean="0"/>
+              <a:t>Транспортный уровень модели </a:t>
+            </a:r>
+            <a:r>
+              <a:rPr lang="en-US" sz="1800" dirty="0" smtClean="0"/>
+              <a:t>OSI</a:t>
+            </a:r>
+            <a:endParaRPr lang="ru-RU" sz="1800" dirty="0" smtClean="0"/>
+          </a:p>
+          <a:p>
+            <a:r>
+              <a:rPr lang="ru-RU" sz="1800" dirty="0" smtClean="0"/>
+              <a:t>Сложный</a:t>
+            </a:r>
+          </a:p>
+          <a:p>
+            <a:pPr lvl="1"/>
+            <a:r>
+              <a:rPr lang="ru-RU" sz="1800" dirty="0" smtClean="0"/>
+              <a:t>Больше функций</a:t>
+            </a:r>
+          </a:p>
+          <a:p>
+            <a:pPr lvl="1"/>
+            <a:r>
+              <a:rPr lang="ru-RU" sz="1800" dirty="0" smtClean="0"/>
+              <a:t>Больше накладных расходов</a:t>
+            </a:r>
+            <a:endParaRPr lang="ru-RU" sz="1800" dirty="0"/>
+          </a:p>
+          <a:p>
+            <a:r>
+              <a:rPr lang="ru-RU" sz="1800" dirty="0"/>
+              <a:t>О</a:t>
+            </a:r>
+            <a:r>
+              <a:rPr lang="ru-RU" sz="1800" dirty="0" smtClean="0"/>
+              <a:t>беспечивает </a:t>
+            </a:r>
+            <a:r>
+              <a:rPr lang="ru-RU" sz="1800" dirty="0"/>
+              <a:t>надежную передачу</a:t>
+            </a:r>
+          </a:p>
+          <a:p>
+            <a:r>
+              <a:rPr lang="ru-RU" sz="1800" dirty="0" smtClean="0"/>
+              <a:t>Основан </a:t>
+            </a:r>
+            <a:r>
+              <a:rPr lang="ru-RU" sz="1800" dirty="0"/>
+              <a:t>на соединениях</a:t>
+            </a:r>
+          </a:p>
+          <a:p>
+            <a:pPr lvl="1"/>
+            <a:r>
+              <a:rPr lang="ru-RU" sz="1800" dirty="0" smtClean="0"/>
+              <a:t>Не </a:t>
+            </a:r>
+            <a:r>
+              <a:rPr lang="ru-RU" sz="1800" dirty="0"/>
+              <a:t>компьютеров, а </a:t>
+            </a:r>
+            <a:r>
+              <a:rPr lang="ru-RU" sz="1800" dirty="0" smtClean="0"/>
+              <a:t>приложений</a:t>
+            </a:r>
+          </a:p>
+          <a:p>
+            <a:r>
+              <a:rPr lang="ru-RU" sz="1800" dirty="0" smtClean="0"/>
+              <a:t>Неструктурированный поток байтов</a:t>
+            </a:r>
+          </a:p>
+          <a:p>
+            <a:r>
+              <a:rPr lang="ru-RU" sz="1800" strike="sngStrike" dirty="0" smtClean="0"/>
+              <a:t>Широковещательная рассылка</a:t>
+            </a:r>
+            <a:endParaRPr lang="ru-RU" sz="1800" strike="sngStrike" dirty="0"/>
+          </a:p>
+        </p:txBody>
+      </p:sp>
+      <p:pic>
+        <p:nvPicPr>
+          <p:cNvPr id="215046" name="Picture 6" descr="Картинки по запросу tcp header"/>
+          <p:cNvPicPr>
+            <a:picLocks noChangeAspect="1" noChangeArrowheads="1"/>
+          </p:cNvPicPr>
+          <p:nvPr/>
+        </p:nvPicPr>
+        <p:blipFill>
+          <a:blip r:embed="rId2">
+            <a:extLst>
+              <a:ext uri="{28A0092B-C50C-407E-A947-70E740481C1C}">
+                <a14:useLocalDpi xmlns:a14="http://schemas.microsoft.com/office/drawing/2010/main" val="0"/>
+              </a:ext>
+            </a:extLst>
+          </a:blip>
+          <a:srcRect/>
+          <a:stretch>
+            <a:fillRect/>
+          </a:stretch>
+        </p:blipFill>
+        <p:spPr bwMode="auto">
+          <a:xfrm>
+            <a:off x="4043977" y="3573016"/>
+            <a:ext cx="5100023" cy="3168352"/>
+          </a:xfrm>
+          <a:prstGeom prst="rect">
+            <a:avLst/>
+          </a:prstGeom>
+          <a:noFill/>
+          <a:extLst>
+            <a:ext uri="{909E8E84-426E-40DD-AFC4-6F175D3DCCD1}">
+              <a14:hiddenFill xmlns:a14="http://schemas.microsoft.com/office/drawing/2010/main">
+                <a:solidFill>
+                  <a:srgbClr val="FFFFFF"/>
+                </a:solidFill>
+              </a14:hiddenFill>
+            </a:ext>
+          </a:extLst>
+        </p:spPr>
+      </p:pic>
+    </p:spTree>
+    <p:extLst>
+      <p:ext uri="{BB962C8B-B14F-4D97-AF65-F5344CB8AC3E}">
+        <p14:creationId xmlns:p14="http://schemas.microsoft.com/office/powerpoint/2010/main" val="1887033441"/>
+      </p:ext>
+    </p:extLst>
+  </p:cSld>
+  <p:clrMapOvr>
+    <a:masterClrMapping/>
+  </p:clrMapOvr>
+  <p:timing>
+    <p:tnLst>
+      <p:par>
+        <p:cTn id="1" dur="indefinite" restart="never" nodeType="tmRoot"/>
+      </p:par>
+    </p:tnLst>
+  </p:timing>
+</p:sld>
+</file>
+
+<file path=ppt/slides/slide12.xml><?xml version="1.0" encoding="utf-8"?>
+<p:sld xmlns:a="http://schemas.openxmlformats.org/drawingml/2006/main" xmlns:r="http://schemas.openxmlformats.org/officeDocument/2006/relationships" xmlns:p="http://schemas.openxmlformats.org/presentationml/2006/main">
+  <p:cSld>
+    <p:spTree>
+      <p:nvGrpSpPr>
+        <p:cNvPr id="1" name=""/>
+        <p:cNvGrpSpPr/>
+        <p:nvPr/>
+      </p:nvGrpSpPr>
+      <p:grpSpPr>
+        <a:xfrm>
+          <a:off x="0" y="0"/>
+          <a:ext cx="0" cy="0"/>
+          <a:chOff x="0" y="0"/>
+          <a:chExt cx="0" cy="0"/>
+        </a:xfrm>
+      </p:grpSpPr>
+      <p:sp>
+        <p:nvSpPr>
+          <p:cNvPr id="123" name="Заголовок 1"/>
+          <p:cNvSpPr txBox="1">
+            <a:spLocks/>
+          </p:cNvSpPr>
+          <p:nvPr/>
+        </p:nvSpPr>
+        <p:spPr>
+          <a:xfrm>
+            <a:off x="0" y="260648"/>
+            <a:ext cx="9144000" cy="1008112"/>
+          </a:xfrm>
+          <a:prstGeom prst="rect">
+            <a:avLst/>
+          </a:prstGeom>
+        </p:spPr>
+        <p:txBody>
+          <a:bodyPr/>
+          <a:lstStyle>
+            <a:lvl1pPr algn="l" rtl="0" fontAlgn="base">
+              <a:spcBef>
+                <a:spcPct val="0"/>
+              </a:spcBef>
+              <a:spcAft>
+                <a:spcPct val="0"/>
+              </a:spcAft>
+              <a:defRPr sz="4400">
+                <a:solidFill>
+                  <a:schemeClr val="tx2"/>
+                </a:solidFill>
+                <a:latin typeface="+mj-lt"/>
+                <a:ea typeface="+mj-ea"/>
+                <a:cs typeface="+mj-cs"/>
+              </a:defRPr>
+            </a:lvl1pPr>
+            <a:lvl2pPr algn="l" rtl="0" fontAlgn="base">
+              <a:spcBef>
+                <a:spcPct val="0"/>
+              </a:spcBef>
+              <a:spcAft>
+                <a:spcPct val="0"/>
+              </a:spcAft>
+              <a:defRPr sz="4400">
+                <a:solidFill>
+                  <a:schemeClr val="tx2"/>
+                </a:solidFill>
+                <a:latin typeface="Times New Roman" pitchFamily="18" charset="0"/>
+              </a:defRPr>
+            </a:lvl2pPr>
+            <a:lvl3pPr algn="l" rtl="0" fontAlgn="base">
+              <a:spcBef>
+                <a:spcPct val="0"/>
+              </a:spcBef>
+              <a:spcAft>
+                <a:spcPct val="0"/>
+              </a:spcAft>
+              <a:defRPr sz="4400">
+                <a:solidFill>
+                  <a:schemeClr val="tx2"/>
+                </a:solidFill>
+                <a:latin typeface="Times New Roman" pitchFamily="18" charset="0"/>
+              </a:defRPr>
+            </a:lvl3pPr>
+            <a:lvl4pPr algn="l" rtl="0" fontAlgn="base">
+              <a:spcBef>
+                <a:spcPct val="0"/>
+              </a:spcBef>
+              <a:spcAft>
+                <a:spcPct val="0"/>
+              </a:spcAft>
+              <a:defRPr sz="4400">
+                <a:solidFill>
+                  <a:schemeClr val="tx2"/>
+                </a:solidFill>
+                <a:latin typeface="Times New Roman" pitchFamily="18" charset="0"/>
+              </a:defRPr>
+            </a:lvl4pPr>
+            <a:lvl5pPr algn="l" rtl="0" fontAlgn="base">
+              <a:spcBef>
+                <a:spcPct val="0"/>
+              </a:spcBef>
+              <a:spcAft>
+                <a:spcPct val="0"/>
+              </a:spcAft>
+              <a:defRPr sz="4400">
+                <a:solidFill>
+                  <a:schemeClr val="tx2"/>
+                </a:solidFill>
+                <a:latin typeface="Times New Roman" pitchFamily="18" charset="0"/>
+              </a:defRPr>
+            </a:lvl5pPr>
+            <a:lvl6pPr marL="457200" algn="l" rtl="0" fontAlgn="base">
+              <a:spcBef>
+                <a:spcPct val="0"/>
+              </a:spcBef>
+              <a:spcAft>
+                <a:spcPct val="0"/>
+              </a:spcAft>
+              <a:defRPr sz="4400">
+                <a:solidFill>
+                  <a:schemeClr val="tx2"/>
+                </a:solidFill>
+                <a:latin typeface="Times New Roman" pitchFamily="18" charset="0"/>
+              </a:defRPr>
+            </a:lvl6pPr>
+            <a:lvl7pPr marL="914400" algn="l" rtl="0" fontAlgn="base">
+              <a:spcBef>
+                <a:spcPct val="0"/>
+              </a:spcBef>
+              <a:spcAft>
+                <a:spcPct val="0"/>
+              </a:spcAft>
+              <a:defRPr sz="4400">
+                <a:solidFill>
+                  <a:schemeClr val="tx2"/>
+                </a:solidFill>
+                <a:latin typeface="Times New Roman" pitchFamily="18" charset="0"/>
+              </a:defRPr>
+            </a:lvl7pPr>
+            <a:lvl8pPr marL="1371600" algn="l" rtl="0" fontAlgn="base">
+              <a:spcBef>
+                <a:spcPct val="0"/>
+              </a:spcBef>
+              <a:spcAft>
+                <a:spcPct val="0"/>
+              </a:spcAft>
+              <a:defRPr sz="4400">
+                <a:solidFill>
+                  <a:schemeClr val="tx2"/>
+                </a:solidFill>
+                <a:latin typeface="Times New Roman" pitchFamily="18" charset="0"/>
+              </a:defRPr>
+            </a:lvl8pPr>
+            <a:lvl9pPr marL="1828800" algn="l" rtl="0" fontAlgn="base">
+              <a:spcBef>
+                <a:spcPct val="0"/>
+              </a:spcBef>
+              <a:spcAft>
+                <a:spcPct val="0"/>
+              </a:spcAft>
+              <a:defRPr sz="4400">
+                <a:solidFill>
+                  <a:schemeClr val="tx2"/>
+                </a:solidFill>
+                <a:latin typeface="Times New Roman" pitchFamily="18" charset="0"/>
+              </a:defRPr>
+            </a:lvl9pPr>
+          </a:lstStyle>
+          <a:p>
+            <a:pPr algn="ctr">
+              <a:buClrTx/>
+              <a:buSzTx/>
+              <a:buNone/>
+            </a:pPr>
+            <a:r>
+              <a:rPr kumimoji="0" lang="ru-RU" altLang="ru-RU" b="1" kern="0" dirty="0" smtClean="0"/>
+              <a:t>Основные задачи протокола </a:t>
+            </a:r>
+            <a:r>
+              <a:rPr kumimoji="0" lang="en-US" altLang="ru-RU" b="1" kern="0" dirty="0" smtClean="0"/>
+              <a:t>TCP</a:t>
+            </a:r>
+            <a:endParaRPr kumimoji="0" lang="ru-RU" altLang="ru-RU" b="1" kern="0" dirty="0" smtClean="0"/>
+          </a:p>
+        </p:txBody>
+      </p:sp>
+      <p:sp>
+        <p:nvSpPr>
+          <p:cNvPr id="2" name="Прямоугольник 1"/>
+          <p:cNvSpPr/>
+          <p:nvPr/>
+        </p:nvSpPr>
+        <p:spPr>
+          <a:xfrm>
+            <a:off x="755576" y="1173163"/>
+            <a:ext cx="7920880" cy="4585871"/>
+          </a:xfrm>
+          <a:prstGeom prst="rect">
+            <a:avLst/>
+          </a:prstGeom>
+        </p:spPr>
+        <p:txBody>
+          <a:bodyPr wrap="square">
+            <a:spAutoFit/>
+          </a:bodyPr>
+          <a:lstStyle/>
+          <a:p>
+            <a:pPr lvl="0"/>
+            <a:r>
+              <a:rPr lang="ru-RU" dirty="0" smtClean="0"/>
+              <a:t>Передавать </a:t>
+            </a:r>
+            <a:r>
+              <a:rPr lang="ru-RU" dirty="0"/>
+              <a:t>непрерывные потоки данных между клиентами в обоих </a:t>
+            </a:r>
+            <a:r>
+              <a:rPr lang="ru-RU" dirty="0" smtClean="0"/>
+              <a:t>направлениях</a:t>
+            </a:r>
+          </a:p>
+          <a:p>
+            <a:pPr lvl="1"/>
+            <a:r>
+              <a:rPr lang="ru-RU" dirty="0" smtClean="0"/>
+              <a:t>Полный дуплекс</a:t>
+            </a:r>
+            <a:endParaRPr lang="ru-RU" dirty="0"/>
+          </a:p>
+          <a:p>
+            <a:pPr lvl="0"/>
+            <a:r>
+              <a:rPr lang="ru-RU" dirty="0"/>
+              <a:t>О</a:t>
+            </a:r>
+            <a:r>
+              <a:rPr lang="ru-RU" dirty="0" smtClean="0"/>
+              <a:t>беспечивать </a:t>
+            </a:r>
+            <a:r>
+              <a:rPr lang="ru-RU" dirty="0"/>
+              <a:t>защиту от разрушения данных, потери, дублирования и нарушения очередности получения - </a:t>
+            </a:r>
+            <a:r>
+              <a:rPr lang="ru-RU" b="1" dirty="0"/>
+              <a:t>нумерация, квитанции</a:t>
+            </a:r>
+            <a:endParaRPr lang="ru-RU" dirty="0"/>
+          </a:p>
+          <a:p>
+            <a:pPr lvl="0"/>
+            <a:r>
+              <a:rPr lang="ru-RU" dirty="0"/>
+              <a:t>У</a:t>
+            </a:r>
+            <a:r>
+              <a:rPr lang="ru-RU" dirty="0" smtClean="0"/>
+              <a:t>правлять </a:t>
+            </a:r>
+            <a:r>
+              <a:rPr lang="ru-RU" dirty="0"/>
+              <a:t>количеством данных, посылаемых ему отправителем - </a:t>
+            </a:r>
+            <a:r>
+              <a:rPr lang="ru-RU" b="1" dirty="0"/>
+              <a:t>окном</a:t>
+            </a:r>
+            <a:r>
+              <a:rPr lang="ru-RU" dirty="0"/>
+              <a:t> </a:t>
+            </a:r>
+          </a:p>
+          <a:p>
+            <a:pPr lvl="0"/>
+            <a:r>
+              <a:rPr lang="ru-RU" dirty="0"/>
+              <a:t>А</a:t>
+            </a:r>
+            <a:r>
+              <a:rPr lang="ru-RU" dirty="0" smtClean="0"/>
+              <a:t>дресовать </a:t>
+            </a:r>
+            <a:r>
+              <a:rPr lang="ru-RU" dirty="0"/>
+              <a:t>приложения -</a:t>
+            </a:r>
+            <a:r>
+              <a:rPr lang="ru-RU" b="1" dirty="0"/>
+              <a:t> номера портов</a:t>
+            </a:r>
+            <a:r>
+              <a:rPr lang="ru-RU" dirty="0"/>
+              <a:t> </a:t>
+            </a:r>
+            <a:endParaRPr lang="ru-RU" dirty="0" smtClean="0"/>
+          </a:p>
+          <a:p>
+            <a:pPr lvl="1"/>
+            <a:r>
+              <a:rPr lang="ru-RU" dirty="0" smtClean="0"/>
+              <a:t>Сокет = </a:t>
+            </a:r>
+            <a:r>
+              <a:rPr lang="en-US" dirty="0" smtClean="0"/>
+              <a:t>IP</a:t>
+            </a:r>
+            <a:r>
+              <a:rPr lang="ru-RU" dirty="0" smtClean="0"/>
+              <a:t> + Порт</a:t>
+            </a:r>
+          </a:p>
+          <a:p>
+            <a:pPr lvl="0"/>
+            <a:r>
+              <a:rPr lang="ru-RU" dirty="0" smtClean="0"/>
+              <a:t>Инициализировать </a:t>
+            </a:r>
+            <a:r>
+              <a:rPr lang="ru-RU" dirty="0"/>
+              <a:t>и поддерживать определенную информацию о состоянии каждого потока данных - </a:t>
+            </a:r>
+            <a:r>
+              <a:rPr lang="ru-RU" b="1" dirty="0"/>
+              <a:t>соединениях </a:t>
+            </a:r>
+            <a:endParaRPr lang="ru-RU" b="1" dirty="0" smtClean="0"/>
+          </a:p>
+          <a:p>
+            <a:pPr lvl="1"/>
+            <a:r>
+              <a:rPr lang="ru-RU" dirty="0"/>
+              <a:t>Соединение = Сокет + Сокет</a:t>
+            </a:r>
+          </a:p>
+          <a:p>
+            <a:pPr lvl="0"/>
+            <a:endParaRPr lang="ru-RU" dirty="0"/>
+          </a:p>
+        </p:txBody>
+      </p:sp>
+    </p:spTree>
+    <p:extLst>
+      <p:ext uri="{BB962C8B-B14F-4D97-AF65-F5344CB8AC3E}">
+        <p14:creationId xmlns:p14="http://schemas.microsoft.com/office/powerpoint/2010/main" val="2260338619"/>
+      </p:ext>
+    </p:extLst>
+  </p:cSld>
+  <p:clrMapOvr>
+    <a:masterClrMapping/>
+  </p:clrMapOvr>
+  <p:timing>
+    <p:tnLst>
+      <p:par>
+        <p:cTn id="1" dur="indefinite" restart="never" nodeType="tmRoot"/>
+      </p:par>
+    </p:tnLst>
+  </p:timing>
+</p:sld>
+</file>
+
+<file path=ppt/slides/slide13.xml><?xml version="1.0" encoding="utf-8"?>
+<p:sld xmlns:a="http://schemas.openxmlformats.org/drawingml/2006/main" xmlns:r="http://schemas.openxmlformats.org/officeDocument/2006/relationships" xmlns:p="http://schemas.openxmlformats.org/presentationml/2006/main">
+  <p:cSld>
+    <p:spTree>
+      <p:nvGrpSpPr>
+        <p:cNvPr id="1" name=""/>
+        <p:cNvGrpSpPr/>
+        <p:nvPr/>
+      </p:nvGrpSpPr>
+      <p:grpSpPr>
+        <a:xfrm>
+          <a:off x="0" y="0"/>
+          <a:ext cx="0" cy="0"/>
+          <a:chOff x="0" y="0"/>
+          <a:chExt cx="0" cy="0"/>
+        </a:xfrm>
+      </p:grpSpPr>
+      <p:sp>
+        <p:nvSpPr>
+          <p:cNvPr id="123" name="Заголовок 1"/>
+          <p:cNvSpPr txBox="1">
+            <a:spLocks/>
+          </p:cNvSpPr>
+          <p:nvPr/>
+        </p:nvSpPr>
+        <p:spPr>
+          <a:xfrm>
+            <a:off x="0" y="620688"/>
+            <a:ext cx="9144000" cy="1008112"/>
+          </a:xfrm>
+          <a:prstGeom prst="rect">
+            <a:avLst/>
+          </a:prstGeom>
+        </p:spPr>
+        <p:txBody>
+          <a:bodyPr/>
+          <a:lstStyle>
+            <a:lvl1pPr algn="l" rtl="0" fontAlgn="base">
+              <a:spcBef>
+                <a:spcPct val="0"/>
+              </a:spcBef>
+              <a:spcAft>
+                <a:spcPct val="0"/>
+              </a:spcAft>
+              <a:defRPr sz="4400">
+                <a:solidFill>
+                  <a:schemeClr val="tx2"/>
+                </a:solidFill>
+                <a:latin typeface="+mj-lt"/>
+                <a:ea typeface="+mj-ea"/>
+                <a:cs typeface="+mj-cs"/>
+              </a:defRPr>
+            </a:lvl1pPr>
+            <a:lvl2pPr algn="l" rtl="0" fontAlgn="base">
+              <a:spcBef>
+                <a:spcPct val="0"/>
+              </a:spcBef>
+              <a:spcAft>
+                <a:spcPct val="0"/>
+              </a:spcAft>
+              <a:defRPr sz="4400">
+                <a:solidFill>
+                  <a:schemeClr val="tx2"/>
+                </a:solidFill>
+                <a:latin typeface="Times New Roman" pitchFamily="18" charset="0"/>
+              </a:defRPr>
+            </a:lvl2pPr>
+            <a:lvl3pPr algn="l" rtl="0" fontAlgn="base">
+              <a:spcBef>
+                <a:spcPct val="0"/>
+              </a:spcBef>
+              <a:spcAft>
+                <a:spcPct val="0"/>
+              </a:spcAft>
+              <a:defRPr sz="4400">
+                <a:solidFill>
+                  <a:schemeClr val="tx2"/>
+                </a:solidFill>
+                <a:latin typeface="Times New Roman" pitchFamily="18" charset="0"/>
+              </a:defRPr>
+            </a:lvl3pPr>
+            <a:lvl4pPr algn="l" rtl="0" fontAlgn="base">
+              <a:spcBef>
+                <a:spcPct val="0"/>
+              </a:spcBef>
+              <a:spcAft>
+                <a:spcPct val="0"/>
+              </a:spcAft>
+              <a:defRPr sz="4400">
+                <a:solidFill>
+                  <a:schemeClr val="tx2"/>
+                </a:solidFill>
+                <a:latin typeface="Times New Roman" pitchFamily="18" charset="0"/>
+              </a:defRPr>
+            </a:lvl4pPr>
+            <a:lvl5pPr algn="l" rtl="0" fontAlgn="base">
+              <a:spcBef>
+                <a:spcPct val="0"/>
+              </a:spcBef>
+              <a:spcAft>
+                <a:spcPct val="0"/>
+              </a:spcAft>
+              <a:defRPr sz="4400">
+                <a:solidFill>
+                  <a:schemeClr val="tx2"/>
+                </a:solidFill>
+                <a:latin typeface="Times New Roman" pitchFamily="18" charset="0"/>
+              </a:defRPr>
+            </a:lvl5pPr>
+            <a:lvl6pPr marL="457200" algn="l" rtl="0" fontAlgn="base">
+              <a:spcBef>
+                <a:spcPct val="0"/>
+              </a:spcBef>
+              <a:spcAft>
+                <a:spcPct val="0"/>
+              </a:spcAft>
+              <a:defRPr sz="4400">
+                <a:solidFill>
+                  <a:schemeClr val="tx2"/>
+                </a:solidFill>
+                <a:latin typeface="Times New Roman" pitchFamily="18" charset="0"/>
+              </a:defRPr>
+            </a:lvl6pPr>
+            <a:lvl7pPr marL="914400" algn="l" rtl="0" fontAlgn="base">
+              <a:spcBef>
+                <a:spcPct val="0"/>
+              </a:spcBef>
+              <a:spcAft>
+                <a:spcPct val="0"/>
+              </a:spcAft>
+              <a:defRPr sz="4400">
+                <a:solidFill>
+                  <a:schemeClr val="tx2"/>
+                </a:solidFill>
+                <a:latin typeface="Times New Roman" pitchFamily="18" charset="0"/>
+              </a:defRPr>
+            </a:lvl7pPr>
+            <a:lvl8pPr marL="1371600" algn="l" rtl="0" fontAlgn="base">
+              <a:spcBef>
+                <a:spcPct val="0"/>
+              </a:spcBef>
+              <a:spcAft>
+                <a:spcPct val="0"/>
+              </a:spcAft>
+              <a:defRPr sz="4400">
+                <a:solidFill>
+                  <a:schemeClr val="tx2"/>
+                </a:solidFill>
+                <a:latin typeface="Times New Roman" pitchFamily="18" charset="0"/>
+              </a:defRPr>
+            </a:lvl8pPr>
+            <a:lvl9pPr marL="1828800" algn="l" rtl="0" fontAlgn="base">
+              <a:spcBef>
+                <a:spcPct val="0"/>
+              </a:spcBef>
+              <a:spcAft>
+                <a:spcPct val="0"/>
+              </a:spcAft>
+              <a:defRPr sz="4400">
+                <a:solidFill>
+                  <a:schemeClr val="tx2"/>
+                </a:solidFill>
+                <a:latin typeface="Times New Roman" pitchFamily="18" charset="0"/>
+              </a:defRPr>
+            </a:lvl9pPr>
+          </a:lstStyle>
+          <a:p>
+            <a:pPr algn="ctr">
+              <a:buClrTx/>
+              <a:buSzTx/>
+              <a:buNone/>
+            </a:pPr>
+            <a:r>
+              <a:rPr kumimoji="0" lang="ru-RU" altLang="ru-RU" b="1" kern="0" dirty="0" smtClean="0"/>
+              <a:t>Логические соединения </a:t>
+            </a:r>
+            <a:r>
+              <a:rPr kumimoji="0" lang="en-US" altLang="ru-RU" b="1" kern="0" dirty="0" smtClean="0"/>
+              <a:t>TCP</a:t>
+            </a:r>
+            <a:endParaRPr kumimoji="0" lang="ru-RU" altLang="ru-RU" b="1" kern="0" dirty="0" smtClean="0"/>
+          </a:p>
+        </p:txBody>
+      </p:sp>
+      <p:graphicFrame>
+        <p:nvGraphicFramePr>
+          <p:cNvPr id="3" name="Объект 2"/>
+          <p:cNvGraphicFramePr>
+            <a:graphicFrameLocks noChangeAspect="1"/>
+          </p:cNvGraphicFramePr>
+          <p:nvPr>
+            <p:extLst>
+              <p:ext uri="{D42A27DB-BD31-4B8C-83A1-F6EECF244321}">
+                <p14:modId xmlns:p14="http://schemas.microsoft.com/office/powerpoint/2010/main" val="1818185313"/>
+              </p:ext>
+            </p:extLst>
+          </p:nvPr>
+        </p:nvGraphicFramePr>
+        <p:xfrm>
+          <a:off x="1187624" y="1628800"/>
+          <a:ext cx="7315200" cy="4768850"/>
+        </p:xfrm>
+        <a:graphic>
+          <a:graphicData uri="http://schemas.openxmlformats.org/presentationml/2006/ole">
+            <mc:AlternateContent xmlns:mc="http://schemas.openxmlformats.org/markup-compatibility/2006">
+              <mc:Choice xmlns:v="urn:schemas-microsoft-com:vml" Requires="v">
+                <p:oleObj spid="_x0000_s218119" name="Picture" r:id="rId3" imgW="4390644" imgH="2862072" progId="Word.Picture.8">
+                  <p:embed/>
+                </p:oleObj>
+              </mc:Choice>
+              <mc:Fallback>
+                <p:oleObj name="Picture" r:id="rId3" imgW="4390644" imgH="2862072" progId="Word.Picture.8">
+                  <p:embed/>
+                  <p:pic>
+                    <p:nvPicPr>
+                      <p:cNvPr id="0" name="Object 3"/>
+                      <p:cNvPicPr>
+                        <a:picLocks noChangeAspect="1" noChangeArrowheads="1"/>
+                      </p:cNvPicPr>
+                      <p:nvPr/>
+                    </p:nvPicPr>
+                    <p:blipFill>
+                      <a:blip r:embed="rId4">
+                        <a:extLst>
+                          <a:ext uri="{28A0092B-C50C-407E-A947-70E740481C1C}">
+                            <a14:useLocalDpi xmlns:a14="http://schemas.microsoft.com/office/drawing/2010/main" val="0"/>
+                          </a:ext>
+                        </a:extLst>
+                      </a:blip>
+                      <a:srcRect/>
+                      <a:stretch>
+                        <a:fillRect/>
+                      </a:stretch>
+                    </p:blipFill>
+                    <p:spPr bwMode="auto">
+                      <a:xfrm>
+                        <a:off x="1187624" y="1628800"/>
+                        <a:ext cx="7315200" cy="4768850"/>
+                      </a:xfrm>
+                      <a:prstGeom prst="rect">
+                        <a:avLst/>
+                      </a:prstGeom>
+                      <a:noFill/>
+                      <a:ln>
+                        <a:noFill/>
+                      </a:ln>
+                      <a:effectLst/>
+                      <a:extLst>
+                        <a:ext uri="{909E8E84-426E-40DD-AFC4-6F175D3DCCD1}">
+                          <a14:hiddenFill xmlns:a14="http://schemas.microsoft.com/office/drawing/2010/main">
+                            <a:solidFill>
+                              <a:schemeClr val="accent1"/>
+                            </a:solidFill>
+                          </a14:hiddenFill>
+                        </a:ext>
+                        <a:ext uri="{91240B29-F687-4F45-9708-019B960494DF}">
+                          <a14:hiddenLine xmlns:a14="http://schemas.microsoft.com/office/drawing/2010/main" w="9525">
+                            <a:solidFill>
+                              <a:schemeClr val="tx1"/>
+                            </a:solidFill>
+                            <a:miter lim="800000"/>
+                            <a:headEnd/>
+                            <a:tailEnd/>
+                          </a14:hiddenLine>
+                        </a:ext>
+                        <a:ext uri="{AF507438-7753-43E0-B8FC-AC1667EBCBE1}">
+                          <a14:hiddenEffects xmlns:a14="http://schemas.microsoft.com/office/drawing/2010/main">
+                            <a:effectLst>
+                              <a:outerShdw dist="35921" dir="2700000" algn="ctr" rotWithShape="0">
+                                <a:schemeClr val="bg2"/>
+                              </a:outerShdw>
+                            </a:effectLst>
+                          </a14:hiddenEffects>
+                        </a:ext>
+                      </a:extLst>
+                    </p:spPr>
+                  </p:pic>
+                </p:oleObj>
+              </mc:Fallback>
+            </mc:AlternateContent>
+          </a:graphicData>
+        </a:graphic>
+      </p:graphicFrame>
+    </p:spTree>
+    <p:extLst>
+      <p:ext uri="{BB962C8B-B14F-4D97-AF65-F5344CB8AC3E}">
+        <p14:creationId xmlns:p14="http://schemas.microsoft.com/office/powerpoint/2010/main" val="1517791616"/>
+      </p:ext>
+    </p:extLst>
+  </p:cSld>
+  <p:clrMapOvr>
+    <a:masterClrMapping/>
+  </p:clrMapOvr>
+  <p:timing>
+    <p:tnLst>
+      <p:par>
+        <p:cTn id="1" dur="indefinite" restart="never" nodeType="tmRoot"/>
+      </p:par>
+    </p:tnLst>
+  </p:timing>
+</p:sld>
+</file>
+
+<file path=ppt/slides/slide14.xml><?xml version="1.0" encoding="utf-8"?>
+<p:sld xmlns:a="http://schemas.openxmlformats.org/drawingml/2006/main" xmlns:r="http://schemas.openxmlformats.org/officeDocument/2006/relationships" xmlns:p="http://schemas.openxmlformats.org/presentationml/2006/main">
+  <p:cSld>
+    <p:spTree>
+      <p:nvGrpSpPr>
+        <p:cNvPr id="1" name=""/>
+        <p:cNvGrpSpPr/>
+        <p:nvPr/>
+      </p:nvGrpSpPr>
+      <p:grpSpPr>
+        <a:xfrm>
+          <a:off x="0" y="0"/>
+          <a:ext cx="0" cy="0"/>
+          <a:chOff x="0" y="0"/>
+          <a:chExt cx="0" cy="0"/>
+        </a:xfrm>
+      </p:grpSpPr>
+      <p:sp>
+        <p:nvSpPr>
+          <p:cNvPr id="123" name="Заголовок 1"/>
+          <p:cNvSpPr txBox="1">
+            <a:spLocks/>
+          </p:cNvSpPr>
+          <p:nvPr/>
+        </p:nvSpPr>
+        <p:spPr>
+          <a:xfrm>
+            <a:off x="0" y="241201"/>
+            <a:ext cx="9144000" cy="1008112"/>
+          </a:xfrm>
+          <a:prstGeom prst="rect">
+            <a:avLst/>
+          </a:prstGeom>
+        </p:spPr>
+        <p:txBody>
+          <a:bodyPr/>
+          <a:lstStyle>
+            <a:lvl1pPr algn="l" rtl="0" fontAlgn="base">
+              <a:spcBef>
+                <a:spcPct val="0"/>
+              </a:spcBef>
+              <a:spcAft>
+                <a:spcPct val="0"/>
+              </a:spcAft>
+              <a:defRPr sz="4400">
+                <a:solidFill>
+                  <a:schemeClr val="tx2"/>
+                </a:solidFill>
+                <a:latin typeface="+mj-lt"/>
+                <a:ea typeface="+mj-ea"/>
+                <a:cs typeface="+mj-cs"/>
+              </a:defRPr>
+            </a:lvl1pPr>
+            <a:lvl2pPr algn="l" rtl="0" fontAlgn="base">
+              <a:spcBef>
+                <a:spcPct val="0"/>
+              </a:spcBef>
+              <a:spcAft>
+                <a:spcPct val="0"/>
+              </a:spcAft>
+              <a:defRPr sz="4400">
+                <a:solidFill>
+                  <a:schemeClr val="tx2"/>
+                </a:solidFill>
+                <a:latin typeface="Times New Roman" pitchFamily="18" charset="0"/>
+              </a:defRPr>
+            </a:lvl2pPr>
+            <a:lvl3pPr algn="l" rtl="0" fontAlgn="base">
+              <a:spcBef>
+                <a:spcPct val="0"/>
+              </a:spcBef>
+              <a:spcAft>
+                <a:spcPct val="0"/>
+              </a:spcAft>
+              <a:defRPr sz="4400">
+                <a:solidFill>
+                  <a:schemeClr val="tx2"/>
+                </a:solidFill>
+                <a:latin typeface="Times New Roman" pitchFamily="18" charset="0"/>
+              </a:defRPr>
+            </a:lvl3pPr>
+            <a:lvl4pPr algn="l" rtl="0" fontAlgn="base">
+              <a:spcBef>
+                <a:spcPct val="0"/>
+              </a:spcBef>
+              <a:spcAft>
+                <a:spcPct val="0"/>
+              </a:spcAft>
+              <a:defRPr sz="4400">
+                <a:solidFill>
+                  <a:schemeClr val="tx2"/>
+                </a:solidFill>
+                <a:latin typeface="Times New Roman" pitchFamily="18" charset="0"/>
+              </a:defRPr>
+            </a:lvl4pPr>
+            <a:lvl5pPr algn="l" rtl="0" fontAlgn="base">
+              <a:spcBef>
+                <a:spcPct val="0"/>
+              </a:spcBef>
+              <a:spcAft>
+                <a:spcPct val="0"/>
+              </a:spcAft>
+              <a:defRPr sz="4400">
+                <a:solidFill>
+                  <a:schemeClr val="tx2"/>
+                </a:solidFill>
+                <a:latin typeface="Times New Roman" pitchFamily="18" charset="0"/>
+              </a:defRPr>
+            </a:lvl5pPr>
+            <a:lvl6pPr marL="457200" algn="l" rtl="0" fontAlgn="base">
+              <a:spcBef>
+                <a:spcPct val="0"/>
+              </a:spcBef>
+              <a:spcAft>
+                <a:spcPct val="0"/>
+              </a:spcAft>
+              <a:defRPr sz="4400">
+                <a:solidFill>
+                  <a:schemeClr val="tx2"/>
+                </a:solidFill>
+                <a:latin typeface="Times New Roman" pitchFamily="18" charset="0"/>
+              </a:defRPr>
+            </a:lvl6pPr>
+            <a:lvl7pPr marL="914400" algn="l" rtl="0" fontAlgn="base">
+              <a:spcBef>
+                <a:spcPct val="0"/>
+              </a:spcBef>
+              <a:spcAft>
+                <a:spcPct val="0"/>
+              </a:spcAft>
+              <a:defRPr sz="4400">
+                <a:solidFill>
+                  <a:schemeClr val="tx2"/>
+                </a:solidFill>
+                <a:latin typeface="Times New Roman" pitchFamily="18" charset="0"/>
+              </a:defRPr>
+            </a:lvl7pPr>
+            <a:lvl8pPr marL="1371600" algn="l" rtl="0" fontAlgn="base">
+              <a:spcBef>
+                <a:spcPct val="0"/>
+              </a:spcBef>
+              <a:spcAft>
+                <a:spcPct val="0"/>
+              </a:spcAft>
+              <a:defRPr sz="4400">
+                <a:solidFill>
+                  <a:schemeClr val="tx2"/>
+                </a:solidFill>
+                <a:latin typeface="Times New Roman" pitchFamily="18" charset="0"/>
+              </a:defRPr>
+            </a:lvl8pPr>
+            <a:lvl9pPr marL="1828800" algn="l" rtl="0" fontAlgn="base">
+              <a:spcBef>
+                <a:spcPct val="0"/>
+              </a:spcBef>
+              <a:spcAft>
+                <a:spcPct val="0"/>
+              </a:spcAft>
+              <a:defRPr sz="4400">
+                <a:solidFill>
+                  <a:schemeClr val="tx2"/>
+                </a:solidFill>
+                <a:latin typeface="Times New Roman" pitchFamily="18" charset="0"/>
+              </a:defRPr>
+            </a:lvl9pPr>
+          </a:lstStyle>
+          <a:p>
+            <a:pPr algn="ctr">
+              <a:buClrTx/>
+              <a:buSzTx/>
+              <a:buNone/>
+            </a:pPr>
+            <a:r>
+              <a:rPr kumimoji="0" lang="ru-RU" altLang="ru-RU" b="1" kern="0" dirty="0" smtClean="0"/>
+              <a:t>Логические соединения </a:t>
+            </a:r>
+            <a:r>
+              <a:rPr kumimoji="0" lang="en-US" altLang="ru-RU" b="1" kern="0" dirty="0" smtClean="0"/>
+              <a:t>TCP</a:t>
+            </a:r>
+            <a:endParaRPr kumimoji="0" lang="ru-RU" altLang="ru-RU" b="1" kern="0" dirty="0" smtClean="0"/>
+          </a:p>
+        </p:txBody>
+      </p:sp>
+      <p:sp>
+        <p:nvSpPr>
+          <p:cNvPr id="4" name="Freeform 2"/>
+          <p:cNvSpPr>
+            <a:spLocks/>
+          </p:cNvSpPr>
+          <p:nvPr/>
+        </p:nvSpPr>
+        <p:spPr bwMode="auto">
+          <a:xfrm rot="6766820">
+            <a:off x="1639992" y="398496"/>
+            <a:ext cx="5706778" cy="7214023"/>
+          </a:xfrm>
+          <a:custGeom>
+            <a:avLst/>
+            <a:gdLst>
+              <a:gd name="T0" fmla="*/ 135 w 139"/>
+              <a:gd name="T1" fmla="*/ 82 h 110"/>
+              <a:gd name="T2" fmla="*/ 116 w 139"/>
+              <a:gd name="T3" fmla="*/ 90 h 110"/>
+              <a:gd name="T4" fmla="*/ 115 w 139"/>
+              <a:gd name="T5" fmla="*/ 99 h 110"/>
+              <a:gd name="T6" fmla="*/ 82 w 139"/>
+              <a:gd name="T7" fmla="*/ 105 h 110"/>
+              <a:gd name="T8" fmla="*/ 81 w 139"/>
+              <a:gd name="T9" fmla="*/ 104 h 110"/>
+              <a:gd name="T10" fmla="*/ 51 w 139"/>
+              <a:gd name="T11" fmla="*/ 105 h 110"/>
+              <a:gd name="T12" fmla="*/ 35 w 139"/>
+              <a:gd name="T13" fmla="*/ 91 h 110"/>
+              <a:gd name="T14" fmla="*/ 29 w 139"/>
+              <a:gd name="T15" fmla="*/ 89 h 110"/>
+              <a:gd name="T16" fmla="*/ 12 w 139"/>
+              <a:gd name="T17" fmla="*/ 63 h 110"/>
+              <a:gd name="T18" fmla="*/ 13 w 139"/>
+              <a:gd name="T19" fmla="*/ 62 h 110"/>
+              <a:gd name="T20" fmla="*/ 4 w 139"/>
+              <a:gd name="T21" fmla="*/ 41 h 110"/>
+              <a:gd name="T22" fmla="*/ 16 w 139"/>
+              <a:gd name="T23" fmla="*/ 33 h 110"/>
+              <a:gd name="T24" fmla="*/ 15 w 139"/>
+              <a:gd name="T25" fmla="*/ 20 h 110"/>
+              <a:gd name="T26" fmla="*/ 40 w 139"/>
+              <a:gd name="T27" fmla="*/ 12 h 110"/>
+              <a:gd name="T28" fmla="*/ 40 w 139"/>
+              <a:gd name="T29" fmla="*/ 11 h 110"/>
+              <a:gd name="T30" fmla="*/ 74 w 139"/>
+              <a:gd name="T31" fmla="*/ 5 h 110"/>
+              <a:gd name="T32" fmla="*/ 88 w 139"/>
+              <a:gd name="T33" fmla="*/ 17 h 110"/>
+              <a:gd name="T34" fmla="*/ 107 w 139"/>
+              <a:gd name="T35" fmla="*/ 19 h 110"/>
+              <a:gd name="T36" fmla="*/ 124 w 139"/>
+              <a:gd name="T37" fmla="*/ 40 h 110"/>
+              <a:gd name="T38" fmla="*/ 135 w 139"/>
+              <a:gd name="T39" fmla="*/ 63 h 110"/>
+              <a:gd name="T40" fmla="*/ 132 w 139"/>
+              <a:gd name="T41" fmla="*/ 66 h 110"/>
+              <a:gd name="T42" fmla="*/ 135 w 139"/>
+              <a:gd name="T43" fmla="*/ 82 h 110"/>
+            </a:gdLst>
+            <a:ahLst/>
+            <a:cxnLst>
+              <a:cxn ang="0">
+                <a:pos x="T0" y="T1"/>
+              </a:cxn>
+              <a:cxn ang="0">
+                <a:pos x="T2" y="T3"/>
+              </a:cxn>
+              <a:cxn ang="0">
+                <a:pos x="T4" y="T5"/>
+              </a:cxn>
+              <a:cxn ang="0">
+                <a:pos x="T6" y="T7"/>
+              </a:cxn>
+              <a:cxn ang="0">
+                <a:pos x="T8" y="T9"/>
+              </a:cxn>
+              <a:cxn ang="0">
+                <a:pos x="T10" y="T11"/>
+              </a:cxn>
+              <a:cxn ang="0">
+                <a:pos x="T12" y="T13"/>
+              </a:cxn>
+              <a:cxn ang="0">
+                <a:pos x="T14" y="T15"/>
+              </a:cxn>
+              <a:cxn ang="0">
+                <a:pos x="T16" y="T17"/>
+              </a:cxn>
+              <a:cxn ang="0">
+                <a:pos x="T18" y="T19"/>
+              </a:cxn>
+              <a:cxn ang="0">
+                <a:pos x="T20" y="T21"/>
+              </a:cxn>
+              <a:cxn ang="0">
+                <a:pos x="T22" y="T23"/>
+              </a:cxn>
+              <a:cxn ang="0">
+                <a:pos x="T24" y="T25"/>
+              </a:cxn>
+              <a:cxn ang="0">
+                <a:pos x="T26" y="T27"/>
+              </a:cxn>
+              <a:cxn ang="0">
+                <a:pos x="T28" y="T29"/>
+              </a:cxn>
+              <a:cxn ang="0">
+                <a:pos x="T30" y="T31"/>
+              </a:cxn>
+              <a:cxn ang="0">
+                <a:pos x="T32" y="T33"/>
+              </a:cxn>
+              <a:cxn ang="0">
+                <a:pos x="T34" y="T35"/>
+              </a:cxn>
+              <a:cxn ang="0">
+                <a:pos x="T36" y="T37"/>
+              </a:cxn>
+              <a:cxn ang="0">
+                <a:pos x="T38" y="T39"/>
+              </a:cxn>
+              <a:cxn ang="0">
+                <a:pos x="T40" y="T41"/>
+              </a:cxn>
+              <a:cxn ang="0">
+                <a:pos x="T42" y="T43"/>
+              </a:cxn>
+            </a:cxnLst>
+            <a:rect l="0" t="0" r="r" b="b"/>
+            <a:pathLst>
+              <a:path w="139" h="110">
+                <a:moveTo>
+                  <a:pt x="135" y="82"/>
+                </a:moveTo>
+                <a:cubicBezTo>
+                  <a:pt x="132" y="87"/>
+                  <a:pt x="125" y="90"/>
+                  <a:pt x="116" y="90"/>
+                </a:cubicBezTo>
+                <a:cubicBezTo>
+                  <a:pt x="117" y="94"/>
+                  <a:pt x="117" y="97"/>
+                  <a:pt x="115" y="99"/>
+                </a:cubicBezTo>
+                <a:cubicBezTo>
+                  <a:pt x="111" y="108"/>
+                  <a:pt x="96" y="110"/>
+                  <a:pt x="82" y="105"/>
+                </a:cubicBezTo>
+                <a:cubicBezTo>
+                  <a:pt x="81" y="105"/>
+                  <a:pt x="81" y="104"/>
+                  <a:pt x="81" y="104"/>
+                </a:cubicBezTo>
+                <a:cubicBezTo>
+                  <a:pt x="74" y="109"/>
+                  <a:pt x="62" y="110"/>
+                  <a:pt x="51" y="105"/>
+                </a:cubicBezTo>
+                <a:cubicBezTo>
+                  <a:pt x="43" y="102"/>
+                  <a:pt x="38" y="97"/>
+                  <a:pt x="35" y="91"/>
+                </a:cubicBezTo>
+                <a:cubicBezTo>
+                  <a:pt x="33" y="91"/>
+                  <a:pt x="31" y="90"/>
+                  <a:pt x="29" y="89"/>
+                </a:cubicBezTo>
+                <a:cubicBezTo>
+                  <a:pt x="15" y="84"/>
+                  <a:pt x="8" y="72"/>
+                  <a:pt x="12" y="63"/>
+                </a:cubicBezTo>
+                <a:cubicBezTo>
+                  <a:pt x="12" y="63"/>
+                  <a:pt x="13" y="63"/>
+                  <a:pt x="13" y="62"/>
+                </a:cubicBezTo>
+                <a:cubicBezTo>
+                  <a:pt x="4" y="56"/>
+                  <a:pt x="0" y="47"/>
+                  <a:pt x="4" y="41"/>
+                </a:cubicBezTo>
+                <a:cubicBezTo>
+                  <a:pt x="6" y="37"/>
+                  <a:pt x="10" y="34"/>
+                  <a:pt x="16" y="33"/>
+                </a:cubicBezTo>
+                <a:cubicBezTo>
+                  <a:pt x="13" y="28"/>
+                  <a:pt x="13" y="24"/>
+                  <a:pt x="15" y="20"/>
+                </a:cubicBezTo>
+                <a:cubicBezTo>
+                  <a:pt x="19" y="13"/>
+                  <a:pt x="29" y="10"/>
+                  <a:pt x="40" y="12"/>
+                </a:cubicBezTo>
+                <a:cubicBezTo>
+                  <a:pt x="40" y="11"/>
+                  <a:pt x="40" y="11"/>
+                  <a:pt x="40" y="11"/>
+                </a:cubicBezTo>
+                <a:cubicBezTo>
+                  <a:pt x="45" y="2"/>
+                  <a:pt x="60" y="0"/>
+                  <a:pt x="74" y="5"/>
+                </a:cubicBezTo>
+                <a:cubicBezTo>
+                  <a:pt x="80" y="8"/>
+                  <a:pt x="85" y="12"/>
+                  <a:pt x="88" y="17"/>
+                </a:cubicBezTo>
+                <a:cubicBezTo>
+                  <a:pt x="94" y="16"/>
+                  <a:pt x="101" y="17"/>
+                  <a:pt x="107" y="19"/>
+                </a:cubicBezTo>
+                <a:cubicBezTo>
+                  <a:pt x="117" y="23"/>
+                  <a:pt x="123" y="31"/>
+                  <a:pt x="124" y="40"/>
+                </a:cubicBezTo>
+                <a:cubicBezTo>
+                  <a:pt x="134" y="46"/>
+                  <a:pt x="139" y="55"/>
+                  <a:pt x="135" y="63"/>
+                </a:cubicBezTo>
+                <a:cubicBezTo>
+                  <a:pt x="134" y="64"/>
+                  <a:pt x="133" y="65"/>
+                  <a:pt x="132" y="66"/>
+                </a:cubicBezTo>
+                <a:cubicBezTo>
+                  <a:pt x="136" y="71"/>
+                  <a:pt x="137" y="77"/>
+                  <a:pt x="135" y="82"/>
+                </a:cubicBezTo>
+                <a:close/>
+              </a:path>
+            </a:pathLst>
+          </a:custGeom>
+          <a:noFill/>
+          <a:ln w="0">
+            <a:solidFill>
+              <a:srgbClr val="24211D"/>
+            </a:solidFill>
+            <a:prstDash val="solid"/>
+            <a:round/>
+            <a:headEnd/>
+            <a:tailEnd/>
+          </a:ln>
+          <a:extLst>
+            <a:ext uri="{909E8E84-426E-40DD-AFC4-6F175D3DCCD1}">
+              <a14:hiddenFill xmlns:a14="http://schemas.microsoft.com/office/drawing/2010/main">
+                <a:solidFill>
+                  <a:srgbClr val="EAEAEA"/>
+                </a:solidFill>
+              </a14:hiddenFill>
+            </a:ext>
+          </a:extLst>
+        </p:spPr>
+        <p:txBody>
+          <a:bodyPr/>
+          <a:lstStyle/>
+          <a:p>
+            <a:pPr>
+              <a:buNone/>
+            </a:pPr>
+            <a:endParaRPr lang="ru-RU"/>
+          </a:p>
+        </p:txBody>
+      </p:sp>
+      <p:sp>
+        <p:nvSpPr>
+          <p:cNvPr id="5" name="Text Box 3"/>
+          <p:cNvSpPr txBox="1">
+            <a:spLocks noChangeArrowheads="1"/>
+          </p:cNvSpPr>
+          <p:nvPr/>
+        </p:nvSpPr>
+        <p:spPr bwMode="auto">
+          <a:xfrm>
+            <a:off x="221489" y="4456042"/>
+            <a:ext cx="1135895" cy="499684"/>
+          </a:xfrm>
+          <a:prstGeom prst="rect">
+            <a:avLst/>
+          </a:prstGeom>
+          <a:noFill/>
+          <a:ln>
+            <a:noFill/>
+          </a:ln>
+          <a:effectLst/>
+          <a:extLst>
+            <a:ext uri="{909E8E84-426E-40DD-AFC4-6F175D3DCCD1}">
+              <a14:hiddenFill xmlns:a14="http://schemas.microsoft.com/office/drawing/2010/main">
+                <a:solidFill>
+                  <a:schemeClr val="accent1"/>
+                </a:solidFill>
+              </a14:hiddenFill>
+            </a:ext>
+            <a:ext uri="{91240B29-F687-4F45-9708-019B960494DF}">
+              <a14:hiddenLine xmlns:a14="http://schemas.microsoft.com/office/drawing/2010/main" w="9525">
+                <a:solidFill>
+                  <a:schemeClr val="tx1"/>
+                </a:solidFill>
+                <a:miter lim="800000"/>
+                <a:headEnd/>
+                <a:tailEnd/>
+              </a14:hiddenLine>
+            </a:ext>
+            <a:ext uri="{AF507438-7753-43E0-B8FC-AC1667EBCBE1}">
+              <a14:hiddenEffects xmlns:a14="http://schemas.microsoft.com/office/drawing/2010/main">
+                <a:effectLst>
+                  <a:outerShdw dist="35921" dir="2700000" algn="ctr" rotWithShape="0">
+                    <a:schemeClr val="bg2"/>
+                  </a:outerShdw>
+                </a:effectLst>
+              </a14:hiddenEffects>
+            </a:ext>
+          </a:extLst>
+        </p:spPr>
+        <p:txBody>
+          <a:bodyPr>
+            <a:spAutoFit/>
+          </a:bodyPr>
+          <a:lstStyle/>
+          <a:p>
+            <a:pPr>
+              <a:spcBef>
+                <a:spcPct val="50000"/>
+              </a:spcBef>
+              <a:buNone/>
+            </a:pPr>
+            <a:r>
+              <a:rPr lang="en-GB" altLang="ru-RU" sz="1600">
+                <a:latin typeface="Arial Narrow" pitchFamily="34" charset="0"/>
+              </a:rPr>
+              <a:t>Socket       (IP2, n2)</a:t>
+            </a:r>
+            <a:endParaRPr lang="ru-RU" altLang="ru-RU" sz="1600">
+              <a:latin typeface="Arial Narrow" pitchFamily="34" charset="0"/>
+            </a:endParaRPr>
+          </a:p>
+        </p:txBody>
+      </p:sp>
+      <p:sp>
+        <p:nvSpPr>
+          <p:cNvPr id="6" name="Text Box 4"/>
+          <p:cNvSpPr txBox="1">
+            <a:spLocks noChangeArrowheads="1"/>
+          </p:cNvSpPr>
+          <p:nvPr/>
+        </p:nvSpPr>
+        <p:spPr bwMode="auto">
+          <a:xfrm>
+            <a:off x="6621818" y="4729094"/>
+            <a:ext cx="1124973" cy="499684"/>
+          </a:xfrm>
+          <a:prstGeom prst="rect">
+            <a:avLst/>
+          </a:prstGeom>
+          <a:noFill/>
+          <a:ln>
+            <a:noFill/>
+          </a:ln>
+          <a:effectLst/>
+          <a:extLst>
+            <a:ext uri="{909E8E84-426E-40DD-AFC4-6F175D3DCCD1}">
+              <a14:hiddenFill xmlns:a14="http://schemas.microsoft.com/office/drawing/2010/main">
+                <a:solidFill>
+                  <a:schemeClr val="accent1"/>
+                </a:solidFill>
+              </a14:hiddenFill>
+            </a:ext>
+            <a:ext uri="{91240B29-F687-4F45-9708-019B960494DF}">
+              <a14:hiddenLine xmlns:a14="http://schemas.microsoft.com/office/drawing/2010/main" w="9525">
+                <a:solidFill>
+                  <a:schemeClr val="tx1"/>
+                </a:solidFill>
+                <a:miter lim="800000"/>
+                <a:headEnd/>
+                <a:tailEnd/>
+              </a14:hiddenLine>
+            </a:ext>
+            <a:ext uri="{AF507438-7753-43E0-B8FC-AC1667EBCBE1}">
+              <a14:hiddenEffects xmlns:a14="http://schemas.microsoft.com/office/drawing/2010/main">
+                <a:effectLst>
+                  <a:outerShdw dist="35921" dir="2700000" algn="ctr" rotWithShape="0">
+                    <a:schemeClr val="bg2"/>
+                  </a:outerShdw>
+                </a:effectLst>
+              </a14:hiddenEffects>
+            </a:ext>
+          </a:extLst>
+        </p:spPr>
+        <p:txBody>
+          <a:bodyPr>
+            <a:spAutoFit/>
+          </a:bodyPr>
+          <a:lstStyle/>
+          <a:p>
+            <a:pPr>
+              <a:spcBef>
+                <a:spcPct val="50000"/>
+              </a:spcBef>
+              <a:buNone/>
+            </a:pPr>
+            <a:r>
+              <a:rPr lang="en-GB" altLang="ru-RU" sz="1600">
+                <a:latin typeface="Arial Narrow" pitchFamily="34" charset="0"/>
+              </a:rPr>
+              <a:t>Socket       (IP1, n1)</a:t>
+            </a:r>
+            <a:endParaRPr lang="ru-RU" altLang="ru-RU" sz="1600">
+              <a:latin typeface="Arial Narrow" pitchFamily="34" charset="0"/>
+            </a:endParaRPr>
+          </a:p>
+        </p:txBody>
+      </p:sp>
+      <p:sp>
+        <p:nvSpPr>
+          <p:cNvPr id="7" name="Rectangle 5"/>
+          <p:cNvSpPr>
+            <a:spLocks noChangeArrowheads="1"/>
+          </p:cNvSpPr>
+          <p:nvPr/>
+        </p:nvSpPr>
+        <p:spPr bwMode="auto">
+          <a:xfrm>
+            <a:off x="887735" y="4303133"/>
+            <a:ext cx="1081284" cy="1343414"/>
+          </a:xfrm>
+          <a:prstGeom prst="rect">
+            <a:avLst/>
+          </a:prstGeom>
+          <a:solidFill>
+            <a:srgbClr val="EAEAEA"/>
+          </a:solidFill>
+          <a:ln w="9525">
+            <a:solidFill>
+              <a:schemeClr val="tx1"/>
+            </a:solidFill>
+            <a:miter lim="800000"/>
+            <a:headEnd/>
+            <a:tailEnd/>
+          </a:ln>
+          <a:effectLst/>
+          <a:extLst>
+            <a:ext uri="{AF507438-7753-43E0-B8FC-AC1667EBCBE1}">
+              <a14:hiddenEffects xmlns:a14="http://schemas.microsoft.com/office/drawing/2010/main">
+                <a:effectLst>
+                  <a:outerShdw dist="35921" dir="2700000" algn="ctr" rotWithShape="0">
+                    <a:schemeClr val="bg2"/>
+                  </a:outerShdw>
+                </a:effectLst>
+              </a14:hiddenEffects>
+            </a:ext>
+          </a:extLst>
+        </p:spPr>
+        <p:txBody>
+          <a:bodyPr wrap="none" anchor="ctr"/>
+          <a:lstStyle/>
+          <a:p>
+            <a:pPr>
+              <a:buNone/>
+            </a:pPr>
+            <a:endParaRPr lang="ru-RU"/>
+          </a:p>
+        </p:txBody>
+      </p:sp>
+      <p:sp>
+        <p:nvSpPr>
+          <p:cNvPr id="8" name="Oval 6"/>
+          <p:cNvSpPr>
+            <a:spLocks noChangeArrowheads="1"/>
+          </p:cNvSpPr>
+          <p:nvPr/>
+        </p:nvSpPr>
+        <p:spPr bwMode="auto">
+          <a:xfrm>
+            <a:off x="1007878" y="3964549"/>
+            <a:ext cx="884687" cy="535181"/>
+          </a:xfrm>
+          <a:prstGeom prst="ellipse">
+            <a:avLst/>
+          </a:prstGeom>
+          <a:solidFill>
+            <a:schemeClr val="bg1"/>
+          </a:solidFill>
+          <a:ln w="9525">
+            <a:solidFill>
+              <a:schemeClr val="tx1"/>
+            </a:solidFill>
+            <a:round/>
+            <a:headEnd/>
+            <a:tailEnd/>
+          </a:ln>
+          <a:effectLst/>
+          <a:extLst>
+            <a:ext uri="{AF507438-7753-43E0-B8FC-AC1667EBCBE1}">
+              <a14:hiddenEffects xmlns:a14="http://schemas.microsoft.com/office/drawing/2010/main">
+                <a:effectLst>
+                  <a:outerShdw dist="35921" dir="2700000" algn="ctr" rotWithShape="0">
+                    <a:schemeClr val="bg2"/>
+                  </a:outerShdw>
+                </a:effectLst>
+              </a14:hiddenEffects>
+            </a:ext>
+          </a:extLst>
+        </p:spPr>
+        <p:txBody>
+          <a:bodyPr wrap="none" anchor="ctr"/>
+          <a:lstStyle/>
+          <a:p>
+            <a:pPr>
+              <a:buNone/>
+            </a:pPr>
+            <a:endParaRPr lang="ru-RU"/>
+          </a:p>
+        </p:txBody>
+      </p:sp>
+      <p:sp>
+        <p:nvSpPr>
+          <p:cNvPr id="9" name="Rectangle 7"/>
+          <p:cNvSpPr>
+            <a:spLocks noChangeArrowheads="1"/>
+          </p:cNvSpPr>
+          <p:nvPr/>
+        </p:nvSpPr>
+        <p:spPr bwMode="auto">
+          <a:xfrm>
+            <a:off x="1204475" y="4565263"/>
+            <a:ext cx="469649" cy="131065"/>
+          </a:xfrm>
+          <a:prstGeom prst="rect">
+            <a:avLst/>
+          </a:prstGeom>
+          <a:solidFill>
+            <a:schemeClr val="bg1"/>
+          </a:solidFill>
+          <a:ln w="9525">
+            <a:solidFill>
+              <a:schemeClr val="tx1"/>
+            </a:solidFill>
+            <a:miter lim="800000"/>
+            <a:headEnd/>
+            <a:tailEnd/>
+          </a:ln>
+          <a:effectLst/>
+          <a:extLst>
+            <a:ext uri="{AF507438-7753-43E0-B8FC-AC1667EBCBE1}">
+              <a14:hiddenEffects xmlns:a14="http://schemas.microsoft.com/office/drawing/2010/main">
+                <a:effectLst>
+                  <a:outerShdw dist="35921" dir="2700000" algn="ctr" rotWithShape="0">
+                    <a:schemeClr val="bg2"/>
+                  </a:outerShdw>
+                </a:effectLst>
+              </a14:hiddenEffects>
+            </a:ext>
+          </a:extLst>
+        </p:spPr>
+        <p:txBody>
+          <a:bodyPr wrap="none" anchor="ctr"/>
+          <a:lstStyle/>
+          <a:p>
+            <a:pPr>
+              <a:buNone/>
+            </a:pPr>
+            <a:endParaRPr lang="ru-RU"/>
+          </a:p>
+        </p:txBody>
+      </p:sp>
+      <p:sp>
+        <p:nvSpPr>
+          <p:cNvPr id="10" name="Rectangle 8"/>
+          <p:cNvSpPr>
+            <a:spLocks noChangeArrowheads="1"/>
+          </p:cNvSpPr>
+          <p:nvPr/>
+        </p:nvSpPr>
+        <p:spPr bwMode="auto">
+          <a:xfrm>
+            <a:off x="1051566" y="4750938"/>
+            <a:ext cx="764544" cy="305818"/>
+          </a:xfrm>
+          <a:prstGeom prst="rect">
+            <a:avLst/>
+          </a:prstGeom>
+          <a:solidFill>
+            <a:schemeClr val="bg1"/>
+          </a:solidFill>
+          <a:ln w="9525">
+            <a:solidFill>
+              <a:schemeClr val="tx1"/>
+            </a:solidFill>
+            <a:miter lim="800000"/>
+            <a:headEnd/>
+            <a:tailEnd/>
+          </a:ln>
+          <a:effectLst/>
+          <a:extLst>
+            <a:ext uri="{AF507438-7753-43E0-B8FC-AC1667EBCBE1}">
+              <a14:hiddenEffects xmlns:a14="http://schemas.microsoft.com/office/drawing/2010/main">
+                <a:effectLst>
+                  <a:outerShdw dist="35921" dir="2700000" algn="ctr" rotWithShape="0">
+                    <a:schemeClr val="bg2"/>
+                  </a:outerShdw>
+                </a:effectLst>
+              </a14:hiddenEffects>
+            </a:ext>
+          </a:extLst>
+        </p:spPr>
+        <p:txBody>
+          <a:bodyPr wrap="none" anchor="ctr"/>
+          <a:lstStyle/>
+          <a:p>
+            <a:pPr>
+              <a:buNone/>
+            </a:pPr>
+            <a:endParaRPr lang="ru-RU"/>
+          </a:p>
+        </p:txBody>
+      </p:sp>
+      <p:sp>
+        <p:nvSpPr>
+          <p:cNvPr id="11" name="Text Box 9"/>
+          <p:cNvSpPr txBox="1">
+            <a:spLocks noChangeArrowheads="1"/>
+          </p:cNvSpPr>
+          <p:nvPr/>
+        </p:nvSpPr>
+        <p:spPr bwMode="auto">
+          <a:xfrm>
+            <a:off x="1226319" y="5395340"/>
+            <a:ext cx="622558" cy="289435"/>
+          </a:xfrm>
+          <a:prstGeom prst="rect">
+            <a:avLst/>
+          </a:prstGeom>
+          <a:noFill/>
+          <a:ln>
+            <a:noFill/>
+          </a:ln>
+          <a:effectLst/>
+          <a:extLst>
+            <a:ext uri="{909E8E84-426E-40DD-AFC4-6F175D3DCCD1}">
+              <a14:hiddenFill xmlns:a14="http://schemas.microsoft.com/office/drawing/2010/main">
+                <a:solidFill>
+                  <a:schemeClr val="accent1"/>
+                </a:solidFill>
+              </a14:hiddenFill>
+            </a:ext>
+            <a:ext uri="{91240B29-F687-4F45-9708-019B960494DF}">
+              <a14:hiddenLine xmlns:a14="http://schemas.microsoft.com/office/drawing/2010/main" w="9525">
+                <a:solidFill>
+                  <a:schemeClr val="tx1"/>
+                </a:solidFill>
+                <a:miter lim="800000"/>
+                <a:headEnd/>
+                <a:tailEnd/>
+              </a14:hiddenLine>
+            </a:ext>
+            <a:ext uri="{AF507438-7753-43E0-B8FC-AC1667EBCBE1}">
+              <a14:hiddenEffects xmlns:a14="http://schemas.microsoft.com/office/drawing/2010/main">
+                <a:effectLst>
+                  <a:outerShdw dist="35921" dir="2700000" algn="ctr" rotWithShape="0">
+                    <a:schemeClr val="bg2"/>
+                  </a:outerShdw>
+                </a:effectLst>
+              </a14:hiddenEffects>
+            </a:ext>
+          </a:extLst>
+        </p:spPr>
+        <p:txBody>
+          <a:bodyPr>
+            <a:spAutoFit/>
+          </a:bodyPr>
+          <a:lstStyle/>
+          <a:p>
+            <a:pPr>
+              <a:spcBef>
+                <a:spcPct val="50000"/>
+              </a:spcBef>
+              <a:buNone/>
+            </a:pPr>
+            <a:r>
+              <a:rPr lang="en-GB" altLang="ru-RU" sz="1600">
+                <a:latin typeface="Arial Narrow" pitchFamily="34" charset="0"/>
+              </a:rPr>
+              <a:t>IP2</a:t>
+            </a:r>
+            <a:endParaRPr lang="ru-RU" altLang="ru-RU" sz="1600">
+              <a:latin typeface="Arial Narrow" pitchFamily="34" charset="0"/>
+            </a:endParaRPr>
+          </a:p>
+        </p:txBody>
+      </p:sp>
+      <p:sp>
+        <p:nvSpPr>
+          <p:cNvPr id="12" name="Line 10"/>
+          <p:cNvSpPr>
+            <a:spLocks noChangeShapeType="1"/>
+          </p:cNvSpPr>
+          <p:nvPr/>
+        </p:nvSpPr>
+        <p:spPr bwMode="auto">
+          <a:xfrm flipV="1">
+            <a:off x="767592" y="4598029"/>
+            <a:ext cx="425960" cy="76454"/>
+          </a:xfrm>
+          <a:prstGeom prst="line">
+            <a:avLst/>
+          </a:prstGeom>
+          <a:noFill/>
+          <a:ln w="3175">
+            <a:solidFill>
+              <a:schemeClr val="tx1"/>
+            </a:solidFill>
+            <a:round/>
+            <a:headEnd/>
+            <a:tailEnd/>
+          </a:ln>
+          <a:effectLst/>
+          <a:extLst>
+            <a:ext uri="{909E8E84-426E-40DD-AFC4-6F175D3DCCD1}">
+              <a14:hiddenFill xmlns:a14="http://schemas.microsoft.com/office/drawing/2010/main">
+                <a:noFill/>
+              </a14:hiddenFill>
+            </a:ext>
+            <a:ext uri="{AF507438-7753-43E0-B8FC-AC1667EBCBE1}">
+              <a14:hiddenEffects xmlns:a14="http://schemas.microsoft.com/office/drawing/2010/main">
+                <a:effectLst>
+                  <a:outerShdw dist="35921" dir="2700000" algn="ctr" rotWithShape="0">
+                    <a:schemeClr val="bg2"/>
+                  </a:outerShdw>
+                </a:effectLst>
+              </a14:hiddenEffects>
+            </a:ext>
+          </a:extLst>
+        </p:spPr>
+        <p:txBody>
+          <a:bodyPr/>
+          <a:lstStyle/>
+          <a:p>
+            <a:pPr>
+              <a:buNone/>
+            </a:pPr>
+            <a:endParaRPr lang="ru-RU"/>
+          </a:p>
+        </p:txBody>
+      </p:sp>
+      <p:sp>
+        <p:nvSpPr>
+          <p:cNvPr id="13" name="Text Box 11"/>
+          <p:cNvSpPr txBox="1">
+            <a:spLocks noChangeArrowheads="1"/>
+          </p:cNvSpPr>
+          <p:nvPr/>
+        </p:nvSpPr>
+        <p:spPr bwMode="auto">
+          <a:xfrm>
+            <a:off x="1149865" y="4794626"/>
+            <a:ext cx="1004830" cy="289435"/>
+          </a:xfrm>
+          <a:prstGeom prst="rect">
+            <a:avLst/>
+          </a:prstGeom>
+          <a:noFill/>
+          <a:ln>
+            <a:noFill/>
+          </a:ln>
+          <a:effectLst/>
+          <a:extLst>
+            <a:ext uri="{909E8E84-426E-40DD-AFC4-6F175D3DCCD1}">
+              <a14:hiddenFill xmlns:a14="http://schemas.microsoft.com/office/drawing/2010/main">
+                <a:solidFill>
+                  <a:schemeClr val="accent1"/>
+                </a:solidFill>
+              </a14:hiddenFill>
+            </a:ext>
+            <a:ext uri="{91240B29-F687-4F45-9708-019B960494DF}">
+              <a14:hiddenLine xmlns:a14="http://schemas.microsoft.com/office/drawing/2010/main" w="9525">
+                <a:solidFill>
+                  <a:schemeClr val="tx1"/>
+                </a:solidFill>
+                <a:miter lim="800000"/>
+                <a:headEnd/>
+                <a:tailEnd/>
+              </a14:hiddenLine>
+            </a:ext>
+            <a:ext uri="{AF507438-7753-43E0-B8FC-AC1667EBCBE1}">
+              <a14:hiddenEffects xmlns:a14="http://schemas.microsoft.com/office/drawing/2010/main">
+                <a:effectLst>
+                  <a:outerShdw dist="35921" dir="2700000" algn="ctr" rotWithShape="0">
+                    <a:schemeClr val="bg2"/>
+                  </a:outerShdw>
+                </a:effectLst>
+              </a14:hiddenEffects>
+            </a:ext>
+          </a:extLst>
+        </p:spPr>
+        <p:txBody>
+          <a:bodyPr>
+            <a:spAutoFit/>
+          </a:bodyPr>
+          <a:lstStyle/>
+          <a:p>
+            <a:pPr>
+              <a:spcBef>
+                <a:spcPct val="50000"/>
+              </a:spcBef>
+              <a:buNone/>
+            </a:pPr>
+            <a:r>
+              <a:rPr lang="en-GB" altLang="ru-RU" sz="1600" b="1"/>
+              <a:t>TCP</a:t>
+            </a:r>
+            <a:endParaRPr lang="ru-RU" altLang="ru-RU" sz="1600" b="1"/>
+          </a:p>
+        </p:txBody>
+      </p:sp>
+      <p:sp>
+        <p:nvSpPr>
+          <p:cNvPr id="14" name="Text Box 12"/>
+          <p:cNvSpPr txBox="1">
+            <a:spLocks noChangeArrowheads="1"/>
+          </p:cNvSpPr>
+          <p:nvPr/>
+        </p:nvSpPr>
+        <p:spPr bwMode="auto">
+          <a:xfrm>
+            <a:off x="1073410" y="4095614"/>
+            <a:ext cx="1223271" cy="400110"/>
+          </a:xfrm>
+          <a:prstGeom prst="rect">
+            <a:avLst/>
+          </a:prstGeom>
+          <a:noFill/>
+          <a:ln>
+            <a:noFill/>
+          </a:ln>
+          <a:effectLst/>
+          <a:extLst>
+            <a:ext uri="{909E8E84-426E-40DD-AFC4-6F175D3DCCD1}">
+              <a14:hiddenFill xmlns:a14="http://schemas.microsoft.com/office/drawing/2010/main">
+                <a:solidFill>
+                  <a:schemeClr val="accent1"/>
+                </a:solidFill>
+              </a14:hiddenFill>
+            </a:ext>
+            <a:ext uri="{91240B29-F687-4F45-9708-019B960494DF}">
+              <a14:hiddenLine xmlns:a14="http://schemas.microsoft.com/office/drawing/2010/main" w="9525">
+                <a:solidFill>
+                  <a:schemeClr val="tx1"/>
+                </a:solidFill>
+                <a:miter lim="800000"/>
+                <a:headEnd/>
+                <a:tailEnd/>
+              </a14:hiddenLine>
+            </a:ext>
+            <a:ext uri="{AF507438-7753-43E0-B8FC-AC1667EBCBE1}">
+              <a14:hiddenEffects xmlns:a14="http://schemas.microsoft.com/office/drawing/2010/main">
+                <a:effectLst>
+                  <a:outerShdw dist="35921" dir="2700000" algn="ctr" rotWithShape="0">
+                    <a:schemeClr val="bg2"/>
+                  </a:outerShdw>
+                </a:effectLst>
+              </a14:hiddenEffects>
+            </a:ext>
+          </a:extLst>
+        </p:spPr>
+        <p:txBody>
+          <a:bodyPr>
+            <a:spAutoFit/>
+          </a:bodyPr>
+          <a:lstStyle/>
+          <a:p>
+            <a:pPr>
+              <a:spcBef>
+                <a:spcPct val="50000"/>
+              </a:spcBef>
+              <a:buNone/>
+            </a:pPr>
+            <a:r>
+              <a:rPr lang="en-GB" altLang="ru-RU" dirty="0" smtClean="0"/>
+              <a:t>A</a:t>
+            </a:r>
+            <a:r>
+              <a:rPr lang="en-US" altLang="ru-RU" dirty="0" smtClean="0"/>
+              <a:t>pp</a:t>
+            </a:r>
+            <a:r>
+              <a:rPr lang="en-GB" altLang="ru-RU" dirty="0" smtClean="0"/>
+              <a:t>2</a:t>
+            </a:r>
+            <a:endParaRPr lang="ru-RU" altLang="ru-RU" dirty="0"/>
+          </a:p>
+        </p:txBody>
+      </p:sp>
+      <p:sp>
+        <p:nvSpPr>
+          <p:cNvPr id="15" name="Rectangle 13"/>
+          <p:cNvSpPr>
+            <a:spLocks noChangeArrowheads="1"/>
+          </p:cNvSpPr>
+          <p:nvPr/>
+        </p:nvSpPr>
+        <p:spPr bwMode="auto">
+          <a:xfrm>
+            <a:off x="5464080" y="1594462"/>
+            <a:ext cx="1081284" cy="1343414"/>
+          </a:xfrm>
+          <a:prstGeom prst="rect">
+            <a:avLst/>
+          </a:prstGeom>
+          <a:solidFill>
+            <a:srgbClr val="EAEAEA"/>
+          </a:solidFill>
+          <a:ln w="9525">
+            <a:solidFill>
+              <a:schemeClr val="tx1"/>
+            </a:solidFill>
+            <a:miter lim="800000"/>
+            <a:headEnd/>
+            <a:tailEnd/>
+          </a:ln>
+          <a:effectLst/>
+          <a:extLst>
+            <a:ext uri="{AF507438-7753-43E0-B8FC-AC1667EBCBE1}">
+              <a14:hiddenEffects xmlns:a14="http://schemas.microsoft.com/office/drawing/2010/main">
+                <a:effectLst>
+                  <a:outerShdw dist="35921" dir="2700000" algn="ctr" rotWithShape="0">
+                    <a:schemeClr val="bg2"/>
+                  </a:outerShdw>
+                </a:effectLst>
+              </a14:hiddenEffects>
+            </a:ext>
+          </a:extLst>
+        </p:spPr>
+        <p:txBody>
+          <a:bodyPr wrap="none" anchor="ctr"/>
+          <a:lstStyle/>
+          <a:p>
+            <a:pPr>
+              <a:buNone/>
+            </a:pPr>
+            <a:endParaRPr lang="ru-RU"/>
+          </a:p>
+        </p:txBody>
+      </p:sp>
+      <p:sp>
+        <p:nvSpPr>
+          <p:cNvPr id="16" name="Oval 14"/>
+          <p:cNvSpPr>
+            <a:spLocks noChangeArrowheads="1"/>
+          </p:cNvSpPr>
+          <p:nvPr/>
+        </p:nvSpPr>
+        <p:spPr bwMode="auto">
+          <a:xfrm>
+            <a:off x="5551456" y="1266800"/>
+            <a:ext cx="884687" cy="491493"/>
+          </a:xfrm>
+          <a:prstGeom prst="ellipse">
+            <a:avLst/>
+          </a:prstGeom>
+          <a:solidFill>
+            <a:schemeClr val="bg1"/>
+          </a:solidFill>
+          <a:ln w="9525">
+            <a:solidFill>
+              <a:schemeClr val="tx1"/>
+            </a:solidFill>
+            <a:round/>
+            <a:headEnd/>
+            <a:tailEnd/>
+          </a:ln>
+          <a:effectLst/>
+          <a:extLst>
+            <a:ext uri="{AF507438-7753-43E0-B8FC-AC1667EBCBE1}">
+              <a14:hiddenEffects xmlns:a14="http://schemas.microsoft.com/office/drawing/2010/main">
+                <a:effectLst>
+                  <a:outerShdw dist="35921" dir="2700000" algn="ctr" rotWithShape="0">
+                    <a:schemeClr val="bg2"/>
+                  </a:outerShdw>
+                </a:effectLst>
+              </a14:hiddenEffects>
+            </a:ext>
+          </a:extLst>
+        </p:spPr>
+        <p:txBody>
+          <a:bodyPr wrap="none" anchor="ctr"/>
+          <a:lstStyle/>
+          <a:p>
+            <a:pPr>
+              <a:buNone/>
+            </a:pPr>
+            <a:endParaRPr lang="ru-RU"/>
+          </a:p>
+        </p:txBody>
+      </p:sp>
+      <p:sp>
+        <p:nvSpPr>
+          <p:cNvPr id="17" name="Rectangle 15"/>
+          <p:cNvSpPr>
+            <a:spLocks noChangeArrowheads="1"/>
+          </p:cNvSpPr>
+          <p:nvPr/>
+        </p:nvSpPr>
+        <p:spPr bwMode="auto">
+          <a:xfrm>
+            <a:off x="5780819" y="1801981"/>
+            <a:ext cx="469649" cy="131065"/>
+          </a:xfrm>
+          <a:prstGeom prst="rect">
+            <a:avLst/>
+          </a:prstGeom>
+          <a:solidFill>
+            <a:schemeClr val="bg1"/>
+          </a:solidFill>
+          <a:ln w="9525">
+            <a:solidFill>
+              <a:schemeClr val="tx1"/>
+            </a:solidFill>
+            <a:miter lim="800000"/>
+            <a:headEnd/>
+            <a:tailEnd/>
+          </a:ln>
+          <a:effectLst/>
+          <a:extLst>
+            <a:ext uri="{AF507438-7753-43E0-B8FC-AC1667EBCBE1}">
+              <a14:hiddenEffects xmlns:a14="http://schemas.microsoft.com/office/drawing/2010/main">
+                <a:effectLst>
+                  <a:outerShdw dist="35921" dir="2700000" algn="ctr" rotWithShape="0">
+                    <a:schemeClr val="bg2"/>
+                  </a:outerShdw>
+                </a:effectLst>
+              </a14:hiddenEffects>
+            </a:ext>
+          </a:extLst>
+        </p:spPr>
+        <p:txBody>
+          <a:bodyPr wrap="none" anchor="ctr"/>
+          <a:lstStyle/>
+          <a:p>
+            <a:pPr>
+              <a:buNone/>
+            </a:pPr>
+            <a:endParaRPr lang="ru-RU"/>
+          </a:p>
+        </p:txBody>
+      </p:sp>
+      <p:sp>
+        <p:nvSpPr>
+          <p:cNvPr id="18" name="Rectangle 16"/>
+          <p:cNvSpPr>
+            <a:spLocks noChangeArrowheads="1"/>
+          </p:cNvSpPr>
+          <p:nvPr/>
+        </p:nvSpPr>
+        <p:spPr bwMode="auto">
+          <a:xfrm>
+            <a:off x="5627911" y="2009500"/>
+            <a:ext cx="764544" cy="305818"/>
+          </a:xfrm>
+          <a:prstGeom prst="rect">
+            <a:avLst/>
+          </a:prstGeom>
+          <a:solidFill>
+            <a:schemeClr val="bg1"/>
+          </a:solidFill>
+          <a:ln w="9525">
+            <a:solidFill>
+              <a:schemeClr val="tx1"/>
+            </a:solidFill>
+            <a:miter lim="800000"/>
+            <a:headEnd/>
+            <a:tailEnd/>
+          </a:ln>
+          <a:effectLst/>
+          <a:extLst>
+            <a:ext uri="{AF507438-7753-43E0-B8FC-AC1667EBCBE1}">
+              <a14:hiddenEffects xmlns:a14="http://schemas.microsoft.com/office/drawing/2010/main">
+                <a:effectLst>
+                  <a:outerShdw dist="35921" dir="2700000" algn="ctr" rotWithShape="0">
+                    <a:schemeClr val="bg2"/>
+                  </a:outerShdw>
+                </a:effectLst>
+              </a14:hiddenEffects>
+            </a:ext>
+          </a:extLst>
+        </p:spPr>
+        <p:txBody>
+          <a:bodyPr wrap="none" anchor="ctr"/>
+          <a:lstStyle/>
+          <a:p>
+            <a:pPr>
+              <a:buNone/>
+            </a:pPr>
+            <a:endParaRPr lang="ru-RU"/>
+          </a:p>
+        </p:txBody>
+      </p:sp>
+      <p:sp>
+        <p:nvSpPr>
+          <p:cNvPr id="19" name="Text Box 17"/>
+          <p:cNvSpPr txBox="1">
+            <a:spLocks noChangeArrowheads="1"/>
+          </p:cNvSpPr>
+          <p:nvPr/>
+        </p:nvSpPr>
+        <p:spPr bwMode="auto">
+          <a:xfrm>
+            <a:off x="5802664" y="2675746"/>
+            <a:ext cx="622558" cy="289435"/>
+          </a:xfrm>
+          <a:prstGeom prst="rect">
+            <a:avLst/>
+          </a:prstGeom>
+          <a:noFill/>
+          <a:ln>
+            <a:noFill/>
+          </a:ln>
+          <a:effectLst/>
+          <a:extLst>
+            <a:ext uri="{909E8E84-426E-40DD-AFC4-6F175D3DCCD1}">
+              <a14:hiddenFill xmlns:a14="http://schemas.microsoft.com/office/drawing/2010/main">
+                <a:solidFill>
+                  <a:schemeClr val="accent1"/>
+                </a:solidFill>
+              </a14:hiddenFill>
+            </a:ext>
+            <a:ext uri="{91240B29-F687-4F45-9708-019B960494DF}">
+              <a14:hiddenLine xmlns:a14="http://schemas.microsoft.com/office/drawing/2010/main" w="9525">
+                <a:solidFill>
+                  <a:schemeClr val="tx1"/>
+                </a:solidFill>
+                <a:miter lim="800000"/>
+                <a:headEnd/>
+                <a:tailEnd/>
+              </a14:hiddenLine>
+            </a:ext>
+            <a:ext uri="{AF507438-7753-43E0-B8FC-AC1667EBCBE1}">
+              <a14:hiddenEffects xmlns:a14="http://schemas.microsoft.com/office/drawing/2010/main">
+                <a:effectLst>
+                  <a:outerShdw dist="35921" dir="2700000" algn="ctr" rotWithShape="0">
+                    <a:schemeClr val="bg2"/>
+                  </a:outerShdw>
+                </a:effectLst>
+              </a14:hiddenEffects>
+            </a:ext>
+          </a:extLst>
+        </p:spPr>
+        <p:txBody>
+          <a:bodyPr>
+            <a:spAutoFit/>
+          </a:bodyPr>
+          <a:lstStyle/>
+          <a:p>
+            <a:pPr>
+              <a:spcBef>
+                <a:spcPct val="50000"/>
+              </a:spcBef>
+              <a:buNone/>
+            </a:pPr>
+            <a:r>
+              <a:rPr lang="en-GB" altLang="ru-RU" sz="1600">
+                <a:latin typeface="Arial Narrow" pitchFamily="34" charset="0"/>
+              </a:rPr>
+              <a:t>IP3</a:t>
+            </a:r>
+            <a:endParaRPr lang="ru-RU" altLang="ru-RU" sz="1600">
+              <a:latin typeface="Arial Narrow" pitchFamily="34" charset="0"/>
+            </a:endParaRPr>
+          </a:p>
+        </p:txBody>
+      </p:sp>
+      <p:sp>
+        <p:nvSpPr>
+          <p:cNvPr id="20" name="Text Box 18"/>
+          <p:cNvSpPr txBox="1">
+            <a:spLocks noChangeArrowheads="1"/>
+          </p:cNvSpPr>
+          <p:nvPr/>
+        </p:nvSpPr>
+        <p:spPr bwMode="auto">
+          <a:xfrm>
+            <a:off x="4841522" y="1725526"/>
+            <a:ext cx="1124973" cy="499684"/>
+          </a:xfrm>
+          <a:prstGeom prst="rect">
+            <a:avLst/>
+          </a:prstGeom>
+          <a:noFill/>
+          <a:ln>
+            <a:noFill/>
+          </a:ln>
+          <a:effectLst/>
+          <a:extLst>
+            <a:ext uri="{909E8E84-426E-40DD-AFC4-6F175D3DCCD1}">
+              <a14:hiddenFill xmlns:a14="http://schemas.microsoft.com/office/drawing/2010/main">
+                <a:solidFill>
+                  <a:schemeClr val="accent1"/>
+                </a:solidFill>
+              </a14:hiddenFill>
+            </a:ext>
+            <a:ext uri="{91240B29-F687-4F45-9708-019B960494DF}">
+              <a14:hiddenLine xmlns:a14="http://schemas.microsoft.com/office/drawing/2010/main" w="9525">
+                <a:solidFill>
+                  <a:schemeClr val="tx1"/>
+                </a:solidFill>
+                <a:miter lim="800000"/>
+                <a:headEnd/>
+                <a:tailEnd/>
+              </a14:hiddenLine>
+            </a:ext>
+            <a:ext uri="{AF507438-7753-43E0-B8FC-AC1667EBCBE1}">
+              <a14:hiddenEffects xmlns:a14="http://schemas.microsoft.com/office/drawing/2010/main">
+                <a:effectLst>
+                  <a:outerShdw dist="35921" dir="2700000" algn="ctr" rotWithShape="0">
+                    <a:schemeClr val="bg2"/>
+                  </a:outerShdw>
+                </a:effectLst>
+              </a14:hiddenEffects>
+            </a:ext>
+          </a:extLst>
+        </p:spPr>
+        <p:txBody>
+          <a:bodyPr>
+            <a:spAutoFit/>
+          </a:bodyPr>
+          <a:lstStyle/>
+          <a:p>
+            <a:pPr>
+              <a:spcBef>
+                <a:spcPct val="50000"/>
+              </a:spcBef>
+              <a:buNone/>
+            </a:pPr>
+            <a:r>
+              <a:rPr lang="en-GB" altLang="ru-RU" sz="1600">
+                <a:latin typeface="Arial Narrow" pitchFamily="34" charset="0"/>
+              </a:rPr>
+              <a:t>Socket       (IP3, n3)</a:t>
+            </a:r>
+            <a:endParaRPr lang="ru-RU" altLang="ru-RU" sz="1600">
+              <a:latin typeface="Arial Narrow" pitchFamily="34" charset="0"/>
+            </a:endParaRPr>
+          </a:p>
+        </p:txBody>
+      </p:sp>
+      <p:sp>
+        <p:nvSpPr>
+          <p:cNvPr id="21" name="Text Box 19"/>
+          <p:cNvSpPr txBox="1">
+            <a:spLocks noChangeArrowheads="1"/>
+          </p:cNvSpPr>
+          <p:nvPr/>
+        </p:nvSpPr>
+        <p:spPr bwMode="auto">
+          <a:xfrm>
+            <a:off x="5726209" y="2042266"/>
+            <a:ext cx="1004830" cy="344097"/>
+          </a:xfrm>
+          <a:prstGeom prst="rect">
+            <a:avLst/>
+          </a:prstGeom>
+          <a:noFill/>
+          <a:ln>
+            <a:noFill/>
+          </a:ln>
+          <a:effectLst/>
+          <a:extLst>
+            <a:ext uri="{909E8E84-426E-40DD-AFC4-6F175D3DCCD1}">
+              <a14:hiddenFill xmlns:a14="http://schemas.microsoft.com/office/drawing/2010/main">
+                <a:solidFill>
+                  <a:schemeClr val="accent1"/>
+                </a:solidFill>
+              </a14:hiddenFill>
+            </a:ext>
+            <a:ext uri="{91240B29-F687-4F45-9708-019B960494DF}">
+              <a14:hiddenLine xmlns:a14="http://schemas.microsoft.com/office/drawing/2010/main" w="9525">
+                <a:solidFill>
+                  <a:schemeClr val="tx1"/>
+                </a:solidFill>
+                <a:miter lim="800000"/>
+                <a:headEnd/>
+                <a:tailEnd/>
+              </a14:hiddenLine>
+            </a:ext>
+            <a:ext uri="{AF507438-7753-43E0-B8FC-AC1667EBCBE1}">
+              <a14:hiddenEffects xmlns:a14="http://schemas.microsoft.com/office/drawing/2010/main">
+                <a:effectLst>
+                  <a:outerShdw dist="35921" dir="2700000" algn="ctr" rotWithShape="0">
+                    <a:schemeClr val="bg2"/>
+                  </a:outerShdw>
+                </a:effectLst>
+              </a14:hiddenEffects>
+            </a:ext>
+          </a:extLst>
+        </p:spPr>
+        <p:txBody>
+          <a:bodyPr>
+            <a:spAutoFit/>
+          </a:bodyPr>
+          <a:lstStyle/>
+          <a:p>
+            <a:pPr>
+              <a:spcBef>
+                <a:spcPct val="50000"/>
+              </a:spcBef>
+              <a:buNone/>
+            </a:pPr>
+            <a:r>
+              <a:rPr lang="en-GB" altLang="ru-RU" dirty="0"/>
+              <a:t>TCP</a:t>
+            </a:r>
+            <a:endParaRPr lang="ru-RU" altLang="ru-RU" dirty="0"/>
+          </a:p>
+        </p:txBody>
+      </p:sp>
+      <p:sp>
+        <p:nvSpPr>
+          <p:cNvPr id="22" name="Text Box 20"/>
+          <p:cNvSpPr txBox="1">
+            <a:spLocks noChangeArrowheads="1"/>
+          </p:cNvSpPr>
+          <p:nvPr/>
+        </p:nvSpPr>
+        <p:spPr bwMode="auto">
+          <a:xfrm>
+            <a:off x="5584222" y="1310488"/>
+            <a:ext cx="1223271" cy="400110"/>
+          </a:xfrm>
+          <a:prstGeom prst="rect">
+            <a:avLst/>
+          </a:prstGeom>
+          <a:noFill/>
+          <a:ln>
+            <a:noFill/>
+          </a:ln>
+          <a:effectLst/>
+          <a:extLst>
+            <a:ext uri="{909E8E84-426E-40DD-AFC4-6F175D3DCCD1}">
+              <a14:hiddenFill xmlns:a14="http://schemas.microsoft.com/office/drawing/2010/main">
+                <a:solidFill>
+                  <a:schemeClr val="accent1"/>
+                </a:solidFill>
+              </a14:hiddenFill>
+            </a:ext>
+            <a:ext uri="{91240B29-F687-4F45-9708-019B960494DF}">
+              <a14:hiddenLine xmlns:a14="http://schemas.microsoft.com/office/drawing/2010/main" w="9525">
+                <a:solidFill>
+                  <a:schemeClr val="tx1"/>
+                </a:solidFill>
+                <a:miter lim="800000"/>
+                <a:headEnd/>
+                <a:tailEnd/>
+              </a14:hiddenLine>
+            </a:ext>
+            <a:ext uri="{AF507438-7753-43E0-B8FC-AC1667EBCBE1}">
+              <a14:hiddenEffects xmlns:a14="http://schemas.microsoft.com/office/drawing/2010/main">
+                <a:effectLst>
+                  <a:outerShdw dist="35921" dir="2700000" algn="ctr" rotWithShape="0">
+                    <a:schemeClr val="bg2"/>
+                  </a:outerShdw>
+                </a:effectLst>
+              </a14:hiddenEffects>
+            </a:ext>
+          </a:extLst>
+        </p:spPr>
+        <p:txBody>
+          <a:bodyPr>
+            <a:spAutoFit/>
+          </a:bodyPr>
+          <a:lstStyle/>
+          <a:p>
+            <a:pPr>
+              <a:spcBef>
+                <a:spcPct val="50000"/>
+              </a:spcBef>
+              <a:buNone/>
+            </a:pPr>
+            <a:r>
+              <a:rPr lang="en-GB" altLang="ru-RU" dirty="0" smtClean="0"/>
+              <a:t>App3</a:t>
+            </a:r>
+            <a:endParaRPr lang="ru-RU" altLang="ru-RU" dirty="0"/>
+          </a:p>
+        </p:txBody>
+      </p:sp>
+      <p:sp>
+        <p:nvSpPr>
+          <p:cNvPr id="23" name="Rectangle 21"/>
+          <p:cNvSpPr>
+            <a:spLocks noChangeArrowheads="1"/>
+          </p:cNvSpPr>
+          <p:nvPr/>
+        </p:nvSpPr>
+        <p:spPr bwMode="auto">
+          <a:xfrm>
+            <a:off x="5496846" y="4707250"/>
+            <a:ext cx="1081284" cy="1343414"/>
+          </a:xfrm>
+          <a:prstGeom prst="rect">
+            <a:avLst/>
+          </a:prstGeom>
+          <a:solidFill>
+            <a:srgbClr val="EAEAEA"/>
+          </a:solidFill>
+          <a:ln w="9525">
+            <a:solidFill>
+              <a:schemeClr val="tx1"/>
+            </a:solidFill>
+            <a:miter lim="800000"/>
+            <a:headEnd/>
+            <a:tailEnd/>
+          </a:ln>
+          <a:effectLst/>
+          <a:extLst>
+            <a:ext uri="{AF507438-7753-43E0-B8FC-AC1667EBCBE1}">
+              <a14:hiddenEffects xmlns:a14="http://schemas.microsoft.com/office/drawing/2010/main">
+                <a:effectLst>
+                  <a:outerShdw dist="35921" dir="2700000" algn="ctr" rotWithShape="0">
+                    <a:schemeClr val="bg2"/>
+                  </a:outerShdw>
+                </a:effectLst>
+              </a14:hiddenEffects>
+            </a:ext>
+          </a:extLst>
+        </p:spPr>
+        <p:txBody>
+          <a:bodyPr wrap="none" anchor="ctr"/>
+          <a:lstStyle/>
+          <a:p>
+            <a:pPr>
+              <a:buNone/>
+            </a:pPr>
+            <a:endParaRPr lang="ru-RU"/>
+          </a:p>
+        </p:txBody>
+      </p:sp>
+      <p:sp>
+        <p:nvSpPr>
+          <p:cNvPr id="24" name="Oval 22"/>
+          <p:cNvSpPr>
+            <a:spLocks noChangeArrowheads="1"/>
+          </p:cNvSpPr>
+          <p:nvPr/>
+        </p:nvSpPr>
+        <p:spPr bwMode="auto">
+          <a:xfrm>
+            <a:off x="5551456" y="4281289"/>
+            <a:ext cx="928375" cy="546103"/>
+          </a:xfrm>
+          <a:prstGeom prst="ellipse">
+            <a:avLst/>
+          </a:prstGeom>
+          <a:solidFill>
+            <a:schemeClr val="bg1"/>
+          </a:solidFill>
+          <a:ln w="9525">
+            <a:solidFill>
+              <a:schemeClr val="tx1"/>
+            </a:solidFill>
+            <a:round/>
+            <a:headEnd/>
+            <a:tailEnd/>
+          </a:ln>
+          <a:effectLst/>
+          <a:extLst>
+            <a:ext uri="{AF507438-7753-43E0-B8FC-AC1667EBCBE1}">
+              <a14:hiddenEffects xmlns:a14="http://schemas.microsoft.com/office/drawing/2010/main">
+                <a:effectLst>
+                  <a:outerShdw dist="35921" dir="2700000" algn="ctr" rotWithShape="0">
+                    <a:schemeClr val="bg2"/>
+                  </a:outerShdw>
+                </a:effectLst>
+              </a14:hiddenEffects>
+            </a:ext>
+          </a:extLst>
+        </p:spPr>
+        <p:txBody>
+          <a:bodyPr wrap="none" anchor="ctr"/>
+          <a:lstStyle/>
+          <a:p>
+            <a:pPr>
+              <a:buNone/>
+            </a:pPr>
+            <a:endParaRPr lang="ru-RU"/>
+          </a:p>
+        </p:txBody>
+      </p:sp>
+      <p:sp>
+        <p:nvSpPr>
+          <p:cNvPr id="25" name="Rectangle 23"/>
+          <p:cNvSpPr>
+            <a:spLocks noChangeArrowheads="1"/>
+          </p:cNvSpPr>
+          <p:nvPr/>
+        </p:nvSpPr>
+        <p:spPr bwMode="auto">
+          <a:xfrm>
+            <a:off x="5813586" y="4914769"/>
+            <a:ext cx="469649" cy="131065"/>
+          </a:xfrm>
+          <a:prstGeom prst="rect">
+            <a:avLst/>
+          </a:prstGeom>
+          <a:solidFill>
+            <a:schemeClr val="bg1"/>
+          </a:solidFill>
+          <a:ln w="9525">
+            <a:solidFill>
+              <a:schemeClr val="tx1"/>
+            </a:solidFill>
+            <a:miter lim="800000"/>
+            <a:headEnd/>
+            <a:tailEnd/>
+          </a:ln>
+          <a:effectLst/>
+          <a:extLst>
+            <a:ext uri="{AF507438-7753-43E0-B8FC-AC1667EBCBE1}">
+              <a14:hiddenEffects xmlns:a14="http://schemas.microsoft.com/office/drawing/2010/main">
+                <a:effectLst>
+                  <a:outerShdw dist="35921" dir="2700000" algn="ctr" rotWithShape="0">
+                    <a:schemeClr val="bg2"/>
+                  </a:outerShdw>
+                </a:effectLst>
+              </a14:hiddenEffects>
+            </a:ext>
+          </a:extLst>
+        </p:spPr>
+        <p:txBody>
+          <a:bodyPr wrap="none" anchor="ctr"/>
+          <a:lstStyle/>
+          <a:p>
+            <a:pPr>
+              <a:buNone/>
+            </a:pPr>
+            <a:endParaRPr lang="ru-RU"/>
+          </a:p>
+        </p:txBody>
+      </p:sp>
+      <p:sp>
+        <p:nvSpPr>
+          <p:cNvPr id="26" name="Rectangle 24"/>
+          <p:cNvSpPr>
+            <a:spLocks noChangeArrowheads="1"/>
+          </p:cNvSpPr>
+          <p:nvPr/>
+        </p:nvSpPr>
+        <p:spPr bwMode="auto">
+          <a:xfrm>
+            <a:off x="5660677" y="5155054"/>
+            <a:ext cx="764544" cy="305818"/>
+          </a:xfrm>
+          <a:prstGeom prst="rect">
+            <a:avLst/>
+          </a:prstGeom>
+          <a:solidFill>
+            <a:schemeClr val="bg1"/>
+          </a:solidFill>
+          <a:ln w="9525">
+            <a:solidFill>
+              <a:schemeClr val="tx1"/>
+            </a:solidFill>
+            <a:miter lim="800000"/>
+            <a:headEnd/>
+            <a:tailEnd/>
+          </a:ln>
+          <a:effectLst/>
+          <a:extLst>
+            <a:ext uri="{AF507438-7753-43E0-B8FC-AC1667EBCBE1}">
+              <a14:hiddenEffects xmlns:a14="http://schemas.microsoft.com/office/drawing/2010/main">
+                <a:effectLst>
+                  <a:outerShdw dist="35921" dir="2700000" algn="ctr" rotWithShape="0">
+                    <a:schemeClr val="bg2"/>
+                  </a:outerShdw>
+                </a:effectLst>
+              </a14:hiddenEffects>
+            </a:ext>
+          </a:extLst>
+        </p:spPr>
+        <p:txBody>
+          <a:bodyPr wrap="none" anchor="ctr"/>
+          <a:lstStyle/>
+          <a:p>
+            <a:pPr>
+              <a:buNone/>
+            </a:pPr>
+            <a:endParaRPr lang="ru-RU"/>
+          </a:p>
+        </p:txBody>
+      </p:sp>
+      <p:sp>
+        <p:nvSpPr>
+          <p:cNvPr id="27" name="Text Box 25"/>
+          <p:cNvSpPr txBox="1">
+            <a:spLocks noChangeArrowheads="1"/>
+          </p:cNvSpPr>
+          <p:nvPr/>
+        </p:nvSpPr>
+        <p:spPr bwMode="auto">
+          <a:xfrm>
+            <a:off x="5890040" y="5766690"/>
+            <a:ext cx="622558" cy="289435"/>
+          </a:xfrm>
+          <a:prstGeom prst="rect">
+            <a:avLst/>
+          </a:prstGeom>
+          <a:noFill/>
+          <a:ln>
+            <a:noFill/>
+          </a:ln>
+          <a:effectLst/>
+          <a:extLst>
+            <a:ext uri="{909E8E84-426E-40DD-AFC4-6F175D3DCCD1}">
+              <a14:hiddenFill xmlns:a14="http://schemas.microsoft.com/office/drawing/2010/main">
+                <a:solidFill>
+                  <a:schemeClr val="accent1"/>
+                </a:solidFill>
+              </a14:hiddenFill>
+            </a:ext>
+            <a:ext uri="{91240B29-F687-4F45-9708-019B960494DF}">
+              <a14:hiddenLine xmlns:a14="http://schemas.microsoft.com/office/drawing/2010/main" w="9525">
+                <a:solidFill>
+                  <a:schemeClr val="tx1"/>
+                </a:solidFill>
+                <a:miter lim="800000"/>
+                <a:headEnd/>
+                <a:tailEnd/>
+              </a14:hiddenLine>
+            </a:ext>
+            <a:ext uri="{AF507438-7753-43E0-B8FC-AC1667EBCBE1}">
+              <a14:hiddenEffects xmlns:a14="http://schemas.microsoft.com/office/drawing/2010/main">
+                <a:effectLst>
+                  <a:outerShdw dist="35921" dir="2700000" algn="ctr" rotWithShape="0">
+                    <a:schemeClr val="bg2"/>
+                  </a:outerShdw>
+                </a:effectLst>
+              </a14:hiddenEffects>
+            </a:ext>
+          </a:extLst>
+        </p:spPr>
+        <p:txBody>
+          <a:bodyPr>
+            <a:spAutoFit/>
+          </a:bodyPr>
+          <a:lstStyle/>
+          <a:p>
+            <a:pPr>
+              <a:spcBef>
+                <a:spcPct val="50000"/>
+              </a:spcBef>
+              <a:buNone/>
+            </a:pPr>
+            <a:r>
+              <a:rPr lang="en-GB" altLang="ru-RU" sz="1600">
+                <a:latin typeface="Arial Narrow" pitchFamily="34" charset="0"/>
+              </a:rPr>
+              <a:t>IP1</a:t>
+            </a:r>
+            <a:endParaRPr lang="ru-RU" altLang="ru-RU" sz="1600">
+              <a:latin typeface="Arial Narrow" pitchFamily="34" charset="0"/>
+            </a:endParaRPr>
+          </a:p>
+        </p:txBody>
+      </p:sp>
+      <p:sp>
+        <p:nvSpPr>
+          <p:cNvPr id="28" name="Line 26"/>
+          <p:cNvSpPr>
+            <a:spLocks noChangeShapeType="1"/>
+          </p:cNvSpPr>
+          <p:nvPr/>
+        </p:nvSpPr>
+        <p:spPr bwMode="auto">
+          <a:xfrm flipV="1">
+            <a:off x="6272312" y="4903847"/>
+            <a:ext cx="393194" cy="87377"/>
+          </a:xfrm>
+          <a:prstGeom prst="line">
+            <a:avLst/>
+          </a:prstGeom>
+          <a:noFill/>
+          <a:ln w="3175">
+            <a:solidFill>
+              <a:schemeClr val="tx1"/>
+            </a:solidFill>
+            <a:round/>
+            <a:headEnd/>
+            <a:tailEnd/>
+          </a:ln>
+          <a:effectLst/>
+          <a:extLst>
+            <a:ext uri="{909E8E84-426E-40DD-AFC4-6F175D3DCCD1}">
+              <a14:hiddenFill xmlns:a14="http://schemas.microsoft.com/office/drawing/2010/main">
+                <a:noFill/>
+              </a14:hiddenFill>
+            </a:ext>
+            <a:ext uri="{AF507438-7753-43E0-B8FC-AC1667EBCBE1}">
+              <a14:hiddenEffects xmlns:a14="http://schemas.microsoft.com/office/drawing/2010/main">
+                <a:effectLst>
+                  <a:outerShdw dist="35921" dir="2700000" algn="ctr" rotWithShape="0">
+                    <a:schemeClr val="bg2"/>
+                  </a:outerShdw>
+                </a:effectLst>
+              </a14:hiddenEffects>
+            </a:ext>
+          </a:extLst>
+        </p:spPr>
+        <p:txBody>
+          <a:bodyPr/>
+          <a:lstStyle/>
+          <a:p>
+            <a:pPr>
+              <a:buNone/>
+            </a:pPr>
+            <a:endParaRPr lang="ru-RU"/>
+          </a:p>
+        </p:txBody>
+      </p:sp>
+      <p:sp>
+        <p:nvSpPr>
+          <p:cNvPr id="29" name="Text Box 27"/>
+          <p:cNvSpPr txBox="1">
+            <a:spLocks noChangeArrowheads="1"/>
+          </p:cNvSpPr>
+          <p:nvPr/>
+        </p:nvSpPr>
+        <p:spPr bwMode="auto">
+          <a:xfrm>
+            <a:off x="5802664" y="5198743"/>
+            <a:ext cx="1004830" cy="289435"/>
+          </a:xfrm>
+          <a:prstGeom prst="rect">
+            <a:avLst/>
+          </a:prstGeom>
+          <a:noFill/>
+          <a:ln>
+            <a:noFill/>
+          </a:ln>
+          <a:effectLst/>
+          <a:extLst>
+            <a:ext uri="{909E8E84-426E-40DD-AFC4-6F175D3DCCD1}">
+              <a14:hiddenFill xmlns:a14="http://schemas.microsoft.com/office/drawing/2010/main">
+                <a:solidFill>
+                  <a:schemeClr val="accent1"/>
+                </a:solidFill>
+              </a14:hiddenFill>
+            </a:ext>
+            <a:ext uri="{91240B29-F687-4F45-9708-019B960494DF}">
+              <a14:hiddenLine xmlns:a14="http://schemas.microsoft.com/office/drawing/2010/main" w="9525">
+                <a:solidFill>
+                  <a:schemeClr val="tx1"/>
+                </a:solidFill>
+                <a:miter lim="800000"/>
+                <a:headEnd/>
+                <a:tailEnd/>
+              </a14:hiddenLine>
+            </a:ext>
+            <a:ext uri="{AF507438-7753-43E0-B8FC-AC1667EBCBE1}">
+              <a14:hiddenEffects xmlns:a14="http://schemas.microsoft.com/office/drawing/2010/main">
+                <a:effectLst>
+                  <a:outerShdw dist="35921" dir="2700000" algn="ctr" rotWithShape="0">
+                    <a:schemeClr val="bg2"/>
+                  </a:outerShdw>
+                </a:effectLst>
+              </a14:hiddenEffects>
+            </a:ext>
+          </a:extLst>
+        </p:spPr>
+        <p:txBody>
+          <a:bodyPr>
+            <a:spAutoFit/>
+          </a:bodyPr>
+          <a:lstStyle/>
+          <a:p>
+            <a:pPr>
+              <a:spcBef>
+                <a:spcPct val="50000"/>
+              </a:spcBef>
+              <a:buNone/>
+            </a:pPr>
+            <a:r>
+              <a:rPr lang="en-GB" altLang="ru-RU" sz="1600" b="1"/>
+              <a:t>TCP</a:t>
+            </a:r>
+            <a:endParaRPr lang="ru-RU" altLang="ru-RU" sz="1600" b="1"/>
+          </a:p>
+        </p:txBody>
+      </p:sp>
+      <p:sp>
+        <p:nvSpPr>
+          <p:cNvPr id="30" name="Text Box 28"/>
+          <p:cNvSpPr txBox="1">
+            <a:spLocks noChangeArrowheads="1"/>
+          </p:cNvSpPr>
+          <p:nvPr/>
+        </p:nvSpPr>
+        <p:spPr bwMode="auto">
+          <a:xfrm>
+            <a:off x="5627911" y="4259445"/>
+            <a:ext cx="1223271" cy="400110"/>
+          </a:xfrm>
+          <a:prstGeom prst="rect">
+            <a:avLst/>
+          </a:prstGeom>
+          <a:noFill/>
+          <a:ln>
+            <a:noFill/>
+          </a:ln>
+          <a:effectLst/>
+          <a:extLst>
+            <a:ext uri="{909E8E84-426E-40DD-AFC4-6F175D3DCCD1}">
+              <a14:hiddenFill xmlns:a14="http://schemas.microsoft.com/office/drawing/2010/main">
+                <a:solidFill>
+                  <a:schemeClr val="accent1"/>
+                </a:solidFill>
+              </a14:hiddenFill>
+            </a:ext>
+            <a:ext uri="{91240B29-F687-4F45-9708-019B960494DF}">
+              <a14:hiddenLine xmlns:a14="http://schemas.microsoft.com/office/drawing/2010/main" w="9525">
+                <a:solidFill>
+                  <a:schemeClr val="tx1"/>
+                </a:solidFill>
+                <a:miter lim="800000"/>
+                <a:headEnd/>
+                <a:tailEnd/>
+              </a14:hiddenLine>
+            </a:ext>
+            <a:ext uri="{AF507438-7753-43E0-B8FC-AC1667EBCBE1}">
+              <a14:hiddenEffects xmlns:a14="http://schemas.microsoft.com/office/drawing/2010/main">
+                <a:effectLst>
+                  <a:outerShdw dist="35921" dir="2700000" algn="ctr" rotWithShape="0">
+                    <a:schemeClr val="bg2"/>
+                  </a:outerShdw>
+                </a:effectLst>
+              </a14:hiddenEffects>
+            </a:ext>
+          </a:extLst>
+        </p:spPr>
+        <p:txBody>
+          <a:bodyPr>
+            <a:spAutoFit/>
+          </a:bodyPr>
+          <a:lstStyle/>
+          <a:p>
+            <a:pPr>
+              <a:spcBef>
+                <a:spcPct val="50000"/>
+              </a:spcBef>
+              <a:buNone/>
+            </a:pPr>
+            <a:r>
+              <a:rPr lang="en-GB" altLang="ru-RU" dirty="0" smtClean="0"/>
+              <a:t>App1</a:t>
+            </a:r>
+            <a:endParaRPr lang="ru-RU" altLang="ru-RU" dirty="0"/>
+          </a:p>
+        </p:txBody>
+      </p:sp>
+      <p:sp>
+        <p:nvSpPr>
+          <p:cNvPr id="31" name="Line 29"/>
+          <p:cNvSpPr>
+            <a:spLocks noChangeShapeType="1"/>
+          </p:cNvSpPr>
+          <p:nvPr/>
+        </p:nvSpPr>
+        <p:spPr bwMode="auto">
+          <a:xfrm flipH="1" flipV="1">
+            <a:off x="1739656" y="4882003"/>
+            <a:ext cx="3899177" cy="480571"/>
+          </a:xfrm>
+          <a:prstGeom prst="line">
+            <a:avLst/>
+          </a:prstGeom>
+          <a:noFill/>
+          <a:ln w="38100">
+            <a:solidFill>
+              <a:schemeClr val="tx1"/>
+            </a:solidFill>
+            <a:prstDash val="lgDash"/>
+            <a:round/>
+            <a:headEnd/>
+            <a:tailEnd/>
+          </a:ln>
+          <a:effectLst/>
+          <a:extLst>
+            <a:ext uri="{909E8E84-426E-40DD-AFC4-6F175D3DCCD1}">
+              <a14:hiddenFill xmlns:a14="http://schemas.microsoft.com/office/drawing/2010/main">
+                <a:noFill/>
+              </a14:hiddenFill>
+            </a:ext>
+            <a:ext uri="{AF507438-7753-43E0-B8FC-AC1667EBCBE1}">
+              <a14:hiddenEffects xmlns:a14="http://schemas.microsoft.com/office/drawing/2010/main">
+                <a:effectLst>
+                  <a:outerShdw dist="35921" dir="2700000" algn="ctr" rotWithShape="0">
+                    <a:schemeClr val="bg2"/>
+                  </a:outerShdw>
+                </a:effectLst>
+              </a14:hiddenEffects>
+            </a:ext>
+          </a:extLst>
+        </p:spPr>
+        <p:txBody>
+          <a:bodyPr/>
+          <a:lstStyle/>
+          <a:p>
+            <a:pPr>
+              <a:buNone/>
+            </a:pPr>
+            <a:endParaRPr lang="ru-RU"/>
+          </a:p>
+        </p:txBody>
+      </p:sp>
+      <p:sp>
+        <p:nvSpPr>
+          <p:cNvPr id="32" name="Line 30"/>
+          <p:cNvSpPr>
+            <a:spLocks noChangeShapeType="1"/>
+          </p:cNvSpPr>
+          <p:nvPr/>
+        </p:nvSpPr>
+        <p:spPr bwMode="auto">
+          <a:xfrm>
+            <a:off x="1433838" y="4488809"/>
+            <a:ext cx="10922" cy="65532"/>
+          </a:xfrm>
+          <a:prstGeom prst="line">
+            <a:avLst/>
+          </a:prstGeom>
+          <a:noFill/>
+          <a:ln w="9525">
+            <a:solidFill>
+              <a:schemeClr val="tx1"/>
+            </a:solidFill>
+            <a:round/>
+            <a:headEnd/>
+            <a:tailEnd/>
+          </a:ln>
+          <a:effectLst/>
+          <a:extLst>
+            <a:ext uri="{909E8E84-426E-40DD-AFC4-6F175D3DCCD1}">
+              <a14:hiddenFill xmlns:a14="http://schemas.microsoft.com/office/drawing/2010/main">
+                <a:noFill/>
+              </a14:hiddenFill>
+            </a:ext>
+            <a:ext uri="{AF507438-7753-43E0-B8FC-AC1667EBCBE1}">
+              <a14:hiddenEffects xmlns:a14="http://schemas.microsoft.com/office/drawing/2010/main">
+                <a:effectLst>
+                  <a:outerShdw dist="35921" dir="2700000" algn="ctr" rotWithShape="0">
+                    <a:schemeClr val="bg2"/>
+                  </a:outerShdw>
+                </a:effectLst>
+              </a14:hiddenEffects>
+            </a:ext>
+          </a:extLst>
+        </p:spPr>
+        <p:txBody>
+          <a:bodyPr/>
+          <a:lstStyle/>
+          <a:p>
+            <a:pPr>
+              <a:buNone/>
+            </a:pPr>
+            <a:endParaRPr lang="ru-RU"/>
+          </a:p>
+        </p:txBody>
+      </p:sp>
+      <p:sp>
+        <p:nvSpPr>
+          <p:cNvPr id="33" name="Line 31"/>
+          <p:cNvSpPr>
+            <a:spLocks noChangeShapeType="1"/>
+          </p:cNvSpPr>
+          <p:nvPr/>
+        </p:nvSpPr>
+        <p:spPr bwMode="auto">
+          <a:xfrm>
+            <a:off x="1433838" y="4696328"/>
+            <a:ext cx="0" cy="54610"/>
+          </a:xfrm>
+          <a:prstGeom prst="line">
+            <a:avLst/>
+          </a:prstGeom>
+          <a:noFill/>
+          <a:ln w="9525">
+            <a:solidFill>
+              <a:schemeClr val="tx1"/>
+            </a:solidFill>
+            <a:round/>
+            <a:headEnd/>
+            <a:tailEnd/>
+          </a:ln>
+          <a:effectLst/>
+          <a:extLst>
+            <a:ext uri="{909E8E84-426E-40DD-AFC4-6F175D3DCCD1}">
+              <a14:hiddenFill xmlns:a14="http://schemas.microsoft.com/office/drawing/2010/main">
+                <a:noFill/>
+              </a14:hiddenFill>
+            </a:ext>
+            <a:ext uri="{AF507438-7753-43E0-B8FC-AC1667EBCBE1}">
+              <a14:hiddenEffects xmlns:a14="http://schemas.microsoft.com/office/drawing/2010/main">
+                <a:effectLst>
+                  <a:outerShdw dist="35921" dir="2700000" algn="ctr" rotWithShape="0">
+                    <a:schemeClr val="bg2"/>
+                  </a:outerShdw>
+                </a:effectLst>
+              </a14:hiddenEffects>
+            </a:ext>
+          </a:extLst>
+        </p:spPr>
+        <p:txBody>
+          <a:bodyPr/>
+          <a:lstStyle/>
+          <a:p>
+            <a:pPr>
+              <a:buNone/>
+            </a:pPr>
+            <a:endParaRPr lang="ru-RU"/>
+          </a:p>
+        </p:txBody>
+      </p:sp>
+      <p:sp>
+        <p:nvSpPr>
+          <p:cNvPr id="34" name="Line 32"/>
+          <p:cNvSpPr>
+            <a:spLocks noChangeShapeType="1"/>
+          </p:cNvSpPr>
+          <p:nvPr/>
+        </p:nvSpPr>
+        <p:spPr bwMode="auto">
+          <a:xfrm flipV="1">
+            <a:off x="1827033" y="2359006"/>
+            <a:ext cx="4281449" cy="2522997"/>
+          </a:xfrm>
+          <a:prstGeom prst="line">
+            <a:avLst/>
+          </a:prstGeom>
+          <a:noFill/>
+          <a:ln w="38100">
+            <a:solidFill>
+              <a:schemeClr val="tx1"/>
+            </a:solidFill>
+            <a:prstDash val="lgDash"/>
+            <a:round/>
+            <a:headEnd/>
+            <a:tailEnd/>
+          </a:ln>
+          <a:effectLst/>
+          <a:extLst>
+            <a:ext uri="{909E8E84-426E-40DD-AFC4-6F175D3DCCD1}">
+              <a14:hiddenFill xmlns:a14="http://schemas.microsoft.com/office/drawing/2010/main">
+                <a:noFill/>
+              </a14:hiddenFill>
+            </a:ext>
+            <a:ext uri="{AF507438-7753-43E0-B8FC-AC1667EBCBE1}">
+              <a14:hiddenEffects xmlns:a14="http://schemas.microsoft.com/office/drawing/2010/main">
+                <a:effectLst>
+                  <a:outerShdw dist="35921" dir="2700000" algn="ctr" rotWithShape="0">
+                    <a:schemeClr val="bg2"/>
+                  </a:outerShdw>
+                </a:effectLst>
+              </a14:hiddenEffects>
+            </a:ext>
+          </a:extLst>
+        </p:spPr>
+        <p:txBody>
+          <a:bodyPr/>
+          <a:lstStyle/>
+          <a:p>
+            <a:pPr>
+              <a:buNone/>
+            </a:pPr>
+            <a:endParaRPr lang="ru-RU"/>
+          </a:p>
+        </p:txBody>
+      </p:sp>
+      <p:sp>
+        <p:nvSpPr>
+          <p:cNvPr id="35" name="Line 33"/>
+          <p:cNvSpPr>
+            <a:spLocks noChangeShapeType="1"/>
+          </p:cNvSpPr>
+          <p:nvPr/>
+        </p:nvSpPr>
+        <p:spPr bwMode="auto">
+          <a:xfrm flipV="1">
+            <a:off x="5322093" y="1856591"/>
+            <a:ext cx="458727" cy="109221"/>
+          </a:xfrm>
+          <a:prstGeom prst="line">
+            <a:avLst/>
+          </a:prstGeom>
+          <a:noFill/>
+          <a:ln w="9525">
+            <a:solidFill>
+              <a:schemeClr val="tx1"/>
+            </a:solidFill>
+            <a:round/>
+            <a:headEnd/>
+            <a:tailEnd/>
+          </a:ln>
+          <a:effectLst/>
+          <a:extLst>
+            <a:ext uri="{909E8E84-426E-40DD-AFC4-6F175D3DCCD1}">
+              <a14:hiddenFill xmlns:a14="http://schemas.microsoft.com/office/drawing/2010/main">
+                <a:noFill/>
+              </a14:hiddenFill>
+            </a:ext>
+            <a:ext uri="{AF507438-7753-43E0-B8FC-AC1667EBCBE1}">
+              <a14:hiddenEffects xmlns:a14="http://schemas.microsoft.com/office/drawing/2010/main">
+                <a:effectLst>
+                  <a:outerShdw dist="35921" dir="2700000" algn="ctr" rotWithShape="0">
+                    <a:schemeClr val="bg2"/>
+                  </a:outerShdw>
+                </a:effectLst>
+              </a14:hiddenEffects>
+            </a:ext>
+          </a:extLst>
+        </p:spPr>
+        <p:txBody>
+          <a:bodyPr/>
+          <a:lstStyle/>
+          <a:p>
+            <a:pPr>
+              <a:buNone/>
+            </a:pPr>
+            <a:endParaRPr lang="ru-RU"/>
+          </a:p>
+        </p:txBody>
+      </p:sp>
+      <p:sp>
+        <p:nvSpPr>
+          <p:cNvPr id="36" name="Text Box 34"/>
+          <p:cNvSpPr txBox="1">
+            <a:spLocks noChangeArrowheads="1"/>
+          </p:cNvSpPr>
+          <p:nvPr/>
+        </p:nvSpPr>
+        <p:spPr bwMode="auto">
+          <a:xfrm rot="19756350">
+            <a:off x="2384058" y="3183127"/>
+            <a:ext cx="2326399" cy="1005820"/>
+          </a:xfrm>
+          <a:prstGeom prst="rect">
+            <a:avLst/>
+          </a:prstGeom>
+          <a:noFill/>
+          <a:ln>
+            <a:noFill/>
+          </a:ln>
+          <a:effectLst/>
+          <a:extLst>
+            <a:ext uri="{909E8E84-426E-40DD-AFC4-6F175D3DCCD1}">
+              <a14:hiddenFill xmlns:a14="http://schemas.microsoft.com/office/drawing/2010/main">
+                <a:solidFill>
+                  <a:schemeClr val="accent1"/>
+                </a:solidFill>
+              </a14:hiddenFill>
+            </a:ext>
+            <a:ext uri="{91240B29-F687-4F45-9708-019B960494DF}">
+              <a14:hiddenLine xmlns:a14="http://schemas.microsoft.com/office/drawing/2010/main" w="9525">
+                <a:solidFill>
+                  <a:schemeClr val="tx1"/>
+                </a:solidFill>
+                <a:miter lim="800000"/>
+                <a:headEnd/>
+                <a:tailEnd/>
+              </a14:hiddenLine>
+            </a:ext>
+            <a:ext uri="{AF507438-7753-43E0-B8FC-AC1667EBCBE1}">
+              <a14:hiddenEffects xmlns:a14="http://schemas.microsoft.com/office/drawing/2010/main">
+                <a:effectLst>
+                  <a:outerShdw dist="35921" dir="2700000" algn="ctr" rotWithShape="0">
+                    <a:schemeClr val="bg2"/>
+                  </a:outerShdw>
+                </a:effectLst>
+              </a14:hiddenEffects>
+            </a:ext>
+          </a:extLst>
+        </p:spPr>
+        <p:txBody>
+          <a:bodyPr>
+            <a:spAutoFit/>
+          </a:bodyPr>
+          <a:lstStyle/>
+          <a:p>
+            <a:pPr>
+              <a:spcBef>
+                <a:spcPct val="50000"/>
+              </a:spcBef>
+              <a:buNone/>
+            </a:pPr>
+            <a:r>
+              <a:rPr lang="en-GB" altLang="ru-RU" dirty="0">
+                <a:latin typeface="Arial Narrow" pitchFamily="34" charset="0"/>
+              </a:rPr>
+              <a:t>Connection </a:t>
+            </a:r>
+            <a:br>
+              <a:rPr lang="en-GB" altLang="ru-RU" dirty="0">
+                <a:latin typeface="Arial Narrow" pitchFamily="34" charset="0"/>
+              </a:rPr>
+            </a:br>
+            <a:r>
+              <a:rPr lang="en-GB" altLang="ru-RU" dirty="0">
+                <a:latin typeface="Arial Narrow" pitchFamily="34" charset="0"/>
+              </a:rPr>
+              <a:t>{(IP2, n2), (IP3, n3)}</a:t>
+            </a:r>
+            <a:endParaRPr lang="ru-RU" altLang="ru-RU" dirty="0">
+              <a:latin typeface="Arial Narrow" pitchFamily="34" charset="0"/>
+            </a:endParaRPr>
+          </a:p>
+          <a:p>
+            <a:pPr>
+              <a:spcBef>
+                <a:spcPct val="50000"/>
+              </a:spcBef>
+              <a:buNone/>
+            </a:pPr>
+            <a:endParaRPr lang="ru-RU" altLang="ru-RU" dirty="0">
+              <a:latin typeface="Arial Narrow" pitchFamily="34" charset="0"/>
+            </a:endParaRPr>
+          </a:p>
+        </p:txBody>
+      </p:sp>
+      <p:sp>
+        <p:nvSpPr>
+          <p:cNvPr id="37" name="Text Box 35"/>
+          <p:cNvSpPr txBox="1">
+            <a:spLocks noChangeArrowheads="1"/>
+          </p:cNvSpPr>
+          <p:nvPr/>
+        </p:nvSpPr>
+        <p:spPr bwMode="auto">
+          <a:xfrm rot="364471">
+            <a:off x="3030920" y="4415937"/>
+            <a:ext cx="2326399" cy="1005820"/>
+          </a:xfrm>
+          <a:prstGeom prst="rect">
+            <a:avLst/>
+          </a:prstGeom>
+          <a:noFill/>
+          <a:ln>
+            <a:noFill/>
+          </a:ln>
+          <a:effectLst/>
+          <a:extLst>
+            <a:ext uri="{909E8E84-426E-40DD-AFC4-6F175D3DCCD1}">
+              <a14:hiddenFill xmlns:a14="http://schemas.microsoft.com/office/drawing/2010/main">
+                <a:solidFill>
+                  <a:schemeClr val="accent1"/>
+                </a:solidFill>
+              </a14:hiddenFill>
+            </a:ext>
+            <a:ext uri="{91240B29-F687-4F45-9708-019B960494DF}">
+              <a14:hiddenLine xmlns:a14="http://schemas.microsoft.com/office/drawing/2010/main" w="9525">
+                <a:solidFill>
+                  <a:schemeClr val="tx1"/>
+                </a:solidFill>
+                <a:miter lim="800000"/>
+                <a:headEnd/>
+                <a:tailEnd/>
+              </a14:hiddenLine>
+            </a:ext>
+            <a:ext uri="{AF507438-7753-43E0-B8FC-AC1667EBCBE1}">
+              <a14:hiddenEffects xmlns:a14="http://schemas.microsoft.com/office/drawing/2010/main">
+                <a:effectLst>
+                  <a:outerShdw dist="35921" dir="2700000" algn="ctr" rotWithShape="0">
+                    <a:schemeClr val="bg2"/>
+                  </a:outerShdw>
+                </a:effectLst>
+              </a14:hiddenEffects>
+            </a:ext>
+          </a:extLst>
+        </p:spPr>
+        <p:txBody>
+          <a:bodyPr>
+            <a:spAutoFit/>
+          </a:bodyPr>
+          <a:lstStyle/>
+          <a:p>
+            <a:pPr>
+              <a:spcBef>
+                <a:spcPct val="50000"/>
+              </a:spcBef>
+              <a:buNone/>
+            </a:pPr>
+            <a:r>
+              <a:rPr lang="en-GB" altLang="ru-RU" dirty="0">
+                <a:latin typeface="Arial Narrow" pitchFamily="34" charset="0"/>
+              </a:rPr>
+              <a:t>Connection </a:t>
+            </a:r>
+            <a:br>
+              <a:rPr lang="en-GB" altLang="ru-RU" dirty="0">
+                <a:latin typeface="Arial Narrow" pitchFamily="34" charset="0"/>
+              </a:rPr>
+            </a:br>
+            <a:r>
+              <a:rPr lang="en-GB" altLang="ru-RU" dirty="0">
+                <a:latin typeface="Arial Narrow" pitchFamily="34" charset="0"/>
+              </a:rPr>
+              <a:t>{(IP2, n2), (IP1, n1)}</a:t>
+            </a:r>
+            <a:endParaRPr lang="ru-RU" altLang="ru-RU" dirty="0">
+              <a:latin typeface="Arial Narrow" pitchFamily="34" charset="0"/>
+            </a:endParaRPr>
+          </a:p>
+          <a:p>
+            <a:pPr>
+              <a:spcBef>
+                <a:spcPct val="50000"/>
+              </a:spcBef>
+              <a:buNone/>
+            </a:pPr>
+            <a:endParaRPr lang="ru-RU" altLang="ru-RU" dirty="0">
+              <a:latin typeface="Arial Narrow" pitchFamily="34" charset="0"/>
+            </a:endParaRPr>
+          </a:p>
+        </p:txBody>
+      </p:sp>
+      <p:sp>
+        <p:nvSpPr>
+          <p:cNvPr id="38" name="Freeform 36"/>
+          <p:cNvSpPr>
+            <a:spLocks/>
+          </p:cNvSpPr>
+          <p:nvPr/>
+        </p:nvSpPr>
+        <p:spPr bwMode="auto">
+          <a:xfrm>
+            <a:off x="1433838" y="4587107"/>
+            <a:ext cx="404116" cy="277148"/>
+          </a:xfrm>
+          <a:custGeom>
+            <a:avLst/>
+            <a:gdLst>
+              <a:gd name="T0" fmla="*/ 0 w 296"/>
+              <a:gd name="T1" fmla="*/ 0 h 203"/>
+              <a:gd name="T2" fmla="*/ 56 w 296"/>
+              <a:gd name="T3" fmla="*/ 136 h 203"/>
+              <a:gd name="T4" fmla="*/ 176 w 296"/>
+              <a:gd name="T5" fmla="*/ 192 h 203"/>
+              <a:gd name="T6" fmla="*/ 296 w 296"/>
+              <a:gd name="T7" fmla="*/ 200 h 203"/>
+            </a:gdLst>
+            <a:ahLst/>
+            <a:cxnLst>
+              <a:cxn ang="0">
+                <a:pos x="T0" y="T1"/>
+              </a:cxn>
+              <a:cxn ang="0">
+                <a:pos x="T2" y="T3"/>
+              </a:cxn>
+              <a:cxn ang="0">
+                <a:pos x="T4" y="T5"/>
+              </a:cxn>
+              <a:cxn ang="0">
+                <a:pos x="T6" y="T7"/>
+              </a:cxn>
+            </a:cxnLst>
+            <a:rect l="0" t="0" r="r" b="b"/>
+            <a:pathLst>
+              <a:path w="296" h="203">
+                <a:moveTo>
+                  <a:pt x="0" y="0"/>
+                </a:moveTo>
+                <a:cubicBezTo>
+                  <a:pt x="13" y="52"/>
+                  <a:pt x="27" y="104"/>
+                  <a:pt x="56" y="136"/>
+                </a:cubicBezTo>
+                <a:cubicBezTo>
+                  <a:pt x="85" y="168"/>
+                  <a:pt x="136" y="181"/>
+                  <a:pt x="176" y="192"/>
+                </a:cubicBezTo>
+                <a:cubicBezTo>
+                  <a:pt x="216" y="203"/>
+                  <a:pt x="256" y="201"/>
+                  <a:pt x="296" y="200"/>
+                </a:cubicBezTo>
+              </a:path>
+            </a:pathLst>
+          </a:custGeom>
+          <a:noFill/>
+          <a:ln w="38100" cap="flat" cmpd="sng">
+            <a:solidFill>
+              <a:schemeClr val="tx1"/>
+            </a:solidFill>
+            <a:prstDash val="dash"/>
+            <a:round/>
+            <a:headEnd/>
+            <a:tailEnd/>
+          </a:ln>
+          <a:effectLst/>
+          <a:extLst>
+            <a:ext uri="{909E8E84-426E-40DD-AFC4-6F175D3DCCD1}">
+              <a14:hiddenFill xmlns:a14="http://schemas.microsoft.com/office/drawing/2010/main">
+                <a:solidFill>
+                  <a:schemeClr val="accent1"/>
+                </a:solidFill>
+              </a14:hiddenFill>
+            </a:ext>
+            <a:ext uri="{AF507438-7753-43E0-B8FC-AC1667EBCBE1}">
+              <a14:hiddenEffects xmlns:a14="http://schemas.microsoft.com/office/drawing/2010/main">
+                <a:effectLst>
+                  <a:outerShdw dist="35921" dir="2700000" algn="ctr" rotWithShape="0">
+                    <a:schemeClr val="bg2"/>
+                  </a:outerShdw>
+                </a:effectLst>
+              </a14:hiddenEffects>
+            </a:ext>
+          </a:extLst>
+        </p:spPr>
+        <p:txBody>
+          <a:bodyPr/>
+          <a:lstStyle/>
+          <a:p>
+            <a:pPr>
+              <a:buNone/>
+            </a:pPr>
+            <a:endParaRPr lang="ru-RU"/>
+          </a:p>
+        </p:txBody>
+      </p:sp>
+      <p:sp>
+        <p:nvSpPr>
+          <p:cNvPr id="39" name="Freeform 37"/>
+          <p:cNvSpPr>
+            <a:spLocks/>
+          </p:cNvSpPr>
+          <p:nvPr/>
+        </p:nvSpPr>
+        <p:spPr bwMode="auto">
+          <a:xfrm>
+            <a:off x="6064793" y="1736448"/>
+            <a:ext cx="184310" cy="644402"/>
+          </a:xfrm>
+          <a:custGeom>
+            <a:avLst/>
+            <a:gdLst>
+              <a:gd name="T0" fmla="*/ 0 w 135"/>
+              <a:gd name="T1" fmla="*/ 472 h 472"/>
+              <a:gd name="T2" fmla="*/ 128 w 135"/>
+              <a:gd name="T3" fmla="*/ 296 h 472"/>
+              <a:gd name="T4" fmla="*/ 40 w 135"/>
+              <a:gd name="T5" fmla="*/ 0 h 472"/>
+            </a:gdLst>
+            <a:ahLst/>
+            <a:cxnLst>
+              <a:cxn ang="0">
+                <a:pos x="T0" y="T1"/>
+              </a:cxn>
+              <a:cxn ang="0">
+                <a:pos x="T2" y="T3"/>
+              </a:cxn>
+              <a:cxn ang="0">
+                <a:pos x="T4" y="T5"/>
+              </a:cxn>
+            </a:cxnLst>
+            <a:rect l="0" t="0" r="r" b="b"/>
+            <a:pathLst>
+              <a:path w="135" h="472">
+                <a:moveTo>
+                  <a:pt x="0" y="472"/>
+                </a:moveTo>
+                <a:cubicBezTo>
+                  <a:pt x="60" y="423"/>
+                  <a:pt x="121" y="375"/>
+                  <a:pt x="128" y="296"/>
+                </a:cubicBezTo>
+                <a:cubicBezTo>
+                  <a:pt x="135" y="217"/>
+                  <a:pt x="87" y="108"/>
+                  <a:pt x="40" y="0"/>
+                </a:cubicBezTo>
+              </a:path>
+            </a:pathLst>
+          </a:custGeom>
+          <a:noFill/>
+          <a:ln w="38100" cap="flat" cmpd="sng">
+            <a:solidFill>
+              <a:schemeClr val="tx1"/>
+            </a:solidFill>
+            <a:prstDash val="dash"/>
+            <a:round/>
+            <a:headEnd/>
+            <a:tailEnd/>
+          </a:ln>
+          <a:effectLst/>
+          <a:extLst>
+            <a:ext uri="{909E8E84-426E-40DD-AFC4-6F175D3DCCD1}">
+              <a14:hiddenFill xmlns:a14="http://schemas.microsoft.com/office/drawing/2010/main">
+                <a:solidFill>
+                  <a:schemeClr val="accent1"/>
+                </a:solidFill>
+              </a14:hiddenFill>
+            </a:ext>
+            <a:ext uri="{AF507438-7753-43E0-B8FC-AC1667EBCBE1}">
+              <a14:hiddenEffects xmlns:a14="http://schemas.microsoft.com/office/drawing/2010/main">
+                <a:effectLst>
+                  <a:outerShdw dist="35921" dir="2700000" algn="ctr" rotWithShape="0">
+                    <a:schemeClr val="bg2"/>
+                  </a:outerShdw>
+                </a:effectLst>
+              </a14:hiddenEffects>
+            </a:ext>
+          </a:extLst>
+        </p:spPr>
+        <p:txBody>
+          <a:bodyPr/>
+          <a:lstStyle/>
+          <a:p>
+            <a:pPr>
+              <a:buNone/>
+            </a:pPr>
+            <a:endParaRPr lang="ru-RU"/>
+          </a:p>
+        </p:txBody>
+      </p:sp>
+      <p:sp>
+        <p:nvSpPr>
+          <p:cNvPr id="40" name="Freeform 38"/>
+          <p:cNvSpPr>
+            <a:spLocks/>
+          </p:cNvSpPr>
+          <p:nvPr/>
+        </p:nvSpPr>
+        <p:spPr bwMode="auto">
+          <a:xfrm>
+            <a:off x="5660677" y="4816470"/>
+            <a:ext cx="371350" cy="546103"/>
+          </a:xfrm>
+          <a:custGeom>
+            <a:avLst/>
+            <a:gdLst>
+              <a:gd name="T0" fmla="*/ 0 w 272"/>
+              <a:gd name="T1" fmla="*/ 400 h 400"/>
+              <a:gd name="T2" fmla="*/ 136 w 272"/>
+              <a:gd name="T3" fmla="*/ 328 h 400"/>
+              <a:gd name="T4" fmla="*/ 248 w 272"/>
+              <a:gd name="T5" fmla="*/ 184 h 400"/>
+              <a:gd name="T6" fmla="*/ 272 w 272"/>
+              <a:gd name="T7" fmla="*/ 0 h 400"/>
+            </a:gdLst>
+            <a:ahLst/>
+            <a:cxnLst>
+              <a:cxn ang="0">
+                <a:pos x="T0" y="T1"/>
+              </a:cxn>
+              <a:cxn ang="0">
+                <a:pos x="T2" y="T3"/>
+              </a:cxn>
+              <a:cxn ang="0">
+                <a:pos x="T4" y="T5"/>
+              </a:cxn>
+              <a:cxn ang="0">
+                <a:pos x="T6" y="T7"/>
+              </a:cxn>
+            </a:cxnLst>
+            <a:rect l="0" t="0" r="r" b="b"/>
+            <a:pathLst>
+              <a:path w="272" h="400">
+                <a:moveTo>
+                  <a:pt x="0" y="400"/>
+                </a:moveTo>
+                <a:cubicBezTo>
+                  <a:pt x="47" y="382"/>
+                  <a:pt x="95" y="364"/>
+                  <a:pt x="136" y="328"/>
+                </a:cubicBezTo>
+                <a:cubicBezTo>
+                  <a:pt x="177" y="292"/>
+                  <a:pt x="225" y="239"/>
+                  <a:pt x="248" y="184"/>
+                </a:cubicBezTo>
+                <a:cubicBezTo>
+                  <a:pt x="271" y="129"/>
+                  <a:pt x="271" y="64"/>
+                  <a:pt x="272" y="0"/>
+                </a:cubicBezTo>
+              </a:path>
+            </a:pathLst>
+          </a:custGeom>
+          <a:noFill/>
+          <a:ln w="28575" cap="flat" cmpd="sng">
+            <a:solidFill>
+              <a:schemeClr val="tx1"/>
+            </a:solidFill>
+            <a:prstDash val="dash"/>
+            <a:round/>
+            <a:headEnd/>
+            <a:tailEnd/>
+          </a:ln>
+          <a:effectLst/>
+          <a:extLst>
+            <a:ext uri="{909E8E84-426E-40DD-AFC4-6F175D3DCCD1}">
+              <a14:hiddenFill xmlns:a14="http://schemas.microsoft.com/office/drawing/2010/main">
+                <a:solidFill>
+                  <a:schemeClr val="accent1"/>
+                </a:solidFill>
+              </a14:hiddenFill>
+            </a:ext>
+            <a:ext uri="{AF507438-7753-43E0-B8FC-AC1667EBCBE1}">
+              <a14:hiddenEffects xmlns:a14="http://schemas.microsoft.com/office/drawing/2010/main">
+                <a:effectLst>
+                  <a:outerShdw dist="35921" dir="2700000" algn="ctr" rotWithShape="0">
+                    <a:schemeClr val="bg2"/>
+                  </a:outerShdw>
+                </a:effectLst>
+              </a14:hiddenEffects>
+            </a:ext>
+          </a:extLst>
+        </p:spPr>
+        <p:txBody>
+          <a:bodyPr/>
+          <a:lstStyle/>
+          <a:p>
+            <a:pPr>
+              <a:buNone/>
+            </a:pPr>
+            <a:endParaRPr lang="ru-RU"/>
+          </a:p>
+        </p:txBody>
+      </p:sp>
+    </p:spTree>
+    <p:extLst>
+      <p:ext uri="{BB962C8B-B14F-4D97-AF65-F5344CB8AC3E}">
+        <p14:creationId xmlns:p14="http://schemas.microsoft.com/office/powerpoint/2010/main" val="911699436"/>
+      </p:ext>
+    </p:extLst>
+  </p:cSld>
+  <p:clrMapOvr>
+    <a:masterClrMapping/>
+  </p:clrMapOvr>
+  <p:timing>
+    <p:tnLst>
+      <p:par>
+        <p:cTn id="1" dur="indefinite" restart="never" nodeType="tmRoot"/>
+      </p:par>
+    </p:tnLst>
+  </p:timing>
+</p:sld>
+</file>
+
+<file path=ppt/slides/slide15.xml><?xml version="1.0" encoding="utf-8"?>
+<p:sld xmlns:a="http://schemas.openxmlformats.org/drawingml/2006/main" xmlns:r="http://schemas.openxmlformats.org/officeDocument/2006/relationships" xmlns:p="http://schemas.openxmlformats.org/presentationml/2006/main">
+  <p:cSld>
+    <p:spTree>
+      <p:nvGrpSpPr>
+        <p:cNvPr id="1" name=""/>
+        <p:cNvGrpSpPr/>
+        <p:nvPr/>
+      </p:nvGrpSpPr>
+      <p:grpSpPr>
+        <a:xfrm>
+          <a:off x="0" y="0"/>
+          <a:ext cx="0" cy="0"/>
+          <a:chOff x="0" y="0"/>
+          <a:chExt cx="0" cy="0"/>
+        </a:xfrm>
+      </p:grpSpPr>
+      <p:sp>
+        <p:nvSpPr>
+          <p:cNvPr id="123" name="Заголовок 1"/>
+          <p:cNvSpPr txBox="1">
+            <a:spLocks/>
+          </p:cNvSpPr>
+          <p:nvPr/>
+        </p:nvSpPr>
+        <p:spPr>
+          <a:xfrm>
+            <a:off x="0" y="241201"/>
+            <a:ext cx="9144000" cy="1008112"/>
+          </a:xfrm>
+          <a:prstGeom prst="rect">
+            <a:avLst/>
+          </a:prstGeom>
+        </p:spPr>
+        <p:txBody>
+          <a:bodyPr/>
+          <a:lstStyle>
+            <a:lvl1pPr algn="l" rtl="0" fontAlgn="base">
+              <a:spcBef>
+                <a:spcPct val="0"/>
+              </a:spcBef>
+              <a:spcAft>
+                <a:spcPct val="0"/>
+              </a:spcAft>
+              <a:defRPr sz="4400">
+                <a:solidFill>
+                  <a:schemeClr val="tx2"/>
+                </a:solidFill>
+                <a:latin typeface="+mj-lt"/>
+                <a:ea typeface="+mj-ea"/>
+                <a:cs typeface="+mj-cs"/>
+              </a:defRPr>
+            </a:lvl1pPr>
+            <a:lvl2pPr algn="l" rtl="0" fontAlgn="base">
+              <a:spcBef>
+                <a:spcPct val="0"/>
+              </a:spcBef>
+              <a:spcAft>
+                <a:spcPct val="0"/>
+              </a:spcAft>
+              <a:defRPr sz="4400">
+                <a:solidFill>
+                  <a:schemeClr val="tx2"/>
+                </a:solidFill>
+                <a:latin typeface="Times New Roman" pitchFamily="18" charset="0"/>
+              </a:defRPr>
+            </a:lvl2pPr>
+            <a:lvl3pPr algn="l" rtl="0" fontAlgn="base">
+              <a:spcBef>
+                <a:spcPct val="0"/>
+              </a:spcBef>
+              <a:spcAft>
+                <a:spcPct val="0"/>
+              </a:spcAft>
+              <a:defRPr sz="4400">
+                <a:solidFill>
+                  <a:schemeClr val="tx2"/>
+                </a:solidFill>
+                <a:latin typeface="Times New Roman" pitchFamily="18" charset="0"/>
+              </a:defRPr>
+            </a:lvl3pPr>
+            <a:lvl4pPr algn="l" rtl="0" fontAlgn="base">
+              <a:spcBef>
+                <a:spcPct val="0"/>
+              </a:spcBef>
+              <a:spcAft>
+                <a:spcPct val="0"/>
+              </a:spcAft>
+              <a:defRPr sz="4400">
+                <a:solidFill>
+                  <a:schemeClr val="tx2"/>
+                </a:solidFill>
+                <a:latin typeface="Times New Roman" pitchFamily="18" charset="0"/>
+              </a:defRPr>
+            </a:lvl4pPr>
+            <a:lvl5pPr algn="l" rtl="0" fontAlgn="base">
+              <a:spcBef>
+                <a:spcPct val="0"/>
+              </a:spcBef>
+              <a:spcAft>
+                <a:spcPct val="0"/>
+              </a:spcAft>
+              <a:defRPr sz="4400">
+                <a:solidFill>
+                  <a:schemeClr val="tx2"/>
+                </a:solidFill>
+                <a:latin typeface="Times New Roman" pitchFamily="18" charset="0"/>
+              </a:defRPr>
+            </a:lvl5pPr>
+            <a:lvl6pPr marL="457200" algn="l" rtl="0" fontAlgn="base">
+              <a:spcBef>
+                <a:spcPct val="0"/>
+              </a:spcBef>
+              <a:spcAft>
+                <a:spcPct val="0"/>
+              </a:spcAft>
+              <a:defRPr sz="4400">
+                <a:solidFill>
+                  <a:schemeClr val="tx2"/>
+                </a:solidFill>
+                <a:latin typeface="Times New Roman" pitchFamily="18" charset="0"/>
+              </a:defRPr>
+            </a:lvl6pPr>
+            <a:lvl7pPr marL="914400" algn="l" rtl="0" fontAlgn="base">
+              <a:spcBef>
+                <a:spcPct val="0"/>
+              </a:spcBef>
+              <a:spcAft>
+                <a:spcPct val="0"/>
+              </a:spcAft>
+              <a:defRPr sz="4400">
+                <a:solidFill>
+                  <a:schemeClr val="tx2"/>
+                </a:solidFill>
+                <a:latin typeface="Times New Roman" pitchFamily="18" charset="0"/>
+              </a:defRPr>
+            </a:lvl7pPr>
+            <a:lvl8pPr marL="1371600" algn="l" rtl="0" fontAlgn="base">
+              <a:spcBef>
+                <a:spcPct val="0"/>
+              </a:spcBef>
+              <a:spcAft>
+                <a:spcPct val="0"/>
+              </a:spcAft>
+              <a:defRPr sz="4400">
+                <a:solidFill>
+                  <a:schemeClr val="tx2"/>
+                </a:solidFill>
+                <a:latin typeface="Times New Roman" pitchFamily="18" charset="0"/>
+              </a:defRPr>
+            </a:lvl8pPr>
+            <a:lvl9pPr marL="1828800" algn="l" rtl="0" fontAlgn="base">
+              <a:spcBef>
+                <a:spcPct val="0"/>
+              </a:spcBef>
+              <a:spcAft>
+                <a:spcPct val="0"/>
+              </a:spcAft>
+              <a:defRPr sz="4400">
+                <a:solidFill>
+                  <a:schemeClr val="tx2"/>
+                </a:solidFill>
+                <a:latin typeface="Times New Roman" pitchFamily="18" charset="0"/>
+              </a:defRPr>
+            </a:lvl9pPr>
+          </a:lstStyle>
+          <a:p>
+            <a:pPr algn="ctr">
+              <a:buClrTx/>
+              <a:buSzTx/>
+              <a:buNone/>
+            </a:pPr>
+            <a:r>
+              <a:rPr kumimoji="0" lang="ru-RU" altLang="ru-RU" b="1" kern="0" dirty="0" smtClean="0"/>
+              <a:t>Демультиплексирование</a:t>
+            </a:r>
+          </a:p>
+          <a:p>
+            <a:pPr algn="ctr">
+              <a:buClrTx/>
+              <a:buSzTx/>
+              <a:buNone/>
+            </a:pPr>
+            <a:r>
+              <a:rPr kumimoji="0" lang="en-US" altLang="ru-RU" b="1" kern="0" dirty="0" smtClean="0"/>
+              <a:t>TCP</a:t>
+            </a:r>
+            <a:r>
+              <a:rPr kumimoji="0" lang="ru-RU" altLang="ru-RU" b="1" kern="0" dirty="0" smtClean="0"/>
+              <a:t>-соединений</a:t>
+            </a:r>
+          </a:p>
+        </p:txBody>
+      </p:sp>
+      <p:grpSp>
+        <p:nvGrpSpPr>
+          <p:cNvPr id="2" name="Группа 1"/>
+          <p:cNvGrpSpPr/>
+          <p:nvPr/>
+        </p:nvGrpSpPr>
+        <p:grpSpPr>
+          <a:xfrm>
+            <a:off x="1486692" y="1560480"/>
+            <a:ext cx="6536532" cy="5170548"/>
+            <a:chOff x="1583530" y="0"/>
+            <a:chExt cx="6536532" cy="5849998"/>
+          </a:xfrm>
+        </p:grpSpPr>
+        <p:sp>
+          <p:nvSpPr>
+            <p:cNvPr id="41" name="Rectangle 2"/>
+            <p:cNvSpPr>
+              <a:spLocks noChangeArrowheads="1"/>
+            </p:cNvSpPr>
+            <p:nvPr/>
+          </p:nvSpPr>
+          <p:spPr bwMode="auto">
+            <a:xfrm>
+              <a:off x="3609975" y="1166813"/>
+              <a:ext cx="2303463" cy="2566987"/>
+            </a:xfrm>
+            <a:prstGeom prst="rect">
+              <a:avLst/>
+            </a:prstGeom>
+            <a:solidFill>
+              <a:srgbClr val="DDDDDD"/>
+            </a:solidFill>
+            <a:ln w="9525">
+              <a:solidFill>
+                <a:schemeClr val="tx1"/>
+              </a:solidFill>
+              <a:prstDash val="sysDot"/>
+              <a:miter lim="800000"/>
+              <a:headEnd/>
+              <a:tailEnd/>
+            </a:ln>
+            <a:effectLst/>
+            <a:extLst>
+              <a:ext uri="{AF507438-7753-43E0-B8FC-AC1667EBCBE1}">
+                <a14:hiddenEffects xmlns:a14="http://schemas.microsoft.com/office/drawing/2010/main">
+                  <a:effectLst>
+                    <a:outerShdw dist="35921" dir="2700000" algn="ctr" rotWithShape="0">
+                      <a:schemeClr val="bg2"/>
+                    </a:outerShdw>
+                  </a:effectLst>
+                </a14:hiddenEffects>
+              </a:ext>
+            </a:extLst>
+          </p:spPr>
+          <p:txBody>
+            <a:bodyPr wrap="none" anchor="ctr"/>
+            <a:lstStyle/>
+            <a:p>
+              <a:pPr>
+                <a:buNone/>
+              </a:pPr>
+              <a:endParaRPr lang="ru-RU"/>
+            </a:p>
+          </p:txBody>
+        </p:sp>
+        <p:sp>
+          <p:nvSpPr>
+            <p:cNvPr id="42" name="Oval 3"/>
+            <p:cNvSpPr>
+              <a:spLocks noChangeArrowheads="1"/>
+            </p:cNvSpPr>
+            <p:nvPr/>
+          </p:nvSpPr>
+          <p:spPr bwMode="auto">
+            <a:xfrm>
+              <a:off x="2268538" y="404813"/>
+              <a:ext cx="1079500" cy="576262"/>
+            </a:xfrm>
+            <a:prstGeom prst="ellipse">
+              <a:avLst/>
+            </a:prstGeom>
+            <a:solidFill>
+              <a:srgbClr val="FFFFCC"/>
+            </a:solidFill>
+            <a:ln w="9525">
+              <a:solidFill>
+                <a:schemeClr val="tx1"/>
+              </a:solidFill>
+              <a:round/>
+              <a:headEnd/>
+              <a:tailEnd/>
+            </a:ln>
+            <a:effectLst/>
+            <a:extLst>
+              <a:ext uri="{AF507438-7753-43E0-B8FC-AC1667EBCBE1}">
+                <a14:hiddenEffects xmlns:a14="http://schemas.microsoft.com/office/drawing/2010/main">
+                  <a:effectLst>
+                    <a:outerShdw dist="35921" dir="2700000" algn="ctr" rotWithShape="0">
+                      <a:schemeClr val="bg2"/>
+                    </a:outerShdw>
+                  </a:effectLst>
+                </a14:hiddenEffects>
+              </a:ext>
+            </a:extLst>
+          </p:spPr>
+          <p:txBody>
+            <a:bodyPr wrap="none" anchor="ctr"/>
+            <a:lstStyle/>
+            <a:p>
+              <a:pPr>
+                <a:buNone/>
+              </a:pPr>
+              <a:endParaRPr lang="ru-RU"/>
+            </a:p>
+          </p:txBody>
+        </p:sp>
+        <p:sp>
+          <p:nvSpPr>
+            <p:cNvPr id="43" name="Text Box 4"/>
+            <p:cNvSpPr txBox="1">
+              <a:spLocks noChangeArrowheads="1"/>
+            </p:cNvSpPr>
+            <p:nvPr/>
+          </p:nvSpPr>
+          <p:spPr bwMode="auto">
+            <a:xfrm>
+              <a:off x="2411413" y="549275"/>
+              <a:ext cx="1152525" cy="383043"/>
+            </a:xfrm>
+            <a:prstGeom prst="rect">
+              <a:avLst/>
+            </a:prstGeom>
+            <a:noFill/>
+            <a:ln>
+              <a:noFill/>
+            </a:ln>
+            <a:effectLst/>
+            <a:extLst>
+              <a:ext uri="{909E8E84-426E-40DD-AFC4-6F175D3DCCD1}">
+                <a14:hiddenFill xmlns:a14="http://schemas.microsoft.com/office/drawing/2010/main">
+                  <a:solidFill>
+                    <a:schemeClr val="accent1"/>
+                  </a:solidFill>
+                </a14:hiddenFill>
+              </a:ext>
+              <a:ext uri="{91240B29-F687-4F45-9708-019B960494DF}">
+                <a14:hiddenLine xmlns:a14="http://schemas.microsoft.com/office/drawing/2010/main" w="9525">
+                  <a:solidFill>
+                    <a:schemeClr val="tx1"/>
+                  </a:solidFill>
+                  <a:miter lim="800000"/>
+                  <a:headEnd/>
+                  <a:tailEnd/>
+                </a14:hiddenLine>
+              </a:ext>
+              <a:ext uri="{AF507438-7753-43E0-B8FC-AC1667EBCBE1}">
+                <a14:hiddenEffects xmlns:a14="http://schemas.microsoft.com/office/drawing/2010/main">
+                  <a:effectLst>
+                    <a:outerShdw dist="35921" dir="2700000" algn="ctr" rotWithShape="0">
+                      <a:schemeClr val="bg2"/>
+                    </a:outerShdw>
+                  </a:effectLst>
+                </a14:hiddenEffects>
+              </a:ext>
+            </a:extLst>
+          </p:spPr>
+          <p:txBody>
+            <a:bodyPr>
+              <a:spAutoFit/>
+            </a:bodyPr>
+            <a:lstStyle/>
+            <a:p>
+              <a:pPr>
+                <a:spcBef>
+                  <a:spcPct val="50000"/>
+                </a:spcBef>
+                <a:buNone/>
+              </a:pPr>
+              <a:r>
+                <a:rPr lang="en-US" altLang="ru-RU" sz="1600" dirty="0" smtClean="0">
+                  <a:latin typeface="Times New Roman" pitchFamily="18" charset="0"/>
+                </a:rPr>
+                <a:t>WWW</a:t>
+              </a:r>
+              <a:endParaRPr lang="ru-RU" altLang="ru-RU" sz="2400" dirty="0">
+                <a:latin typeface="Times New Roman" pitchFamily="18" charset="0"/>
+              </a:endParaRPr>
+            </a:p>
+          </p:txBody>
+        </p:sp>
+        <p:sp>
+          <p:nvSpPr>
+            <p:cNvPr id="44" name="Oval 5"/>
+            <p:cNvSpPr>
+              <a:spLocks noChangeArrowheads="1"/>
+            </p:cNvSpPr>
+            <p:nvPr/>
+          </p:nvSpPr>
+          <p:spPr bwMode="auto">
+            <a:xfrm>
+              <a:off x="5940425" y="404813"/>
+              <a:ext cx="1079500" cy="576262"/>
+            </a:xfrm>
+            <a:prstGeom prst="ellipse">
+              <a:avLst/>
+            </a:prstGeom>
+            <a:solidFill>
+              <a:srgbClr val="FFFFCC"/>
+            </a:solidFill>
+            <a:ln w="9525">
+              <a:solidFill>
+                <a:schemeClr val="tx1"/>
+              </a:solidFill>
+              <a:round/>
+              <a:headEnd/>
+              <a:tailEnd/>
+            </a:ln>
+            <a:effectLst/>
+            <a:extLst>
+              <a:ext uri="{AF507438-7753-43E0-B8FC-AC1667EBCBE1}">
+                <a14:hiddenEffects xmlns:a14="http://schemas.microsoft.com/office/drawing/2010/main">
+                  <a:effectLst>
+                    <a:outerShdw dist="35921" dir="2700000" algn="ctr" rotWithShape="0">
+                      <a:schemeClr val="bg2"/>
+                    </a:outerShdw>
+                  </a:effectLst>
+                </a14:hiddenEffects>
+              </a:ext>
+            </a:extLst>
+          </p:spPr>
+          <p:txBody>
+            <a:bodyPr wrap="none" anchor="ctr"/>
+            <a:lstStyle/>
+            <a:p>
+              <a:pPr>
+                <a:buNone/>
+              </a:pPr>
+              <a:endParaRPr lang="ru-RU"/>
+            </a:p>
+          </p:txBody>
+        </p:sp>
+        <p:sp>
+          <p:nvSpPr>
+            <p:cNvPr id="45" name="Text Box 6"/>
+            <p:cNvSpPr txBox="1">
+              <a:spLocks noChangeArrowheads="1"/>
+            </p:cNvSpPr>
+            <p:nvPr/>
+          </p:nvSpPr>
+          <p:spPr bwMode="auto">
+            <a:xfrm>
+              <a:off x="6053138" y="511175"/>
+              <a:ext cx="1152525" cy="383043"/>
+            </a:xfrm>
+            <a:prstGeom prst="rect">
+              <a:avLst/>
+            </a:prstGeom>
+            <a:noFill/>
+            <a:ln>
+              <a:noFill/>
+            </a:ln>
+            <a:effectLst/>
+            <a:extLst>
+              <a:ext uri="{909E8E84-426E-40DD-AFC4-6F175D3DCCD1}">
+                <a14:hiddenFill xmlns:a14="http://schemas.microsoft.com/office/drawing/2010/main">
+                  <a:solidFill>
+                    <a:schemeClr val="accent1"/>
+                  </a:solidFill>
+                </a14:hiddenFill>
+              </a:ext>
+              <a:ext uri="{91240B29-F687-4F45-9708-019B960494DF}">
+                <a14:hiddenLine xmlns:a14="http://schemas.microsoft.com/office/drawing/2010/main" w="9525">
+                  <a:solidFill>
+                    <a:schemeClr val="tx1"/>
+                  </a:solidFill>
+                  <a:miter lim="800000"/>
+                  <a:headEnd/>
+                  <a:tailEnd/>
+                </a14:hiddenLine>
+              </a:ext>
+              <a:ext uri="{AF507438-7753-43E0-B8FC-AC1667EBCBE1}">
+                <a14:hiddenEffects xmlns:a14="http://schemas.microsoft.com/office/drawing/2010/main">
+                  <a:effectLst>
+                    <a:outerShdw dist="35921" dir="2700000" algn="ctr" rotWithShape="0">
+                      <a:schemeClr val="bg2"/>
+                    </a:outerShdw>
+                  </a:effectLst>
+                </a14:hiddenEffects>
+              </a:ext>
+            </a:extLst>
+          </p:spPr>
+          <p:txBody>
+            <a:bodyPr>
+              <a:spAutoFit/>
+            </a:bodyPr>
+            <a:lstStyle/>
+            <a:p>
+              <a:pPr>
+                <a:spcBef>
+                  <a:spcPct val="50000"/>
+                </a:spcBef>
+                <a:buNone/>
+              </a:pPr>
+              <a:r>
+                <a:rPr lang="en-US" altLang="ru-RU" sz="1600" dirty="0" smtClean="0">
+                  <a:latin typeface="Times New Roman" pitchFamily="18" charset="0"/>
+                </a:rPr>
+                <a:t>WWW</a:t>
+              </a:r>
+              <a:endParaRPr lang="ru-RU" altLang="ru-RU" sz="2400" dirty="0">
+                <a:latin typeface="Times New Roman" pitchFamily="18" charset="0"/>
+              </a:endParaRPr>
+            </a:p>
+          </p:txBody>
+        </p:sp>
+        <p:sp>
+          <p:nvSpPr>
+            <p:cNvPr id="46" name="Rectangle 7"/>
+            <p:cNvSpPr>
+              <a:spLocks noChangeArrowheads="1"/>
+            </p:cNvSpPr>
+            <p:nvPr/>
+          </p:nvSpPr>
+          <p:spPr bwMode="auto">
+            <a:xfrm>
+              <a:off x="4498975" y="3733800"/>
+              <a:ext cx="504825" cy="144463"/>
+            </a:xfrm>
+            <a:prstGeom prst="rect">
+              <a:avLst/>
+            </a:prstGeom>
+            <a:solidFill>
+              <a:srgbClr val="DDDDDD"/>
+            </a:solidFill>
+            <a:ln w="9525">
+              <a:solidFill>
+                <a:schemeClr val="tx1"/>
+              </a:solidFill>
+              <a:miter lim="800000"/>
+              <a:headEnd/>
+              <a:tailEnd/>
+            </a:ln>
+            <a:effectLst/>
+            <a:extLst>
+              <a:ext uri="{AF507438-7753-43E0-B8FC-AC1667EBCBE1}">
+                <a14:hiddenEffects xmlns:a14="http://schemas.microsoft.com/office/drawing/2010/main">
+                  <a:effectLst>
+                    <a:outerShdw dist="35921" dir="2700000" algn="ctr" rotWithShape="0">
+                      <a:schemeClr val="bg2"/>
+                    </a:outerShdw>
+                  </a:effectLst>
+                </a14:hiddenEffects>
+              </a:ext>
+            </a:extLst>
+          </p:spPr>
+          <p:txBody>
+            <a:bodyPr wrap="none" anchor="ctr"/>
+            <a:lstStyle/>
+            <a:p>
+              <a:pPr>
+                <a:buNone/>
+              </a:pPr>
+              <a:endParaRPr lang="ru-RU"/>
+            </a:p>
+          </p:txBody>
+        </p:sp>
+        <p:sp>
+          <p:nvSpPr>
+            <p:cNvPr id="47" name="Rectangle 8"/>
+            <p:cNvSpPr>
+              <a:spLocks noChangeArrowheads="1"/>
+            </p:cNvSpPr>
+            <p:nvPr/>
+          </p:nvSpPr>
+          <p:spPr bwMode="auto">
+            <a:xfrm>
+              <a:off x="5473700" y="4713288"/>
+              <a:ext cx="431800" cy="431800"/>
+            </a:xfrm>
+            <a:prstGeom prst="rect">
+              <a:avLst/>
+            </a:prstGeom>
+            <a:solidFill>
+              <a:schemeClr val="accent1"/>
+            </a:solidFill>
+            <a:ln w="9525">
+              <a:solidFill>
+                <a:schemeClr val="tx1"/>
+              </a:solidFill>
+              <a:miter lim="800000"/>
+              <a:headEnd/>
+              <a:tailEnd/>
+            </a:ln>
+            <a:effectLst/>
+            <a:extLst>
+              <a:ext uri="{AF507438-7753-43E0-B8FC-AC1667EBCBE1}">
+                <a14:hiddenEffects xmlns:a14="http://schemas.microsoft.com/office/drawing/2010/main">
+                  <a:effectLst>
+                    <a:outerShdw dist="35921" dir="2700000" algn="ctr" rotWithShape="0">
+                      <a:schemeClr val="bg2"/>
+                    </a:outerShdw>
+                  </a:effectLst>
+                </a14:hiddenEffects>
+              </a:ext>
+            </a:extLst>
+          </p:spPr>
+          <p:txBody>
+            <a:bodyPr wrap="none" anchor="ctr"/>
+            <a:lstStyle/>
+            <a:p>
+              <a:pPr>
+                <a:buNone/>
+              </a:pPr>
+              <a:endParaRPr lang="ru-RU"/>
+            </a:p>
+          </p:txBody>
+        </p:sp>
+        <p:sp>
+          <p:nvSpPr>
+            <p:cNvPr id="48" name="Rectangle 9"/>
+            <p:cNvSpPr>
+              <a:spLocks noChangeArrowheads="1"/>
+            </p:cNvSpPr>
+            <p:nvPr/>
+          </p:nvSpPr>
+          <p:spPr bwMode="auto">
+            <a:xfrm>
+              <a:off x="3579813" y="4705350"/>
+              <a:ext cx="431800" cy="431800"/>
+            </a:xfrm>
+            <a:prstGeom prst="rect">
+              <a:avLst/>
+            </a:prstGeom>
+            <a:solidFill>
+              <a:schemeClr val="accent1"/>
+            </a:solidFill>
+            <a:ln w="9525">
+              <a:solidFill>
+                <a:schemeClr val="tx1"/>
+              </a:solidFill>
+              <a:miter lim="800000"/>
+              <a:headEnd/>
+              <a:tailEnd/>
+            </a:ln>
+            <a:effectLst/>
+            <a:extLst>
+              <a:ext uri="{AF507438-7753-43E0-B8FC-AC1667EBCBE1}">
+                <a14:hiddenEffects xmlns:a14="http://schemas.microsoft.com/office/drawing/2010/main">
+                  <a:effectLst>
+                    <a:outerShdw dist="35921" dir="2700000" algn="ctr" rotWithShape="0">
+                      <a:schemeClr val="bg2"/>
+                    </a:outerShdw>
+                  </a:effectLst>
+                </a14:hiddenEffects>
+              </a:ext>
+            </a:extLst>
+          </p:spPr>
+          <p:txBody>
+            <a:bodyPr wrap="none" anchor="ctr"/>
+            <a:lstStyle/>
+            <a:p>
+              <a:pPr>
+                <a:buNone/>
+              </a:pPr>
+              <a:endParaRPr lang="ru-RU"/>
+            </a:p>
+          </p:txBody>
+        </p:sp>
+        <p:sp>
+          <p:nvSpPr>
+            <p:cNvPr id="49" name="Text Box 10"/>
+            <p:cNvSpPr txBox="1">
+              <a:spLocks noChangeArrowheads="1"/>
+            </p:cNvSpPr>
+            <p:nvPr/>
+          </p:nvSpPr>
+          <p:spPr bwMode="auto">
+            <a:xfrm>
+              <a:off x="4089400" y="5449888"/>
+              <a:ext cx="2124075" cy="400110"/>
+            </a:xfrm>
+            <a:prstGeom prst="rect">
+              <a:avLst/>
+            </a:prstGeom>
+            <a:noFill/>
+            <a:ln>
+              <a:noFill/>
+            </a:ln>
+            <a:effectLst/>
+            <a:extLst>
+              <a:ext uri="{909E8E84-426E-40DD-AFC4-6F175D3DCCD1}">
+                <a14:hiddenFill xmlns:a14="http://schemas.microsoft.com/office/drawing/2010/main">
+                  <a:solidFill>
+                    <a:schemeClr val="accent1"/>
+                  </a:solidFill>
+                </a14:hiddenFill>
+              </a:ext>
+              <a:ext uri="{91240B29-F687-4F45-9708-019B960494DF}">
+                <a14:hiddenLine xmlns:a14="http://schemas.microsoft.com/office/drawing/2010/main" w="9525">
+                  <a:solidFill>
+                    <a:schemeClr val="tx1"/>
+                  </a:solidFill>
+                  <a:miter lim="800000"/>
+                  <a:headEnd/>
+                  <a:tailEnd/>
+                </a14:hiddenLine>
+              </a:ext>
+              <a:ext uri="{AF507438-7753-43E0-B8FC-AC1667EBCBE1}">
+                <a14:hiddenEffects xmlns:a14="http://schemas.microsoft.com/office/drawing/2010/main">
+                  <a:effectLst>
+                    <a:outerShdw dist="35921" dir="2700000" algn="ctr" rotWithShape="0">
+                      <a:schemeClr val="bg2"/>
+                    </a:outerShdw>
+                  </a:effectLst>
+                </a14:hiddenEffects>
+              </a:ext>
+            </a:extLst>
+          </p:spPr>
+          <p:txBody>
+            <a:bodyPr>
+              <a:spAutoFit/>
+            </a:bodyPr>
+            <a:lstStyle/>
+            <a:p>
+              <a:pPr>
+                <a:spcBef>
+                  <a:spcPct val="50000"/>
+                </a:spcBef>
+                <a:buNone/>
+              </a:pPr>
+              <a:r>
+                <a:rPr lang="en-GB" altLang="ru-RU"/>
+                <a:t>Browsers</a:t>
+              </a:r>
+              <a:endParaRPr lang="ru-RU" altLang="ru-RU"/>
+            </a:p>
+          </p:txBody>
+        </p:sp>
+        <p:sp>
+          <p:nvSpPr>
+            <p:cNvPr id="50" name="Text Box 11"/>
+            <p:cNvSpPr txBox="1">
+              <a:spLocks noChangeArrowheads="1"/>
+            </p:cNvSpPr>
+            <p:nvPr/>
+          </p:nvSpPr>
+          <p:spPr bwMode="auto">
+            <a:xfrm>
+              <a:off x="3567113" y="4619625"/>
+              <a:ext cx="287336" cy="519113"/>
+            </a:xfrm>
+            <a:prstGeom prst="rect">
+              <a:avLst/>
+            </a:prstGeom>
+            <a:noFill/>
+            <a:ln>
+              <a:noFill/>
+            </a:ln>
+            <a:effectLst/>
+            <a:extLst>
+              <a:ext uri="{909E8E84-426E-40DD-AFC4-6F175D3DCCD1}">
+                <a14:hiddenFill xmlns:a14="http://schemas.microsoft.com/office/drawing/2010/main">
+                  <a:solidFill>
+                    <a:schemeClr val="accent1"/>
+                  </a:solidFill>
+                </a14:hiddenFill>
+              </a:ext>
+              <a:ext uri="{91240B29-F687-4F45-9708-019B960494DF}">
+                <a14:hiddenLine xmlns:a14="http://schemas.microsoft.com/office/drawing/2010/main" w="9525">
+                  <a:solidFill>
+                    <a:schemeClr val="tx1"/>
+                  </a:solidFill>
+                  <a:miter lim="800000"/>
+                  <a:headEnd/>
+                  <a:tailEnd/>
+                </a14:hiddenLine>
+              </a:ext>
+              <a:ext uri="{AF507438-7753-43E0-B8FC-AC1667EBCBE1}">
+                <a14:hiddenEffects xmlns:a14="http://schemas.microsoft.com/office/drawing/2010/main">
+                  <a:effectLst>
+                    <a:outerShdw dist="35921" dir="2700000" algn="ctr" rotWithShape="0">
+                      <a:schemeClr val="bg2"/>
+                    </a:outerShdw>
+                  </a:effectLst>
+                </a14:hiddenEffects>
+              </a:ext>
+            </a:extLst>
+          </p:spPr>
+          <p:txBody>
+            <a:bodyPr>
+              <a:spAutoFit/>
+            </a:bodyPr>
+            <a:lstStyle/>
+            <a:p>
+              <a:pPr>
+                <a:spcBef>
+                  <a:spcPct val="50000"/>
+                </a:spcBef>
+                <a:buNone/>
+              </a:pPr>
+              <a:r>
+                <a:rPr lang="ru-RU" altLang="ru-RU" sz="2800" b="1">
+                  <a:latin typeface="Times New Roman" pitchFamily="18" charset="0"/>
+                </a:rPr>
+                <a:t>к</a:t>
+              </a:r>
+            </a:p>
+          </p:txBody>
+        </p:sp>
+        <p:sp>
+          <p:nvSpPr>
+            <p:cNvPr id="51" name="Text Box 12"/>
+            <p:cNvSpPr txBox="1">
+              <a:spLocks noChangeArrowheads="1"/>
+            </p:cNvSpPr>
+            <p:nvPr/>
+          </p:nvSpPr>
+          <p:spPr bwMode="auto">
+            <a:xfrm>
+              <a:off x="3917950" y="4510088"/>
+              <a:ext cx="1225550" cy="400110"/>
+            </a:xfrm>
+            <a:prstGeom prst="rect">
+              <a:avLst/>
+            </a:prstGeom>
+            <a:noFill/>
+            <a:ln>
+              <a:noFill/>
+            </a:ln>
+            <a:effectLst/>
+            <a:extLst>
+              <a:ext uri="{909E8E84-426E-40DD-AFC4-6F175D3DCCD1}">
+                <a14:hiddenFill xmlns:a14="http://schemas.microsoft.com/office/drawing/2010/main">
+                  <a:solidFill>
+                    <a:schemeClr val="accent1"/>
+                  </a:solidFill>
+                </a14:hiddenFill>
+              </a:ext>
+              <a:ext uri="{91240B29-F687-4F45-9708-019B960494DF}">
+                <a14:hiddenLine xmlns:a14="http://schemas.microsoft.com/office/drawing/2010/main" w="9525">
+                  <a:solidFill>
+                    <a:schemeClr val="tx1"/>
+                  </a:solidFill>
+                  <a:miter lim="800000"/>
+                  <a:headEnd/>
+                  <a:tailEnd/>
+                </a14:hiddenLine>
+              </a:ext>
+              <a:ext uri="{AF507438-7753-43E0-B8FC-AC1667EBCBE1}">
+                <a14:hiddenEffects xmlns:a14="http://schemas.microsoft.com/office/drawing/2010/main">
+                  <a:effectLst>
+                    <a:outerShdw dist="35921" dir="2700000" algn="ctr" rotWithShape="0">
+                      <a:schemeClr val="bg2"/>
+                    </a:outerShdw>
+                  </a:effectLst>
+                </a14:hiddenEffects>
+              </a:ext>
+            </a:extLst>
+          </p:spPr>
+          <p:txBody>
+            <a:bodyPr>
+              <a:spAutoFit/>
+            </a:bodyPr>
+            <a:lstStyle/>
+            <a:p>
+              <a:pPr>
+                <a:spcBef>
+                  <a:spcPct val="50000"/>
+                </a:spcBef>
+                <a:buNone/>
+              </a:pPr>
+              <a:r>
+                <a:rPr lang="en-US" altLang="ru-RU">
+                  <a:latin typeface="Arial Narrow" pitchFamily="34" charset="0"/>
+                </a:rPr>
+                <a:t>(IP</a:t>
+              </a:r>
+              <a:r>
+                <a:rPr lang="en-US" altLang="ru-RU" sz="1600">
+                  <a:latin typeface="Arial Narrow" pitchFamily="34" charset="0"/>
+                </a:rPr>
+                <a:t>k</a:t>
+              </a:r>
+              <a:r>
+                <a:rPr lang="en-US" altLang="ru-RU">
+                  <a:latin typeface="Arial Narrow" pitchFamily="34" charset="0"/>
+                </a:rPr>
+                <a:t>, n</a:t>
+              </a:r>
+              <a:r>
+                <a:rPr lang="en-US" altLang="ru-RU" sz="1600">
+                  <a:latin typeface="Arial Narrow" pitchFamily="34" charset="0"/>
+                </a:rPr>
+                <a:t>k</a:t>
+              </a:r>
+              <a:r>
+                <a:rPr lang="en-US" altLang="ru-RU">
+                  <a:latin typeface="Arial Narrow" pitchFamily="34" charset="0"/>
+                </a:rPr>
+                <a:t>)</a:t>
+              </a:r>
+              <a:endParaRPr lang="ru-RU" altLang="ru-RU">
+                <a:latin typeface="Arial Narrow" pitchFamily="34" charset="0"/>
+              </a:endParaRPr>
+            </a:p>
+          </p:txBody>
+        </p:sp>
+        <p:sp>
+          <p:nvSpPr>
+            <p:cNvPr id="52" name="Text Box 13"/>
+            <p:cNvSpPr txBox="1">
+              <a:spLocks noChangeArrowheads="1"/>
+            </p:cNvSpPr>
+            <p:nvPr/>
+          </p:nvSpPr>
+          <p:spPr bwMode="auto">
+            <a:xfrm>
+              <a:off x="1583530" y="0"/>
+              <a:ext cx="2089151" cy="707886"/>
+            </a:xfrm>
+            <a:prstGeom prst="rect">
+              <a:avLst/>
+            </a:prstGeom>
+            <a:noFill/>
+            <a:ln>
+              <a:noFill/>
+            </a:ln>
+            <a:effectLst/>
+            <a:extLst>
+              <a:ext uri="{909E8E84-426E-40DD-AFC4-6F175D3DCCD1}">
+                <a14:hiddenFill xmlns:a14="http://schemas.microsoft.com/office/drawing/2010/main">
+                  <a:solidFill>
+                    <a:schemeClr val="accent1"/>
+                  </a:solidFill>
+                </a14:hiddenFill>
+              </a:ext>
+              <a:ext uri="{91240B29-F687-4F45-9708-019B960494DF}">
+                <a14:hiddenLine xmlns:a14="http://schemas.microsoft.com/office/drawing/2010/main" w="9525">
+                  <a:solidFill>
+                    <a:schemeClr val="tx1"/>
+                  </a:solidFill>
+                  <a:miter lim="800000"/>
+                  <a:headEnd/>
+                  <a:tailEnd/>
+                </a14:hiddenLine>
+              </a:ext>
+              <a:ext uri="{AF507438-7753-43E0-B8FC-AC1667EBCBE1}">
+                <a14:hiddenEffects xmlns:a14="http://schemas.microsoft.com/office/drawing/2010/main">
+                  <a:effectLst>
+                    <a:outerShdw dist="35921" dir="2700000" algn="ctr" rotWithShape="0">
+                      <a:schemeClr val="bg2"/>
+                    </a:outerShdw>
+                  </a:effectLst>
+                </a14:hiddenEffects>
+              </a:ext>
+            </a:extLst>
+          </p:spPr>
+          <p:txBody>
+            <a:bodyPr>
+              <a:spAutoFit/>
+            </a:bodyPr>
+            <a:lstStyle/>
+            <a:p>
+              <a:pPr>
+                <a:spcBef>
+                  <a:spcPct val="50000"/>
+                </a:spcBef>
+                <a:buNone/>
+              </a:pPr>
+              <a:r>
+                <a:rPr lang="en-US" altLang="ru-RU" dirty="0">
+                  <a:latin typeface="Arial Narrow" pitchFamily="34" charset="0"/>
+                </a:rPr>
+                <a:t>www1.model.ru – IP1</a:t>
+              </a:r>
+              <a:endParaRPr lang="ru-RU" altLang="ru-RU" sz="1600" dirty="0">
+                <a:latin typeface="Times New Roman" pitchFamily="18" charset="0"/>
+              </a:endParaRPr>
+            </a:p>
+          </p:txBody>
+        </p:sp>
+        <p:sp>
+          <p:nvSpPr>
+            <p:cNvPr id="53" name="Rectangle 14"/>
+            <p:cNvSpPr>
+              <a:spLocks noChangeArrowheads="1"/>
+            </p:cNvSpPr>
+            <p:nvPr/>
+          </p:nvSpPr>
+          <p:spPr bwMode="auto">
+            <a:xfrm>
+              <a:off x="4284663" y="2492375"/>
+              <a:ext cx="1008062" cy="431800"/>
+            </a:xfrm>
+            <a:prstGeom prst="rect">
+              <a:avLst/>
+            </a:prstGeom>
+            <a:solidFill>
+              <a:schemeClr val="bg1"/>
+            </a:solidFill>
+            <a:ln w="9525">
+              <a:solidFill>
+                <a:schemeClr val="tx1"/>
+              </a:solidFill>
+              <a:miter lim="800000"/>
+              <a:headEnd/>
+              <a:tailEnd/>
+            </a:ln>
+            <a:effectLst/>
+            <a:extLst>
+              <a:ext uri="{AF507438-7753-43E0-B8FC-AC1667EBCBE1}">
+                <a14:hiddenEffects xmlns:a14="http://schemas.microsoft.com/office/drawing/2010/main">
+                  <a:effectLst>
+                    <a:outerShdw dist="35921" dir="2700000" algn="ctr" rotWithShape="0">
+                      <a:schemeClr val="bg2"/>
+                    </a:outerShdw>
+                  </a:effectLst>
+                </a14:hiddenEffects>
+              </a:ext>
+            </a:extLst>
+          </p:spPr>
+          <p:txBody>
+            <a:bodyPr wrap="none" anchor="ctr"/>
+            <a:lstStyle/>
+            <a:p>
+              <a:pPr>
+                <a:buNone/>
+              </a:pPr>
+              <a:endParaRPr lang="ru-RU"/>
+            </a:p>
+          </p:txBody>
+        </p:sp>
+        <p:sp>
+          <p:nvSpPr>
+            <p:cNvPr id="54" name="Text Box 15"/>
+            <p:cNvSpPr txBox="1">
+              <a:spLocks noChangeArrowheads="1"/>
+            </p:cNvSpPr>
+            <p:nvPr/>
+          </p:nvSpPr>
+          <p:spPr bwMode="auto">
+            <a:xfrm>
+              <a:off x="4389438" y="2492376"/>
+              <a:ext cx="1089025" cy="400110"/>
+            </a:xfrm>
+            <a:prstGeom prst="rect">
+              <a:avLst/>
+            </a:prstGeom>
+            <a:noFill/>
+            <a:ln>
+              <a:noFill/>
+            </a:ln>
+            <a:effectLst/>
+            <a:extLst>
+              <a:ext uri="{909E8E84-426E-40DD-AFC4-6F175D3DCCD1}">
+                <a14:hiddenFill xmlns:a14="http://schemas.microsoft.com/office/drawing/2010/main">
+                  <a:solidFill>
+                    <a:schemeClr val="accent1"/>
+                  </a:solidFill>
+                </a14:hiddenFill>
+              </a:ext>
+              <a:ext uri="{91240B29-F687-4F45-9708-019B960494DF}">
+                <a14:hiddenLine xmlns:a14="http://schemas.microsoft.com/office/drawing/2010/main" w="9525">
+                  <a:solidFill>
+                    <a:schemeClr val="tx1"/>
+                  </a:solidFill>
+                  <a:miter lim="800000"/>
+                  <a:headEnd/>
+                  <a:tailEnd/>
+                </a14:hiddenLine>
+              </a:ext>
+              <a:ext uri="{AF507438-7753-43E0-B8FC-AC1667EBCBE1}">
+                <a14:hiddenEffects xmlns:a14="http://schemas.microsoft.com/office/drawing/2010/main">
+                  <a:effectLst>
+                    <a:outerShdw dist="35921" dir="2700000" algn="ctr" rotWithShape="0">
+                      <a:schemeClr val="bg2"/>
+                    </a:outerShdw>
+                  </a:effectLst>
+                </a14:hiddenEffects>
+              </a:ext>
+            </a:extLst>
+          </p:spPr>
+          <p:txBody>
+            <a:bodyPr>
+              <a:spAutoFit/>
+            </a:bodyPr>
+            <a:lstStyle/>
+            <a:p>
+              <a:pPr>
+                <a:spcBef>
+                  <a:spcPct val="50000"/>
+                </a:spcBef>
+                <a:buNone/>
+              </a:pPr>
+              <a:r>
+                <a:rPr lang="en-GB" altLang="ru-RU"/>
+                <a:t>TCP</a:t>
+              </a:r>
+              <a:endParaRPr lang="ru-RU" altLang="ru-RU"/>
+            </a:p>
+          </p:txBody>
+        </p:sp>
+        <p:sp>
+          <p:nvSpPr>
+            <p:cNvPr id="55" name="Rectangle 16"/>
+            <p:cNvSpPr>
+              <a:spLocks noChangeArrowheads="1"/>
+            </p:cNvSpPr>
+            <p:nvPr/>
+          </p:nvSpPr>
+          <p:spPr bwMode="auto">
+            <a:xfrm>
+              <a:off x="3922713" y="1701800"/>
+              <a:ext cx="1728787" cy="431800"/>
+            </a:xfrm>
+            <a:prstGeom prst="rect">
+              <a:avLst/>
+            </a:prstGeom>
+            <a:solidFill>
+              <a:schemeClr val="bg1"/>
+            </a:solidFill>
+            <a:ln w="9525">
+              <a:solidFill>
+                <a:schemeClr val="tx1"/>
+              </a:solidFill>
+              <a:miter lim="800000"/>
+              <a:headEnd/>
+              <a:tailEnd/>
+            </a:ln>
+            <a:effectLst/>
+            <a:extLst>
+              <a:ext uri="{AF507438-7753-43E0-B8FC-AC1667EBCBE1}">
+                <a14:hiddenEffects xmlns:a14="http://schemas.microsoft.com/office/drawing/2010/main">
+                  <a:effectLst>
+                    <a:outerShdw dist="35921" dir="2700000" algn="ctr" rotWithShape="0">
+                      <a:schemeClr val="bg2"/>
+                    </a:outerShdw>
+                  </a:effectLst>
+                </a14:hiddenEffects>
+              </a:ext>
+            </a:extLst>
+          </p:spPr>
+          <p:txBody>
+            <a:bodyPr wrap="none" anchor="ctr"/>
+            <a:lstStyle/>
+            <a:p>
+              <a:pPr>
+                <a:buNone/>
+              </a:pPr>
+              <a:endParaRPr lang="ru-RU"/>
+            </a:p>
+          </p:txBody>
+        </p:sp>
+        <p:sp>
+          <p:nvSpPr>
+            <p:cNvPr id="56" name="Line 17"/>
+            <p:cNvSpPr>
+              <a:spLocks noChangeShapeType="1"/>
+            </p:cNvSpPr>
+            <p:nvPr/>
+          </p:nvSpPr>
+          <p:spPr bwMode="auto">
+            <a:xfrm>
+              <a:off x="4494213" y="1701800"/>
+              <a:ext cx="0" cy="431800"/>
+            </a:xfrm>
+            <a:prstGeom prst="line">
+              <a:avLst/>
+            </a:prstGeom>
+            <a:noFill/>
+            <a:ln w="9525">
+              <a:solidFill>
+                <a:schemeClr val="tx1"/>
+              </a:solidFill>
+              <a:round/>
+              <a:headEnd/>
+              <a:tailEnd/>
+            </a:ln>
+            <a:effectLst/>
+            <a:extLst>
+              <a:ext uri="{909E8E84-426E-40DD-AFC4-6F175D3DCCD1}">
+                <a14:hiddenFill xmlns:a14="http://schemas.microsoft.com/office/drawing/2010/main">
+                  <a:noFill/>
+                </a14:hiddenFill>
+              </a:ext>
+              <a:ext uri="{AF507438-7753-43E0-B8FC-AC1667EBCBE1}">
+                <a14:hiddenEffects xmlns:a14="http://schemas.microsoft.com/office/drawing/2010/main">
+                  <a:effectLst>
+                    <a:outerShdw dist="35921" dir="2700000" algn="ctr" rotWithShape="0">
+                      <a:schemeClr val="bg2"/>
+                    </a:outerShdw>
+                  </a:effectLst>
+                </a14:hiddenEffects>
+              </a:ext>
+            </a:extLst>
+          </p:spPr>
+          <p:txBody>
+            <a:bodyPr/>
+            <a:lstStyle/>
+            <a:p>
+              <a:pPr>
+                <a:buNone/>
+              </a:pPr>
+              <a:endParaRPr lang="ru-RU"/>
+            </a:p>
+          </p:txBody>
+        </p:sp>
+        <p:sp>
+          <p:nvSpPr>
+            <p:cNvPr id="57" name="Line 18"/>
+            <p:cNvSpPr>
+              <a:spLocks noChangeShapeType="1"/>
+            </p:cNvSpPr>
+            <p:nvPr/>
+          </p:nvSpPr>
+          <p:spPr bwMode="auto">
+            <a:xfrm>
+              <a:off x="5105400" y="1701800"/>
+              <a:ext cx="0" cy="431800"/>
+            </a:xfrm>
+            <a:prstGeom prst="line">
+              <a:avLst/>
+            </a:prstGeom>
+            <a:noFill/>
+            <a:ln w="9525">
+              <a:solidFill>
+                <a:schemeClr val="tx1"/>
+              </a:solidFill>
+              <a:round/>
+              <a:headEnd/>
+              <a:tailEnd/>
+            </a:ln>
+            <a:effectLst/>
+            <a:extLst>
+              <a:ext uri="{909E8E84-426E-40DD-AFC4-6F175D3DCCD1}">
+                <a14:hiddenFill xmlns:a14="http://schemas.microsoft.com/office/drawing/2010/main">
+                  <a:noFill/>
+                </a14:hiddenFill>
+              </a:ext>
+              <a:ext uri="{AF507438-7753-43E0-B8FC-AC1667EBCBE1}">
+                <a14:hiddenEffects xmlns:a14="http://schemas.microsoft.com/office/drawing/2010/main">
+                  <a:effectLst>
+                    <a:outerShdw dist="35921" dir="2700000" algn="ctr" rotWithShape="0">
+                      <a:schemeClr val="bg2"/>
+                    </a:outerShdw>
+                  </a:effectLst>
+                </a14:hiddenEffects>
+              </a:ext>
+            </a:extLst>
+          </p:spPr>
+          <p:txBody>
+            <a:bodyPr/>
+            <a:lstStyle/>
+            <a:p>
+              <a:pPr>
+                <a:buNone/>
+              </a:pPr>
+              <a:endParaRPr lang="ru-RU"/>
+            </a:p>
+          </p:txBody>
+        </p:sp>
+        <p:sp>
+          <p:nvSpPr>
+            <p:cNvPr id="58" name="Rectangle 19"/>
+            <p:cNvSpPr>
+              <a:spLocks noChangeArrowheads="1"/>
+            </p:cNvSpPr>
+            <p:nvPr/>
+          </p:nvSpPr>
+          <p:spPr bwMode="auto">
+            <a:xfrm>
+              <a:off x="3924300" y="1341438"/>
+              <a:ext cx="1727200" cy="358775"/>
+            </a:xfrm>
+            <a:prstGeom prst="rect">
+              <a:avLst/>
+            </a:prstGeom>
+            <a:solidFill>
+              <a:schemeClr val="bg1"/>
+            </a:solidFill>
+            <a:ln w="9525">
+              <a:solidFill>
+                <a:schemeClr val="tx1"/>
+              </a:solidFill>
+              <a:miter lim="800000"/>
+              <a:headEnd/>
+              <a:tailEnd/>
+            </a:ln>
+            <a:effectLst/>
+            <a:extLst>
+              <a:ext uri="{AF507438-7753-43E0-B8FC-AC1667EBCBE1}">
+                <a14:hiddenEffects xmlns:a14="http://schemas.microsoft.com/office/drawing/2010/main">
+                  <a:effectLst>
+                    <a:outerShdw dist="35921" dir="2700000" algn="ctr" rotWithShape="0">
+                      <a:schemeClr val="bg2"/>
+                    </a:outerShdw>
+                  </a:effectLst>
+                </a14:hiddenEffects>
+              </a:ext>
+            </a:extLst>
+          </p:spPr>
+          <p:txBody>
+            <a:bodyPr wrap="none" anchor="ctr"/>
+            <a:lstStyle/>
+            <a:p>
+              <a:pPr>
+                <a:buNone/>
+              </a:pPr>
+              <a:endParaRPr lang="ru-RU"/>
+            </a:p>
+          </p:txBody>
+        </p:sp>
+        <p:sp>
+          <p:nvSpPr>
+            <p:cNvPr id="59" name="Text Box 20"/>
+            <p:cNvSpPr txBox="1">
+              <a:spLocks noChangeArrowheads="1"/>
+            </p:cNvSpPr>
+            <p:nvPr/>
+          </p:nvSpPr>
+          <p:spPr bwMode="auto">
+            <a:xfrm>
+              <a:off x="4284663" y="1316037"/>
+              <a:ext cx="1727201" cy="400110"/>
+            </a:xfrm>
+            <a:prstGeom prst="rect">
+              <a:avLst/>
+            </a:prstGeom>
+            <a:noFill/>
+            <a:ln>
+              <a:noFill/>
+            </a:ln>
+            <a:effectLst/>
+            <a:extLst>
+              <a:ext uri="{909E8E84-426E-40DD-AFC4-6F175D3DCCD1}">
+                <a14:hiddenFill xmlns:a14="http://schemas.microsoft.com/office/drawing/2010/main">
+                  <a:solidFill>
+                    <a:schemeClr val="accent1"/>
+                  </a:solidFill>
+                </a14:hiddenFill>
+              </a:ext>
+              <a:ext uri="{91240B29-F687-4F45-9708-019B960494DF}">
+                <a14:hiddenLine xmlns:a14="http://schemas.microsoft.com/office/drawing/2010/main" w="9525">
+                  <a:solidFill>
+                    <a:schemeClr val="tx1"/>
+                  </a:solidFill>
+                  <a:miter lim="800000"/>
+                  <a:headEnd/>
+                  <a:tailEnd/>
+                </a14:hiddenLine>
+              </a:ext>
+              <a:ext uri="{AF507438-7753-43E0-B8FC-AC1667EBCBE1}">
+                <a14:hiddenEffects xmlns:a14="http://schemas.microsoft.com/office/drawing/2010/main">
+                  <a:effectLst>
+                    <a:outerShdw dist="35921" dir="2700000" algn="ctr" rotWithShape="0">
+                      <a:schemeClr val="bg2"/>
+                    </a:outerShdw>
+                  </a:effectLst>
+                </a14:hiddenEffects>
+              </a:ext>
+            </a:extLst>
+          </p:spPr>
+          <p:txBody>
+            <a:bodyPr>
+              <a:spAutoFit/>
+            </a:bodyPr>
+            <a:lstStyle/>
+            <a:p>
+              <a:pPr>
+                <a:spcBef>
+                  <a:spcPct val="50000"/>
+                </a:spcBef>
+                <a:buNone/>
+              </a:pPr>
+              <a:r>
+                <a:rPr lang="en-US" altLang="ru-RU"/>
+                <a:t>HTTP</a:t>
+              </a:r>
+              <a:endParaRPr lang="ru-RU" altLang="ru-RU"/>
+            </a:p>
+          </p:txBody>
+        </p:sp>
+        <p:sp>
+          <p:nvSpPr>
+            <p:cNvPr id="60" name="Line 21"/>
+            <p:cNvSpPr>
+              <a:spLocks noChangeShapeType="1"/>
+            </p:cNvSpPr>
+            <p:nvPr/>
+          </p:nvSpPr>
+          <p:spPr bwMode="auto">
+            <a:xfrm flipH="1" flipV="1">
+              <a:off x="4168775" y="2108200"/>
+              <a:ext cx="547688" cy="384175"/>
+            </a:xfrm>
+            <a:prstGeom prst="line">
+              <a:avLst/>
+            </a:prstGeom>
+            <a:noFill/>
+            <a:ln w="28575">
+              <a:solidFill>
+                <a:schemeClr val="tx1"/>
+              </a:solidFill>
+              <a:prstDash val="lgDash"/>
+              <a:round/>
+              <a:headEnd/>
+              <a:tailEnd type="triangle" w="med" len="med"/>
+            </a:ln>
+            <a:effectLst/>
+            <a:extLst>
+              <a:ext uri="{909E8E84-426E-40DD-AFC4-6F175D3DCCD1}">
+                <a14:hiddenFill xmlns:a14="http://schemas.microsoft.com/office/drawing/2010/main">
+                  <a:noFill/>
+                </a14:hiddenFill>
+              </a:ext>
+              <a:ext uri="{AF507438-7753-43E0-B8FC-AC1667EBCBE1}">
+                <a14:hiddenEffects xmlns:a14="http://schemas.microsoft.com/office/drawing/2010/main">
+                  <a:effectLst>
+                    <a:outerShdw dist="35921" dir="2700000" algn="ctr" rotWithShape="0">
+                      <a:schemeClr val="bg2"/>
+                    </a:outerShdw>
+                  </a:effectLst>
+                </a14:hiddenEffects>
+              </a:ext>
+            </a:extLst>
+          </p:spPr>
+          <p:txBody>
+            <a:bodyPr/>
+            <a:lstStyle/>
+            <a:p>
+              <a:pPr>
+                <a:buNone/>
+              </a:pPr>
+              <a:endParaRPr lang="ru-RU"/>
+            </a:p>
+          </p:txBody>
+        </p:sp>
+        <p:sp>
+          <p:nvSpPr>
+            <p:cNvPr id="61" name="Line 22"/>
+            <p:cNvSpPr>
+              <a:spLocks noChangeShapeType="1"/>
+            </p:cNvSpPr>
+            <p:nvPr/>
+          </p:nvSpPr>
+          <p:spPr bwMode="auto">
+            <a:xfrm flipV="1">
+              <a:off x="4787900" y="2120900"/>
+              <a:ext cx="25400" cy="371475"/>
+            </a:xfrm>
+            <a:prstGeom prst="line">
+              <a:avLst/>
+            </a:prstGeom>
+            <a:noFill/>
+            <a:ln w="28575">
+              <a:solidFill>
+                <a:schemeClr val="tx1"/>
+              </a:solidFill>
+              <a:prstDash val="sysDot"/>
+              <a:round/>
+              <a:headEnd/>
+              <a:tailEnd type="triangle" w="med" len="med"/>
+            </a:ln>
+            <a:effectLst/>
+            <a:extLst>
+              <a:ext uri="{909E8E84-426E-40DD-AFC4-6F175D3DCCD1}">
+                <a14:hiddenFill xmlns:a14="http://schemas.microsoft.com/office/drawing/2010/main">
+                  <a:noFill/>
+                </a14:hiddenFill>
+              </a:ext>
+              <a:ext uri="{AF507438-7753-43E0-B8FC-AC1667EBCBE1}">
+                <a14:hiddenEffects xmlns:a14="http://schemas.microsoft.com/office/drawing/2010/main">
+                  <a:effectLst>
+                    <a:outerShdw dist="35921" dir="2700000" algn="ctr" rotWithShape="0">
+                      <a:schemeClr val="bg2"/>
+                    </a:outerShdw>
+                  </a:effectLst>
+                </a14:hiddenEffects>
+              </a:ext>
+            </a:extLst>
+          </p:spPr>
+          <p:txBody>
+            <a:bodyPr/>
+            <a:lstStyle/>
+            <a:p>
+              <a:pPr>
+                <a:buNone/>
+              </a:pPr>
+              <a:endParaRPr lang="ru-RU"/>
+            </a:p>
+          </p:txBody>
+        </p:sp>
+        <p:sp>
+          <p:nvSpPr>
+            <p:cNvPr id="62" name="Line 23"/>
+            <p:cNvSpPr>
+              <a:spLocks noChangeShapeType="1"/>
+            </p:cNvSpPr>
+            <p:nvPr/>
+          </p:nvSpPr>
+          <p:spPr bwMode="auto">
+            <a:xfrm flipV="1">
+              <a:off x="4787900" y="2133600"/>
+              <a:ext cx="546100" cy="358775"/>
+            </a:xfrm>
+            <a:prstGeom prst="line">
+              <a:avLst/>
+            </a:prstGeom>
+            <a:noFill/>
+            <a:ln w="9525">
+              <a:solidFill>
+                <a:schemeClr val="tx1"/>
+              </a:solidFill>
+              <a:round/>
+              <a:headEnd/>
+              <a:tailEnd type="triangle" w="med" len="med"/>
+            </a:ln>
+            <a:effectLst/>
+            <a:extLst>
+              <a:ext uri="{909E8E84-426E-40DD-AFC4-6F175D3DCCD1}">
+                <a14:hiddenFill xmlns:a14="http://schemas.microsoft.com/office/drawing/2010/main">
+                  <a:noFill/>
+                </a14:hiddenFill>
+              </a:ext>
+              <a:ext uri="{AF507438-7753-43E0-B8FC-AC1667EBCBE1}">
+                <a14:hiddenEffects xmlns:a14="http://schemas.microsoft.com/office/drawing/2010/main">
+                  <a:effectLst>
+                    <a:outerShdw dist="35921" dir="2700000" algn="ctr" rotWithShape="0">
+                      <a:schemeClr val="bg2"/>
+                    </a:outerShdw>
+                  </a:effectLst>
+                </a14:hiddenEffects>
+              </a:ext>
+            </a:extLst>
+          </p:spPr>
+          <p:txBody>
+            <a:bodyPr/>
+            <a:lstStyle/>
+            <a:p>
+              <a:pPr>
+                <a:buNone/>
+              </a:pPr>
+              <a:endParaRPr lang="ru-RU"/>
+            </a:p>
+          </p:txBody>
+        </p:sp>
+        <p:sp>
+          <p:nvSpPr>
+            <p:cNvPr id="64" name="Line 25"/>
+            <p:cNvSpPr>
+              <a:spLocks noChangeShapeType="1"/>
+            </p:cNvSpPr>
+            <p:nvPr/>
+          </p:nvSpPr>
+          <p:spPr bwMode="auto">
+            <a:xfrm flipV="1">
+              <a:off x="3800475" y="3906838"/>
+              <a:ext cx="1068388" cy="823912"/>
+            </a:xfrm>
+            <a:prstGeom prst="line">
+              <a:avLst/>
+            </a:prstGeom>
+            <a:noFill/>
+            <a:ln w="38100">
+              <a:solidFill>
+                <a:schemeClr val="tx1"/>
+              </a:solidFill>
+              <a:round/>
+              <a:headEnd type="triangle" w="med" len="med"/>
+              <a:tailEnd type="triangle" w="med" len="med"/>
+            </a:ln>
+            <a:effectLst/>
+            <a:extLst>
+              <a:ext uri="{909E8E84-426E-40DD-AFC4-6F175D3DCCD1}">
+                <a14:hiddenFill xmlns:a14="http://schemas.microsoft.com/office/drawing/2010/main">
+                  <a:noFill/>
+                </a14:hiddenFill>
+              </a:ext>
+              <a:ext uri="{AF507438-7753-43E0-B8FC-AC1667EBCBE1}">
+                <a14:hiddenEffects xmlns:a14="http://schemas.microsoft.com/office/drawing/2010/main">
+                  <a:effectLst>
+                    <a:outerShdw dist="35921" dir="2700000" algn="ctr" rotWithShape="0">
+                      <a:schemeClr val="bg2"/>
+                    </a:outerShdw>
+                  </a:effectLst>
+                </a14:hiddenEffects>
+              </a:ext>
+            </a:extLst>
+          </p:spPr>
+          <p:txBody>
+            <a:bodyPr/>
+            <a:lstStyle/>
+            <a:p>
+              <a:pPr>
+                <a:buNone/>
+              </a:pPr>
+              <a:endParaRPr lang="ru-RU"/>
+            </a:p>
+          </p:txBody>
+        </p:sp>
+        <p:sp>
+          <p:nvSpPr>
+            <p:cNvPr id="65" name="Line 26"/>
+            <p:cNvSpPr>
+              <a:spLocks noChangeShapeType="1"/>
+            </p:cNvSpPr>
+            <p:nvPr/>
+          </p:nvSpPr>
+          <p:spPr bwMode="auto">
+            <a:xfrm flipV="1">
+              <a:off x="5427663" y="981075"/>
+              <a:ext cx="944562" cy="973138"/>
+            </a:xfrm>
+            <a:prstGeom prst="line">
+              <a:avLst/>
+            </a:prstGeom>
+            <a:noFill/>
+            <a:ln w="38100">
+              <a:solidFill>
+                <a:schemeClr val="tx1"/>
+              </a:solidFill>
+              <a:round/>
+              <a:headEnd type="triangle" w="med" len="med"/>
+              <a:tailEnd type="triangle" w="med" len="med"/>
+            </a:ln>
+            <a:effectLst/>
+            <a:extLst>
+              <a:ext uri="{909E8E84-426E-40DD-AFC4-6F175D3DCCD1}">
+                <a14:hiddenFill xmlns:a14="http://schemas.microsoft.com/office/drawing/2010/main">
+                  <a:noFill/>
+                </a14:hiddenFill>
+              </a:ext>
+              <a:ext uri="{AF507438-7753-43E0-B8FC-AC1667EBCBE1}">
+                <a14:hiddenEffects xmlns:a14="http://schemas.microsoft.com/office/drawing/2010/main">
+                  <a:effectLst>
+                    <a:outerShdw dist="35921" dir="2700000" algn="ctr" rotWithShape="0">
+                      <a:schemeClr val="bg2"/>
+                    </a:outerShdw>
+                  </a:effectLst>
+                </a14:hiddenEffects>
+              </a:ext>
+            </a:extLst>
+          </p:spPr>
+          <p:txBody>
+            <a:bodyPr/>
+            <a:lstStyle/>
+            <a:p>
+              <a:pPr>
+                <a:buNone/>
+              </a:pPr>
+              <a:endParaRPr lang="ru-RU"/>
+            </a:p>
+          </p:txBody>
+        </p:sp>
+        <p:sp>
+          <p:nvSpPr>
+            <p:cNvPr id="66" name="Text Box 27"/>
+            <p:cNvSpPr txBox="1">
+              <a:spLocks noChangeArrowheads="1"/>
+            </p:cNvSpPr>
+            <p:nvPr/>
+          </p:nvSpPr>
+          <p:spPr bwMode="auto">
+            <a:xfrm>
+              <a:off x="6003924" y="1739900"/>
+              <a:ext cx="2116138" cy="396874"/>
+            </a:xfrm>
+            <a:prstGeom prst="rect">
+              <a:avLst/>
+            </a:prstGeom>
+            <a:noFill/>
+            <a:ln>
+              <a:noFill/>
+            </a:ln>
+            <a:effectLst/>
+            <a:extLst>
+              <a:ext uri="{909E8E84-426E-40DD-AFC4-6F175D3DCCD1}">
+                <a14:hiddenFill xmlns:a14="http://schemas.microsoft.com/office/drawing/2010/main">
+                  <a:solidFill>
+                    <a:schemeClr val="accent1"/>
+                  </a:solidFill>
+                </a14:hiddenFill>
+              </a:ext>
+              <a:ext uri="{91240B29-F687-4F45-9708-019B960494DF}">
+                <a14:hiddenLine xmlns:a14="http://schemas.microsoft.com/office/drawing/2010/main" w="9525">
+                  <a:solidFill>
+                    <a:schemeClr val="tx1"/>
+                  </a:solidFill>
+                  <a:miter lim="800000"/>
+                  <a:headEnd/>
+                  <a:tailEnd/>
+                </a14:hiddenLine>
+              </a:ext>
+              <a:ext uri="{AF507438-7753-43E0-B8FC-AC1667EBCBE1}">
+                <a14:hiddenEffects xmlns:a14="http://schemas.microsoft.com/office/drawing/2010/main">
+                  <a:effectLst>
+                    <a:outerShdw dist="35921" dir="2700000" algn="ctr" rotWithShape="0">
+                      <a:schemeClr val="bg2"/>
+                    </a:outerShdw>
+                  </a:effectLst>
+                </a14:hiddenEffects>
+              </a:ext>
+            </a:extLst>
+          </p:spPr>
+          <p:txBody>
+            <a:bodyPr>
+              <a:spAutoFit/>
+            </a:bodyPr>
+            <a:lstStyle/>
+            <a:p>
+              <a:pPr>
+                <a:spcBef>
+                  <a:spcPct val="50000"/>
+                </a:spcBef>
+                <a:buNone/>
+              </a:pPr>
+              <a:r>
+                <a:rPr lang="en-US" altLang="ru-RU" sz="2000">
+                  <a:latin typeface="Arial Narrow" pitchFamily="34" charset="0"/>
+                </a:rPr>
+                <a:t>{(</a:t>
+              </a:r>
+              <a:r>
+                <a:rPr lang="en-US" altLang="ru-RU">
+                  <a:latin typeface="Arial Narrow" pitchFamily="34" charset="0"/>
+                </a:rPr>
+                <a:t>IP</a:t>
+              </a:r>
+              <a:r>
+                <a:rPr lang="en-US" altLang="ru-RU" sz="1400">
+                  <a:latin typeface="Arial Narrow" pitchFamily="34" charset="0"/>
+                </a:rPr>
+                <a:t>k</a:t>
+              </a:r>
+              <a:r>
+                <a:rPr lang="en-US" altLang="ru-RU" sz="2000">
+                  <a:latin typeface="Arial Narrow" pitchFamily="34" charset="0"/>
+                </a:rPr>
+                <a:t>, </a:t>
+              </a:r>
+              <a:r>
+                <a:rPr lang="en-US" altLang="ru-RU">
+                  <a:latin typeface="Arial Narrow" pitchFamily="34" charset="0"/>
+                </a:rPr>
+                <a:t>n</a:t>
+              </a:r>
+              <a:r>
+                <a:rPr lang="en-US" altLang="ru-RU" sz="1400">
+                  <a:latin typeface="Arial Narrow" pitchFamily="34" charset="0"/>
+                </a:rPr>
+                <a:t>k</a:t>
+              </a:r>
+              <a:r>
+                <a:rPr lang="en-US" altLang="ru-RU" sz="2000">
+                  <a:latin typeface="Arial Narrow" pitchFamily="34" charset="0"/>
+                </a:rPr>
+                <a:t>), </a:t>
+              </a:r>
+              <a:r>
+                <a:rPr lang="en-US" altLang="ru-RU">
+                  <a:latin typeface="Arial Narrow" pitchFamily="34" charset="0"/>
+                </a:rPr>
+                <a:t>(IP</a:t>
+              </a:r>
+              <a:r>
+                <a:rPr lang="en-GB" altLang="ru-RU" sz="1600">
+                  <a:latin typeface="Arial Narrow" pitchFamily="34" charset="0"/>
+                </a:rPr>
+                <a:t>2</a:t>
+              </a:r>
+              <a:r>
+                <a:rPr lang="en-US" altLang="ru-RU">
+                  <a:latin typeface="Arial Narrow" pitchFamily="34" charset="0"/>
+                </a:rPr>
+                <a:t>, </a:t>
+              </a:r>
+              <a:r>
+                <a:rPr lang="ru-RU" altLang="ru-RU">
+                  <a:latin typeface="Arial Narrow" pitchFamily="34" charset="0"/>
+                </a:rPr>
+                <a:t>80</a:t>
+              </a:r>
+              <a:r>
+                <a:rPr lang="en-US" altLang="ru-RU">
+                  <a:latin typeface="Arial Narrow" pitchFamily="34" charset="0"/>
+                </a:rPr>
+                <a:t>)}</a:t>
+              </a:r>
+              <a:endParaRPr lang="ru-RU" altLang="ru-RU" sz="2000">
+                <a:latin typeface="Arial Narrow" pitchFamily="34" charset="0"/>
+              </a:endParaRPr>
+            </a:p>
+          </p:txBody>
+        </p:sp>
+        <p:sp>
+          <p:nvSpPr>
+            <p:cNvPr id="67" name="Line 28"/>
+            <p:cNvSpPr>
+              <a:spLocks noChangeShapeType="1"/>
+            </p:cNvSpPr>
+            <p:nvPr/>
+          </p:nvSpPr>
+          <p:spPr bwMode="auto">
+            <a:xfrm flipV="1">
+              <a:off x="3563938" y="3878263"/>
+              <a:ext cx="1125537" cy="817562"/>
+            </a:xfrm>
+            <a:prstGeom prst="line">
+              <a:avLst/>
+            </a:prstGeom>
+            <a:noFill/>
+            <a:ln w="38100">
+              <a:solidFill>
+                <a:schemeClr val="tx1"/>
+              </a:solidFill>
+              <a:prstDash val="lgDash"/>
+              <a:round/>
+              <a:headEnd type="triangle" w="med" len="med"/>
+              <a:tailEnd type="triangle" w="med" len="med"/>
+            </a:ln>
+            <a:effectLst/>
+            <a:extLst>
+              <a:ext uri="{909E8E84-426E-40DD-AFC4-6F175D3DCCD1}">
+                <a14:hiddenFill xmlns:a14="http://schemas.microsoft.com/office/drawing/2010/main">
+                  <a:noFill/>
+                </a14:hiddenFill>
+              </a:ext>
+              <a:ext uri="{AF507438-7753-43E0-B8FC-AC1667EBCBE1}">
+                <a14:hiddenEffects xmlns:a14="http://schemas.microsoft.com/office/drawing/2010/main">
+                  <a:effectLst>
+                    <a:outerShdw dist="35921" dir="2700000" algn="ctr" rotWithShape="0">
+                      <a:schemeClr val="bg2"/>
+                    </a:outerShdw>
+                  </a:effectLst>
+                </a14:hiddenEffects>
+              </a:ext>
+            </a:extLst>
+          </p:spPr>
+          <p:txBody>
+            <a:bodyPr/>
+            <a:lstStyle/>
+            <a:p>
+              <a:pPr>
+                <a:buNone/>
+              </a:pPr>
+              <a:endParaRPr lang="ru-RU"/>
+            </a:p>
+          </p:txBody>
+        </p:sp>
+        <p:sp>
+          <p:nvSpPr>
+            <p:cNvPr id="68" name="Line 29"/>
+            <p:cNvSpPr>
+              <a:spLocks noChangeShapeType="1"/>
+            </p:cNvSpPr>
+            <p:nvPr/>
+          </p:nvSpPr>
+          <p:spPr bwMode="auto">
+            <a:xfrm flipH="1" flipV="1">
+              <a:off x="3059113" y="981075"/>
+              <a:ext cx="1008062" cy="935038"/>
+            </a:xfrm>
+            <a:prstGeom prst="line">
+              <a:avLst/>
+            </a:prstGeom>
+            <a:noFill/>
+            <a:ln w="38100">
+              <a:solidFill>
+                <a:schemeClr val="tx1"/>
+              </a:solidFill>
+              <a:prstDash val="lgDash"/>
+              <a:round/>
+              <a:headEnd type="triangle" w="med" len="med"/>
+              <a:tailEnd type="triangle" w="med" len="med"/>
+            </a:ln>
+            <a:effectLst/>
+            <a:extLst>
+              <a:ext uri="{909E8E84-426E-40DD-AFC4-6F175D3DCCD1}">
+                <a14:hiddenFill xmlns:a14="http://schemas.microsoft.com/office/drawing/2010/main">
+                  <a:noFill/>
+                </a14:hiddenFill>
+              </a:ext>
+              <a:ext uri="{AF507438-7753-43E0-B8FC-AC1667EBCBE1}">
+                <a14:hiddenEffects xmlns:a14="http://schemas.microsoft.com/office/drawing/2010/main">
+                  <a:effectLst>
+                    <a:outerShdw dist="35921" dir="2700000" algn="ctr" rotWithShape="0">
+                      <a:schemeClr val="bg2"/>
+                    </a:outerShdw>
+                  </a:effectLst>
+                </a14:hiddenEffects>
+              </a:ext>
+            </a:extLst>
+          </p:spPr>
+          <p:txBody>
+            <a:bodyPr/>
+            <a:lstStyle/>
+            <a:p>
+              <a:pPr>
+                <a:buNone/>
+              </a:pPr>
+              <a:endParaRPr lang="ru-RU"/>
+            </a:p>
+          </p:txBody>
+        </p:sp>
+        <p:sp>
+          <p:nvSpPr>
+            <p:cNvPr id="69" name="Text Box 30"/>
+            <p:cNvSpPr txBox="1">
+              <a:spLocks noChangeArrowheads="1"/>
+            </p:cNvSpPr>
+            <p:nvPr/>
+          </p:nvSpPr>
+          <p:spPr bwMode="auto">
+            <a:xfrm>
+              <a:off x="1908175" y="2586038"/>
+              <a:ext cx="1439863" cy="396874"/>
+            </a:xfrm>
+            <a:prstGeom prst="rect">
+              <a:avLst/>
+            </a:prstGeom>
+            <a:noFill/>
+            <a:ln>
+              <a:noFill/>
+            </a:ln>
+            <a:effectLst/>
+            <a:extLst>
+              <a:ext uri="{909E8E84-426E-40DD-AFC4-6F175D3DCCD1}">
+                <a14:hiddenFill xmlns:a14="http://schemas.microsoft.com/office/drawing/2010/main">
+                  <a:solidFill>
+                    <a:schemeClr val="accent1"/>
+                  </a:solidFill>
+                </a14:hiddenFill>
+              </a:ext>
+              <a:ext uri="{91240B29-F687-4F45-9708-019B960494DF}">
+                <a14:hiddenLine xmlns:a14="http://schemas.microsoft.com/office/drawing/2010/main" w="9525">
+                  <a:solidFill>
+                    <a:schemeClr val="tx1"/>
+                  </a:solidFill>
+                  <a:miter lim="800000"/>
+                  <a:headEnd/>
+                  <a:tailEnd/>
+                </a14:hiddenLine>
+              </a:ext>
+              <a:ext uri="{AF507438-7753-43E0-B8FC-AC1667EBCBE1}">
+                <a14:hiddenEffects xmlns:a14="http://schemas.microsoft.com/office/drawing/2010/main">
+                  <a:effectLst>
+                    <a:outerShdw dist="35921" dir="2700000" algn="ctr" rotWithShape="0">
+                      <a:schemeClr val="bg2"/>
+                    </a:outerShdw>
+                  </a:effectLst>
+                </a14:hiddenEffects>
+              </a:ext>
+            </a:extLst>
+          </p:spPr>
+          <p:txBody>
+            <a:bodyPr>
+              <a:spAutoFit/>
+            </a:bodyPr>
+            <a:lstStyle/>
+            <a:p>
+              <a:pPr>
+                <a:spcBef>
+                  <a:spcPct val="50000"/>
+                </a:spcBef>
+                <a:buNone/>
+              </a:pPr>
+              <a:endParaRPr lang="ru-RU" altLang="ru-RU" sz="2000">
+                <a:latin typeface="Times New Roman" pitchFamily="18" charset="0"/>
+              </a:endParaRPr>
+            </a:p>
+          </p:txBody>
+        </p:sp>
+        <p:sp>
+          <p:nvSpPr>
+            <p:cNvPr id="70" name="Text Box 31"/>
+            <p:cNvSpPr txBox="1">
+              <a:spLocks noChangeArrowheads="1"/>
+            </p:cNvSpPr>
+            <p:nvPr/>
+          </p:nvSpPr>
+          <p:spPr bwMode="auto">
+            <a:xfrm>
+              <a:off x="1820863" y="1709738"/>
+              <a:ext cx="2433637" cy="396874"/>
+            </a:xfrm>
+            <a:prstGeom prst="rect">
+              <a:avLst/>
+            </a:prstGeom>
+            <a:noFill/>
+            <a:ln>
+              <a:noFill/>
+            </a:ln>
+            <a:effectLst/>
+            <a:extLst>
+              <a:ext uri="{909E8E84-426E-40DD-AFC4-6F175D3DCCD1}">
+                <a14:hiddenFill xmlns:a14="http://schemas.microsoft.com/office/drawing/2010/main">
+                  <a:solidFill>
+                    <a:schemeClr val="accent1"/>
+                  </a:solidFill>
+                </a14:hiddenFill>
+              </a:ext>
+              <a:ext uri="{91240B29-F687-4F45-9708-019B960494DF}">
+                <a14:hiddenLine xmlns:a14="http://schemas.microsoft.com/office/drawing/2010/main" w="9525">
+                  <a:solidFill>
+                    <a:schemeClr val="tx1"/>
+                  </a:solidFill>
+                  <a:miter lim="800000"/>
+                  <a:headEnd/>
+                  <a:tailEnd/>
+                </a14:hiddenLine>
+              </a:ext>
+              <a:ext uri="{AF507438-7753-43E0-B8FC-AC1667EBCBE1}">
+                <a14:hiddenEffects xmlns:a14="http://schemas.microsoft.com/office/drawing/2010/main">
+                  <a:effectLst>
+                    <a:outerShdw dist="35921" dir="2700000" algn="ctr" rotWithShape="0">
+                      <a:schemeClr val="bg2"/>
+                    </a:outerShdw>
+                  </a:effectLst>
+                </a14:hiddenEffects>
+              </a:ext>
+            </a:extLst>
+          </p:spPr>
+          <p:txBody>
+            <a:bodyPr>
+              <a:spAutoFit/>
+            </a:bodyPr>
+            <a:lstStyle/>
+            <a:p>
+              <a:pPr>
+                <a:spcBef>
+                  <a:spcPct val="50000"/>
+                </a:spcBef>
+                <a:buNone/>
+              </a:pPr>
+              <a:r>
+                <a:rPr lang="en-US" altLang="ru-RU" sz="2000">
+                  <a:latin typeface="Arial Narrow" pitchFamily="34" charset="0"/>
+                </a:rPr>
+                <a:t>{(</a:t>
+              </a:r>
+              <a:r>
+                <a:rPr lang="en-US" altLang="ru-RU">
+                  <a:latin typeface="Arial Narrow" pitchFamily="34" charset="0"/>
+                </a:rPr>
+                <a:t>IP</a:t>
+              </a:r>
+              <a:r>
+                <a:rPr lang="en-US" altLang="ru-RU" sz="1400">
+                  <a:latin typeface="Arial Narrow" pitchFamily="34" charset="0"/>
+                </a:rPr>
+                <a:t>k</a:t>
+              </a:r>
+              <a:r>
+                <a:rPr lang="en-US" altLang="ru-RU" sz="2000">
+                  <a:latin typeface="Arial Narrow" pitchFamily="34" charset="0"/>
+                </a:rPr>
+                <a:t>, </a:t>
+              </a:r>
+              <a:r>
+                <a:rPr lang="en-US" altLang="ru-RU">
+                  <a:latin typeface="Arial Narrow" pitchFamily="34" charset="0"/>
+                </a:rPr>
+                <a:t>n</a:t>
+              </a:r>
+              <a:r>
+                <a:rPr lang="en-US" altLang="ru-RU" sz="1400">
+                  <a:latin typeface="Arial Narrow" pitchFamily="34" charset="0"/>
+                </a:rPr>
+                <a:t>k</a:t>
+              </a:r>
+              <a:r>
+                <a:rPr lang="en-US" altLang="ru-RU" sz="2000">
+                  <a:latin typeface="Arial Narrow" pitchFamily="34" charset="0"/>
+                </a:rPr>
+                <a:t>), </a:t>
+              </a:r>
+              <a:r>
+                <a:rPr lang="en-US" altLang="ru-RU">
+                  <a:latin typeface="Arial Narrow" pitchFamily="34" charset="0"/>
+                </a:rPr>
+                <a:t>(IP</a:t>
+              </a:r>
+              <a:r>
+                <a:rPr lang="en-GB" altLang="ru-RU" sz="1400">
+                  <a:latin typeface="Arial Narrow" pitchFamily="34" charset="0"/>
+                </a:rPr>
+                <a:t>1</a:t>
+              </a:r>
+              <a:r>
+                <a:rPr lang="en-US" altLang="ru-RU">
+                  <a:latin typeface="Arial Narrow" pitchFamily="34" charset="0"/>
+                </a:rPr>
+                <a:t>, </a:t>
+              </a:r>
+              <a:r>
+                <a:rPr lang="ru-RU" altLang="ru-RU">
+                  <a:latin typeface="Arial Narrow" pitchFamily="34" charset="0"/>
+                </a:rPr>
+                <a:t>80</a:t>
+              </a:r>
+              <a:r>
+                <a:rPr lang="en-US" altLang="ru-RU">
+                  <a:latin typeface="Arial Narrow" pitchFamily="34" charset="0"/>
+                </a:rPr>
+                <a:t>)}</a:t>
+              </a:r>
+              <a:endParaRPr lang="ru-RU" altLang="ru-RU">
+                <a:latin typeface="Arial Narrow" pitchFamily="34" charset="0"/>
+              </a:endParaRPr>
+            </a:p>
+          </p:txBody>
+        </p:sp>
+        <p:sp>
+          <p:nvSpPr>
+            <p:cNvPr id="71" name="Text Box 32"/>
+            <p:cNvSpPr txBox="1">
+              <a:spLocks noChangeArrowheads="1"/>
+            </p:cNvSpPr>
+            <p:nvPr/>
+          </p:nvSpPr>
+          <p:spPr bwMode="auto">
+            <a:xfrm>
+              <a:off x="5838825" y="4510088"/>
+              <a:ext cx="1514475" cy="400110"/>
+            </a:xfrm>
+            <a:prstGeom prst="rect">
+              <a:avLst/>
+            </a:prstGeom>
+            <a:noFill/>
+            <a:ln>
+              <a:noFill/>
+            </a:ln>
+            <a:effectLst/>
+            <a:extLst>
+              <a:ext uri="{909E8E84-426E-40DD-AFC4-6F175D3DCCD1}">
+                <a14:hiddenFill xmlns:a14="http://schemas.microsoft.com/office/drawing/2010/main">
+                  <a:solidFill>
+                    <a:schemeClr val="accent1"/>
+                  </a:solidFill>
+                </a14:hiddenFill>
+              </a:ext>
+              <a:ext uri="{91240B29-F687-4F45-9708-019B960494DF}">
+                <a14:hiddenLine xmlns:a14="http://schemas.microsoft.com/office/drawing/2010/main" w="9525">
+                  <a:solidFill>
+                    <a:schemeClr val="tx1"/>
+                  </a:solidFill>
+                  <a:miter lim="800000"/>
+                  <a:headEnd/>
+                  <a:tailEnd/>
+                </a14:hiddenLine>
+              </a:ext>
+              <a:ext uri="{AF507438-7753-43E0-B8FC-AC1667EBCBE1}">
+                <a14:hiddenEffects xmlns:a14="http://schemas.microsoft.com/office/drawing/2010/main">
+                  <a:effectLst>
+                    <a:outerShdw dist="35921" dir="2700000" algn="ctr" rotWithShape="0">
+                      <a:schemeClr val="bg2"/>
+                    </a:outerShdw>
+                  </a:effectLst>
+                </a14:hiddenEffects>
+              </a:ext>
+            </a:extLst>
+          </p:spPr>
+          <p:txBody>
+            <a:bodyPr>
+              <a:spAutoFit/>
+            </a:bodyPr>
+            <a:lstStyle/>
+            <a:p>
+              <a:pPr>
+                <a:spcBef>
+                  <a:spcPct val="50000"/>
+                </a:spcBef>
+                <a:buNone/>
+              </a:pPr>
+              <a:r>
+                <a:rPr lang="en-US" altLang="ru-RU">
+                  <a:latin typeface="Arial Narrow" pitchFamily="34" charset="0"/>
+                </a:rPr>
+                <a:t>(IP</a:t>
+              </a:r>
+              <a:r>
+                <a:rPr lang="en-US" altLang="ru-RU" sz="1600">
+                  <a:latin typeface="Arial Narrow" pitchFamily="34" charset="0"/>
+                </a:rPr>
+                <a:t>m</a:t>
+              </a:r>
+              <a:r>
+                <a:rPr lang="en-US" altLang="ru-RU">
+                  <a:latin typeface="Arial Narrow" pitchFamily="34" charset="0"/>
+                </a:rPr>
+                <a:t>, n</a:t>
+              </a:r>
+              <a:r>
+                <a:rPr lang="en-US" altLang="ru-RU" sz="1600">
+                  <a:latin typeface="Arial Narrow" pitchFamily="34" charset="0"/>
+                </a:rPr>
+                <a:t>m</a:t>
+              </a:r>
+              <a:r>
+                <a:rPr lang="en-US" altLang="ru-RU">
+                  <a:latin typeface="Arial Narrow" pitchFamily="34" charset="0"/>
+                </a:rPr>
+                <a:t>)</a:t>
+              </a:r>
+              <a:endParaRPr lang="ru-RU" altLang="ru-RU">
+                <a:latin typeface="Arial Narrow" pitchFamily="34" charset="0"/>
+              </a:endParaRPr>
+            </a:p>
+          </p:txBody>
+        </p:sp>
+        <p:sp>
+          <p:nvSpPr>
+            <p:cNvPr id="72" name="Line 33"/>
+            <p:cNvSpPr>
+              <a:spLocks noChangeShapeType="1"/>
+            </p:cNvSpPr>
+            <p:nvPr/>
+          </p:nvSpPr>
+          <p:spPr bwMode="auto">
+            <a:xfrm flipH="1" flipV="1">
+              <a:off x="4962525" y="3898900"/>
+              <a:ext cx="712788" cy="812800"/>
+            </a:xfrm>
+            <a:prstGeom prst="line">
+              <a:avLst/>
+            </a:prstGeom>
+            <a:noFill/>
+            <a:ln w="38100">
+              <a:solidFill>
+                <a:schemeClr val="tx1"/>
+              </a:solidFill>
+              <a:prstDash val="sysDot"/>
+              <a:round/>
+              <a:headEnd type="triangle" w="med" len="med"/>
+              <a:tailEnd type="triangle" w="med" len="med"/>
+            </a:ln>
+            <a:effectLst/>
+            <a:extLst>
+              <a:ext uri="{909E8E84-426E-40DD-AFC4-6F175D3DCCD1}">
+                <a14:hiddenFill xmlns:a14="http://schemas.microsoft.com/office/drawing/2010/main">
+                  <a:noFill/>
+                </a14:hiddenFill>
+              </a:ext>
+              <a:ext uri="{AF507438-7753-43E0-B8FC-AC1667EBCBE1}">
+                <a14:hiddenEffects xmlns:a14="http://schemas.microsoft.com/office/drawing/2010/main">
+                  <a:effectLst>
+                    <a:outerShdw dist="35921" dir="2700000" algn="ctr" rotWithShape="0">
+                      <a:schemeClr val="bg2"/>
+                    </a:outerShdw>
+                  </a:effectLst>
+                </a14:hiddenEffects>
+              </a:ext>
+            </a:extLst>
+          </p:spPr>
+          <p:txBody>
+            <a:bodyPr/>
+            <a:lstStyle/>
+            <a:p>
+              <a:pPr>
+                <a:buNone/>
+              </a:pPr>
+              <a:endParaRPr lang="ru-RU"/>
+            </a:p>
+          </p:txBody>
+        </p:sp>
+        <p:sp>
+          <p:nvSpPr>
+            <p:cNvPr id="73" name="Line 34"/>
+            <p:cNvSpPr>
+              <a:spLocks noChangeShapeType="1"/>
+            </p:cNvSpPr>
+            <p:nvPr/>
+          </p:nvSpPr>
+          <p:spPr bwMode="auto">
+            <a:xfrm flipV="1">
+              <a:off x="4838700" y="908050"/>
+              <a:ext cx="1389063" cy="941388"/>
+            </a:xfrm>
+            <a:prstGeom prst="line">
+              <a:avLst/>
+            </a:prstGeom>
+            <a:noFill/>
+            <a:ln w="38100">
+              <a:solidFill>
+                <a:schemeClr val="tx1"/>
+              </a:solidFill>
+              <a:prstDash val="sysDot"/>
+              <a:round/>
+              <a:headEnd type="triangle" w="med" len="med"/>
+              <a:tailEnd type="triangle" w="med" len="med"/>
+            </a:ln>
+            <a:effectLst/>
+            <a:extLst>
+              <a:ext uri="{909E8E84-426E-40DD-AFC4-6F175D3DCCD1}">
+                <a14:hiddenFill xmlns:a14="http://schemas.microsoft.com/office/drawing/2010/main">
+                  <a:noFill/>
+                </a14:hiddenFill>
+              </a:ext>
+              <a:ext uri="{AF507438-7753-43E0-B8FC-AC1667EBCBE1}">
+                <a14:hiddenEffects xmlns:a14="http://schemas.microsoft.com/office/drawing/2010/main">
+                  <a:effectLst>
+                    <a:outerShdw dist="35921" dir="2700000" algn="ctr" rotWithShape="0">
+                      <a:schemeClr val="bg2"/>
+                    </a:outerShdw>
+                  </a:effectLst>
+                </a14:hiddenEffects>
+              </a:ext>
+            </a:extLst>
+          </p:spPr>
+          <p:txBody>
+            <a:bodyPr/>
+            <a:lstStyle/>
+            <a:p>
+              <a:pPr>
+                <a:buNone/>
+              </a:pPr>
+              <a:endParaRPr lang="ru-RU"/>
+            </a:p>
+          </p:txBody>
+        </p:sp>
+        <p:sp>
+          <p:nvSpPr>
+            <p:cNvPr id="74" name="AutoShape 35"/>
+            <p:cNvSpPr>
+              <a:spLocks/>
+            </p:cNvSpPr>
+            <p:nvPr/>
+          </p:nvSpPr>
+          <p:spPr bwMode="auto">
+            <a:xfrm rot="16200000">
+              <a:off x="4667250" y="4171950"/>
+              <a:ext cx="190500" cy="2362200"/>
+            </a:xfrm>
+            <a:prstGeom prst="leftBrace">
+              <a:avLst>
+                <a:gd name="adj1" fmla="val 103333"/>
+                <a:gd name="adj2" fmla="val 50000"/>
+              </a:avLst>
+            </a:prstGeom>
+            <a:noFill/>
+            <a:ln w="9525">
+              <a:solidFill>
+                <a:schemeClr val="tx1"/>
+              </a:solidFill>
+              <a:round/>
+              <a:headEnd/>
+              <a:tailEnd/>
+            </a:ln>
+            <a:effectLst/>
+            <a:extLst>
+              <a:ext uri="{909E8E84-426E-40DD-AFC4-6F175D3DCCD1}">
+                <a14:hiddenFill xmlns:a14="http://schemas.microsoft.com/office/drawing/2010/main">
+                  <a:solidFill>
+                    <a:schemeClr val="accent1"/>
+                  </a:solidFill>
+                </a14:hiddenFill>
+              </a:ext>
+              <a:ext uri="{AF507438-7753-43E0-B8FC-AC1667EBCBE1}">
+                <a14:hiddenEffects xmlns:a14="http://schemas.microsoft.com/office/drawing/2010/main">
+                  <a:effectLst>
+                    <a:outerShdw dist="35921" dir="2700000" algn="ctr" rotWithShape="0">
+                      <a:schemeClr val="bg2"/>
+                    </a:outerShdw>
+                  </a:effectLst>
+                </a14:hiddenEffects>
+              </a:ext>
+            </a:extLst>
+          </p:spPr>
+          <p:txBody>
+            <a:bodyPr wrap="none" anchor="ctr"/>
+            <a:lstStyle/>
+            <a:p>
+              <a:pPr>
+                <a:buNone/>
+              </a:pPr>
+              <a:endParaRPr lang="ru-RU"/>
+            </a:p>
+          </p:txBody>
+        </p:sp>
+        <p:sp>
+          <p:nvSpPr>
+            <p:cNvPr id="75" name="Text Box 36"/>
+            <p:cNvSpPr txBox="1">
+              <a:spLocks noChangeArrowheads="1"/>
+            </p:cNvSpPr>
+            <p:nvPr/>
+          </p:nvSpPr>
+          <p:spPr bwMode="auto">
+            <a:xfrm>
+              <a:off x="5927725" y="2262188"/>
+              <a:ext cx="2162176" cy="400110"/>
+            </a:xfrm>
+            <a:prstGeom prst="rect">
+              <a:avLst/>
+            </a:prstGeom>
+            <a:noFill/>
+            <a:ln>
+              <a:noFill/>
+            </a:ln>
+            <a:effectLst/>
+            <a:extLst>
+              <a:ext uri="{909E8E84-426E-40DD-AFC4-6F175D3DCCD1}">
+                <a14:hiddenFill xmlns:a14="http://schemas.microsoft.com/office/drawing/2010/main">
+                  <a:solidFill>
+                    <a:schemeClr val="accent1"/>
+                  </a:solidFill>
+                </a14:hiddenFill>
+              </a:ext>
+              <a:ext uri="{91240B29-F687-4F45-9708-019B960494DF}">
+                <a14:hiddenLine xmlns:a14="http://schemas.microsoft.com/office/drawing/2010/main" w="9525">
+                  <a:solidFill>
+                    <a:schemeClr val="tx1"/>
+                  </a:solidFill>
+                  <a:miter lim="800000"/>
+                  <a:headEnd/>
+                  <a:tailEnd/>
+                </a14:hiddenLine>
+              </a:ext>
+              <a:ext uri="{AF507438-7753-43E0-B8FC-AC1667EBCBE1}">
+                <a14:hiddenEffects xmlns:a14="http://schemas.microsoft.com/office/drawing/2010/main">
+                  <a:effectLst>
+                    <a:outerShdw dist="35921" dir="2700000" algn="ctr" rotWithShape="0">
+                      <a:schemeClr val="bg2"/>
+                    </a:outerShdw>
+                  </a:effectLst>
+                </a14:hiddenEffects>
+              </a:ext>
+            </a:extLst>
+          </p:spPr>
+          <p:txBody>
+            <a:bodyPr>
+              <a:spAutoFit/>
+            </a:bodyPr>
+            <a:lstStyle/>
+            <a:p>
+              <a:pPr>
+                <a:spcBef>
+                  <a:spcPct val="50000"/>
+                </a:spcBef>
+                <a:buNone/>
+              </a:pPr>
+              <a:r>
+                <a:rPr lang="en-US" altLang="ru-RU" dirty="0">
+                  <a:latin typeface="Arial Narrow" pitchFamily="34" charset="0"/>
+                </a:rPr>
+                <a:t>{(</a:t>
+              </a:r>
+              <a:r>
+                <a:rPr lang="en-US" altLang="ru-RU" dirty="0" err="1">
+                  <a:latin typeface="Arial Narrow" pitchFamily="34" charset="0"/>
+                </a:rPr>
+                <a:t>IP</a:t>
+              </a:r>
+              <a:r>
+                <a:rPr lang="en-US" altLang="ru-RU" sz="1600" dirty="0" err="1">
+                  <a:latin typeface="Arial Narrow" pitchFamily="34" charset="0"/>
+                </a:rPr>
+                <a:t>m</a:t>
+              </a:r>
+              <a:r>
+                <a:rPr lang="en-US" altLang="ru-RU" dirty="0">
+                  <a:latin typeface="Arial Narrow" pitchFamily="34" charset="0"/>
+                </a:rPr>
+                <a:t>, n</a:t>
+              </a:r>
+              <a:r>
+                <a:rPr lang="en-US" altLang="ru-RU" sz="1600" dirty="0">
+                  <a:latin typeface="Arial Narrow" pitchFamily="34" charset="0"/>
+                </a:rPr>
+                <a:t>m</a:t>
+              </a:r>
+              <a:r>
+                <a:rPr lang="en-US" altLang="ru-RU" dirty="0">
+                  <a:latin typeface="Arial Narrow" pitchFamily="34" charset="0"/>
+                </a:rPr>
+                <a:t>), (IP</a:t>
+              </a:r>
+              <a:r>
+                <a:rPr lang="en-GB" altLang="ru-RU" sz="1600" dirty="0">
+                  <a:latin typeface="Arial Narrow" pitchFamily="34" charset="0"/>
+                </a:rPr>
+                <a:t>2</a:t>
+              </a:r>
+              <a:r>
+                <a:rPr lang="en-US" altLang="ru-RU" dirty="0">
+                  <a:latin typeface="Arial Narrow" pitchFamily="34" charset="0"/>
+                </a:rPr>
+                <a:t>, </a:t>
+              </a:r>
+              <a:r>
+                <a:rPr lang="ru-RU" altLang="ru-RU" dirty="0">
+                  <a:latin typeface="Arial Narrow" pitchFamily="34" charset="0"/>
+                </a:rPr>
+                <a:t>80</a:t>
+              </a:r>
+              <a:r>
+                <a:rPr lang="en-US" altLang="ru-RU" dirty="0">
+                  <a:latin typeface="Arial Narrow" pitchFamily="34" charset="0"/>
+                </a:rPr>
+                <a:t>)}</a:t>
+              </a:r>
+              <a:endParaRPr lang="ru-RU" altLang="ru-RU" dirty="0">
+                <a:latin typeface="Arial Narrow" pitchFamily="34" charset="0"/>
+              </a:endParaRPr>
+            </a:p>
+          </p:txBody>
+        </p:sp>
+        <p:sp>
+          <p:nvSpPr>
+            <p:cNvPr id="76" name="Text Box 37"/>
+            <p:cNvSpPr txBox="1">
+              <a:spLocks noChangeArrowheads="1"/>
+            </p:cNvSpPr>
+            <p:nvPr/>
+          </p:nvSpPr>
+          <p:spPr bwMode="auto">
+            <a:xfrm>
+              <a:off x="5434013" y="4683125"/>
+              <a:ext cx="1138237" cy="519113"/>
+            </a:xfrm>
+            <a:prstGeom prst="rect">
+              <a:avLst/>
+            </a:prstGeom>
+            <a:noFill/>
+            <a:ln>
+              <a:noFill/>
+            </a:ln>
+            <a:effectLst/>
+            <a:extLst>
+              <a:ext uri="{909E8E84-426E-40DD-AFC4-6F175D3DCCD1}">
+                <a14:hiddenFill xmlns:a14="http://schemas.microsoft.com/office/drawing/2010/main">
+                  <a:solidFill>
+                    <a:schemeClr val="accent1"/>
+                  </a:solidFill>
+                </a14:hiddenFill>
+              </a:ext>
+              <a:ext uri="{91240B29-F687-4F45-9708-019B960494DF}">
+                <a14:hiddenLine xmlns:a14="http://schemas.microsoft.com/office/drawing/2010/main" w="9525">
+                  <a:solidFill>
+                    <a:schemeClr val="tx1"/>
+                  </a:solidFill>
+                  <a:miter lim="800000"/>
+                  <a:headEnd/>
+                  <a:tailEnd/>
+                </a14:hiddenLine>
+              </a:ext>
+              <a:ext uri="{AF507438-7753-43E0-B8FC-AC1667EBCBE1}">
+                <a14:hiddenEffects xmlns:a14="http://schemas.microsoft.com/office/drawing/2010/main">
+                  <a:effectLst>
+                    <a:outerShdw dist="35921" dir="2700000" algn="ctr" rotWithShape="0">
+                      <a:schemeClr val="bg2"/>
+                    </a:outerShdw>
+                  </a:effectLst>
+                </a14:hiddenEffects>
+              </a:ext>
+            </a:extLst>
+          </p:spPr>
+          <p:txBody>
+            <a:bodyPr>
+              <a:spAutoFit/>
+            </a:bodyPr>
+            <a:lstStyle/>
+            <a:p>
+              <a:pPr>
+                <a:spcBef>
+                  <a:spcPct val="50000"/>
+                </a:spcBef>
+                <a:buNone/>
+              </a:pPr>
+              <a:r>
+                <a:rPr lang="en-GB" altLang="ru-RU" sz="2800" b="1">
+                  <a:latin typeface="Times New Roman" pitchFamily="18" charset="0"/>
+                </a:rPr>
+                <a:t>m</a:t>
+              </a:r>
+              <a:endParaRPr lang="ru-RU" altLang="ru-RU" sz="2800" b="1">
+                <a:latin typeface="Times New Roman" pitchFamily="18" charset="0"/>
+              </a:endParaRPr>
+            </a:p>
+          </p:txBody>
+        </p:sp>
+        <p:sp>
+          <p:nvSpPr>
+            <p:cNvPr id="77" name="Line 38"/>
+            <p:cNvSpPr>
+              <a:spLocks noChangeShapeType="1"/>
+            </p:cNvSpPr>
+            <p:nvPr/>
+          </p:nvSpPr>
+          <p:spPr bwMode="auto">
+            <a:xfrm flipV="1">
+              <a:off x="2984500" y="1168400"/>
+              <a:ext cx="203200" cy="114300"/>
+            </a:xfrm>
+            <a:prstGeom prst="line">
+              <a:avLst/>
+            </a:prstGeom>
+            <a:noFill/>
+            <a:ln w="3175">
+              <a:solidFill>
+                <a:schemeClr val="tx1"/>
+              </a:solidFill>
+              <a:round/>
+              <a:headEnd/>
+              <a:tailEnd/>
+            </a:ln>
+            <a:effectLst/>
+            <a:extLst>
+              <a:ext uri="{909E8E84-426E-40DD-AFC4-6F175D3DCCD1}">
+                <a14:hiddenFill xmlns:a14="http://schemas.microsoft.com/office/drawing/2010/main">
+                  <a:noFill/>
+                </a14:hiddenFill>
+              </a:ext>
+              <a:ext uri="{AF507438-7753-43E0-B8FC-AC1667EBCBE1}">
+                <a14:hiddenEffects xmlns:a14="http://schemas.microsoft.com/office/drawing/2010/main">
+                  <a:effectLst>
+                    <a:outerShdw dist="35921" dir="2700000" algn="ctr" rotWithShape="0">
+                      <a:schemeClr val="bg2"/>
+                    </a:outerShdw>
+                  </a:effectLst>
+                </a14:hiddenEffects>
+              </a:ext>
+            </a:extLst>
+          </p:spPr>
+          <p:txBody>
+            <a:bodyPr/>
+            <a:lstStyle/>
+            <a:p>
+              <a:pPr>
+                <a:buNone/>
+              </a:pPr>
+              <a:endParaRPr lang="ru-RU"/>
+            </a:p>
+          </p:txBody>
+        </p:sp>
+        <p:sp>
+          <p:nvSpPr>
+            <p:cNvPr id="78" name="Text Box 39"/>
+            <p:cNvSpPr txBox="1">
+              <a:spLocks noChangeArrowheads="1"/>
+            </p:cNvSpPr>
+            <p:nvPr/>
+          </p:nvSpPr>
+          <p:spPr bwMode="auto">
+            <a:xfrm>
+              <a:off x="5506913" y="0"/>
+              <a:ext cx="1892300" cy="707886"/>
+            </a:xfrm>
+            <a:prstGeom prst="rect">
+              <a:avLst/>
+            </a:prstGeom>
+            <a:noFill/>
+            <a:ln>
+              <a:noFill/>
+            </a:ln>
+            <a:effectLst/>
+            <a:extLst>
+              <a:ext uri="{909E8E84-426E-40DD-AFC4-6F175D3DCCD1}">
+                <a14:hiddenFill xmlns:a14="http://schemas.microsoft.com/office/drawing/2010/main">
+                  <a:solidFill>
+                    <a:schemeClr val="accent1"/>
+                  </a:solidFill>
+                </a14:hiddenFill>
+              </a:ext>
+              <a:ext uri="{91240B29-F687-4F45-9708-019B960494DF}">
+                <a14:hiddenLine xmlns:a14="http://schemas.microsoft.com/office/drawing/2010/main" w="9525">
+                  <a:solidFill>
+                    <a:schemeClr val="tx1"/>
+                  </a:solidFill>
+                  <a:miter lim="800000"/>
+                  <a:headEnd/>
+                  <a:tailEnd/>
+                </a14:hiddenLine>
+              </a:ext>
+              <a:ext uri="{AF507438-7753-43E0-B8FC-AC1667EBCBE1}">
+                <a14:hiddenEffects xmlns:a14="http://schemas.microsoft.com/office/drawing/2010/main">
+                  <a:effectLst>
+                    <a:outerShdw dist="35921" dir="2700000" algn="ctr" rotWithShape="0">
+                      <a:schemeClr val="bg2"/>
+                    </a:outerShdw>
+                  </a:effectLst>
+                </a14:hiddenEffects>
+              </a:ext>
+            </a:extLst>
+          </p:spPr>
+          <p:txBody>
+            <a:bodyPr>
+              <a:spAutoFit/>
+            </a:bodyPr>
+            <a:lstStyle/>
+            <a:p>
+              <a:pPr>
+                <a:buNone/>
+              </a:pPr>
+              <a:r>
+                <a:rPr lang="en-US" altLang="ru-RU" dirty="0">
+                  <a:latin typeface="Arial Narrow" pitchFamily="34" charset="0"/>
+                </a:rPr>
+                <a:t>www2.tour.ru – IP2</a:t>
+              </a:r>
+              <a:endParaRPr lang="ru-RU" altLang="ru-RU" dirty="0"/>
+            </a:p>
+          </p:txBody>
+        </p:sp>
+        <p:sp>
+          <p:nvSpPr>
+            <p:cNvPr id="79" name="Rectangle 40"/>
+            <p:cNvSpPr>
+              <a:spLocks noChangeArrowheads="1"/>
+            </p:cNvSpPr>
+            <p:nvPr/>
+          </p:nvSpPr>
+          <p:spPr bwMode="auto">
+            <a:xfrm>
+              <a:off x="4284663" y="3000375"/>
+              <a:ext cx="1008062" cy="431800"/>
+            </a:xfrm>
+            <a:prstGeom prst="rect">
+              <a:avLst/>
+            </a:prstGeom>
+            <a:solidFill>
+              <a:schemeClr val="bg1"/>
+            </a:solidFill>
+            <a:ln w="9525">
+              <a:solidFill>
+                <a:schemeClr val="tx1"/>
+              </a:solidFill>
+              <a:miter lim="800000"/>
+              <a:headEnd/>
+              <a:tailEnd/>
+            </a:ln>
+            <a:effectLst/>
+            <a:extLst>
+              <a:ext uri="{AF507438-7753-43E0-B8FC-AC1667EBCBE1}">
+                <a14:hiddenEffects xmlns:a14="http://schemas.microsoft.com/office/drawing/2010/main">
+                  <a:effectLst>
+                    <a:outerShdw dist="35921" dir="2700000" algn="ctr" rotWithShape="0">
+                      <a:schemeClr val="bg2"/>
+                    </a:outerShdw>
+                  </a:effectLst>
+                </a14:hiddenEffects>
+              </a:ext>
+            </a:extLst>
+          </p:spPr>
+          <p:txBody>
+            <a:bodyPr wrap="none" anchor="ctr"/>
+            <a:lstStyle/>
+            <a:p>
+              <a:pPr>
+                <a:buNone/>
+              </a:pPr>
+              <a:endParaRPr lang="ru-RU"/>
+            </a:p>
+          </p:txBody>
+        </p:sp>
+        <p:sp>
+          <p:nvSpPr>
+            <p:cNvPr id="80" name="Text Box 41"/>
+            <p:cNvSpPr txBox="1">
+              <a:spLocks noChangeArrowheads="1"/>
+            </p:cNvSpPr>
+            <p:nvPr/>
+          </p:nvSpPr>
+          <p:spPr bwMode="auto">
+            <a:xfrm>
+              <a:off x="4559299" y="3035300"/>
+              <a:ext cx="495300" cy="400110"/>
+            </a:xfrm>
+            <a:prstGeom prst="rect">
+              <a:avLst/>
+            </a:prstGeom>
+            <a:noFill/>
+            <a:ln>
+              <a:noFill/>
+            </a:ln>
+            <a:effectLst/>
+            <a:extLst>
+              <a:ext uri="{909E8E84-426E-40DD-AFC4-6F175D3DCCD1}">
+                <a14:hiddenFill xmlns:a14="http://schemas.microsoft.com/office/drawing/2010/main">
+                  <a:solidFill>
+                    <a:schemeClr val="accent1"/>
+                  </a:solidFill>
+                </a14:hiddenFill>
+              </a:ext>
+              <a:ext uri="{91240B29-F687-4F45-9708-019B960494DF}">
+                <a14:hiddenLine xmlns:a14="http://schemas.microsoft.com/office/drawing/2010/main" w="9525">
+                  <a:solidFill>
+                    <a:schemeClr val="tx1"/>
+                  </a:solidFill>
+                  <a:miter lim="800000"/>
+                  <a:headEnd/>
+                  <a:tailEnd/>
+                </a14:hiddenLine>
+              </a:ext>
+              <a:ext uri="{AF507438-7753-43E0-B8FC-AC1667EBCBE1}">
+                <a14:hiddenEffects xmlns:a14="http://schemas.microsoft.com/office/drawing/2010/main">
+                  <a:effectLst>
+                    <a:outerShdw dist="35921" dir="2700000" algn="ctr" rotWithShape="0">
+                      <a:schemeClr val="bg2"/>
+                    </a:outerShdw>
+                  </a:effectLst>
+                </a14:hiddenEffects>
+              </a:ext>
+            </a:extLst>
+          </p:spPr>
+          <p:txBody>
+            <a:bodyPr>
+              <a:spAutoFit/>
+            </a:bodyPr>
+            <a:lstStyle/>
+            <a:p>
+              <a:pPr>
+                <a:spcBef>
+                  <a:spcPct val="50000"/>
+                </a:spcBef>
+                <a:buNone/>
+              </a:pPr>
+              <a:r>
+                <a:rPr lang="en-GB" altLang="ru-RU"/>
+                <a:t>IP</a:t>
+              </a:r>
+              <a:endParaRPr lang="ru-RU" altLang="ru-RU"/>
+            </a:p>
+          </p:txBody>
+        </p:sp>
+        <p:sp>
+          <p:nvSpPr>
+            <p:cNvPr id="81" name="Rectangle 42" descr="Dark horizontal"/>
+            <p:cNvSpPr>
+              <a:spLocks noChangeArrowheads="1"/>
+            </p:cNvSpPr>
+            <p:nvPr/>
+          </p:nvSpPr>
+          <p:spPr bwMode="auto">
+            <a:xfrm>
+              <a:off x="3949700" y="1930400"/>
+              <a:ext cx="508000" cy="165100"/>
+            </a:xfrm>
+            <a:prstGeom prst="rect">
+              <a:avLst/>
+            </a:prstGeom>
+            <a:pattFill prst="dkHorz">
+              <a:fgClr>
+                <a:schemeClr val="tx1"/>
+              </a:fgClr>
+              <a:bgClr>
+                <a:srgbClr val="FFFFFF"/>
+              </a:bgClr>
+            </a:pattFill>
+            <a:ln w="9525">
+              <a:solidFill>
+                <a:schemeClr val="tx1"/>
+              </a:solidFill>
+              <a:miter lim="800000"/>
+              <a:headEnd/>
+              <a:tailEnd/>
+            </a:ln>
+            <a:effectLst/>
+            <a:extLst>
+              <a:ext uri="{AF507438-7753-43E0-B8FC-AC1667EBCBE1}">
+                <a14:hiddenEffects xmlns:a14="http://schemas.microsoft.com/office/drawing/2010/main">
+                  <a:effectLst>
+                    <a:outerShdw dist="35921" dir="2700000" algn="ctr" rotWithShape="0">
+                      <a:schemeClr val="bg2"/>
+                    </a:outerShdw>
+                  </a:effectLst>
+                </a14:hiddenEffects>
+              </a:ext>
+            </a:extLst>
+          </p:spPr>
+          <p:txBody>
+            <a:bodyPr wrap="none" anchor="ctr"/>
+            <a:lstStyle/>
+            <a:p>
+              <a:pPr>
+                <a:buNone/>
+              </a:pPr>
+              <a:endParaRPr lang="ru-RU"/>
+            </a:p>
+          </p:txBody>
+        </p:sp>
+        <p:sp>
+          <p:nvSpPr>
+            <p:cNvPr id="82" name="Rectangle 43" descr="Dark horizontal"/>
+            <p:cNvSpPr>
+              <a:spLocks noChangeArrowheads="1"/>
+            </p:cNvSpPr>
+            <p:nvPr/>
+          </p:nvSpPr>
+          <p:spPr bwMode="auto">
+            <a:xfrm>
+              <a:off x="4546600" y="1879600"/>
+              <a:ext cx="508000" cy="266700"/>
+            </a:xfrm>
+            <a:prstGeom prst="rect">
+              <a:avLst/>
+            </a:prstGeom>
+            <a:pattFill prst="dkHorz">
+              <a:fgClr>
+                <a:schemeClr val="tx1"/>
+              </a:fgClr>
+              <a:bgClr>
+                <a:srgbClr val="FFFFFF"/>
+              </a:bgClr>
+            </a:pattFill>
+            <a:ln w="9525">
+              <a:solidFill>
+                <a:schemeClr val="tx1"/>
+              </a:solidFill>
+              <a:miter lim="800000"/>
+              <a:headEnd/>
+              <a:tailEnd/>
+            </a:ln>
+            <a:effectLst/>
+            <a:extLst>
+              <a:ext uri="{AF507438-7753-43E0-B8FC-AC1667EBCBE1}">
+                <a14:hiddenEffects xmlns:a14="http://schemas.microsoft.com/office/drawing/2010/main">
+                  <a:effectLst>
+                    <a:outerShdw dist="35921" dir="2700000" algn="ctr" rotWithShape="0">
+                      <a:schemeClr val="bg2"/>
+                    </a:outerShdw>
+                  </a:effectLst>
+                </a14:hiddenEffects>
+              </a:ext>
+            </a:extLst>
+          </p:spPr>
+          <p:txBody>
+            <a:bodyPr wrap="none" anchor="ctr"/>
+            <a:lstStyle/>
+            <a:p>
+              <a:pPr>
+                <a:buNone/>
+              </a:pPr>
+              <a:endParaRPr lang="ru-RU"/>
+            </a:p>
+          </p:txBody>
+        </p:sp>
+        <p:sp>
+          <p:nvSpPr>
+            <p:cNvPr id="83" name="Rectangle 44" descr="Dark horizontal"/>
+            <p:cNvSpPr>
+              <a:spLocks noChangeArrowheads="1"/>
+            </p:cNvSpPr>
+            <p:nvPr/>
+          </p:nvSpPr>
+          <p:spPr bwMode="auto">
+            <a:xfrm>
+              <a:off x="5130800" y="1993900"/>
+              <a:ext cx="508000" cy="127000"/>
+            </a:xfrm>
+            <a:prstGeom prst="rect">
+              <a:avLst/>
+            </a:prstGeom>
+            <a:pattFill prst="dkHorz">
+              <a:fgClr>
+                <a:schemeClr val="tx1"/>
+              </a:fgClr>
+              <a:bgClr>
+                <a:srgbClr val="FFFFFF"/>
+              </a:bgClr>
+            </a:pattFill>
+            <a:ln w="9525">
+              <a:solidFill>
+                <a:schemeClr val="tx1"/>
+              </a:solidFill>
+              <a:miter lim="800000"/>
+              <a:headEnd/>
+              <a:tailEnd/>
+            </a:ln>
+            <a:effectLst/>
+            <a:extLst>
+              <a:ext uri="{AF507438-7753-43E0-B8FC-AC1667EBCBE1}">
+                <a14:hiddenEffects xmlns:a14="http://schemas.microsoft.com/office/drawing/2010/main">
+                  <a:effectLst>
+                    <a:outerShdw dist="35921" dir="2700000" algn="ctr" rotWithShape="0">
+                      <a:schemeClr val="bg2"/>
+                    </a:outerShdw>
+                  </a:effectLst>
+                </a14:hiddenEffects>
+              </a:ext>
+            </a:extLst>
+          </p:spPr>
+          <p:txBody>
+            <a:bodyPr wrap="none" anchor="ctr"/>
+            <a:lstStyle/>
+            <a:p>
+              <a:pPr>
+                <a:buNone/>
+              </a:pPr>
+              <a:endParaRPr lang="ru-RU"/>
+            </a:p>
+          </p:txBody>
+        </p:sp>
+        <p:sp>
+          <p:nvSpPr>
+            <p:cNvPr id="84" name="Line 45"/>
+            <p:cNvSpPr>
+              <a:spLocks noChangeShapeType="1"/>
+            </p:cNvSpPr>
+            <p:nvPr/>
+          </p:nvSpPr>
+          <p:spPr bwMode="auto">
+            <a:xfrm flipV="1">
+              <a:off x="4762500" y="3429000"/>
+              <a:ext cx="0" cy="279400"/>
+            </a:xfrm>
+            <a:prstGeom prst="line">
+              <a:avLst/>
+            </a:prstGeom>
+            <a:noFill/>
+            <a:ln w="38100">
+              <a:solidFill>
+                <a:schemeClr val="tx1"/>
+              </a:solidFill>
+              <a:round/>
+              <a:headEnd/>
+              <a:tailEnd/>
+            </a:ln>
+            <a:effectLst/>
+            <a:extLst>
+              <a:ext uri="{909E8E84-426E-40DD-AFC4-6F175D3DCCD1}">
+                <a14:hiddenFill xmlns:a14="http://schemas.microsoft.com/office/drawing/2010/main">
+                  <a:noFill/>
+                </a14:hiddenFill>
+              </a:ext>
+              <a:ext uri="{AF507438-7753-43E0-B8FC-AC1667EBCBE1}">
+                <a14:hiddenEffects xmlns:a14="http://schemas.microsoft.com/office/drawing/2010/main">
+                  <a:effectLst>
+                    <a:outerShdw dist="35921" dir="2700000" algn="ctr" rotWithShape="0">
+                      <a:schemeClr val="bg2"/>
+                    </a:outerShdw>
+                  </a:effectLst>
+                </a14:hiddenEffects>
+              </a:ext>
+            </a:extLst>
+          </p:spPr>
+          <p:txBody>
+            <a:bodyPr/>
+            <a:lstStyle/>
+            <a:p>
+              <a:pPr>
+                <a:buNone/>
+              </a:pPr>
+              <a:endParaRPr lang="ru-RU"/>
+            </a:p>
+          </p:txBody>
+        </p:sp>
+        <p:sp>
+          <p:nvSpPr>
+            <p:cNvPr id="85" name="Line 46"/>
+            <p:cNvSpPr>
+              <a:spLocks noChangeShapeType="1"/>
+            </p:cNvSpPr>
+            <p:nvPr/>
+          </p:nvSpPr>
+          <p:spPr bwMode="auto">
+            <a:xfrm flipV="1">
+              <a:off x="4762500" y="2921000"/>
+              <a:ext cx="0" cy="88900"/>
+            </a:xfrm>
+            <a:prstGeom prst="line">
+              <a:avLst/>
+            </a:prstGeom>
+            <a:noFill/>
+            <a:ln w="38100">
+              <a:solidFill>
+                <a:schemeClr val="tx1"/>
+              </a:solidFill>
+              <a:round/>
+              <a:headEnd/>
+              <a:tailEnd/>
+            </a:ln>
+            <a:effectLst/>
+            <a:extLst>
+              <a:ext uri="{909E8E84-426E-40DD-AFC4-6F175D3DCCD1}">
+                <a14:hiddenFill xmlns:a14="http://schemas.microsoft.com/office/drawing/2010/main">
+                  <a:noFill/>
+                </a14:hiddenFill>
+              </a:ext>
+              <a:ext uri="{AF507438-7753-43E0-B8FC-AC1667EBCBE1}">
+                <a14:hiddenEffects xmlns:a14="http://schemas.microsoft.com/office/drawing/2010/main">
+                  <a:effectLst>
+                    <a:outerShdw dist="35921" dir="2700000" algn="ctr" rotWithShape="0">
+                      <a:schemeClr val="bg2"/>
+                    </a:outerShdw>
+                  </a:effectLst>
+                </a14:hiddenEffects>
+              </a:ext>
+            </a:extLst>
+          </p:spPr>
+          <p:txBody>
+            <a:bodyPr/>
+            <a:lstStyle/>
+            <a:p>
+              <a:pPr>
+                <a:buNone/>
+              </a:pPr>
+              <a:endParaRPr lang="ru-RU"/>
+            </a:p>
+          </p:txBody>
+        </p:sp>
+        <p:sp>
+          <p:nvSpPr>
+            <p:cNvPr id="86" name="Text Box 47"/>
+            <p:cNvSpPr txBox="1">
+              <a:spLocks noChangeArrowheads="1"/>
+            </p:cNvSpPr>
+            <p:nvPr/>
+          </p:nvSpPr>
+          <p:spPr bwMode="auto">
+            <a:xfrm>
+              <a:off x="2463799" y="2628900"/>
+              <a:ext cx="1003299" cy="400110"/>
+            </a:xfrm>
+            <a:prstGeom prst="rect">
+              <a:avLst/>
+            </a:prstGeom>
+            <a:noFill/>
+            <a:ln>
+              <a:noFill/>
+            </a:ln>
+            <a:effectLst/>
+            <a:extLst>
+              <a:ext uri="{909E8E84-426E-40DD-AFC4-6F175D3DCCD1}">
+                <a14:hiddenFill xmlns:a14="http://schemas.microsoft.com/office/drawing/2010/main">
+                  <a:solidFill>
+                    <a:schemeClr val="accent1"/>
+                  </a:solidFill>
+                </a14:hiddenFill>
+              </a:ext>
+              <a:ext uri="{91240B29-F687-4F45-9708-019B960494DF}">
+                <a14:hiddenLine xmlns:a14="http://schemas.microsoft.com/office/drawing/2010/main" w="9525">
+                  <a:solidFill>
+                    <a:schemeClr val="tx1"/>
+                  </a:solidFill>
+                  <a:miter lim="800000"/>
+                  <a:headEnd/>
+                  <a:tailEnd/>
+                </a14:hiddenLine>
+              </a:ext>
+              <a:ext uri="{AF507438-7753-43E0-B8FC-AC1667EBCBE1}">
+                <a14:hiddenEffects xmlns:a14="http://schemas.microsoft.com/office/drawing/2010/main">
+                  <a:effectLst>
+                    <a:outerShdw dist="35921" dir="2700000" algn="ctr" rotWithShape="0">
+                      <a:schemeClr val="bg2"/>
+                    </a:outerShdw>
+                  </a:effectLst>
+                </a14:hiddenEffects>
+              </a:ext>
+            </a:extLst>
+          </p:spPr>
+          <p:txBody>
+            <a:bodyPr>
+              <a:spAutoFit/>
+            </a:bodyPr>
+            <a:lstStyle/>
+            <a:p>
+              <a:pPr>
+                <a:spcBef>
+                  <a:spcPct val="50000"/>
+                </a:spcBef>
+                <a:buNone/>
+              </a:pPr>
+              <a:r>
+                <a:rPr lang="en-GB" altLang="ru-RU">
+                  <a:latin typeface="Arial Narrow" pitchFamily="34" charset="0"/>
+                </a:rPr>
+                <a:t>Buffers</a:t>
+              </a:r>
+              <a:endParaRPr lang="ru-RU" altLang="ru-RU">
+                <a:latin typeface="Arial Narrow" pitchFamily="34" charset="0"/>
+              </a:endParaRPr>
+            </a:p>
+          </p:txBody>
+        </p:sp>
+        <p:sp>
+          <p:nvSpPr>
+            <p:cNvPr id="87" name="Line 48"/>
+            <p:cNvSpPr>
+              <a:spLocks noChangeShapeType="1"/>
+            </p:cNvSpPr>
+            <p:nvPr/>
+          </p:nvSpPr>
+          <p:spPr bwMode="auto">
+            <a:xfrm flipV="1">
+              <a:off x="3175000" y="1993900"/>
+              <a:ext cx="774700" cy="876300"/>
+            </a:xfrm>
+            <a:prstGeom prst="line">
+              <a:avLst/>
+            </a:prstGeom>
+            <a:noFill/>
+            <a:ln w="9525">
+              <a:solidFill>
+                <a:schemeClr val="tx1"/>
+              </a:solidFill>
+              <a:round/>
+              <a:headEnd/>
+              <a:tailEnd/>
+            </a:ln>
+            <a:effectLst/>
+            <a:extLst>
+              <a:ext uri="{909E8E84-426E-40DD-AFC4-6F175D3DCCD1}">
+                <a14:hiddenFill xmlns:a14="http://schemas.microsoft.com/office/drawing/2010/main">
+                  <a:noFill/>
+                </a14:hiddenFill>
+              </a:ext>
+              <a:ext uri="{AF507438-7753-43E0-B8FC-AC1667EBCBE1}">
+                <a14:hiddenEffects xmlns:a14="http://schemas.microsoft.com/office/drawing/2010/main">
+                  <a:effectLst>
+                    <a:outerShdw dist="35921" dir="2700000" algn="ctr" rotWithShape="0">
+                      <a:schemeClr val="bg2"/>
+                    </a:outerShdw>
+                  </a:effectLst>
+                </a14:hiddenEffects>
+              </a:ext>
+            </a:extLst>
+          </p:spPr>
+          <p:txBody>
+            <a:bodyPr/>
+            <a:lstStyle/>
+            <a:p>
+              <a:pPr>
+                <a:buNone/>
+              </a:pPr>
+              <a:endParaRPr lang="ru-RU"/>
+            </a:p>
+          </p:txBody>
+        </p:sp>
+        <p:sp>
+          <p:nvSpPr>
+            <p:cNvPr id="88" name="Line 49"/>
+            <p:cNvSpPr>
+              <a:spLocks noChangeShapeType="1"/>
+            </p:cNvSpPr>
+            <p:nvPr/>
+          </p:nvSpPr>
+          <p:spPr bwMode="auto">
+            <a:xfrm>
+              <a:off x="4940300" y="2159000"/>
+              <a:ext cx="1054100" cy="292100"/>
+            </a:xfrm>
+            <a:prstGeom prst="line">
+              <a:avLst/>
+            </a:prstGeom>
+            <a:noFill/>
+            <a:ln w="9525" cap="rnd">
+              <a:solidFill>
+                <a:schemeClr val="tx1"/>
+              </a:solidFill>
+              <a:prstDash val="sysDot"/>
+              <a:round/>
+              <a:headEnd/>
+              <a:tailEnd/>
+            </a:ln>
+            <a:effectLst/>
+            <a:extLst>
+              <a:ext uri="{909E8E84-426E-40DD-AFC4-6F175D3DCCD1}">
+                <a14:hiddenFill xmlns:a14="http://schemas.microsoft.com/office/drawing/2010/main">
+                  <a:noFill/>
+                </a14:hiddenFill>
+              </a:ext>
+              <a:ext uri="{AF507438-7753-43E0-B8FC-AC1667EBCBE1}">
+                <a14:hiddenEffects xmlns:a14="http://schemas.microsoft.com/office/drawing/2010/main">
+                  <a:effectLst>
+                    <a:outerShdw dist="35921" dir="2700000" algn="ctr" rotWithShape="0">
+                      <a:schemeClr val="bg2"/>
+                    </a:outerShdw>
+                  </a:effectLst>
+                </a14:hiddenEffects>
+              </a:ext>
+            </a:extLst>
+          </p:spPr>
+          <p:txBody>
+            <a:bodyPr/>
+            <a:lstStyle/>
+            <a:p>
+              <a:pPr>
+                <a:buNone/>
+              </a:pPr>
+              <a:endParaRPr lang="ru-RU"/>
+            </a:p>
+          </p:txBody>
+        </p:sp>
+        <p:sp>
+          <p:nvSpPr>
+            <p:cNvPr id="89" name="Line 50"/>
+            <p:cNvSpPr>
+              <a:spLocks noChangeShapeType="1"/>
+            </p:cNvSpPr>
+            <p:nvPr/>
+          </p:nvSpPr>
+          <p:spPr bwMode="auto">
+            <a:xfrm flipV="1">
+              <a:off x="5651500" y="1968500"/>
+              <a:ext cx="444500" cy="63500"/>
+            </a:xfrm>
+            <a:prstGeom prst="line">
+              <a:avLst/>
+            </a:prstGeom>
+            <a:noFill/>
+            <a:ln w="9525" cap="rnd">
+              <a:solidFill>
+                <a:schemeClr val="tx1"/>
+              </a:solidFill>
+              <a:prstDash val="sysDot"/>
+              <a:round/>
+              <a:headEnd/>
+              <a:tailEnd/>
+            </a:ln>
+            <a:effectLst/>
+            <a:extLst>
+              <a:ext uri="{909E8E84-426E-40DD-AFC4-6F175D3DCCD1}">
+                <a14:hiddenFill xmlns:a14="http://schemas.microsoft.com/office/drawing/2010/main">
+                  <a:noFill/>
+                </a14:hiddenFill>
+              </a:ext>
+              <a:ext uri="{AF507438-7753-43E0-B8FC-AC1667EBCBE1}">
+                <a14:hiddenEffects xmlns:a14="http://schemas.microsoft.com/office/drawing/2010/main">
+                  <a:effectLst>
+                    <a:outerShdw dist="35921" dir="2700000" algn="ctr" rotWithShape="0">
+                      <a:schemeClr val="bg2"/>
+                    </a:outerShdw>
+                  </a:effectLst>
+                </a14:hiddenEffects>
+              </a:ext>
+            </a:extLst>
+          </p:spPr>
+          <p:txBody>
+            <a:bodyPr/>
+            <a:lstStyle/>
+            <a:p>
+              <a:pPr>
+                <a:buNone/>
+              </a:pPr>
+              <a:endParaRPr lang="ru-RU"/>
+            </a:p>
+          </p:txBody>
+        </p:sp>
+        <p:sp>
+          <p:nvSpPr>
+            <p:cNvPr id="90" name="Line 51"/>
+            <p:cNvSpPr>
+              <a:spLocks noChangeShapeType="1"/>
+            </p:cNvSpPr>
+            <p:nvPr/>
+          </p:nvSpPr>
+          <p:spPr bwMode="auto">
+            <a:xfrm>
+              <a:off x="3543300" y="1943100"/>
+              <a:ext cx="355600" cy="63500"/>
+            </a:xfrm>
+            <a:prstGeom prst="line">
+              <a:avLst/>
+            </a:prstGeom>
+            <a:noFill/>
+            <a:ln w="9525" cap="rnd">
+              <a:solidFill>
+                <a:schemeClr val="tx1"/>
+              </a:solidFill>
+              <a:prstDash val="sysDot"/>
+              <a:round/>
+              <a:headEnd/>
+              <a:tailEnd/>
+            </a:ln>
+            <a:effectLst/>
+            <a:extLst>
+              <a:ext uri="{909E8E84-426E-40DD-AFC4-6F175D3DCCD1}">
+                <a14:hiddenFill xmlns:a14="http://schemas.microsoft.com/office/drawing/2010/main">
+                  <a:noFill/>
+                </a14:hiddenFill>
+              </a:ext>
+              <a:ext uri="{AF507438-7753-43E0-B8FC-AC1667EBCBE1}">
+                <a14:hiddenEffects xmlns:a14="http://schemas.microsoft.com/office/drawing/2010/main">
+                  <a:effectLst>
+                    <a:outerShdw dist="35921" dir="2700000" algn="ctr" rotWithShape="0">
+                      <a:schemeClr val="bg2"/>
+                    </a:outerShdw>
+                  </a:effectLst>
+                </a14:hiddenEffects>
+              </a:ext>
+            </a:extLst>
+          </p:spPr>
+          <p:txBody>
+            <a:bodyPr/>
+            <a:lstStyle/>
+            <a:p>
+              <a:pPr>
+                <a:buNone/>
+              </a:pPr>
+              <a:endParaRPr lang="ru-RU"/>
+            </a:p>
+          </p:txBody>
+        </p:sp>
+        <p:sp>
+          <p:nvSpPr>
+            <p:cNvPr id="91" name="Text Box 52"/>
+            <p:cNvSpPr txBox="1">
+              <a:spLocks noChangeArrowheads="1"/>
+            </p:cNvSpPr>
+            <p:nvPr/>
+          </p:nvSpPr>
+          <p:spPr bwMode="auto">
+            <a:xfrm>
+              <a:off x="3860800" y="3683000"/>
+              <a:ext cx="800100" cy="304800"/>
+            </a:xfrm>
+            <a:prstGeom prst="rect">
+              <a:avLst/>
+            </a:prstGeom>
+            <a:noFill/>
+            <a:ln>
+              <a:noFill/>
+            </a:ln>
+            <a:effectLst/>
+            <a:extLst>
+              <a:ext uri="{909E8E84-426E-40DD-AFC4-6F175D3DCCD1}">
+                <a14:hiddenFill xmlns:a14="http://schemas.microsoft.com/office/drawing/2010/main">
+                  <a:solidFill>
+                    <a:schemeClr val="accent1"/>
+                  </a:solidFill>
+                </a14:hiddenFill>
+              </a:ext>
+              <a:ext uri="{91240B29-F687-4F45-9708-019B960494DF}">
+                <a14:hiddenLine xmlns:a14="http://schemas.microsoft.com/office/drawing/2010/main" w="9525">
+                  <a:solidFill>
+                    <a:schemeClr val="tx1"/>
+                  </a:solidFill>
+                  <a:miter lim="800000"/>
+                  <a:headEnd/>
+                  <a:tailEnd/>
+                </a14:hiddenLine>
+              </a:ext>
+              <a:ext uri="{AF507438-7753-43E0-B8FC-AC1667EBCBE1}">
+                <a14:hiddenEffects xmlns:a14="http://schemas.microsoft.com/office/drawing/2010/main">
+                  <a:effectLst>
+                    <a:outerShdw dist="35921" dir="2700000" algn="ctr" rotWithShape="0">
+                      <a:schemeClr val="bg2"/>
+                    </a:outerShdw>
+                  </a:effectLst>
+                </a14:hiddenEffects>
+              </a:ext>
+            </a:extLst>
+          </p:spPr>
+          <p:txBody>
+            <a:bodyPr>
+              <a:spAutoFit/>
+            </a:bodyPr>
+            <a:lstStyle/>
+            <a:p>
+              <a:pPr>
+                <a:spcBef>
+                  <a:spcPct val="50000"/>
+                </a:spcBef>
+                <a:buNone/>
+              </a:pPr>
+              <a:r>
+                <a:rPr lang="en-GB" altLang="ru-RU" sz="1400">
+                  <a:latin typeface="Arial Narrow" pitchFamily="34" charset="0"/>
+                </a:rPr>
+                <a:t>IP1, IP2</a:t>
+              </a:r>
+              <a:endParaRPr lang="ru-RU" altLang="ru-RU" sz="1400">
+                <a:latin typeface="Arial Narrow" pitchFamily="34" charset="0"/>
+              </a:endParaRPr>
+            </a:p>
+          </p:txBody>
+        </p:sp>
+      </p:grpSp>
+    </p:spTree>
+    <p:extLst>
+      <p:ext uri="{BB962C8B-B14F-4D97-AF65-F5344CB8AC3E}">
+        <p14:creationId xmlns:p14="http://schemas.microsoft.com/office/powerpoint/2010/main" val="3415734416"/>
       </p:ext>
     </p:extLst>
   </p:cSld>
@@ -14448,7 +21841,7 @@
           <a:graphicData uri="http://schemas.openxmlformats.org/presentationml/2006/ole">
             <mc:AlternateContent xmlns:mc="http://schemas.openxmlformats.org/markup-compatibility/2006">
               <mc:Choice xmlns:v="urn:schemas-microsoft-com:vml" Requires="v">
-                <p:oleObj spid="_x0000_s211994" name="CorelDRAW" r:id="rId3" imgW="3329026" imgH="1716634" progId="CorelDRAW.Graphic.11">
+                <p:oleObj spid="_x0000_s212005" name="CorelDRAW" r:id="rId3" imgW="3329026" imgH="1716634" progId="CorelDRAW.Graphic.11">
                   <p:embed/>
                 </p:oleObj>
               </mc:Choice>
